--- a/yolov7/doc/networks.pptx
+++ b/yolov7/doc/networks.pptx
@@ -16,6 +16,9 @@
     <p:sldId id="264" r:id="rId10"/>
     <p:sldId id="266" r:id="rId11"/>
     <p:sldId id="267" r:id="rId12"/>
+    <p:sldId id="268" r:id="rId13"/>
+    <p:sldId id="269" r:id="rId14"/>
+    <p:sldId id="270" r:id="rId15"/>
   </p:sldIdLst>
   <p:sldSz cx="12192000" cy="6858000"/>
   <p:notesSz cx="6858000" cy="9144000"/>
@@ -5449,13 +5452,8 @@
           <a:p>
             <a:r>
               <a:rPr lang="en-US" dirty="0"/>
-              <a:t>Anchors were inputted in image pixel unit and divided by stride to turn them into </a:t>
-            </a:r>
-            <a:r>
-              <a:rPr lang="en-US"/>
-              <a:t>grid units.</a:t>
-            </a:r>
-            <a:endParaRPr lang="en-US" dirty="0"/>
+              <a:t>Anchors were inputted in image pixel unit and divided by stride to turn them into grid units.</a:t>
+            </a:r>
           </a:p>
         </p:txBody>
       </p:sp>
@@ -5463,6 +5461,9055 @@
     <p:extLst>
       <p:ext uri="{BB962C8B-B14F-4D97-AF65-F5344CB8AC3E}">
         <p14:creationId xmlns:p14="http://schemas.microsoft.com/office/powerpoint/2010/main" val="835395883"/>
+      </p:ext>
+    </p:extLst>
+  </p:cSld>
+  <p:clrMapOvr>
+    <a:masterClrMapping/>
+  </p:clrMapOvr>
+</p:sld>
+</file>
+
+<file path=ppt/slides/slide12.xml><?xml version="1.0" encoding="utf-8"?>
+<p:sld xmlns:a="http://schemas.openxmlformats.org/drawingml/2006/main" xmlns:r="http://schemas.openxmlformats.org/officeDocument/2006/relationships" xmlns:p="http://schemas.openxmlformats.org/presentationml/2006/main">
+  <p:cSld>
+    <p:spTree>
+      <p:nvGrpSpPr>
+        <p:cNvPr id="1" name=""/>
+        <p:cNvGrpSpPr/>
+        <p:nvPr/>
+      </p:nvGrpSpPr>
+      <p:grpSpPr>
+        <a:xfrm>
+          <a:off x="0" y="0"/>
+          <a:ext cx="0" cy="0"/>
+          <a:chOff x="0" y="0"/>
+          <a:chExt cx="0" cy="0"/>
+        </a:xfrm>
+      </p:grpSpPr>
+      <p:sp>
+        <p:nvSpPr>
+          <p:cNvPr id="8" name="Oval 7">
+            <a:extLst>
+              <a:ext uri="{FF2B5EF4-FFF2-40B4-BE49-F238E27FC236}">
+                <a16:creationId xmlns:a16="http://schemas.microsoft.com/office/drawing/2014/main" id="{575610D6-15BE-55EC-A4D1-EE58A21B1A97}"/>
+              </a:ext>
+            </a:extLst>
+          </p:cNvPr>
+          <p:cNvSpPr/>
+          <p:nvPr/>
+        </p:nvSpPr>
+        <p:spPr>
+          <a:xfrm>
+            <a:off x="6245226" y="2910914"/>
+            <a:ext cx="47625" cy="45719"/>
+          </a:xfrm>
+          <a:prstGeom prst="ellipse">
+            <a:avLst/>
+          </a:prstGeom>
+          <a:solidFill>
+            <a:schemeClr val="tx1"/>
+          </a:solidFill>
+          <a:ln>
+            <a:noFill/>
+          </a:ln>
+        </p:spPr>
+        <p:style>
+          <a:lnRef idx="2">
+            <a:schemeClr val="accent1">
+              <a:shade val="15000"/>
+            </a:schemeClr>
+          </a:lnRef>
+          <a:fillRef idx="1">
+            <a:schemeClr val="accent1"/>
+          </a:fillRef>
+          <a:effectRef idx="0">
+            <a:schemeClr val="accent1"/>
+          </a:effectRef>
+          <a:fontRef idx="minor">
+            <a:schemeClr val="lt1"/>
+          </a:fontRef>
+        </p:style>
+        <p:txBody>
+          <a:bodyPr rtlCol="0" anchor="ctr"/>
+          <a:lstStyle/>
+          <a:p>
+            <a:pPr algn="ctr"/>
+            <a:endParaRPr lang="en-US"/>
+          </a:p>
+        </p:txBody>
+      </p:sp>
+      <p:sp>
+        <p:nvSpPr>
+          <p:cNvPr id="4" name="TextBox 3">
+            <a:extLst>
+              <a:ext uri="{FF2B5EF4-FFF2-40B4-BE49-F238E27FC236}">
+                <a16:creationId xmlns:a16="http://schemas.microsoft.com/office/drawing/2014/main" id="{B24A06ED-53F0-7EA8-3B54-625B55C884A9}"/>
+              </a:ext>
+            </a:extLst>
+          </p:cNvPr>
+          <p:cNvSpPr txBox="1"/>
+          <p:nvPr/>
+        </p:nvSpPr>
+        <p:spPr>
+          <a:xfrm>
+            <a:off x="352425" y="447675"/>
+            <a:ext cx="5991225" cy="461665"/>
+          </a:xfrm>
+          <a:prstGeom prst="rect">
+            <a:avLst/>
+          </a:prstGeom>
+          <a:noFill/>
+        </p:spPr>
+        <p:txBody>
+          <a:bodyPr wrap="square" rtlCol="0">
+            <a:spAutoFit/>
+          </a:bodyPr>
+          <a:lstStyle/>
+          <a:p>
+            <a:r>
+              <a:rPr lang="en-US" sz="2400" b="1" dirty="0"/>
+              <a:t>Bounding box estimation</a:t>
+            </a:r>
+          </a:p>
+        </p:txBody>
+      </p:sp>
+      <mc:AlternateContent xmlns:mc="http://schemas.openxmlformats.org/markup-compatibility/2006">
+        <mc:Choice xmlns:a14="http://schemas.microsoft.com/office/drawing/2010/main" Requires="a14">
+          <p:sp>
+            <p:nvSpPr>
+              <p:cNvPr id="5" name="TextBox 4">
+                <a:extLst>
+                  <a:ext uri="{FF2B5EF4-FFF2-40B4-BE49-F238E27FC236}">
+                    <a16:creationId xmlns:a16="http://schemas.microsoft.com/office/drawing/2014/main" id="{EEFAF253-C194-1259-5788-D6C37FAE3879}"/>
+                  </a:ext>
+                </a:extLst>
+              </p:cNvPr>
+              <p:cNvSpPr txBox="1"/>
+              <p:nvPr/>
+            </p:nvSpPr>
+            <p:spPr>
+              <a:xfrm>
+                <a:off x="352424" y="1118116"/>
+                <a:ext cx="11515725" cy="923330"/>
+              </a:xfrm>
+              <a:prstGeom prst="rect">
+                <a:avLst/>
+              </a:prstGeom>
+              <a:noFill/>
+            </p:spPr>
+            <p:txBody>
+              <a:bodyPr wrap="square" rtlCol="0">
+                <a:spAutoFit/>
+              </a:bodyPr>
+              <a:lstStyle/>
+              <a:p>
+                <a:r>
+                  <a:rPr lang="en-US" dirty="0"/>
+                  <a:t>YOLO returns </a:t>
+                </a:r>
+                <a14:m>
+                  <m:oMath xmlns:m="http://schemas.openxmlformats.org/officeDocument/2006/math">
+                    <m:r>
+                      <a:rPr lang="en-US" i="1" dirty="0" smtClean="0">
+                        <a:latin typeface="Cambria Math" panose="02040503050406030204" pitchFamily="18" charset="0"/>
+                      </a:rPr>
+                      <m:t>𝑁</m:t>
+                    </m:r>
+                    <m:r>
+                      <a:rPr lang="en-US" i="1" dirty="0" smtClean="0">
+                        <a:latin typeface="Cambria Math" panose="02040503050406030204" pitchFamily="18" charset="0"/>
+                      </a:rPr>
+                      <m:t> </m:t>
+                    </m:r>
+                  </m:oMath>
+                </a14:m>
+                <a:r>
+                  <a:rPr lang="en-US" b="1" dirty="0"/>
+                  <a:t>bounding boxes </a:t>
+                </a:r>
+                <a:r>
+                  <a:rPr lang="en-US" dirty="0"/>
+                  <a:t>per feature map grid, where </a:t>
+                </a:r>
+                <a14:m>
+                  <m:oMath xmlns:m="http://schemas.openxmlformats.org/officeDocument/2006/math">
+                    <m:r>
+                      <a:rPr lang="en-US" i="1" dirty="0" smtClean="0">
+                        <a:latin typeface="Cambria Math" panose="02040503050406030204" pitchFamily="18" charset="0"/>
+                      </a:rPr>
+                      <m:t>𝑁</m:t>
+                    </m:r>
+                    <m:r>
+                      <a:rPr lang="en-US" b="0" i="1" dirty="0" smtClean="0">
+                        <a:latin typeface="Cambria Math" panose="02040503050406030204" pitchFamily="18" charset="0"/>
+                      </a:rPr>
+                      <m:t> </m:t>
+                    </m:r>
+                  </m:oMath>
+                </a14:m>
+                <a:r>
+                  <a:rPr lang="en-US" dirty="0"/>
+                  <a:t>is the number of anchors. These bounding box are originally defined by their </a:t>
+                </a:r>
+                <a:r>
+                  <a:rPr lang="en-US" b="1" dirty="0"/>
+                  <a:t>center</a:t>
+                </a:r>
+                <a:r>
+                  <a:rPr lang="en-US" dirty="0"/>
+                  <a:t> (at the feature grid location </a:t>
+                </a:r>
+                <a14:m>
+                  <m:oMath xmlns:m="http://schemas.openxmlformats.org/officeDocument/2006/math">
+                    <m:r>
+                      <a:rPr lang="en-US" i="1" dirty="0" smtClean="0">
+                        <a:latin typeface="Cambria Math" panose="02040503050406030204" pitchFamily="18" charset="0"/>
+                      </a:rPr>
+                      <m:t>(</m:t>
+                    </m:r>
+                    <m:r>
+                      <a:rPr lang="en-US" i="1" dirty="0" err="1">
+                        <a:latin typeface="Cambria Math" panose="02040503050406030204" pitchFamily="18" charset="0"/>
+                      </a:rPr>
+                      <m:t>𝑖</m:t>
+                    </m:r>
+                    <m:r>
+                      <a:rPr lang="en-US" i="1" dirty="0" err="1" smtClean="0">
+                        <a:latin typeface="Cambria Math" panose="02040503050406030204" pitchFamily="18" charset="0"/>
+                      </a:rPr>
+                      <m:t>,</m:t>
+                    </m:r>
+                    <m:r>
+                      <a:rPr lang="en-US" i="1" dirty="0" err="1" smtClean="0">
+                        <a:latin typeface="Cambria Math" panose="02040503050406030204" pitchFamily="18" charset="0"/>
+                      </a:rPr>
+                      <m:t>𝑗</m:t>
+                    </m:r>
+                    <m:r>
+                      <a:rPr lang="en-US" i="1" dirty="0" smtClean="0">
+                        <a:latin typeface="Cambria Math" panose="02040503050406030204" pitchFamily="18" charset="0"/>
+                      </a:rPr>
+                      <m:t>) </m:t>
+                    </m:r>
+                  </m:oMath>
+                </a14:m>
+                <a:r>
+                  <a:rPr lang="en-US" dirty="0"/>
+                  <a:t>mapped to the image pixel space</a:t>
+                </a:r>
+                <a14:m>
+                  <m:oMath xmlns:m="http://schemas.openxmlformats.org/officeDocument/2006/math">
+                    <m:r>
+                      <a:rPr lang="en-US" i="1" dirty="0" smtClean="0">
+                        <a:latin typeface="Cambria Math" panose="02040503050406030204" pitchFamily="18" charset="0"/>
+                      </a:rPr>
+                      <m:t> (</m:t>
+                    </m:r>
+                    <m:r>
+                      <a:rPr lang="en-US" b="0" i="1" dirty="0" smtClean="0">
+                        <a:latin typeface="Cambria Math" panose="02040503050406030204" pitchFamily="18" charset="0"/>
+                      </a:rPr>
+                      <m:t>𝑖</m:t>
+                    </m:r>
+                    <m:r>
+                      <a:rPr lang="en-US" b="0" i="1" dirty="0" smtClean="0">
+                        <a:latin typeface="Cambria Math" panose="02040503050406030204" pitchFamily="18" charset="0"/>
+                      </a:rPr>
+                      <m:t>×</m:t>
+                    </m:r>
+                    <m:r>
+                      <m:rPr>
+                        <m:sty m:val="p"/>
+                      </m:rPr>
+                      <a:rPr lang="en-US" b="0" i="0" dirty="0" smtClean="0">
+                        <a:latin typeface="Cambria Math" panose="02040503050406030204" pitchFamily="18" charset="0"/>
+                      </a:rPr>
+                      <m:t>stride</m:t>
+                    </m:r>
+                    <m:r>
+                      <a:rPr lang="en-US" b="0" i="1" dirty="0" smtClean="0">
+                        <a:latin typeface="Cambria Math" panose="02040503050406030204" pitchFamily="18" charset="0"/>
+                      </a:rPr>
+                      <m:t>, </m:t>
+                    </m:r>
+                    <m:r>
+                      <a:rPr lang="en-US" b="0" i="1" dirty="0" smtClean="0">
+                        <a:latin typeface="Cambria Math" panose="02040503050406030204" pitchFamily="18" charset="0"/>
+                      </a:rPr>
+                      <m:t>𝑗</m:t>
+                    </m:r>
+                    <m:r>
+                      <a:rPr lang="en-US" b="0" i="1" dirty="0" smtClean="0">
+                        <a:latin typeface="Cambria Math" panose="02040503050406030204" pitchFamily="18" charset="0"/>
+                      </a:rPr>
+                      <m:t>×</m:t>
+                    </m:r>
+                    <m:r>
+                      <m:rPr>
+                        <m:sty m:val="p"/>
+                      </m:rPr>
+                      <a:rPr lang="en-US" b="0" i="0" dirty="0" smtClean="0">
+                        <a:latin typeface="Cambria Math" panose="02040503050406030204" pitchFamily="18" charset="0"/>
+                      </a:rPr>
+                      <m:t>stride</m:t>
+                    </m:r>
+                    <m:r>
+                      <a:rPr lang="en-US" i="1" dirty="0" smtClean="0">
+                        <a:latin typeface="Cambria Math" panose="02040503050406030204" pitchFamily="18" charset="0"/>
+                      </a:rPr>
+                      <m:t>)</m:t>
+                    </m:r>
+                  </m:oMath>
+                </a14:m>
+                <a:r>
+                  <a:rPr lang="en-US" dirty="0"/>
+                  <a:t>) and their </a:t>
+                </a:r>
+                <a:r>
+                  <a:rPr lang="en-US" b="1" dirty="0"/>
+                  <a:t>width</a:t>
+                </a:r>
+                <a:r>
+                  <a:rPr lang="en-US" dirty="0"/>
+                  <a:t> and </a:t>
+                </a:r>
+                <a:r>
+                  <a:rPr lang="en-US" b="1" dirty="0"/>
+                  <a:t>height</a:t>
+                </a:r>
+                <a:r>
+                  <a:rPr lang="en-US" dirty="0"/>
+                  <a:t> as inputted by users. </a:t>
+                </a:r>
+              </a:p>
+            </p:txBody>
+          </p:sp>
+        </mc:Choice>
+        <mc:Fallback>
+          <p:sp>
+            <p:nvSpPr>
+              <p:cNvPr id="5" name="TextBox 4">
+                <a:extLst>
+                  <a:ext uri="{FF2B5EF4-FFF2-40B4-BE49-F238E27FC236}">
+                    <a16:creationId xmlns:a16="http://schemas.microsoft.com/office/drawing/2014/main" id="{EEFAF253-C194-1259-5788-D6C37FAE3879}"/>
+                  </a:ext>
+                </a:extLst>
+              </p:cNvPr>
+              <p:cNvSpPr txBox="1">
+                <a:spLocks noRot="1" noChangeAspect="1" noMove="1" noResize="1" noEditPoints="1" noAdjustHandles="1" noChangeArrowheads="1" noChangeShapeType="1" noTextEdit="1"/>
+              </p:cNvSpPr>
+              <p:nvPr/>
+            </p:nvSpPr>
+            <p:spPr>
+              <a:xfrm>
+                <a:off x="352424" y="1118116"/>
+                <a:ext cx="11515725" cy="923330"/>
+              </a:xfrm>
+              <a:prstGeom prst="rect">
+                <a:avLst/>
+              </a:prstGeom>
+              <a:blipFill>
+                <a:blip r:embed="rId2"/>
+                <a:stretch>
+                  <a:fillRect l="-476" t="-2632" b="-9868"/>
+                </a:stretch>
+              </a:blipFill>
+            </p:spPr>
+            <p:txBody>
+              <a:bodyPr/>
+              <a:lstStyle/>
+              <a:p>
+                <a:r>
+                  <a:rPr lang="en-US">
+                    <a:noFill/>
+                  </a:rPr>
+                  <a:t> </a:t>
+                </a:r>
+              </a:p>
+            </p:txBody>
+          </p:sp>
+        </mc:Fallback>
+      </mc:AlternateContent>
+      <p:graphicFrame>
+        <p:nvGraphicFramePr>
+          <p:cNvPr id="6" name="Table 5">
+            <a:extLst>
+              <a:ext uri="{FF2B5EF4-FFF2-40B4-BE49-F238E27FC236}">
+                <a16:creationId xmlns:a16="http://schemas.microsoft.com/office/drawing/2014/main" id="{C81493B2-C48F-40F8-F326-E0FFE0483670}"/>
+              </a:ext>
+            </a:extLst>
+          </p:cNvPr>
+          <p:cNvGraphicFramePr>
+            <a:graphicFrameLocks noGrp="1"/>
+          </p:cNvGraphicFramePr>
+          <p:nvPr>
+            <p:extLst>
+              <p:ext uri="{D42A27DB-BD31-4B8C-83A1-F6EECF244321}">
+                <p14:modId xmlns:p14="http://schemas.microsoft.com/office/powerpoint/2010/main" val="1705860479"/>
+              </p:ext>
+            </p:extLst>
+          </p:nvPr>
+        </p:nvGraphicFramePr>
+        <p:xfrm>
+          <a:off x="6096001" y="2737976"/>
+          <a:ext cx="1120776" cy="1097280"/>
+        </p:xfrm>
+        <a:graphic>
+          <a:graphicData uri="http://schemas.openxmlformats.org/drawingml/2006/table">
+            <a:tbl>
+              <a:tblPr firstRow="1" bandRow="1">
+                <a:tableStyleId>{5C22544A-7EE6-4342-B048-85BDC9FD1C3A}</a:tableStyleId>
+              </a:tblPr>
+              <a:tblGrid>
+                <a:gridCol w="373592">
+                  <a:extLst>
+                    <a:ext uri="{9D8B030D-6E8A-4147-A177-3AD203B41FA5}">
+                      <a16:colId xmlns:a16="http://schemas.microsoft.com/office/drawing/2014/main" val="1468508236"/>
+                    </a:ext>
+                  </a:extLst>
+                </a:gridCol>
+                <a:gridCol w="373592">
+                  <a:extLst>
+                    <a:ext uri="{9D8B030D-6E8A-4147-A177-3AD203B41FA5}">
+                      <a16:colId xmlns:a16="http://schemas.microsoft.com/office/drawing/2014/main" val="1019239032"/>
+                    </a:ext>
+                  </a:extLst>
+                </a:gridCol>
+                <a:gridCol w="373592">
+                  <a:extLst>
+                    <a:ext uri="{9D8B030D-6E8A-4147-A177-3AD203B41FA5}">
+                      <a16:colId xmlns:a16="http://schemas.microsoft.com/office/drawing/2014/main" val="118799781"/>
+                    </a:ext>
+                  </a:extLst>
+                </a:gridCol>
+              </a:tblGrid>
+              <a:tr h="347486">
+                <a:tc>
+                  <a:txBody>
+                    <a:bodyPr/>
+                    <a:lstStyle/>
+                    <a:p>
+                      <a:endParaRPr lang="en-US"/>
+                    </a:p>
+                  </a:txBody>
+                  <a:tcPr>
+                    <a:lnL w="12700" cap="flat" cmpd="sng" algn="ctr">
+                      <a:solidFill>
+                        <a:schemeClr val="tx1"/>
+                      </a:solidFill>
+                      <a:prstDash val="solid"/>
+                      <a:round/>
+                      <a:headEnd type="none" w="med" len="med"/>
+                      <a:tailEnd type="none" w="med" len="med"/>
+                    </a:lnL>
+                    <a:lnR w="12700" cap="flat" cmpd="sng" algn="ctr">
+                      <a:solidFill>
+                        <a:schemeClr val="tx1"/>
+                      </a:solidFill>
+                      <a:prstDash val="solid"/>
+                      <a:round/>
+                      <a:headEnd type="none" w="med" len="med"/>
+                      <a:tailEnd type="none" w="med" len="med"/>
+                    </a:lnR>
+                    <a:lnT w="12700" cap="flat" cmpd="sng" algn="ctr">
+                      <a:solidFill>
+                        <a:schemeClr val="tx1"/>
+                      </a:solidFill>
+                      <a:prstDash val="solid"/>
+                      <a:round/>
+                      <a:headEnd type="none" w="med" len="med"/>
+                      <a:tailEnd type="none" w="med" len="med"/>
+                    </a:lnT>
+                    <a:lnB w="12700" cap="flat" cmpd="sng" algn="ctr">
+                      <a:solidFill>
+                        <a:schemeClr val="tx1"/>
+                      </a:solidFill>
+                      <a:prstDash val="solid"/>
+                      <a:round/>
+                      <a:headEnd type="none" w="med" len="med"/>
+                      <a:tailEnd type="none" w="med" len="med"/>
+                    </a:lnB>
+                    <a:noFill/>
+                  </a:tcPr>
+                </a:tc>
+                <a:tc>
+                  <a:txBody>
+                    <a:bodyPr/>
+                    <a:lstStyle/>
+                    <a:p>
+                      <a:endParaRPr lang="en-US"/>
+                    </a:p>
+                  </a:txBody>
+                  <a:tcPr>
+                    <a:lnL w="12700" cap="flat" cmpd="sng" algn="ctr">
+                      <a:solidFill>
+                        <a:schemeClr val="tx1"/>
+                      </a:solidFill>
+                      <a:prstDash val="solid"/>
+                      <a:round/>
+                      <a:headEnd type="none" w="med" len="med"/>
+                      <a:tailEnd type="none" w="med" len="med"/>
+                    </a:lnL>
+                    <a:lnR w="12700" cap="flat" cmpd="sng" algn="ctr">
+                      <a:solidFill>
+                        <a:schemeClr val="tx1"/>
+                      </a:solidFill>
+                      <a:prstDash val="solid"/>
+                      <a:round/>
+                      <a:headEnd type="none" w="med" len="med"/>
+                      <a:tailEnd type="none" w="med" len="med"/>
+                    </a:lnR>
+                    <a:lnT w="12700" cap="flat" cmpd="sng" algn="ctr">
+                      <a:solidFill>
+                        <a:schemeClr val="tx1"/>
+                      </a:solidFill>
+                      <a:prstDash val="solid"/>
+                      <a:round/>
+                      <a:headEnd type="none" w="med" len="med"/>
+                      <a:tailEnd type="none" w="med" len="med"/>
+                    </a:lnT>
+                    <a:lnB w="12700" cap="flat" cmpd="sng" algn="ctr">
+                      <a:solidFill>
+                        <a:schemeClr val="tx1"/>
+                      </a:solidFill>
+                      <a:prstDash val="solid"/>
+                      <a:round/>
+                      <a:headEnd type="none" w="med" len="med"/>
+                      <a:tailEnd type="none" w="med" len="med"/>
+                    </a:lnB>
+                    <a:noFill/>
+                  </a:tcPr>
+                </a:tc>
+                <a:tc>
+                  <a:txBody>
+                    <a:bodyPr/>
+                    <a:lstStyle/>
+                    <a:p>
+                      <a:endParaRPr lang="en-US"/>
+                    </a:p>
+                  </a:txBody>
+                  <a:tcPr>
+                    <a:lnL w="12700" cap="flat" cmpd="sng" algn="ctr">
+                      <a:solidFill>
+                        <a:schemeClr val="tx1"/>
+                      </a:solidFill>
+                      <a:prstDash val="solid"/>
+                      <a:round/>
+                      <a:headEnd type="none" w="med" len="med"/>
+                      <a:tailEnd type="none" w="med" len="med"/>
+                    </a:lnL>
+                    <a:lnR w="12700" cap="flat" cmpd="sng" algn="ctr">
+                      <a:solidFill>
+                        <a:schemeClr val="tx1"/>
+                      </a:solidFill>
+                      <a:prstDash val="solid"/>
+                      <a:round/>
+                      <a:headEnd type="none" w="med" len="med"/>
+                      <a:tailEnd type="none" w="med" len="med"/>
+                    </a:lnR>
+                    <a:lnT w="12700" cap="flat" cmpd="sng" algn="ctr">
+                      <a:solidFill>
+                        <a:schemeClr val="tx1"/>
+                      </a:solidFill>
+                      <a:prstDash val="solid"/>
+                      <a:round/>
+                      <a:headEnd type="none" w="med" len="med"/>
+                      <a:tailEnd type="none" w="med" len="med"/>
+                    </a:lnT>
+                    <a:lnB w="12700" cap="flat" cmpd="sng" algn="ctr">
+                      <a:solidFill>
+                        <a:schemeClr val="tx1"/>
+                      </a:solidFill>
+                      <a:prstDash val="solid"/>
+                      <a:round/>
+                      <a:headEnd type="none" w="med" len="med"/>
+                      <a:tailEnd type="none" w="med" len="med"/>
+                    </a:lnB>
+                    <a:noFill/>
+                  </a:tcPr>
+                </a:tc>
+                <a:extLst>
+                  <a:ext uri="{0D108BD9-81ED-4DB2-BD59-A6C34878D82A}">
+                    <a16:rowId xmlns:a16="http://schemas.microsoft.com/office/drawing/2014/main" val="2437486061"/>
+                  </a:ext>
+                </a:extLst>
+              </a:tr>
+              <a:tr h="347486">
+                <a:tc>
+                  <a:txBody>
+                    <a:bodyPr/>
+                    <a:lstStyle/>
+                    <a:p>
+                      <a:endParaRPr lang="en-US"/>
+                    </a:p>
+                  </a:txBody>
+                  <a:tcPr>
+                    <a:lnL w="12700" cap="flat" cmpd="sng" algn="ctr">
+                      <a:solidFill>
+                        <a:schemeClr val="tx1"/>
+                      </a:solidFill>
+                      <a:prstDash val="solid"/>
+                      <a:round/>
+                      <a:headEnd type="none" w="med" len="med"/>
+                      <a:tailEnd type="none" w="med" len="med"/>
+                    </a:lnL>
+                    <a:lnR w="12700" cap="flat" cmpd="sng" algn="ctr">
+                      <a:solidFill>
+                        <a:schemeClr val="tx1"/>
+                      </a:solidFill>
+                      <a:prstDash val="solid"/>
+                      <a:round/>
+                      <a:headEnd type="none" w="med" len="med"/>
+                      <a:tailEnd type="none" w="med" len="med"/>
+                    </a:lnR>
+                    <a:lnT w="12700" cap="flat" cmpd="sng" algn="ctr">
+                      <a:solidFill>
+                        <a:schemeClr val="tx1"/>
+                      </a:solidFill>
+                      <a:prstDash val="solid"/>
+                      <a:round/>
+                      <a:headEnd type="none" w="med" len="med"/>
+                      <a:tailEnd type="none" w="med" len="med"/>
+                    </a:lnT>
+                    <a:lnB w="12700" cap="flat" cmpd="sng" algn="ctr">
+                      <a:solidFill>
+                        <a:schemeClr val="tx1"/>
+                      </a:solidFill>
+                      <a:prstDash val="solid"/>
+                      <a:round/>
+                      <a:headEnd type="none" w="med" len="med"/>
+                      <a:tailEnd type="none" w="med" len="med"/>
+                    </a:lnB>
+                    <a:noFill/>
+                  </a:tcPr>
+                </a:tc>
+                <a:tc>
+                  <a:txBody>
+                    <a:bodyPr/>
+                    <a:lstStyle/>
+                    <a:p>
+                      <a:endParaRPr lang="en-US"/>
+                    </a:p>
+                  </a:txBody>
+                  <a:tcPr>
+                    <a:lnL w="12700" cap="flat" cmpd="sng" algn="ctr">
+                      <a:solidFill>
+                        <a:schemeClr val="tx1"/>
+                      </a:solidFill>
+                      <a:prstDash val="solid"/>
+                      <a:round/>
+                      <a:headEnd type="none" w="med" len="med"/>
+                      <a:tailEnd type="none" w="med" len="med"/>
+                    </a:lnL>
+                    <a:lnR w="12700" cap="flat" cmpd="sng" algn="ctr">
+                      <a:solidFill>
+                        <a:schemeClr val="tx1"/>
+                      </a:solidFill>
+                      <a:prstDash val="solid"/>
+                      <a:round/>
+                      <a:headEnd type="none" w="med" len="med"/>
+                      <a:tailEnd type="none" w="med" len="med"/>
+                    </a:lnR>
+                    <a:lnT w="12700" cap="flat" cmpd="sng" algn="ctr">
+                      <a:solidFill>
+                        <a:schemeClr val="tx1"/>
+                      </a:solidFill>
+                      <a:prstDash val="solid"/>
+                      <a:round/>
+                      <a:headEnd type="none" w="med" len="med"/>
+                      <a:tailEnd type="none" w="med" len="med"/>
+                    </a:lnT>
+                    <a:lnB w="12700" cap="flat" cmpd="sng" algn="ctr">
+                      <a:solidFill>
+                        <a:schemeClr val="tx1"/>
+                      </a:solidFill>
+                      <a:prstDash val="solid"/>
+                      <a:round/>
+                      <a:headEnd type="none" w="med" len="med"/>
+                      <a:tailEnd type="none" w="med" len="med"/>
+                    </a:lnB>
+                    <a:noFill/>
+                  </a:tcPr>
+                </a:tc>
+                <a:tc>
+                  <a:txBody>
+                    <a:bodyPr/>
+                    <a:lstStyle/>
+                    <a:p>
+                      <a:endParaRPr lang="en-US"/>
+                    </a:p>
+                  </a:txBody>
+                  <a:tcPr>
+                    <a:lnL w="12700" cap="flat" cmpd="sng" algn="ctr">
+                      <a:solidFill>
+                        <a:schemeClr val="tx1"/>
+                      </a:solidFill>
+                      <a:prstDash val="solid"/>
+                      <a:round/>
+                      <a:headEnd type="none" w="med" len="med"/>
+                      <a:tailEnd type="none" w="med" len="med"/>
+                    </a:lnL>
+                    <a:lnR w="12700" cap="flat" cmpd="sng" algn="ctr">
+                      <a:solidFill>
+                        <a:schemeClr val="tx1"/>
+                      </a:solidFill>
+                      <a:prstDash val="solid"/>
+                      <a:round/>
+                      <a:headEnd type="none" w="med" len="med"/>
+                      <a:tailEnd type="none" w="med" len="med"/>
+                    </a:lnR>
+                    <a:lnT w="12700" cap="flat" cmpd="sng" algn="ctr">
+                      <a:solidFill>
+                        <a:schemeClr val="tx1"/>
+                      </a:solidFill>
+                      <a:prstDash val="solid"/>
+                      <a:round/>
+                      <a:headEnd type="none" w="med" len="med"/>
+                      <a:tailEnd type="none" w="med" len="med"/>
+                    </a:lnT>
+                    <a:lnB w="12700" cap="flat" cmpd="sng" algn="ctr">
+                      <a:solidFill>
+                        <a:schemeClr val="tx1"/>
+                      </a:solidFill>
+                      <a:prstDash val="solid"/>
+                      <a:round/>
+                      <a:headEnd type="none" w="med" len="med"/>
+                      <a:tailEnd type="none" w="med" len="med"/>
+                    </a:lnB>
+                    <a:noFill/>
+                  </a:tcPr>
+                </a:tc>
+                <a:extLst>
+                  <a:ext uri="{0D108BD9-81ED-4DB2-BD59-A6C34878D82A}">
+                    <a16:rowId xmlns:a16="http://schemas.microsoft.com/office/drawing/2014/main" val="495487966"/>
+                  </a:ext>
+                </a:extLst>
+              </a:tr>
+              <a:tr h="347486">
+                <a:tc>
+                  <a:txBody>
+                    <a:bodyPr/>
+                    <a:lstStyle/>
+                    <a:p>
+                      <a:endParaRPr lang="en-US"/>
+                    </a:p>
+                  </a:txBody>
+                  <a:tcPr>
+                    <a:lnL w="12700" cap="flat" cmpd="sng" algn="ctr">
+                      <a:solidFill>
+                        <a:schemeClr val="tx1"/>
+                      </a:solidFill>
+                      <a:prstDash val="solid"/>
+                      <a:round/>
+                      <a:headEnd type="none" w="med" len="med"/>
+                      <a:tailEnd type="none" w="med" len="med"/>
+                    </a:lnL>
+                    <a:lnR w="12700" cap="flat" cmpd="sng" algn="ctr">
+                      <a:solidFill>
+                        <a:schemeClr val="tx1"/>
+                      </a:solidFill>
+                      <a:prstDash val="solid"/>
+                      <a:round/>
+                      <a:headEnd type="none" w="med" len="med"/>
+                      <a:tailEnd type="none" w="med" len="med"/>
+                    </a:lnR>
+                    <a:lnT w="12700" cap="flat" cmpd="sng" algn="ctr">
+                      <a:solidFill>
+                        <a:schemeClr val="tx1"/>
+                      </a:solidFill>
+                      <a:prstDash val="solid"/>
+                      <a:round/>
+                      <a:headEnd type="none" w="med" len="med"/>
+                      <a:tailEnd type="none" w="med" len="med"/>
+                    </a:lnT>
+                    <a:lnB w="12700" cap="flat" cmpd="sng" algn="ctr">
+                      <a:solidFill>
+                        <a:schemeClr val="tx1"/>
+                      </a:solidFill>
+                      <a:prstDash val="solid"/>
+                      <a:round/>
+                      <a:headEnd type="none" w="med" len="med"/>
+                      <a:tailEnd type="none" w="med" len="med"/>
+                    </a:lnB>
+                    <a:noFill/>
+                  </a:tcPr>
+                </a:tc>
+                <a:tc>
+                  <a:txBody>
+                    <a:bodyPr/>
+                    <a:lstStyle/>
+                    <a:p>
+                      <a:endParaRPr lang="en-US"/>
+                    </a:p>
+                  </a:txBody>
+                  <a:tcPr>
+                    <a:lnL w="12700" cap="flat" cmpd="sng" algn="ctr">
+                      <a:solidFill>
+                        <a:schemeClr val="tx1"/>
+                      </a:solidFill>
+                      <a:prstDash val="solid"/>
+                      <a:round/>
+                      <a:headEnd type="none" w="med" len="med"/>
+                      <a:tailEnd type="none" w="med" len="med"/>
+                    </a:lnL>
+                    <a:lnR w="12700" cap="flat" cmpd="sng" algn="ctr">
+                      <a:solidFill>
+                        <a:schemeClr val="tx1"/>
+                      </a:solidFill>
+                      <a:prstDash val="solid"/>
+                      <a:round/>
+                      <a:headEnd type="none" w="med" len="med"/>
+                      <a:tailEnd type="none" w="med" len="med"/>
+                    </a:lnR>
+                    <a:lnT w="12700" cap="flat" cmpd="sng" algn="ctr">
+                      <a:solidFill>
+                        <a:schemeClr val="tx1"/>
+                      </a:solidFill>
+                      <a:prstDash val="solid"/>
+                      <a:round/>
+                      <a:headEnd type="none" w="med" len="med"/>
+                      <a:tailEnd type="none" w="med" len="med"/>
+                    </a:lnT>
+                    <a:lnB w="12700" cap="flat" cmpd="sng" algn="ctr">
+                      <a:solidFill>
+                        <a:schemeClr val="tx1"/>
+                      </a:solidFill>
+                      <a:prstDash val="solid"/>
+                      <a:round/>
+                      <a:headEnd type="none" w="med" len="med"/>
+                      <a:tailEnd type="none" w="med" len="med"/>
+                    </a:lnB>
+                    <a:noFill/>
+                  </a:tcPr>
+                </a:tc>
+                <a:tc>
+                  <a:txBody>
+                    <a:bodyPr/>
+                    <a:lstStyle/>
+                    <a:p>
+                      <a:endParaRPr lang="en-US" dirty="0"/>
+                    </a:p>
+                  </a:txBody>
+                  <a:tcPr>
+                    <a:lnL w="12700" cap="flat" cmpd="sng" algn="ctr">
+                      <a:solidFill>
+                        <a:schemeClr val="tx1"/>
+                      </a:solidFill>
+                      <a:prstDash val="solid"/>
+                      <a:round/>
+                      <a:headEnd type="none" w="med" len="med"/>
+                      <a:tailEnd type="none" w="med" len="med"/>
+                    </a:lnL>
+                    <a:lnR w="12700" cap="flat" cmpd="sng" algn="ctr">
+                      <a:solidFill>
+                        <a:schemeClr val="tx1"/>
+                      </a:solidFill>
+                      <a:prstDash val="solid"/>
+                      <a:round/>
+                      <a:headEnd type="none" w="med" len="med"/>
+                      <a:tailEnd type="none" w="med" len="med"/>
+                    </a:lnR>
+                    <a:lnT w="12700" cap="flat" cmpd="sng" algn="ctr">
+                      <a:solidFill>
+                        <a:schemeClr val="tx1"/>
+                      </a:solidFill>
+                      <a:prstDash val="solid"/>
+                      <a:round/>
+                      <a:headEnd type="none" w="med" len="med"/>
+                      <a:tailEnd type="none" w="med" len="med"/>
+                    </a:lnT>
+                    <a:lnB w="12700" cap="flat" cmpd="sng" algn="ctr">
+                      <a:solidFill>
+                        <a:schemeClr val="tx1"/>
+                      </a:solidFill>
+                      <a:prstDash val="solid"/>
+                      <a:round/>
+                      <a:headEnd type="none" w="med" len="med"/>
+                      <a:tailEnd type="none" w="med" len="med"/>
+                    </a:lnB>
+                    <a:noFill/>
+                  </a:tcPr>
+                </a:tc>
+                <a:extLst>
+                  <a:ext uri="{0D108BD9-81ED-4DB2-BD59-A6C34878D82A}">
+                    <a16:rowId xmlns:a16="http://schemas.microsoft.com/office/drawing/2014/main" val="353667040"/>
+                  </a:ext>
+                </a:extLst>
+              </a:tr>
+            </a:tbl>
+          </a:graphicData>
+        </a:graphic>
+      </p:graphicFrame>
+      <mc:AlternateContent xmlns:mc="http://schemas.openxmlformats.org/markup-compatibility/2006">
+        <mc:Choice xmlns:a14="http://schemas.microsoft.com/office/drawing/2010/main" Requires="a14">
+          <p:sp>
+            <p:nvSpPr>
+              <p:cNvPr id="7" name="TextBox 6">
+                <a:extLst>
+                  <a:ext uri="{FF2B5EF4-FFF2-40B4-BE49-F238E27FC236}">
+                    <a16:creationId xmlns:a16="http://schemas.microsoft.com/office/drawing/2014/main" id="{EFF0592A-0D9E-2F8F-BD96-7F24CA4F8AD6}"/>
+                  </a:ext>
+                </a:extLst>
+              </p:cNvPr>
+              <p:cNvSpPr txBox="1"/>
+              <p:nvPr/>
+            </p:nvSpPr>
+            <p:spPr>
+              <a:xfrm>
+                <a:off x="6026762" y="2757024"/>
+                <a:ext cx="504825" cy="307777"/>
+              </a:xfrm>
+              <a:prstGeom prst="rect">
+                <a:avLst/>
+              </a:prstGeom>
+              <a:noFill/>
+            </p:spPr>
+            <p:txBody>
+              <a:bodyPr wrap="square" rtlCol="0">
+                <a:spAutoFit/>
+              </a:bodyPr>
+              <a:lstStyle/>
+              <a:p>
+                <a14:m>
+                  <m:oMathPara xmlns:m="http://schemas.openxmlformats.org/officeDocument/2006/math">
+                    <m:oMathParaPr>
+                      <m:jc m:val="centerGroup"/>
+                    </m:oMathParaPr>
+                    <m:oMath xmlns:m="http://schemas.openxmlformats.org/officeDocument/2006/math">
+                      <m:r>
+                        <a:rPr lang="en-US" sz="1400" i="1" dirty="0" smtClean="0">
+                          <a:solidFill>
+                            <a:srgbClr val="3333CC"/>
+                          </a:solidFill>
+                          <a:latin typeface="Cambria Math" panose="02040503050406030204" pitchFamily="18" charset="0"/>
+                        </a:rPr>
+                        <m:t>(</m:t>
+                      </m:r>
+                      <m:r>
+                        <a:rPr lang="en-US" sz="1400" i="1" dirty="0" err="1">
+                          <a:solidFill>
+                            <a:srgbClr val="3333CC"/>
+                          </a:solidFill>
+                          <a:latin typeface="Cambria Math" panose="02040503050406030204" pitchFamily="18" charset="0"/>
+                        </a:rPr>
+                        <m:t>𝑖</m:t>
+                      </m:r>
+                      <m:r>
+                        <a:rPr lang="en-US" sz="1400" i="1" dirty="0" err="1" smtClean="0">
+                          <a:solidFill>
+                            <a:srgbClr val="3333CC"/>
+                          </a:solidFill>
+                          <a:latin typeface="Cambria Math" panose="02040503050406030204" pitchFamily="18" charset="0"/>
+                        </a:rPr>
+                        <m:t>,</m:t>
+                      </m:r>
+                      <m:r>
+                        <a:rPr lang="en-US" sz="1400" i="1" dirty="0" err="1" smtClean="0">
+                          <a:solidFill>
+                            <a:srgbClr val="3333CC"/>
+                          </a:solidFill>
+                          <a:latin typeface="Cambria Math" panose="02040503050406030204" pitchFamily="18" charset="0"/>
+                        </a:rPr>
+                        <m:t>𝑗</m:t>
+                      </m:r>
+                      <m:r>
+                        <a:rPr lang="en-US" sz="1400" i="1" dirty="0" smtClean="0">
+                          <a:solidFill>
+                            <a:srgbClr val="3333CC"/>
+                          </a:solidFill>
+                          <a:latin typeface="Cambria Math" panose="02040503050406030204" pitchFamily="18" charset="0"/>
+                        </a:rPr>
+                        <m:t>)</m:t>
+                      </m:r>
+                    </m:oMath>
+                  </m:oMathPara>
+                </a14:m>
+                <a:endParaRPr lang="en-US" dirty="0">
+                  <a:solidFill>
+                    <a:srgbClr val="3333CC"/>
+                  </a:solidFill>
+                </a:endParaRPr>
+              </a:p>
+            </p:txBody>
+          </p:sp>
+        </mc:Choice>
+        <mc:Fallback>
+          <p:sp>
+            <p:nvSpPr>
+              <p:cNvPr id="7" name="TextBox 6">
+                <a:extLst>
+                  <a:ext uri="{FF2B5EF4-FFF2-40B4-BE49-F238E27FC236}">
+                    <a16:creationId xmlns:a16="http://schemas.microsoft.com/office/drawing/2014/main" id="{EFF0592A-0D9E-2F8F-BD96-7F24CA4F8AD6}"/>
+                  </a:ext>
+                </a:extLst>
+              </p:cNvPr>
+              <p:cNvSpPr txBox="1">
+                <a:spLocks noRot="1" noChangeAspect="1" noMove="1" noResize="1" noEditPoints="1" noAdjustHandles="1" noChangeArrowheads="1" noChangeShapeType="1" noTextEdit="1"/>
+              </p:cNvSpPr>
+              <p:nvPr/>
+            </p:nvSpPr>
+            <p:spPr>
+              <a:xfrm>
+                <a:off x="6026762" y="2757024"/>
+                <a:ext cx="504825" cy="307777"/>
+              </a:xfrm>
+              <a:prstGeom prst="rect">
+                <a:avLst/>
+              </a:prstGeom>
+              <a:blipFill>
+                <a:blip r:embed="rId3"/>
+                <a:stretch>
+                  <a:fillRect r="-2439" b="-5882"/>
+                </a:stretch>
+              </a:blipFill>
+            </p:spPr>
+            <p:txBody>
+              <a:bodyPr/>
+              <a:lstStyle/>
+              <a:p>
+                <a:r>
+                  <a:rPr lang="en-US">
+                    <a:noFill/>
+                  </a:rPr>
+                  <a:t> </a:t>
+                </a:r>
+              </a:p>
+            </p:txBody>
+          </p:sp>
+        </mc:Fallback>
+      </mc:AlternateContent>
+      <p:sp>
+        <p:nvSpPr>
+          <p:cNvPr id="9" name="Oval 8">
+            <a:extLst>
+              <a:ext uri="{FF2B5EF4-FFF2-40B4-BE49-F238E27FC236}">
+                <a16:creationId xmlns:a16="http://schemas.microsoft.com/office/drawing/2014/main" id="{1B965D92-FC7C-24DA-17D4-0B25C58B165C}"/>
+              </a:ext>
+            </a:extLst>
+          </p:cNvPr>
+          <p:cNvSpPr/>
+          <p:nvPr/>
+        </p:nvSpPr>
+        <p:spPr>
+          <a:xfrm>
+            <a:off x="6623052" y="2910913"/>
+            <a:ext cx="47625" cy="45719"/>
+          </a:xfrm>
+          <a:prstGeom prst="ellipse">
+            <a:avLst/>
+          </a:prstGeom>
+          <a:solidFill>
+            <a:schemeClr val="tx1"/>
+          </a:solidFill>
+          <a:ln>
+            <a:noFill/>
+          </a:ln>
+        </p:spPr>
+        <p:style>
+          <a:lnRef idx="2">
+            <a:schemeClr val="accent1">
+              <a:shade val="15000"/>
+            </a:schemeClr>
+          </a:lnRef>
+          <a:fillRef idx="1">
+            <a:schemeClr val="accent1"/>
+          </a:fillRef>
+          <a:effectRef idx="0">
+            <a:schemeClr val="accent1"/>
+          </a:effectRef>
+          <a:fontRef idx="minor">
+            <a:schemeClr val="lt1"/>
+          </a:fontRef>
+        </p:style>
+        <p:txBody>
+          <a:bodyPr rtlCol="0" anchor="ctr"/>
+          <a:lstStyle/>
+          <a:p>
+            <a:pPr algn="ctr"/>
+            <a:endParaRPr lang="en-US"/>
+          </a:p>
+        </p:txBody>
+      </p:sp>
+      <p:sp>
+        <p:nvSpPr>
+          <p:cNvPr id="10" name="Oval 9">
+            <a:extLst>
+              <a:ext uri="{FF2B5EF4-FFF2-40B4-BE49-F238E27FC236}">
+                <a16:creationId xmlns:a16="http://schemas.microsoft.com/office/drawing/2014/main" id="{284B8017-A385-D8A9-956C-3AC292B04889}"/>
+              </a:ext>
+            </a:extLst>
+          </p:cNvPr>
+          <p:cNvSpPr/>
+          <p:nvPr/>
+        </p:nvSpPr>
+        <p:spPr>
+          <a:xfrm>
+            <a:off x="7008691" y="2910913"/>
+            <a:ext cx="47625" cy="45719"/>
+          </a:xfrm>
+          <a:prstGeom prst="ellipse">
+            <a:avLst/>
+          </a:prstGeom>
+          <a:solidFill>
+            <a:schemeClr val="tx1"/>
+          </a:solidFill>
+          <a:ln>
+            <a:noFill/>
+          </a:ln>
+        </p:spPr>
+        <p:style>
+          <a:lnRef idx="2">
+            <a:schemeClr val="accent1">
+              <a:shade val="15000"/>
+            </a:schemeClr>
+          </a:lnRef>
+          <a:fillRef idx="1">
+            <a:schemeClr val="accent1"/>
+          </a:fillRef>
+          <a:effectRef idx="0">
+            <a:schemeClr val="accent1"/>
+          </a:effectRef>
+          <a:fontRef idx="minor">
+            <a:schemeClr val="lt1"/>
+          </a:fontRef>
+        </p:style>
+        <p:txBody>
+          <a:bodyPr rtlCol="0" anchor="ctr"/>
+          <a:lstStyle/>
+          <a:p>
+            <a:pPr algn="ctr"/>
+            <a:endParaRPr lang="en-US"/>
+          </a:p>
+        </p:txBody>
+      </p:sp>
+      <p:sp>
+        <p:nvSpPr>
+          <p:cNvPr id="11" name="Oval 10">
+            <a:extLst>
+              <a:ext uri="{FF2B5EF4-FFF2-40B4-BE49-F238E27FC236}">
+                <a16:creationId xmlns:a16="http://schemas.microsoft.com/office/drawing/2014/main" id="{830DA84F-3218-7991-B087-DBE803BA5D19}"/>
+              </a:ext>
+            </a:extLst>
+          </p:cNvPr>
+          <p:cNvSpPr/>
+          <p:nvPr/>
+        </p:nvSpPr>
+        <p:spPr>
+          <a:xfrm>
+            <a:off x="6255363" y="3269346"/>
+            <a:ext cx="47625" cy="45719"/>
+          </a:xfrm>
+          <a:prstGeom prst="ellipse">
+            <a:avLst/>
+          </a:prstGeom>
+          <a:solidFill>
+            <a:schemeClr val="tx1"/>
+          </a:solidFill>
+          <a:ln>
+            <a:noFill/>
+          </a:ln>
+        </p:spPr>
+        <p:style>
+          <a:lnRef idx="2">
+            <a:schemeClr val="accent1">
+              <a:shade val="15000"/>
+            </a:schemeClr>
+          </a:lnRef>
+          <a:fillRef idx="1">
+            <a:schemeClr val="accent1"/>
+          </a:fillRef>
+          <a:effectRef idx="0">
+            <a:schemeClr val="accent1"/>
+          </a:effectRef>
+          <a:fontRef idx="minor">
+            <a:schemeClr val="lt1"/>
+          </a:fontRef>
+        </p:style>
+        <p:txBody>
+          <a:bodyPr rtlCol="0" anchor="ctr"/>
+          <a:lstStyle/>
+          <a:p>
+            <a:pPr algn="ctr"/>
+            <a:endParaRPr lang="en-US"/>
+          </a:p>
+        </p:txBody>
+      </p:sp>
+      <p:sp>
+        <p:nvSpPr>
+          <p:cNvPr id="12" name="Oval 11">
+            <a:extLst>
+              <a:ext uri="{FF2B5EF4-FFF2-40B4-BE49-F238E27FC236}">
+                <a16:creationId xmlns:a16="http://schemas.microsoft.com/office/drawing/2014/main" id="{0D060B81-7AD1-6AED-535E-26B100109542}"/>
+              </a:ext>
+            </a:extLst>
+          </p:cNvPr>
+          <p:cNvSpPr/>
+          <p:nvPr/>
+        </p:nvSpPr>
+        <p:spPr>
+          <a:xfrm>
+            <a:off x="6641002" y="3269346"/>
+            <a:ext cx="47625" cy="45719"/>
+          </a:xfrm>
+          <a:prstGeom prst="ellipse">
+            <a:avLst/>
+          </a:prstGeom>
+          <a:solidFill>
+            <a:schemeClr val="tx1"/>
+          </a:solidFill>
+          <a:ln>
+            <a:noFill/>
+          </a:ln>
+        </p:spPr>
+        <p:style>
+          <a:lnRef idx="2">
+            <a:schemeClr val="accent1">
+              <a:shade val="15000"/>
+            </a:schemeClr>
+          </a:lnRef>
+          <a:fillRef idx="1">
+            <a:schemeClr val="accent1"/>
+          </a:fillRef>
+          <a:effectRef idx="0">
+            <a:schemeClr val="accent1"/>
+          </a:effectRef>
+          <a:fontRef idx="minor">
+            <a:schemeClr val="lt1"/>
+          </a:fontRef>
+        </p:style>
+        <p:txBody>
+          <a:bodyPr rtlCol="0" anchor="ctr"/>
+          <a:lstStyle/>
+          <a:p>
+            <a:pPr algn="ctr"/>
+            <a:endParaRPr lang="en-US"/>
+          </a:p>
+        </p:txBody>
+      </p:sp>
+      <p:sp>
+        <p:nvSpPr>
+          <p:cNvPr id="13" name="Oval 12">
+            <a:extLst>
+              <a:ext uri="{FF2B5EF4-FFF2-40B4-BE49-F238E27FC236}">
+                <a16:creationId xmlns:a16="http://schemas.microsoft.com/office/drawing/2014/main" id="{6C6067A2-CE7B-371A-7969-875BA68C40D4}"/>
+              </a:ext>
+            </a:extLst>
+          </p:cNvPr>
+          <p:cNvSpPr/>
+          <p:nvPr/>
+        </p:nvSpPr>
+        <p:spPr>
+          <a:xfrm>
+            <a:off x="6249501" y="3632522"/>
+            <a:ext cx="47625" cy="45719"/>
+          </a:xfrm>
+          <a:prstGeom prst="ellipse">
+            <a:avLst/>
+          </a:prstGeom>
+          <a:solidFill>
+            <a:schemeClr val="tx1"/>
+          </a:solidFill>
+          <a:ln>
+            <a:noFill/>
+          </a:ln>
+        </p:spPr>
+        <p:style>
+          <a:lnRef idx="2">
+            <a:schemeClr val="accent1">
+              <a:shade val="15000"/>
+            </a:schemeClr>
+          </a:lnRef>
+          <a:fillRef idx="1">
+            <a:schemeClr val="accent1"/>
+          </a:fillRef>
+          <a:effectRef idx="0">
+            <a:schemeClr val="accent1"/>
+          </a:effectRef>
+          <a:fontRef idx="minor">
+            <a:schemeClr val="lt1"/>
+          </a:fontRef>
+        </p:style>
+        <p:txBody>
+          <a:bodyPr rtlCol="0" anchor="ctr"/>
+          <a:lstStyle/>
+          <a:p>
+            <a:pPr algn="ctr"/>
+            <a:endParaRPr lang="en-US"/>
+          </a:p>
+        </p:txBody>
+      </p:sp>
+      <p:sp>
+        <p:nvSpPr>
+          <p:cNvPr id="14" name="Oval 13">
+            <a:extLst>
+              <a:ext uri="{FF2B5EF4-FFF2-40B4-BE49-F238E27FC236}">
+                <a16:creationId xmlns:a16="http://schemas.microsoft.com/office/drawing/2014/main" id="{CF1A759F-0F2B-1C45-0813-155BB40D2EBA}"/>
+              </a:ext>
+            </a:extLst>
+          </p:cNvPr>
+          <p:cNvSpPr/>
+          <p:nvPr/>
+        </p:nvSpPr>
+        <p:spPr>
+          <a:xfrm>
+            <a:off x="6635140" y="3632522"/>
+            <a:ext cx="47625" cy="45719"/>
+          </a:xfrm>
+          <a:prstGeom prst="ellipse">
+            <a:avLst/>
+          </a:prstGeom>
+          <a:solidFill>
+            <a:schemeClr val="tx1"/>
+          </a:solidFill>
+          <a:ln>
+            <a:noFill/>
+          </a:ln>
+        </p:spPr>
+        <p:style>
+          <a:lnRef idx="2">
+            <a:schemeClr val="accent1">
+              <a:shade val="15000"/>
+            </a:schemeClr>
+          </a:lnRef>
+          <a:fillRef idx="1">
+            <a:schemeClr val="accent1"/>
+          </a:fillRef>
+          <a:effectRef idx="0">
+            <a:schemeClr val="accent1"/>
+          </a:effectRef>
+          <a:fontRef idx="minor">
+            <a:schemeClr val="lt1"/>
+          </a:fontRef>
+        </p:style>
+        <p:txBody>
+          <a:bodyPr rtlCol="0" anchor="ctr"/>
+          <a:lstStyle/>
+          <a:p>
+            <a:pPr algn="ctr"/>
+            <a:endParaRPr lang="en-US"/>
+          </a:p>
+        </p:txBody>
+      </p:sp>
+      <p:sp>
+        <p:nvSpPr>
+          <p:cNvPr id="15" name="Oval 14">
+            <a:extLst>
+              <a:ext uri="{FF2B5EF4-FFF2-40B4-BE49-F238E27FC236}">
+                <a16:creationId xmlns:a16="http://schemas.microsoft.com/office/drawing/2014/main" id="{39C917FD-DE86-C75B-1B50-13873B1222CA}"/>
+              </a:ext>
+            </a:extLst>
+          </p:cNvPr>
+          <p:cNvSpPr/>
+          <p:nvPr/>
+        </p:nvSpPr>
+        <p:spPr>
+          <a:xfrm>
+            <a:off x="7008691" y="3269346"/>
+            <a:ext cx="47625" cy="45719"/>
+          </a:xfrm>
+          <a:prstGeom prst="ellipse">
+            <a:avLst/>
+          </a:prstGeom>
+          <a:solidFill>
+            <a:schemeClr val="tx1"/>
+          </a:solidFill>
+          <a:ln>
+            <a:noFill/>
+          </a:ln>
+        </p:spPr>
+        <p:style>
+          <a:lnRef idx="2">
+            <a:schemeClr val="accent1">
+              <a:shade val="15000"/>
+            </a:schemeClr>
+          </a:lnRef>
+          <a:fillRef idx="1">
+            <a:schemeClr val="accent1"/>
+          </a:fillRef>
+          <a:effectRef idx="0">
+            <a:schemeClr val="accent1"/>
+          </a:effectRef>
+          <a:fontRef idx="minor">
+            <a:schemeClr val="lt1"/>
+          </a:fontRef>
+        </p:style>
+        <p:txBody>
+          <a:bodyPr rtlCol="0" anchor="ctr"/>
+          <a:lstStyle/>
+          <a:p>
+            <a:pPr algn="ctr"/>
+            <a:endParaRPr lang="en-US"/>
+          </a:p>
+        </p:txBody>
+      </p:sp>
+      <p:sp>
+        <p:nvSpPr>
+          <p:cNvPr id="16" name="Oval 15">
+            <a:extLst>
+              <a:ext uri="{FF2B5EF4-FFF2-40B4-BE49-F238E27FC236}">
+                <a16:creationId xmlns:a16="http://schemas.microsoft.com/office/drawing/2014/main" id="{CB2C0835-6EB2-C439-F8CC-F9998493643E}"/>
+              </a:ext>
+            </a:extLst>
+          </p:cNvPr>
+          <p:cNvSpPr/>
+          <p:nvPr/>
+        </p:nvSpPr>
+        <p:spPr>
+          <a:xfrm>
+            <a:off x="7020779" y="3627779"/>
+            <a:ext cx="47625" cy="45719"/>
+          </a:xfrm>
+          <a:prstGeom prst="ellipse">
+            <a:avLst/>
+          </a:prstGeom>
+          <a:solidFill>
+            <a:schemeClr val="tx1"/>
+          </a:solidFill>
+          <a:ln>
+            <a:noFill/>
+          </a:ln>
+        </p:spPr>
+        <p:style>
+          <a:lnRef idx="2">
+            <a:schemeClr val="accent1">
+              <a:shade val="15000"/>
+            </a:schemeClr>
+          </a:lnRef>
+          <a:fillRef idx="1">
+            <a:schemeClr val="accent1"/>
+          </a:fillRef>
+          <a:effectRef idx="0">
+            <a:schemeClr val="accent1"/>
+          </a:effectRef>
+          <a:fontRef idx="minor">
+            <a:schemeClr val="lt1"/>
+          </a:fontRef>
+        </p:style>
+        <p:txBody>
+          <a:bodyPr rtlCol="0" anchor="ctr"/>
+          <a:lstStyle/>
+          <a:p>
+            <a:pPr algn="ctr"/>
+            <a:endParaRPr lang="en-US"/>
+          </a:p>
+        </p:txBody>
+      </p:sp>
+      <p:graphicFrame>
+        <p:nvGraphicFramePr>
+          <p:cNvPr id="17" name="Table 16">
+            <a:extLst>
+              <a:ext uri="{FF2B5EF4-FFF2-40B4-BE49-F238E27FC236}">
+                <a16:creationId xmlns:a16="http://schemas.microsoft.com/office/drawing/2014/main" id="{8C0DB209-7B7D-9080-C35A-546F90A4BCBB}"/>
+              </a:ext>
+            </a:extLst>
+          </p:cNvPr>
+          <p:cNvGraphicFramePr>
+            <a:graphicFrameLocks noGrp="1"/>
+          </p:cNvGraphicFramePr>
+          <p:nvPr>
+            <p:extLst>
+              <p:ext uri="{D42A27DB-BD31-4B8C-83A1-F6EECF244321}">
+                <p14:modId xmlns:p14="http://schemas.microsoft.com/office/powerpoint/2010/main" val="1815978405"/>
+              </p:ext>
+            </p:extLst>
+          </p:nvPr>
+        </p:nvGraphicFramePr>
+        <p:xfrm>
+          <a:off x="1720848" y="2251464"/>
+          <a:ext cx="3254377" cy="2764158"/>
+        </p:xfrm>
+        <a:graphic>
+          <a:graphicData uri="http://schemas.openxmlformats.org/drawingml/2006/table">
+            <a:tbl>
+              <a:tblPr firstRow="1" bandRow="1">
+                <a:tableStyleId>{5C22544A-7EE6-4342-B048-85BDC9FD1C3A}</a:tableStyleId>
+              </a:tblPr>
+              <a:tblGrid>
+                <a:gridCol w="464911">
+                  <a:extLst>
+                    <a:ext uri="{9D8B030D-6E8A-4147-A177-3AD203B41FA5}">
+                      <a16:colId xmlns:a16="http://schemas.microsoft.com/office/drawing/2014/main" val="1555773223"/>
+                    </a:ext>
+                  </a:extLst>
+                </a:gridCol>
+                <a:gridCol w="464911">
+                  <a:extLst>
+                    <a:ext uri="{9D8B030D-6E8A-4147-A177-3AD203B41FA5}">
+                      <a16:colId xmlns:a16="http://schemas.microsoft.com/office/drawing/2014/main" val="583237578"/>
+                    </a:ext>
+                  </a:extLst>
+                </a:gridCol>
+                <a:gridCol w="464911">
+                  <a:extLst>
+                    <a:ext uri="{9D8B030D-6E8A-4147-A177-3AD203B41FA5}">
+                      <a16:colId xmlns:a16="http://schemas.microsoft.com/office/drawing/2014/main" val="876146856"/>
+                    </a:ext>
+                  </a:extLst>
+                </a:gridCol>
+                <a:gridCol w="464911">
+                  <a:extLst>
+                    <a:ext uri="{9D8B030D-6E8A-4147-A177-3AD203B41FA5}">
+                      <a16:colId xmlns:a16="http://schemas.microsoft.com/office/drawing/2014/main" val="322983415"/>
+                    </a:ext>
+                  </a:extLst>
+                </a:gridCol>
+                <a:gridCol w="464911">
+                  <a:extLst>
+                    <a:ext uri="{9D8B030D-6E8A-4147-A177-3AD203B41FA5}">
+                      <a16:colId xmlns:a16="http://schemas.microsoft.com/office/drawing/2014/main" val="3757741044"/>
+                    </a:ext>
+                  </a:extLst>
+                </a:gridCol>
+                <a:gridCol w="464911">
+                  <a:extLst>
+                    <a:ext uri="{9D8B030D-6E8A-4147-A177-3AD203B41FA5}">
+                      <a16:colId xmlns:a16="http://schemas.microsoft.com/office/drawing/2014/main" val="2732269733"/>
+                    </a:ext>
+                  </a:extLst>
+                </a:gridCol>
+                <a:gridCol w="464911">
+                  <a:extLst>
+                    <a:ext uri="{9D8B030D-6E8A-4147-A177-3AD203B41FA5}">
+                      <a16:colId xmlns:a16="http://schemas.microsoft.com/office/drawing/2014/main" val="4228563450"/>
+                    </a:ext>
+                  </a:extLst>
+                </a:gridCol>
+              </a:tblGrid>
+              <a:tr h="460693">
+                <a:tc>
+                  <a:txBody>
+                    <a:bodyPr/>
+                    <a:lstStyle/>
+                    <a:p>
+                      <a:endParaRPr lang="en-US"/>
+                    </a:p>
+                  </a:txBody>
+                  <a:tcPr>
+                    <a:lnL w="12700" cap="flat" cmpd="sng" algn="ctr">
+                      <a:solidFill>
+                        <a:schemeClr val="tx1"/>
+                      </a:solidFill>
+                      <a:prstDash val="solid"/>
+                      <a:round/>
+                      <a:headEnd type="none" w="med" len="med"/>
+                      <a:tailEnd type="none" w="med" len="med"/>
+                    </a:lnL>
+                    <a:lnR w="12700" cap="flat" cmpd="sng" algn="ctr">
+                      <a:solidFill>
+                        <a:schemeClr val="tx1"/>
+                      </a:solidFill>
+                      <a:prstDash val="solid"/>
+                      <a:round/>
+                      <a:headEnd type="none" w="med" len="med"/>
+                      <a:tailEnd type="none" w="med" len="med"/>
+                    </a:lnR>
+                    <a:lnT w="12700" cap="flat" cmpd="sng" algn="ctr">
+                      <a:solidFill>
+                        <a:schemeClr val="tx1"/>
+                      </a:solidFill>
+                      <a:prstDash val="solid"/>
+                      <a:round/>
+                      <a:headEnd type="none" w="med" len="med"/>
+                      <a:tailEnd type="none" w="med" len="med"/>
+                    </a:lnT>
+                    <a:lnB w="12700" cap="flat" cmpd="sng" algn="ctr">
+                      <a:solidFill>
+                        <a:schemeClr val="tx1"/>
+                      </a:solidFill>
+                      <a:prstDash val="solid"/>
+                      <a:round/>
+                      <a:headEnd type="none" w="med" len="med"/>
+                      <a:tailEnd type="none" w="med" len="med"/>
+                    </a:lnB>
+                    <a:noFill/>
+                  </a:tcPr>
+                </a:tc>
+                <a:tc>
+                  <a:txBody>
+                    <a:bodyPr/>
+                    <a:lstStyle/>
+                    <a:p>
+                      <a:endParaRPr lang="en-US"/>
+                    </a:p>
+                  </a:txBody>
+                  <a:tcPr>
+                    <a:lnL w="12700" cap="flat" cmpd="sng" algn="ctr">
+                      <a:solidFill>
+                        <a:schemeClr val="tx1"/>
+                      </a:solidFill>
+                      <a:prstDash val="solid"/>
+                      <a:round/>
+                      <a:headEnd type="none" w="med" len="med"/>
+                      <a:tailEnd type="none" w="med" len="med"/>
+                    </a:lnL>
+                    <a:lnR w="12700" cap="flat" cmpd="sng" algn="ctr">
+                      <a:solidFill>
+                        <a:schemeClr val="tx1"/>
+                      </a:solidFill>
+                      <a:prstDash val="solid"/>
+                      <a:round/>
+                      <a:headEnd type="none" w="med" len="med"/>
+                      <a:tailEnd type="none" w="med" len="med"/>
+                    </a:lnR>
+                    <a:lnT w="12700" cap="flat" cmpd="sng" algn="ctr">
+                      <a:solidFill>
+                        <a:schemeClr val="tx1"/>
+                      </a:solidFill>
+                      <a:prstDash val="solid"/>
+                      <a:round/>
+                      <a:headEnd type="none" w="med" len="med"/>
+                      <a:tailEnd type="none" w="med" len="med"/>
+                    </a:lnT>
+                    <a:lnB w="12700" cap="flat" cmpd="sng" algn="ctr">
+                      <a:solidFill>
+                        <a:schemeClr val="tx1"/>
+                      </a:solidFill>
+                      <a:prstDash val="solid"/>
+                      <a:round/>
+                      <a:headEnd type="none" w="med" len="med"/>
+                      <a:tailEnd type="none" w="med" len="med"/>
+                    </a:lnB>
+                    <a:noFill/>
+                  </a:tcPr>
+                </a:tc>
+                <a:tc>
+                  <a:txBody>
+                    <a:bodyPr/>
+                    <a:lstStyle/>
+                    <a:p>
+                      <a:endParaRPr lang="en-US"/>
+                    </a:p>
+                  </a:txBody>
+                  <a:tcPr>
+                    <a:lnL w="12700" cap="flat" cmpd="sng" algn="ctr">
+                      <a:solidFill>
+                        <a:schemeClr val="tx1"/>
+                      </a:solidFill>
+                      <a:prstDash val="solid"/>
+                      <a:round/>
+                      <a:headEnd type="none" w="med" len="med"/>
+                      <a:tailEnd type="none" w="med" len="med"/>
+                    </a:lnL>
+                    <a:lnR w="12700" cap="flat" cmpd="sng" algn="ctr">
+                      <a:solidFill>
+                        <a:schemeClr val="tx1"/>
+                      </a:solidFill>
+                      <a:prstDash val="solid"/>
+                      <a:round/>
+                      <a:headEnd type="none" w="med" len="med"/>
+                      <a:tailEnd type="none" w="med" len="med"/>
+                    </a:lnR>
+                    <a:lnT w="12700" cap="flat" cmpd="sng" algn="ctr">
+                      <a:solidFill>
+                        <a:schemeClr val="tx1"/>
+                      </a:solidFill>
+                      <a:prstDash val="solid"/>
+                      <a:round/>
+                      <a:headEnd type="none" w="med" len="med"/>
+                      <a:tailEnd type="none" w="med" len="med"/>
+                    </a:lnT>
+                    <a:lnB w="12700" cap="flat" cmpd="sng" algn="ctr">
+                      <a:solidFill>
+                        <a:schemeClr val="tx1"/>
+                      </a:solidFill>
+                      <a:prstDash val="solid"/>
+                      <a:round/>
+                      <a:headEnd type="none" w="med" len="med"/>
+                      <a:tailEnd type="none" w="med" len="med"/>
+                    </a:lnB>
+                    <a:noFill/>
+                  </a:tcPr>
+                </a:tc>
+                <a:tc>
+                  <a:txBody>
+                    <a:bodyPr/>
+                    <a:lstStyle/>
+                    <a:p>
+                      <a:endParaRPr lang="en-US"/>
+                    </a:p>
+                  </a:txBody>
+                  <a:tcPr>
+                    <a:lnL w="12700" cap="flat" cmpd="sng" algn="ctr">
+                      <a:solidFill>
+                        <a:schemeClr val="tx1"/>
+                      </a:solidFill>
+                      <a:prstDash val="solid"/>
+                      <a:round/>
+                      <a:headEnd type="none" w="med" len="med"/>
+                      <a:tailEnd type="none" w="med" len="med"/>
+                    </a:lnL>
+                    <a:lnR w="12700" cap="flat" cmpd="sng" algn="ctr">
+                      <a:solidFill>
+                        <a:schemeClr val="tx1"/>
+                      </a:solidFill>
+                      <a:prstDash val="solid"/>
+                      <a:round/>
+                      <a:headEnd type="none" w="med" len="med"/>
+                      <a:tailEnd type="none" w="med" len="med"/>
+                    </a:lnR>
+                    <a:lnT w="12700" cap="flat" cmpd="sng" algn="ctr">
+                      <a:solidFill>
+                        <a:schemeClr val="tx1"/>
+                      </a:solidFill>
+                      <a:prstDash val="solid"/>
+                      <a:round/>
+                      <a:headEnd type="none" w="med" len="med"/>
+                      <a:tailEnd type="none" w="med" len="med"/>
+                    </a:lnT>
+                    <a:lnB w="12700" cap="flat" cmpd="sng" algn="ctr">
+                      <a:solidFill>
+                        <a:schemeClr val="tx1"/>
+                      </a:solidFill>
+                      <a:prstDash val="solid"/>
+                      <a:round/>
+                      <a:headEnd type="none" w="med" len="med"/>
+                      <a:tailEnd type="none" w="med" len="med"/>
+                    </a:lnB>
+                    <a:noFill/>
+                  </a:tcPr>
+                </a:tc>
+                <a:tc>
+                  <a:txBody>
+                    <a:bodyPr/>
+                    <a:lstStyle/>
+                    <a:p>
+                      <a:endParaRPr lang="en-US"/>
+                    </a:p>
+                  </a:txBody>
+                  <a:tcPr>
+                    <a:lnL w="12700" cap="flat" cmpd="sng" algn="ctr">
+                      <a:solidFill>
+                        <a:schemeClr val="tx1"/>
+                      </a:solidFill>
+                      <a:prstDash val="solid"/>
+                      <a:round/>
+                      <a:headEnd type="none" w="med" len="med"/>
+                      <a:tailEnd type="none" w="med" len="med"/>
+                    </a:lnL>
+                    <a:lnR w="12700" cap="flat" cmpd="sng" algn="ctr">
+                      <a:solidFill>
+                        <a:schemeClr val="tx1"/>
+                      </a:solidFill>
+                      <a:prstDash val="solid"/>
+                      <a:round/>
+                      <a:headEnd type="none" w="med" len="med"/>
+                      <a:tailEnd type="none" w="med" len="med"/>
+                    </a:lnR>
+                    <a:lnT w="12700" cap="flat" cmpd="sng" algn="ctr">
+                      <a:solidFill>
+                        <a:schemeClr val="tx1"/>
+                      </a:solidFill>
+                      <a:prstDash val="solid"/>
+                      <a:round/>
+                      <a:headEnd type="none" w="med" len="med"/>
+                      <a:tailEnd type="none" w="med" len="med"/>
+                    </a:lnT>
+                    <a:lnB w="12700" cap="flat" cmpd="sng" algn="ctr">
+                      <a:solidFill>
+                        <a:schemeClr val="tx1"/>
+                      </a:solidFill>
+                      <a:prstDash val="solid"/>
+                      <a:round/>
+                      <a:headEnd type="none" w="med" len="med"/>
+                      <a:tailEnd type="none" w="med" len="med"/>
+                    </a:lnB>
+                    <a:noFill/>
+                  </a:tcPr>
+                </a:tc>
+                <a:tc>
+                  <a:txBody>
+                    <a:bodyPr/>
+                    <a:lstStyle/>
+                    <a:p>
+                      <a:endParaRPr lang="en-US"/>
+                    </a:p>
+                  </a:txBody>
+                  <a:tcPr>
+                    <a:lnL w="12700" cap="flat" cmpd="sng" algn="ctr">
+                      <a:solidFill>
+                        <a:schemeClr val="tx1"/>
+                      </a:solidFill>
+                      <a:prstDash val="solid"/>
+                      <a:round/>
+                      <a:headEnd type="none" w="med" len="med"/>
+                      <a:tailEnd type="none" w="med" len="med"/>
+                    </a:lnL>
+                    <a:lnR w="12700" cap="flat" cmpd="sng" algn="ctr">
+                      <a:solidFill>
+                        <a:schemeClr val="tx1"/>
+                      </a:solidFill>
+                      <a:prstDash val="solid"/>
+                      <a:round/>
+                      <a:headEnd type="none" w="med" len="med"/>
+                      <a:tailEnd type="none" w="med" len="med"/>
+                    </a:lnR>
+                    <a:lnT w="12700" cap="flat" cmpd="sng" algn="ctr">
+                      <a:solidFill>
+                        <a:schemeClr val="tx1"/>
+                      </a:solidFill>
+                      <a:prstDash val="solid"/>
+                      <a:round/>
+                      <a:headEnd type="none" w="med" len="med"/>
+                      <a:tailEnd type="none" w="med" len="med"/>
+                    </a:lnT>
+                    <a:lnB w="12700" cap="flat" cmpd="sng" algn="ctr">
+                      <a:solidFill>
+                        <a:schemeClr val="tx1"/>
+                      </a:solidFill>
+                      <a:prstDash val="solid"/>
+                      <a:round/>
+                      <a:headEnd type="none" w="med" len="med"/>
+                      <a:tailEnd type="none" w="med" len="med"/>
+                    </a:lnB>
+                    <a:noFill/>
+                  </a:tcPr>
+                </a:tc>
+                <a:tc>
+                  <a:txBody>
+                    <a:bodyPr/>
+                    <a:lstStyle/>
+                    <a:p>
+                      <a:endParaRPr lang="en-US"/>
+                    </a:p>
+                  </a:txBody>
+                  <a:tcPr>
+                    <a:lnL w="12700" cap="flat" cmpd="sng" algn="ctr">
+                      <a:solidFill>
+                        <a:schemeClr val="tx1"/>
+                      </a:solidFill>
+                      <a:prstDash val="solid"/>
+                      <a:round/>
+                      <a:headEnd type="none" w="med" len="med"/>
+                      <a:tailEnd type="none" w="med" len="med"/>
+                    </a:lnL>
+                    <a:lnR w="12700" cap="flat" cmpd="sng" algn="ctr">
+                      <a:solidFill>
+                        <a:schemeClr val="tx1"/>
+                      </a:solidFill>
+                      <a:prstDash val="solid"/>
+                      <a:round/>
+                      <a:headEnd type="none" w="med" len="med"/>
+                      <a:tailEnd type="none" w="med" len="med"/>
+                    </a:lnR>
+                    <a:lnT w="12700" cap="flat" cmpd="sng" algn="ctr">
+                      <a:solidFill>
+                        <a:schemeClr val="tx1"/>
+                      </a:solidFill>
+                      <a:prstDash val="solid"/>
+                      <a:round/>
+                      <a:headEnd type="none" w="med" len="med"/>
+                      <a:tailEnd type="none" w="med" len="med"/>
+                    </a:lnT>
+                    <a:lnB w="12700" cap="flat" cmpd="sng" algn="ctr">
+                      <a:solidFill>
+                        <a:schemeClr val="tx1"/>
+                      </a:solidFill>
+                      <a:prstDash val="solid"/>
+                      <a:round/>
+                      <a:headEnd type="none" w="med" len="med"/>
+                      <a:tailEnd type="none" w="med" len="med"/>
+                    </a:lnB>
+                    <a:noFill/>
+                  </a:tcPr>
+                </a:tc>
+                <a:extLst>
+                  <a:ext uri="{0D108BD9-81ED-4DB2-BD59-A6C34878D82A}">
+                    <a16:rowId xmlns:a16="http://schemas.microsoft.com/office/drawing/2014/main" val="365140208"/>
+                  </a:ext>
+                </a:extLst>
+              </a:tr>
+              <a:tr h="460693">
+                <a:tc>
+                  <a:txBody>
+                    <a:bodyPr/>
+                    <a:lstStyle/>
+                    <a:p>
+                      <a:endParaRPr lang="en-US"/>
+                    </a:p>
+                  </a:txBody>
+                  <a:tcPr>
+                    <a:lnL w="12700" cap="flat" cmpd="sng" algn="ctr">
+                      <a:solidFill>
+                        <a:schemeClr val="tx1"/>
+                      </a:solidFill>
+                      <a:prstDash val="solid"/>
+                      <a:round/>
+                      <a:headEnd type="none" w="med" len="med"/>
+                      <a:tailEnd type="none" w="med" len="med"/>
+                    </a:lnL>
+                    <a:lnR w="12700" cap="flat" cmpd="sng" algn="ctr">
+                      <a:solidFill>
+                        <a:schemeClr val="tx1"/>
+                      </a:solidFill>
+                      <a:prstDash val="solid"/>
+                      <a:round/>
+                      <a:headEnd type="none" w="med" len="med"/>
+                      <a:tailEnd type="none" w="med" len="med"/>
+                    </a:lnR>
+                    <a:lnT w="12700" cap="flat" cmpd="sng" algn="ctr">
+                      <a:solidFill>
+                        <a:schemeClr val="tx1"/>
+                      </a:solidFill>
+                      <a:prstDash val="solid"/>
+                      <a:round/>
+                      <a:headEnd type="none" w="med" len="med"/>
+                      <a:tailEnd type="none" w="med" len="med"/>
+                    </a:lnT>
+                    <a:lnB w="12700" cap="flat" cmpd="sng" algn="ctr">
+                      <a:solidFill>
+                        <a:schemeClr val="tx1"/>
+                      </a:solidFill>
+                      <a:prstDash val="solid"/>
+                      <a:round/>
+                      <a:headEnd type="none" w="med" len="med"/>
+                      <a:tailEnd type="none" w="med" len="med"/>
+                    </a:lnB>
+                    <a:noFill/>
+                  </a:tcPr>
+                </a:tc>
+                <a:tc>
+                  <a:txBody>
+                    <a:bodyPr/>
+                    <a:lstStyle/>
+                    <a:p>
+                      <a:endParaRPr lang="en-US"/>
+                    </a:p>
+                  </a:txBody>
+                  <a:tcPr>
+                    <a:lnL w="12700" cap="flat" cmpd="sng" algn="ctr">
+                      <a:solidFill>
+                        <a:schemeClr val="tx1"/>
+                      </a:solidFill>
+                      <a:prstDash val="solid"/>
+                      <a:round/>
+                      <a:headEnd type="none" w="med" len="med"/>
+                      <a:tailEnd type="none" w="med" len="med"/>
+                    </a:lnL>
+                    <a:lnR w="12700" cap="flat" cmpd="sng" algn="ctr">
+                      <a:solidFill>
+                        <a:schemeClr val="tx1"/>
+                      </a:solidFill>
+                      <a:prstDash val="solid"/>
+                      <a:round/>
+                      <a:headEnd type="none" w="med" len="med"/>
+                      <a:tailEnd type="none" w="med" len="med"/>
+                    </a:lnR>
+                    <a:lnT w="12700" cap="flat" cmpd="sng" algn="ctr">
+                      <a:solidFill>
+                        <a:schemeClr val="tx1"/>
+                      </a:solidFill>
+                      <a:prstDash val="solid"/>
+                      <a:round/>
+                      <a:headEnd type="none" w="med" len="med"/>
+                      <a:tailEnd type="none" w="med" len="med"/>
+                    </a:lnT>
+                    <a:lnB w="12700" cap="flat" cmpd="sng" algn="ctr">
+                      <a:solidFill>
+                        <a:schemeClr val="tx1"/>
+                      </a:solidFill>
+                      <a:prstDash val="solid"/>
+                      <a:round/>
+                      <a:headEnd type="none" w="med" len="med"/>
+                      <a:tailEnd type="none" w="med" len="med"/>
+                    </a:lnB>
+                    <a:noFill/>
+                  </a:tcPr>
+                </a:tc>
+                <a:tc>
+                  <a:txBody>
+                    <a:bodyPr/>
+                    <a:lstStyle/>
+                    <a:p>
+                      <a:endParaRPr lang="en-US"/>
+                    </a:p>
+                  </a:txBody>
+                  <a:tcPr>
+                    <a:lnL w="12700" cap="flat" cmpd="sng" algn="ctr">
+                      <a:solidFill>
+                        <a:schemeClr val="tx1"/>
+                      </a:solidFill>
+                      <a:prstDash val="solid"/>
+                      <a:round/>
+                      <a:headEnd type="none" w="med" len="med"/>
+                      <a:tailEnd type="none" w="med" len="med"/>
+                    </a:lnL>
+                    <a:lnR w="12700" cap="flat" cmpd="sng" algn="ctr">
+                      <a:solidFill>
+                        <a:schemeClr val="tx1"/>
+                      </a:solidFill>
+                      <a:prstDash val="solid"/>
+                      <a:round/>
+                      <a:headEnd type="none" w="med" len="med"/>
+                      <a:tailEnd type="none" w="med" len="med"/>
+                    </a:lnR>
+                    <a:lnT w="12700" cap="flat" cmpd="sng" algn="ctr">
+                      <a:solidFill>
+                        <a:schemeClr val="tx1"/>
+                      </a:solidFill>
+                      <a:prstDash val="solid"/>
+                      <a:round/>
+                      <a:headEnd type="none" w="med" len="med"/>
+                      <a:tailEnd type="none" w="med" len="med"/>
+                    </a:lnT>
+                    <a:lnB w="12700" cap="flat" cmpd="sng" algn="ctr">
+                      <a:solidFill>
+                        <a:schemeClr val="tx1"/>
+                      </a:solidFill>
+                      <a:prstDash val="solid"/>
+                      <a:round/>
+                      <a:headEnd type="none" w="med" len="med"/>
+                      <a:tailEnd type="none" w="med" len="med"/>
+                    </a:lnB>
+                    <a:noFill/>
+                  </a:tcPr>
+                </a:tc>
+                <a:tc>
+                  <a:txBody>
+                    <a:bodyPr/>
+                    <a:lstStyle/>
+                    <a:p>
+                      <a:endParaRPr lang="en-US"/>
+                    </a:p>
+                  </a:txBody>
+                  <a:tcPr>
+                    <a:lnL w="12700" cap="flat" cmpd="sng" algn="ctr">
+                      <a:solidFill>
+                        <a:schemeClr val="tx1"/>
+                      </a:solidFill>
+                      <a:prstDash val="solid"/>
+                      <a:round/>
+                      <a:headEnd type="none" w="med" len="med"/>
+                      <a:tailEnd type="none" w="med" len="med"/>
+                    </a:lnL>
+                    <a:lnR w="12700" cap="flat" cmpd="sng" algn="ctr">
+                      <a:solidFill>
+                        <a:schemeClr val="tx1"/>
+                      </a:solidFill>
+                      <a:prstDash val="solid"/>
+                      <a:round/>
+                      <a:headEnd type="none" w="med" len="med"/>
+                      <a:tailEnd type="none" w="med" len="med"/>
+                    </a:lnR>
+                    <a:lnT w="12700" cap="flat" cmpd="sng" algn="ctr">
+                      <a:solidFill>
+                        <a:schemeClr val="tx1"/>
+                      </a:solidFill>
+                      <a:prstDash val="solid"/>
+                      <a:round/>
+                      <a:headEnd type="none" w="med" len="med"/>
+                      <a:tailEnd type="none" w="med" len="med"/>
+                    </a:lnT>
+                    <a:lnB w="12700" cap="flat" cmpd="sng" algn="ctr">
+                      <a:solidFill>
+                        <a:schemeClr val="tx1"/>
+                      </a:solidFill>
+                      <a:prstDash val="solid"/>
+                      <a:round/>
+                      <a:headEnd type="none" w="med" len="med"/>
+                      <a:tailEnd type="none" w="med" len="med"/>
+                    </a:lnB>
+                    <a:noFill/>
+                  </a:tcPr>
+                </a:tc>
+                <a:tc>
+                  <a:txBody>
+                    <a:bodyPr/>
+                    <a:lstStyle/>
+                    <a:p>
+                      <a:endParaRPr lang="en-US"/>
+                    </a:p>
+                  </a:txBody>
+                  <a:tcPr>
+                    <a:lnL w="12700" cap="flat" cmpd="sng" algn="ctr">
+                      <a:solidFill>
+                        <a:schemeClr val="tx1"/>
+                      </a:solidFill>
+                      <a:prstDash val="solid"/>
+                      <a:round/>
+                      <a:headEnd type="none" w="med" len="med"/>
+                      <a:tailEnd type="none" w="med" len="med"/>
+                    </a:lnL>
+                    <a:lnR w="12700" cap="flat" cmpd="sng" algn="ctr">
+                      <a:solidFill>
+                        <a:schemeClr val="tx1"/>
+                      </a:solidFill>
+                      <a:prstDash val="solid"/>
+                      <a:round/>
+                      <a:headEnd type="none" w="med" len="med"/>
+                      <a:tailEnd type="none" w="med" len="med"/>
+                    </a:lnR>
+                    <a:lnT w="12700" cap="flat" cmpd="sng" algn="ctr">
+                      <a:solidFill>
+                        <a:schemeClr val="tx1"/>
+                      </a:solidFill>
+                      <a:prstDash val="solid"/>
+                      <a:round/>
+                      <a:headEnd type="none" w="med" len="med"/>
+                      <a:tailEnd type="none" w="med" len="med"/>
+                    </a:lnT>
+                    <a:lnB w="12700" cap="flat" cmpd="sng" algn="ctr">
+                      <a:solidFill>
+                        <a:schemeClr val="tx1"/>
+                      </a:solidFill>
+                      <a:prstDash val="solid"/>
+                      <a:round/>
+                      <a:headEnd type="none" w="med" len="med"/>
+                      <a:tailEnd type="none" w="med" len="med"/>
+                    </a:lnB>
+                    <a:noFill/>
+                  </a:tcPr>
+                </a:tc>
+                <a:tc>
+                  <a:txBody>
+                    <a:bodyPr/>
+                    <a:lstStyle/>
+                    <a:p>
+                      <a:endParaRPr lang="en-US"/>
+                    </a:p>
+                  </a:txBody>
+                  <a:tcPr>
+                    <a:lnL w="12700" cap="flat" cmpd="sng" algn="ctr">
+                      <a:solidFill>
+                        <a:schemeClr val="tx1"/>
+                      </a:solidFill>
+                      <a:prstDash val="solid"/>
+                      <a:round/>
+                      <a:headEnd type="none" w="med" len="med"/>
+                      <a:tailEnd type="none" w="med" len="med"/>
+                    </a:lnL>
+                    <a:lnR w="12700" cap="flat" cmpd="sng" algn="ctr">
+                      <a:solidFill>
+                        <a:schemeClr val="tx1"/>
+                      </a:solidFill>
+                      <a:prstDash val="solid"/>
+                      <a:round/>
+                      <a:headEnd type="none" w="med" len="med"/>
+                      <a:tailEnd type="none" w="med" len="med"/>
+                    </a:lnR>
+                    <a:lnT w="12700" cap="flat" cmpd="sng" algn="ctr">
+                      <a:solidFill>
+                        <a:schemeClr val="tx1"/>
+                      </a:solidFill>
+                      <a:prstDash val="solid"/>
+                      <a:round/>
+                      <a:headEnd type="none" w="med" len="med"/>
+                      <a:tailEnd type="none" w="med" len="med"/>
+                    </a:lnT>
+                    <a:lnB w="12700" cap="flat" cmpd="sng" algn="ctr">
+                      <a:solidFill>
+                        <a:schemeClr val="tx1"/>
+                      </a:solidFill>
+                      <a:prstDash val="solid"/>
+                      <a:round/>
+                      <a:headEnd type="none" w="med" len="med"/>
+                      <a:tailEnd type="none" w="med" len="med"/>
+                    </a:lnB>
+                    <a:noFill/>
+                  </a:tcPr>
+                </a:tc>
+                <a:tc>
+                  <a:txBody>
+                    <a:bodyPr/>
+                    <a:lstStyle/>
+                    <a:p>
+                      <a:endParaRPr lang="en-US" dirty="0"/>
+                    </a:p>
+                  </a:txBody>
+                  <a:tcPr>
+                    <a:lnL w="12700" cap="flat" cmpd="sng" algn="ctr">
+                      <a:solidFill>
+                        <a:schemeClr val="tx1"/>
+                      </a:solidFill>
+                      <a:prstDash val="solid"/>
+                      <a:round/>
+                      <a:headEnd type="none" w="med" len="med"/>
+                      <a:tailEnd type="none" w="med" len="med"/>
+                    </a:lnL>
+                    <a:lnR w="12700" cap="flat" cmpd="sng" algn="ctr">
+                      <a:solidFill>
+                        <a:schemeClr val="tx1"/>
+                      </a:solidFill>
+                      <a:prstDash val="solid"/>
+                      <a:round/>
+                      <a:headEnd type="none" w="med" len="med"/>
+                      <a:tailEnd type="none" w="med" len="med"/>
+                    </a:lnR>
+                    <a:lnT w="12700" cap="flat" cmpd="sng" algn="ctr">
+                      <a:solidFill>
+                        <a:schemeClr val="tx1"/>
+                      </a:solidFill>
+                      <a:prstDash val="solid"/>
+                      <a:round/>
+                      <a:headEnd type="none" w="med" len="med"/>
+                      <a:tailEnd type="none" w="med" len="med"/>
+                    </a:lnT>
+                    <a:lnB w="12700" cap="flat" cmpd="sng" algn="ctr">
+                      <a:solidFill>
+                        <a:schemeClr val="tx1"/>
+                      </a:solidFill>
+                      <a:prstDash val="solid"/>
+                      <a:round/>
+                      <a:headEnd type="none" w="med" len="med"/>
+                      <a:tailEnd type="none" w="med" len="med"/>
+                    </a:lnB>
+                    <a:noFill/>
+                  </a:tcPr>
+                </a:tc>
+                <a:extLst>
+                  <a:ext uri="{0D108BD9-81ED-4DB2-BD59-A6C34878D82A}">
+                    <a16:rowId xmlns:a16="http://schemas.microsoft.com/office/drawing/2014/main" val="3733119716"/>
+                  </a:ext>
+                </a:extLst>
+              </a:tr>
+              <a:tr h="460693">
+                <a:tc>
+                  <a:txBody>
+                    <a:bodyPr/>
+                    <a:lstStyle/>
+                    <a:p>
+                      <a:endParaRPr lang="en-US"/>
+                    </a:p>
+                  </a:txBody>
+                  <a:tcPr>
+                    <a:lnL w="12700" cap="flat" cmpd="sng" algn="ctr">
+                      <a:solidFill>
+                        <a:schemeClr val="tx1"/>
+                      </a:solidFill>
+                      <a:prstDash val="solid"/>
+                      <a:round/>
+                      <a:headEnd type="none" w="med" len="med"/>
+                      <a:tailEnd type="none" w="med" len="med"/>
+                    </a:lnL>
+                    <a:lnR w="12700" cap="flat" cmpd="sng" algn="ctr">
+                      <a:solidFill>
+                        <a:schemeClr val="tx1"/>
+                      </a:solidFill>
+                      <a:prstDash val="solid"/>
+                      <a:round/>
+                      <a:headEnd type="none" w="med" len="med"/>
+                      <a:tailEnd type="none" w="med" len="med"/>
+                    </a:lnR>
+                    <a:lnT w="12700" cap="flat" cmpd="sng" algn="ctr">
+                      <a:solidFill>
+                        <a:schemeClr val="tx1"/>
+                      </a:solidFill>
+                      <a:prstDash val="solid"/>
+                      <a:round/>
+                      <a:headEnd type="none" w="med" len="med"/>
+                      <a:tailEnd type="none" w="med" len="med"/>
+                    </a:lnT>
+                    <a:lnB w="12700" cap="flat" cmpd="sng" algn="ctr">
+                      <a:solidFill>
+                        <a:schemeClr val="tx1"/>
+                      </a:solidFill>
+                      <a:prstDash val="solid"/>
+                      <a:round/>
+                      <a:headEnd type="none" w="med" len="med"/>
+                      <a:tailEnd type="none" w="med" len="med"/>
+                    </a:lnB>
+                    <a:noFill/>
+                  </a:tcPr>
+                </a:tc>
+                <a:tc>
+                  <a:txBody>
+                    <a:bodyPr/>
+                    <a:lstStyle/>
+                    <a:p>
+                      <a:endParaRPr lang="en-US"/>
+                    </a:p>
+                  </a:txBody>
+                  <a:tcPr>
+                    <a:lnL w="12700" cap="flat" cmpd="sng" algn="ctr">
+                      <a:solidFill>
+                        <a:schemeClr val="tx1"/>
+                      </a:solidFill>
+                      <a:prstDash val="solid"/>
+                      <a:round/>
+                      <a:headEnd type="none" w="med" len="med"/>
+                      <a:tailEnd type="none" w="med" len="med"/>
+                    </a:lnL>
+                    <a:lnR w="12700" cap="flat" cmpd="sng" algn="ctr">
+                      <a:solidFill>
+                        <a:schemeClr val="tx1"/>
+                      </a:solidFill>
+                      <a:prstDash val="solid"/>
+                      <a:round/>
+                      <a:headEnd type="none" w="med" len="med"/>
+                      <a:tailEnd type="none" w="med" len="med"/>
+                    </a:lnR>
+                    <a:lnT w="12700" cap="flat" cmpd="sng" algn="ctr">
+                      <a:solidFill>
+                        <a:schemeClr val="tx1"/>
+                      </a:solidFill>
+                      <a:prstDash val="solid"/>
+                      <a:round/>
+                      <a:headEnd type="none" w="med" len="med"/>
+                      <a:tailEnd type="none" w="med" len="med"/>
+                    </a:lnT>
+                    <a:lnB w="12700" cap="flat" cmpd="sng" algn="ctr">
+                      <a:solidFill>
+                        <a:schemeClr val="tx1"/>
+                      </a:solidFill>
+                      <a:prstDash val="solid"/>
+                      <a:round/>
+                      <a:headEnd type="none" w="med" len="med"/>
+                      <a:tailEnd type="none" w="med" len="med"/>
+                    </a:lnB>
+                    <a:noFill/>
+                  </a:tcPr>
+                </a:tc>
+                <a:tc>
+                  <a:txBody>
+                    <a:bodyPr/>
+                    <a:lstStyle/>
+                    <a:p>
+                      <a:endParaRPr lang="en-US"/>
+                    </a:p>
+                  </a:txBody>
+                  <a:tcPr>
+                    <a:lnL w="12700" cap="flat" cmpd="sng" algn="ctr">
+                      <a:solidFill>
+                        <a:schemeClr val="tx1"/>
+                      </a:solidFill>
+                      <a:prstDash val="solid"/>
+                      <a:round/>
+                      <a:headEnd type="none" w="med" len="med"/>
+                      <a:tailEnd type="none" w="med" len="med"/>
+                    </a:lnL>
+                    <a:lnR w="12700" cap="flat" cmpd="sng" algn="ctr">
+                      <a:solidFill>
+                        <a:schemeClr val="tx1"/>
+                      </a:solidFill>
+                      <a:prstDash val="solid"/>
+                      <a:round/>
+                      <a:headEnd type="none" w="med" len="med"/>
+                      <a:tailEnd type="none" w="med" len="med"/>
+                    </a:lnR>
+                    <a:lnT w="12700" cap="flat" cmpd="sng" algn="ctr">
+                      <a:solidFill>
+                        <a:schemeClr val="tx1"/>
+                      </a:solidFill>
+                      <a:prstDash val="solid"/>
+                      <a:round/>
+                      <a:headEnd type="none" w="med" len="med"/>
+                      <a:tailEnd type="none" w="med" len="med"/>
+                    </a:lnT>
+                    <a:lnB w="12700" cap="flat" cmpd="sng" algn="ctr">
+                      <a:solidFill>
+                        <a:schemeClr val="tx1"/>
+                      </a:solidFill>
+                      <a:prstDash val="solid"/>
+                      <a:round/>
+                      <a:headEnd type="none" w="med" len="med"/>
+                      <a:tailEnd type="none" w="med" len="med"/>
+                    </a:lnB>
+                    <a:noFill/>
+                  </a:tcPr>
+                </a:tc>
+                <a:tc>
+                  <a:txBody>
+                    <a:bodyPr/>
+                    <a:lstStyle/>
+                    <a:p>
+                      <a:endParaRPr lang="en-US"/>
+                    </a:p>
+                  </a:txBody>
+                  <a:tcPr>
+                    <a:lnL w="12700" cap="flat" cmpd="sng" algn="ctr">
+                      <a:solidFill>
+                        <a:schemeClr val="tx1"/>
+                      </a:solidFill>
+                      <a:prstDash val="solid"/>
+                      <a:round/>
+                      <a:headEnd type="none" w="med" len="med"/>
+                      <a:tailEnd type="none" w="med" len="med"/>
+                    </a:lnL>
+                    <a:lnR w="12700" cap="flat" cmpd="sng" algn="ctr">
+                      <a:solidFill>
+                        <a:schemeClr val="tx1"/>
+                      </a:solidFill>
+                      <a:prstDash val="solid"/>
+                      <a:round/>
+                      <a:headEnd type="none" w="med" len="med"/>
+                      <a:tailEnd type="none" w="med" len="med"/>
+                    </a:lnR>
+                    <a:lnT w="12700" cap="flat" cmpd="sng" algn="ctr">
+                      <a:solidFill>
+                        <a:schemeClr val="tx1"/>
+                      </a:solidFill>
+                      <a:prstDash val="solid"/>
+                      <a:round/>
+                      <a:headEnd type="none" w="med" len="med"/>
+                      <a:tailEnd type="none" w="med" len="med"/>
+                    </a:lnT>
+                    <a:lnB w="12700" cap="flat" cmpd="sng" algn="ctr">
+                      <a:solidFill>
+                        <a:schemeClr val="tx1"/>
+                      </a:solidFill>
+                      <a:prstDash val="solid"/>
+                      <a:round/>
+                      <a:headEnd type="none" w="med" len="med"/>
+                      <a:tailEnd type="none" w="med" len="med"/>
+                    </a:lnB>
+                    <a:noFill/>
+                  </a:tcPr>
+                </a:tc>
+                <a:tc>
+                  <a:txBody>
+                    <a:bodyPr/>
+                    <a:lstStyle/>
+                    <a:p>
+                      <a:endParaRPr lang="en-US"/>
+                    </a:p>
+                  </a:txBody>
+                  <a:tcPr>
+                    <a:lnL w="12700" cap="flat" cmpd="sng" algn="ctr">
+                      <a:solidFill>
+                        <a:schemeClr val="tx1"/>
+                      </a:solidFill>
+                      <a:prstDash val="solid"/>
+                      <a:round/>
+                      <a:headEnd type="none" w="med" len="med"/>
+                      <a:tailEnd type="none" w="med" len="med"/>
+                    </a:lnL>
+                    <a:lnR w="12700" cap="flat" cmpd="sng" algn="ctr">
+                      <a:solidFill>
+                        <a:schemeClr val="tx1"/>
+                      </a:solidFill>
+                      <a:prstDash val="solid"/>
+                      <a:round/>
+                      <a:headEnd type="none" w="med" len="med"/>
+                      <a:tailEnd type="none" w="med" len="med"/>
+                    </a:lnR>
+                    <a:lnT w="12700" cap="flat" cmpd="sng" algn="ctr">
+                      <a:solidFill>
+                        <a:schemeClr val="tx1"/>
+                      </a:solidFill>
+                      <a:prstDash val="solid"/>
+                      <a:round/>
+                      <a:headEnd type="none" w="med" len="med"/>
+                      <a:tailEnd type="none" w="med" len="med"/>
+                    </a:lnT>
+                    <a:lnB w="12700" cap="flat" cmpd="sng" algn="ctr">
+                      <a:solidFill>
+                        <a:schemeClr val="tx1"/>
+                      </a:solidFill>
+                      <a:prstDash val="solid"/>
+                      <a:round/>
+                      <a:headEnd type="none" w="med" len="med"/>
+                      <a:tailEnd type="none" w="med" len="med"/>
+                    </a:lnB>
+                    <a:noFill/>
+                  </a:tcPr>
+                </a:tc>
+                <a:tc>
+                  <a:txBody>
+                    <a:bodyPr/>
+                    <a:lstStyle/>
+                    <a:p>
+                      <a:endParaRPr lang="en-US"/>
+                    </a:p>
+                  </a:txBody>
+                  <a:tcPr>
+                    <a:lnL w="12700" cap="flat" cmpd="sng" algn="ctr">
+                      <a:solidFill>
+                        <a:schemeClr val="tx1"/>
+                      </a:solidFill>
+                      <a:prstDash val="solid"/>
+                      <a:round/>
+                      <a:headEnd type="none" w="med" len="med"/>
+                      <a:tailEnd type="none" w="med" len="med"/>
+                    </a:lnL>
+                    <a:lnR w="12700" cap="flat" cmpd="sng" algn="ctr">
+                      <a:solidFill>
+                        <a:schemeClr val="tx1"/>
+                      </a:solidFill>
+                      <a:prstDash val="solid"/>
+                      <a:round/>
+                      <a:headEnd type="none" w="med" len="med"/>
+                      <a:tailEnd type="none" w="med" len="med"/>
+                    </a:lnR>
+                    <a:lnT w="12700" cap="flat" cmpd="sng" algn="ctr">
+                      <a:solidFill>
+                        <a:schemeClr val="tx1"/>
+                      </a:solidFill>
+                      <a:prstDash val="solid"/>
+                      <a:round/>
+                      <a:headEnd type="none" w="med" len="med"/>
+                      <a:tailEnd type="none" w="med" len="med"/>
+                    </a:lnT>
+                    <a:lnB w="12700" cap="flat" cmpd="sng" algn="ctr">
+                      <a:solidFill>
+                        <a:schemeClr val="tx1"/>
+                      </a:solidFill>
+                      <a:prstDash val="solid"/>
+                      <a:round/>
+                      <a:headEnd type="none" w="med" len="med"/>
+                      <a:tailEnd type="none" w="med" len="med"/>
+                    </a:lnB>
+                    <a:noFill/>
+                  </a:tcPr>
+                </a:tc>
+                <a:tc>
+                  <a:txBody>
+                    <a:bodyPr/>
+                    <a:lstStyle/>
+                    <a:p>
+                      <a:endParaRPr lang="en-US"/>
+                    </a:p>
+                  </a:txBody>
+                  <a:tcPr>
+                    <a:lnL w="12700" cap="flat" cmpd="sng" algn="ctr">
+                      <a:solidFill>
+                        <a:schemeClr val="tx1"/>
+                      </a:solidFill>
+                      <a:prstDash val="solid"/>
+                      <a:round/>
+                      <a:headEnd type="none" w="med" len="med"/>
+                      <a:tailEnd type="none" w="med" len="med"/>
+                    </a:lnL>
+                    <a:lnR w="12700" cap="flat" cmpd="sng" algn="ctr">
+                      <a:solidFill>
+                        <a:schemeClr val="tx1"/>
+                      </a:solidFill>
+                      <a:prstDash val="solid"/>
+                      <a:round/>
+                      <a:headEnd type="none" w="med" len="med"/>
+                      <a:tailEnd type="none" w="med" len="med"/>
+                    </a:lnR>
+                    <a:lnT w="12700" cap="flat" cmpd="sng" algn="ctr">
+                      <a:solidFill>
+                        <a:schemeClr val="tx1"/>
+                      </a:solidFill>
+                      <a:prstDash val="solid"/>
+                      <a:round/>
+                      <a:headEnd type="none" w="med" len="med"/>
+                      <a:tailEnd type="none" w="med" len="med"/>
+                    </a:lnT>
+                    <a:lnB w="12700" cap="flat" cmpd="sng" algn="ctr">
+                      <a:solidFill>
+                        <a:schemeClr val="tx1"/>
+                      </a:solidFill>
+                      <a:prstDash val="solid"/>
+                      <a:round/>
+                      <a:headEnd type="none" w="med" len="med"/>
+                      <a:tailEnd type="none" w="med" len="med"/>
+                    </a:lnB>
+                    <a:noFill/>
+                  </a:tcPr>
+                </a:tc>
+                <a:extLst>
+                  <a:ext uri="{0D108BD9-81ED-4DB2-BD59-A6C34878D82A}">
+                    <a16:rowId xmlns:a16="http://schemas.microsoft.com/office/drawing/2014/main" val="127069411"/>
+                  </a:ext>
+                </a:extLst>
+              </a:tr>
+              <a:tr h="460693">
+                <a:tc>
+                  <a:txBody>
+                    <a:bodyPr/>
+                    <a:lstStyle/>
+                    <a:p>
+                      <a:endParaRPr lang="en-US"/>
+                    </a:p>
+                  </a:txBody>
+                  <a:tcPr>
+                    <a:lnL w="12700" cap="flat" cmpd="sng" algn="ctr">
+                      <a:solidFill>
+                        <a:schemeClr val="tx1"/>
+                      </a:solidFill>
+                      <a:prstDash val="solid"/>
+                      <a:round/>
+                      <a:headEnd type="none" w="med" len="med"/>
+                      <a:tailEnd type="none" w="med" len="med"/>
+                    </a:lnL>
+                    <a:lnR w="12700" cap="flat" cmpd="sng" algn="ctr">
+                      <a:solidFill>
+                        <a:schemeClr val="tx1"/>
+                      </a:solidFill>
+                      <a:prstDash val="solid"/>
+                      <a:round/>
+                      <a:headEnd type="none" w="med" len="med"/>
+                      <a:tailEnd type="none" w="med" len="med"/>
+                    </a:lnR>
+                    <a:lnT w="12700" cap="flat" cmpd="sng" algn="ctr">
+                      <a:solidFill>
+                        <a:schemeClr val="tx1"/>
+                      </a:solidFill>
+                      <a:prstDash val="solid"/>
+                      <a:round/>
+                      <a:headEnd type="none" w="med" len="med"/>
+                      <a:tailEnd type="none" w="med" len="med"/>
+                    </a:lnT>
+                    <a:lnB w="12700" cap="flat" cmpd="sng" algn="ctr">
+                      <a:solidFill>
+                        <a:schemeClr val="tx1"/>
+                      </a:solidFill>
+                      <a:prstDash val="solid"/>
+                      <a:round/>
+                      <a:headEnd type="none" w="med" len="med"/>
+                      <a:tailEnd type="none" w="med" len="med"/>
+                    </a:lnB>
+                    <a:noFill/>
+                  </a:tcPr>
+                </a:tc>
+                <a:tc>
+                  <a:txBody>
+                    <a:bodyPr/>
+                    <a:lstStyle/>
+                    <a:p>
+                      <a:endParaRPr lang="en-US"/>
+                    </a:p>
+                  </a:txBody>
+                  <a:tcPr>
+                    <a:lnL w="12700" cap="flat" cmpd="sng" algn="ctr">
+                      <a:solidFill>
+                        <a:schemeClr val="tx1"/>
+                      </a:solidFill>
+                      <a:prstDash val="solid"/>
+                      <a:round/>
+                      <a:headEnd type="none" w="med" len="med"/>
+                      <a:tailEnd type="none" w="med" len="med"/>
+                    </a:lnL>
+                    <a:lnR w="12700" cap="flat" cmpd="sng" algn="ctr">
+                      <a:solidFill>
+                        <a:schemeClr val="tx1"/>
+                      </a:solidFill>
+                      <a:prstDash val="solid"/>
+                      <a:round/>
+                      <a:headEnd type="none" w="med" len="med"/>
+                      <a:tailEnd type="none" w="med" len="med"/>
+                    </a:lnR>
+                    <a:lnT w="12700" cap="flat" cmpd="sng" algn="ctr">
+                      <a:solidFill>
+                        <a:schemeClr val="tx1"/>
+                      </a:solidFill>
+                      <a:prstDash val="solid"/>
+                      <a:round/>
+                      <a:headEnd type="none" w="med" len="med"/>
+                      <a:tailEnd type="none" w="med" len="med"/>
+                    </a:lnT>
+                    <a:lnB w="12700" cap="flat" cmpd="sng" algn="ctr">
+                      <a:solidFill>
+                        <a:schemeClr val="tx1"/>
+                      </a:solidFill>
+                      <a:prstDash val="solid"/>
+                      <a:round/>
+                      <a:headEnd type="none" w="med" len="med"/>
+                      <a:tailEnd type="none" w="med" len="med"/>
+                    </a:lnB>
+                    <a:noFill/>
+                  </a:tcPr>
+                </a:tc>
+                <a:tc>
+                  <a:txBody>
+                    <a:bodyPr/>
+                    <a:lstStyle/>
+                    <a:p>
+                      <a:endParaRPr lang="en-US"/>
+                    </a:p>
+                  </a:txBody>
+                  <a:tcPr>
+                    <a:lnL w="12700" cap="flat" cmpd="sng" algn="ctr">
+                      <a:solidFill>
+                        <a:schemeClr val="tx1"/>
+                      </a:solidFill>
+                      <a:prstDash val="solid"/>
+                      <a:round/>
+                      <a:headEnd type="none" w="med" len="med"/>
+                      <a:tailEnd type="none" w="med" len="med"/>
+                    </a:lnL>
+                    <a:lnR w="12700" cap="flat" cmpd="sng" algn="ctr">
+                      <a:solidFill>
+                        <a:schemeClr val="tx1"/>
+                      </a:solidFill>
+                      <a:prstDash val="solid"/>
+                      <a:round/>
+                      <a:headEnd type="none" w="med" len="med"/>
+                      <a:tailEnd type="none" w="med" len="med"/>
+                    </a:lnR>
+                    <a:lnT w="12700" cap="flat" cmpd="sng" algn="ctr">
+                      <a:solidFill>
+                        <a:schemeClr val="tx1"/>
+                      </a:solidFill>
+                      <a:prstDash val="solid"/>
+                      <a:round/>
+                      <a:headEnd type="none" w="med" len="med"/>
+                      <a:tailEnd type="none" w="med" len="med"/>
+                    </a:lnT>
+                    <a:lnB w="12700" cap="flat" cmpd="sng" algn="ctr">
+                      <a:solidFill>
+                        <a:schemeClr val="tx1"/>
+                      </a:solidFill>
+                      <a:prstDash val="solid"/>
+                      <a:round/>
+                      <a:headEnd type="none" w="med" len="med"/>
+                      <a:tailEnd type="none" w="med" len="med"/>
+                    </a:lnB>
+                    <a:noFill/>
+                  </a:tcPr>
+                </a:tc>
+                <a:tc>
+                  <a:txBody>
+                    <a:bodyPr/>
+                    <a:lstStyle/>
+                    <a:p>
+                      <a:endParaRPr lang="en-US"/>
+                    </a:p>
+                  </a:txBody>
+                  <a:tcPr>
+                    <a:lnL w="12700" cap="flat" cmpd="sng" algn="ctr">
+                      <a:solidFill>
+                        <a:schemeClr val="tx1"/>
+                      </a:solidFill>
+                      <a:prstDash val="solid"/>
+                      <a:round/>
+                      <a:headEnd type="none" w="med" len="med"/>
+                      <a:tailEnd type="none" w="med" len="med"/>
+                    </a:lnL>
+                    <a:lnR w="12700" cap="flat" cmpd="sng" algn="ctr">
+                      <a:solidFill>
+                        <a:schemeClr val="tx1"/>
+                      </a:solidFill>
+                      <a:prstDash val="solid"/>
+                      <a:round/>
+                      <a:headEnd type="none" w="med" len="med"/>
+                      <a:tailEnd type="none" w="med" len="med"/>
+                    </a:lnR>
+                    <a:lnT w="12700" cap="flat" cmpd="sng" algn="ctr">
+                      <a:solidFill>
+                        <a:schemeClr val="tx1"/>
+                      </a:solidFill>
+                      <a:prstDash val="solid"/>
+                      <a:round/>
+                      <a:headEnd type="none" w="med" len="med"/>
+                      <a:tailEnd type="none" w="med" len="med"/>
+                    </a:lnT>
+                    <a:lnB w="12700" cap="flat" cmpd="sng" algn="ctr">
+                      <a:solidFill>
+                        <a:schemeClr val="tx1"/>
+                      </a:solidFill>
+                      <a:prstDash val="solid"/>
+                      <a:round/>
+                      <a:headEnd type="none" w="med" len="med"/>
+                      <a:tailEnd type="none" w="med" len="med"/>
+                    </a:lnB>
+                    <a:noFill/>
+                  </a:tcPr>
+                </a:tc>
+                <a:tc>
+                  <a:txBody>
+                    <a:bodyPr/>
+                    <a:lstStyle/>
+                    <a:p>
+                      <a:endParaRPr lang="en-US"/>
+                    </a:p>
+                  </a:txBody>
+                  <a:tcPr>
+                    <a:lnL w="12700" cap="flat" cmpd="sng" algn="ctr">
+                      <a:solidFill>
+                        <a:schemeClr val="tx1"/>
+                      </a:solidFill>
+                      <a:prstDash val="solid"/>
+                      <a:round/>
+                      <a:headEnd type="none" w="med" len="med"/>
+                      <a:tailEnd type="none" w="med" len="med"/>
+                    </a:lnL>
+                    <a:lnR w="12700" cap="flat" cmpd="sng" algn="ctr">
+                      <a:solidFill>
+                        <a:schemeClr val="tx1"/>
+                      </a:solidFill>
+                      <a:prstDash val="solid"/>
+                      <a:round/>
+                      <a:headEnd type="none" w="med" len="med"/>
+                      <a:tailEnd type="none" w="med" len="med"/>
+                    </a:lnR>
+                    <a:lnT w="12700" cap="flat" cmpd="sng" algn="ctr">
+                      <a:solidFill>
+                        <a:schemeClr val="tx1"/>
+                      </a:solidFill>
+                      <a:prstDash val="solid"/>
+                      <a:round/>
+                      <a:headEnd type="none" w="med" len="med"/>
+                      <a:tailEnd type="none" w="med" len="med"/>
+                    </a:lnT>
+                    <a:lnB w="12700" cap="flat" cmpd="sng" algn="ctr">
+                      <a:solidFill>
+                        <a:schemeClr val="tx1"/>
+                      </a:solidFill>
+                      <a:prstDash val="solid"/>
+                      <a:round/>
+                      <a:headEnd type="none" w="med" len="med"/>
+                      <a:tailEnd type="none" w="med" len="med"/>
+                    </a:lnB>
+                    <a:noFill/>
+                  </a:tcPr>
+                </a:tc>
+                <a:tc>
+                  <a:txBody>
+                    <a:bodyPr/>
+                    <a:lstStyle/>
+                    <a:p>
+                      <a:endParaRPr lang="en-US"/>
+                    </a:p>
+                  </a:txBody>
+                  <a:tcPr>
+                    <a:lnL w="12700" cap="flat" cmpd="sng" algn="ctr">
+                      <a:solidFill>
+                        <a:schemeClr val="tx1"/>
+                      </a:solidFill>
+                      <a:prstDash val="solid"/>
+                      <a:round/>
+                      <a:headEnd type="none" w="med" len="med"/>
+                      <a:tailEnd type="none" w="med" len="med"/>
+                    </a:lnL>
+                    <a:lnR w="12700" cap="flat" cmpd="sng" algn="ctr">
+                      <a:solidFill>
+                        <a:schemeClr val="tx1"/>
+                      </a:solidFill>
+                      <a:prstDash val="solid"/>
+                      <a:round/>
+                      <a:headEnd type="none" w="med" len="med"/>
+                      <a:tailEnd type="none" w="med" len="med"/>
+                    </a:lnR>
+                    <a:lnT w="12700" cap="flat" cmpd="sng" algn="ctr">
+                      <a:solidFill>
+                        <a:schemeClr val="tx1"/>
+                      </a:solidFill>
+                      <a:prstDash val="solid"/>
+                      <a:round/>
+                      <a:headEnd type="none" w="med" len="med"/>
+                      <a:tailEnd type="none" w="med" len="med"/>
+                    </a:lnT>
+                    <a:lnB w="12700" cap="flat" cmpd="sng" algn="ctr">
+                      <a:solidFill>
+                        <a:schemeClr val="tx1"/>
+                      </a:solidFill>
+                      <a:prstDash val="solid"/>
+                      <a:round/>
+                      <a:headEnd type="none" w="med" len="med"/>
+                      <a:tailEnd type="none" w="med" len="med"/>
+                    </a:lnB>
+                    <a:noFill/>
+                  </a:tcPr>
+                </a:tc>
+                <a:tc>
+                  <a:txBody>
+                    <a:bodyPr/>
+                    <a:lstStyle/>
+                    <a:p>
+                      <a:endParaRPr lang="en-US"/>
+                    </a:p>
+                  </a:txBody>
+                  <a:tcPr>
+                    <a:lnL w="12700" cap="flat" cmpd="sng" algn="ctr">
+                      <a:solidFill>
+                        <a:schemeClr val="tx1"/>
+                      </a:solidFill>
+                      <a:prstDash val="solid"/>
+                      <a:round/>
+                      <a:headEnd type="none" w="med" len="med"/>
+                      <a:tailEnd type="none" w="med" len="med"/>
+                    </a:lnL>
+                    <a:lnR w="12700" cap="flat" cmpd="sng" algn="ctr">
+                      <a:solidFill>
+                        <a:schemeClr val="tx1"/>
+                      </a:solidFill>
+                      <a:prstDash val="solid"/>
+                      <a:round/>
+                      <a:headEnd type="none" w="med" len="med"/>
+                      <a:tailEnd type="none" w="med" len="med"/>
+                    </a:lnR>
+                    <a:lnT w="12700" cap="flat" cmpd="sng" algn="ctr">
+                      <a:solidFill>
+                        <a:schemeClr val="tx1"/>
+                      </a:solidFill>
+                      <a:prstDash val="solid"/>
+                      <a:round/>
+                      <a:headEnd type="none" w="med" len="med"/>
+                      <a:tailEnd type="none" w="med" len="med"/>
+                    </a:lnT>
+                    <a:lnB w="12700" cap="flat" cmpd="sng" algn="ctr">
+                      <a:solidFill>
+                        <a:schemeClr val="tx1"/>
+                      </a:solidFill>
+                      <a:prstDash val="solid"/>
+                      <a:round/>
+                      <a:headEnd type="none" w="med" len="med"/>
+                      <a:tailEnd type="none" w="med" len="med"/>
+                    </a:lnB>
+                    <a:noFill/>
+                  </a:tcPr>
+                </a:tc>
+                <a:extLst>
+                  <a:ext uri="{0D108BD9-81ED-4DB2-BD59-A6C34878D82A}">
+                    <a16:rowId xmlns:a16="http://schemas.microsoft.com/office/drawing/2014/main" val="2387869853"/>
+                  </a:ext>
+                </a:extLst>
+              </a:tr>
+              <a:tr h="460693">
+                <a:tc>
+                  <a:txBody>
+                    <a:bodyPr/>
+                    <a:lstStyle/>
+                    <a:p>
+                      <a:endParaRPr lang="en-US"/>
+                    </a:p>
+                  </a:txBody>
+                  <a:tcPr>
+                    <a:lnL w="12700" cap="flat" cmpd="sng" algn="ctr">
+                      <a:solidFill>
+                        <a:schemeClr val="tx1"/>
+                      </a:solidFill>
+                      <a:prstDash val="solid"/>
+                      <a:round/>
+                      <a:headEnd type="none" w="med" len="med"/>
+                      <a:tailEnd type="none" w="med" len="med"/>
+                    </a:lnL>
+                    <a:lnR w="12700" cap="flat" cmpd="sng" algn="ctr">
+                      <a:solidFill>
+                        <a:schemeClr val="tx1"/>
+                      </a:solidFill>
+                      <a:prstDash val="solid"/>
+                      <a:round/>
+                      <a:headEnd type="none" w="med" len="med"/>
+                      <a:tailEnd type="none" w="med" len="med"/>
+                    </a:lnR>
+                    <a:lnT w="12700" cap="flat" cmpd="sng" algn="ctr">
+                      <a:solidFill>
+                        <a:schemeClr val="tx1"/>
+                      </a:solidFill>
+                      <a:prstDash val="solid"/>
+                      <a:round/>
+                      <a:headEnd type="none" w="med" len="med"/>
+                      <a:tailEnd type="none" w="med" len="med"/>
+                    </a:lnT>
+                    <a:lnB w="12700" cap="flat" cmpd="sng" algn="ctr">
+                      <a:solidFill>
+                        <a:schemeClr val="tx1"/>
+                      </a:solidFill>
+                      <a:prstDash val="solid"/>
+                      <a:round/>
+                      <a:headEnd type="none" w="med" len="med"/>
+                      <a:tailEnd type="none" w="med" len="med"/>
+                    </a:lnB>
+                    <a:noFill/>
+                  </a:tcPr>
+                </a:tc>
+                <a:tc>
+                  <a:txBody>
+                    <a:bodyPr/>
+                    <a:lstStyle/>
+                    <a:p>
+                      <a:endParaRPr lang="en-US"/>
+                    </a:p>
+                  </a:txBody>
+                  <a:tcPr>
+                    <a:lnL w="12700" cap="flat" cmpd="sng" algn="ctr">
+                      <a:solidFill>
+                        <a:schemeClr val="tx1"/>
+                      </a:solidFill>
+                      <a:prstDash val="solid"/>
+                      <a:round/>
+                      <a:headEnd type="none" w="med" len="med"/>
+                      <a:tailEnd type="none" w="med" len="med"/>
+                    </a:lnL>
+                    <a:lnR w="12700" cap="flat" cmpd="sng" algn="ctr">
+                      <a:solidFill>
+                        <a:schemeClr val="tx1"/>
+                      </a:solidFill>
+                      <a:prstDash val="solid"/>
+                      <a:round/>
+                      <a:headEnd type="none" w="med" len="med"/>
+                      <a:tailEnd type="none" w="med" len="med"/>
+                    </a:lnR>
+                    <a:lnT w="12700" cap="flat" cmpd="sng" algn="ctr">
+                      <a:solidFill>
+                        <a:schemeClr val="tx1"/>
+                      </a:solidFill>
+                      <a:prstDash val="solid"/>
+                      <a:round/>
+                      <a:headEnd type="none" w="med" len="med"/>
+                      <a:tailEnd type="none" w="med" len="med"/>
+                    </a:lnT>
+                    <a:lnB w="12700" cap="flat" cmpd="sng" algn="ctr">
+                      <a:solidFill>
+                        <a:schemeClr val="tx1"/>
+                      </a:solidFill>
+                      <a:prstDash val="solid"/>
+                      <a:round/>
+                      <a:headEnd type="none" w="med" len="med"/>
+                      <a:tailEnd type="none" w="med" len="med"/>
+                    </a:lnB>
+                    <a:noFill/>
+                  </a:tcPr>
+                </a:tc>
+                <a:tc>
+                  <a:txBody>
+                    <a:bodyPr/>
+                    <a:lstStyle/>
+                    <a:p>
+                      <a:endParaRPr lang="en-US"/>
+                    </a:p>
+                  </a:txBody>
+                  <a:tcPr>
+                    <a:lnL w="12700" cap="flat" cmpd="sng" algn="ctr">
+                      <a:solidFill>
+                        <a:schemeClr val="tx1"/>
+                      </a:solidFill>
+                      <a:prstDash val="solid"/>
+                      <a:round/>
+                      <a:headEnd type="none" w="med" len="med"/>
+                      <a:tailEnd type="none" w="med" len="med"/>
+                    </a:lnL>
+                    <a:lnR w="12700" cap="flat" cmpd="sng" algn="ctr">
+                      <a:solidFill>
+                        <a:schemeClr val="tx1"/>
+                      </a:solidFill>
+                      <a:prstDash val="solid"/>
+                      <a:round/>
+                      <a:headEnd type="none" w="med" len="med"/>
+                      <a:tailEnd type="none" w="med" len="med"/>
+                    </a:lnR>
+                    <a:lnT w="12700" cap="flat" cmpd="sng" algn="ctr">
+                      <a:solidFill>
+                        <a:schemeClr val="tx1"/>
+                      </a:solidFill>
+                      <a:prstDash val="solid"/>
+                      <a:round/>
+                      <a:headEnd type="none" w="med" len="med"/>
+                      <a:tailEnd type="none" w="med" len="med"/>
+                    </a:lnT>
+                    <a:lnB w="12700" cap="flat" cmpd="sng" algn="ctr">
+                      <a:solidFill>
+                        <a:schemeClr val="tx1"/>
+                      </a:solidFill>
+                      <a:prstDash val="solid"/>
+                      <a:round/>
+                      <a:headEnd type="none" w="med" len="med"/>
+                      <a:tailEnd type="none" w="med" len="med"/>
+                    </a:lnB>
+                    <a:noFill/>
+                  </a:tcPr>
+                </a:tc>
+                <a:tc>
+                  <a:txBody>
+                    <a:bodyPr/>
+                    <a:lstStyle/>
+                    <a:p>
+                      <a:endParaRPr lang="en-US"/>
+                    </a:p>
+                  </a:txBody>
+                  <a:tcPr>
+                    <a:lnL w="12700" cap="flat" cmpd="sng" algn="ctr">
+                      <a:solidFill>
+                        <a:schemeClr val="tx1"/>
+                      </a:solidFill>
+                      <a:prstDash val="solid"/>
+                      <a:round/>
+                      <a:headEnd type="none" w="med" len="med"/>
+                      <a:tailEnd type="none" w="med" len="med"/>
+                    </a:lnL>
+                    <a:lnR w="12700" cap="flat" cmpd="sng" algn="ctr">
+                      <a:solidFill>
+                        <a:schemeClr val="tx1"/>
+                      </a:solidFill>
+                      <a:prstDash val="solid"/>
+                      <a:round/>
+                      <a:headEnd type="none" w="med" len="med"/>
+                      <a:tailEnd type="none" w="med" len="med"/>
+                    </a:lnR>
+                    <a:lnT w="12700" cap="flat" cmpd="sng" algn="ctr">
+                      <a:solidFill>
+                        <a:schemeClr val="tx1"/>
+                      </a:solidFill>
+                      <a:prstDash val="solid"/>
+                      <a:round/>
+                      <a:headEnd type="none" w="med" len="med"/>
+                      <a:tailEnd type="none" w="med" len="med"/>
+                    </a:lnT>
+                    <a:lnB w="12700" cap="flat" cmpd="sng" algn="ctr">
+                      <a:solidFill>
+                        <a:schemeClr val="tx1"/>
+                      </a:solidFill>
+                      <a:prstDash val="solid"/>
+                      <a:round/>
+                      <a:headEnd type="none" w="med" len="med"/>
+                      <a:tailEnd type="none" w="med" len="med"/>
+                    </a:lnB>
+                    <a:noFill/>
+                  </a:tcPr>
+                </a:tc>
+                <a:tc>
+                  <a:txBody>
+                    <a:bodyPr/>
+                    <a:lstStyle/>
+                    <a:p>
+                      <a:endParaRPr lang="en-US"/>
+                    </a:p>
+                  </a:txBody>
+                  <a:tcPr>
+                    <a:lnL w="12700" cap="flat" cmpd="sng" algn="ctr">
+                      <a:solidFill>
+                        <a:schemeClr val="tx1"/>
+                      </a:solidFill>
+                      <a:prstDash val="solid"/>
+                      <a:round/>
+                      <a:headEnd type="none" w="med" len="med"/>
+                      <a:tailEnd type="none" w="med" len="med"/>
+                    </a:lnL>
+                    <a:lnR w="12700" cap="flat" cmpd="sng" algn="ctr">
+                      <a:solidFill>
+                        <a:schemeClr val="tx1"/>
+                      </a:solidFill>
+                      <a:prstDash val="solid"/>
+                      <a:round/>
+                      <a:headEnd type="none" w="med" len="med"/>
+                      <a:tailEnd type="none" w="med" len="med"/>
+                    </a:lnR>
+                    <a:lnT w="12700" cap="flat" cmpd="sng" algn="ctr">
+                      <a:solidFill>
+                        <a:schemeClr val="tx1"/>
+                      </a:solidFill>
+                      <a:prstDash val="solid"/>
+                      <a:round/>
+                      <a:headEnd type="none" w="med" len="med"/>
+                      <a:tailEnd type="none" w="med" len="med"/>
+                    </a:lnT>
+                    <a:lnB w="12700" cap="flat" cmpd="sng" algn="ctr">
+                      <a:solidFill>
+                        <a:schemeClr val="tx1"/>
+                      </a:solidFill>
+                      <a:prstDash val="solid"/>
+                      <a:round/>
+                      <a:headEnd type="none" w="med" len="med"/>
+                      <a:tailEnd type="none" w="med" len="med"/>
+                    </a:lnB>
+                    <a:noFill/>
+                  </a:tcPr>
+                </a:tc>
+                <a:tc>
+                  <a:txBody>
+                    <a:bodyPr/>
+                    <a:lstStyle/>
+                    <a:p>
+                      <a:endParaRPr lang="en-US"/>
+                    </a:p>
+                  </a:txBody>
+                  <a:tcPr>
+                    <a:lnL w="12700" cap="flat" cmpd="sng" algn="ctr">
+                      <a:solidFill>
+                        <a:schemeClr val="tx1"/>
+                      </a:solidFill>
+                      <a:prstDash val="solid"/>
+                      <a:round/>
+                      <a:headEnd type="none" w="med" len="med"/>
+                      <a:tailEnd type="none" w="med" len="med"/>
+                    </a:lnL>
+                    <a:lnR w="12700" cap="flat" cmpd="sng" algn="ctr">
+                      <a:solidFill>
+                        <a:schemeClr val="tx1"/>
+                      </a:solidFill>
+                      <a:prstDash val="solid"/>
+                      <a:round/>
+                      <a:headEnd type="none" w="med" len="med"/>
+                      <a:tailEnd type="none" w="med" len="med"/>
+                    </a:lnR>
+                    <a:lnT w="12700" cap="flat" cmpd="sng" algn="ctr">
+                      <a:solidFill>
+                        <a:schemeClr val="tx1"/>
+                      </a:solidFill>
+                      <a:prstDash val="solid"/>
+                      <a:round/>
+                      <a:headEnd type="none" w="med" len="med"/>
+                      <a:tailEnd type="none" w="med" len="med"/>
+                    </a:lnT>
+                    <a:lnB w="12700" cap="flat" cmpd="sng" algn="ctr">
+                      <a:solidFill>
+                        <a:schemeClr val="tx1"/>
+                      </a:solidFill>
+                      <a:prstDash val="solid"/>
+                      <a:round/>
+                      <a:headEnd type="none" w="med" len="med"/>
+                      <a:tailEnd type="none" w="med" len="med"/>
+                    </a:lnB>
+                    <a:noFill/>
+                  </a:tcPr>
+                </a:tc>
+                <a:tc>
+                  <a:txBody>
+                    <a:bodyPr/>
+                    <a:lstStyle/>
+                    <a:p>
+                      <a:endParaRPr lang="en-US" dirty="0"/>
+                    </a:p>
+                  </a:txBody>
+                  <a:tcPr>
+                    <a:lnL w="12700" cap="flat" cmpd="sng" algn="ctr">
+                      <a:solidFill>
+                        <a:schemeClr val="tx1"/>
+                      </a:solidFill>
+                      <a:prstDash val="solid"/>
+                      <a:round/>
+                      <a:headEnd type="none" w="med" len="med"/>
+                      <a:tailEnd type="none" w="med" len="med"/>
+                    </a:lnL>
+                    <a:lnR w="12700" cap="flat" cmpd="sng" algn="ctr">
+                      <a:solidFill>
+                        <a:schemeClr val="tx1"/>
+                      </a:solidFill>
+                      <a:prstDash val="solid"/>
+                      <a:round/>
+                      <a:headEnd type="none" w="med" len="med"/>
+                      <a:tailEnd type="none" w="med" len="med"/>
+                    </a:lnR>
+                    <a:lnT w="12700" cap="flat" cmpd="sng" algn="ctr">
+                      <a:solidFill>
+                        <a:schemeClr val="tx1"/>
+                      </a:solidFill>
+                      <a:prstDash val="solid"/>
+                      <a:round/>
+                      <a:headEnd type="none" w="med" len="med"/>
+                      <a:tailEnd type="none" w="med" len="med"/>
+                    </a:lnT>
+                    <a:lnB w="12700" cap="flat" cmpd="sng" algn="ctr">
+                      <a:solidFill>
+                        <a:schemeClr val="tx1"/>
+                      </a:solidFill>
+                      <a:prstDash val="solid"/>
+                      <a:round/>
+                      <a:headEnd type="none" w="med" len="med"/>
+                      <a:tailEnd type="none" w="med" len="med"/>
+                    </a:lnB>
+                    <a:noFill/>
+                  </a:tcPr>
+                </a:tc>
+                <a:extLst>
+                  <a:ext uri="{0D108BD9-81ED-4DB2-BD59-A6C34878D82A}">
+                    <a16:rowId xmlns:a16="http://schemas.microsoft.com/office/drawing/2014/main" val="1762154599"/>
+                  </a:ext>
+                </a:extLst>
+              </a:tr>
+              <a:tr h="460693">
+                <a:tc>
+                  <a:txBody>
+                    <a:bodyPr/>
+                    <a:lstStyle/>
+                    <a:p>
+                      <a:endParaRPr lang="en-US"/>
+                    </a:p>
+                  </a:txBody>
+                  <a:tcPr>
+                    <a:lnL w="12700" cap="flat" cmpd="sng" algn="ctr">
+                      <a:solidFill>
+                        <a:schemeClr val="tx1"/>
+                      </a:solidFill>
+                      <a:prstDash val="solid"/>
+                      <a:round/>
+                      <a:headEnd type="none" w="med" len="med"/>
+                      <a:tailEnd type="none" w="med" len="med"/>
+                    </a:lnL>
+                    <a:lnR w="12700" cap="flat" cmpd="sng" algn="ctr">
+                      <a:solidFill>
+                        <a:schemeClr val="tx1"/>
+                      </a:solidFill>
+                      <a:prstDash val="solid"/>
+                      <a:round/>
+                      <a:headEnd type="none" w="med" len="med"/>
+                      <a:tailEnd type="none" w="med" len="med"/>
+                    </a:lnR>
+                    <a:lnT w="12700" cap="flat" cmpd="sng" algn="ctr">
+                      <a:solidFill>
+                        <a:schemeClr val="tx1"/>
+                      </a:solidFill>
+                      <a:prstDash val="solid"/>
+                      <a:round/>
+                      <a:headEnd type="none" w="med" len="med"/>
+                      <a:tailEnd type="none" w="med" len="med"/>
+                    </a:lnT>
+                    <a:lnB w="12700" cap="flat" cmpd="sng" algn="ctr">
+                      <a:solidFill>
+                        <a:schemeClr val="tx1"/>
+                      </a:solidFill>
+                      <a:prstDash val="solid"/>
+                      <a:round/>
+                      <a:headEnd type="none" w="med" len="med"/>
+                      <a:tailEnd type="none" w="med" len="med"/>
+                    </a:lnB>
+                    <a:noFill/>
+                  </a:tcPr>
+                </a:tc>
+                <a:tc>
+                  <a:txBody>
+                    <a:bodyPr/>
+                    <a:lstStyle/>
+                    <a:p>
+                      <a:endParaRPr lang="en-US"/>
+                    </a:p>
+                  </a:txBody>
+                  <a:tcPr>
+                    <a:lnL w="12700" cap="flat" cmpd="sng" algn="ctr">
+                      <a:solidFill>
+                        <a:schemeClr val="tx1"/>
+                      </a:solidFill>
+                      <a:prstDash val="solid"/>
+                      <a:round/>
+                      <a:headEnd type="none" w="med" len="med"/>
+                      <a:tailEnd type="none" w="med" len="med"/>
+                    </a:lnL>
+                    <a:lnR w="12700" cap="flat" cmpd="sng" algn="ctr">
+                      <a:solidFill>
+                        <a:schemeClr val="tx1"/>
+                      </a:solidFill>
+                      <a:prstDash val="solid"/>
+                      <a:round/>
+                      <a:headEnd type="none" w="med" len="med"/>
+                      <a:tailEnd type="none" w="med" len="med"/>
+                    </a:lnR>
+                    <a:lnT w="12700" cap="flat" cmpd="sng" algn="ctr">
+                      <a:solidFill>
+                        <a:schemeClr val="tx1"/>
+                      </a:solidFill>
+                      <a:prstDash val="solid"/>
+                      <a:round/>
+                      <a:headEnd type="none" w="med" len="med"/>
+                      <a:tailEnd type="none" w="med" len="med"/>
+                    </a:lnT>
+                    <a:lnB w="12700" cap="flat" cmpd="sng" algn="ctr">
+                      <a:solidFill>
+                        <a:schemeClr val="tx1"/>
+                      </a:solidFill>
+                      <a:prstDash val="solid"/>
+                      <a:round/>
+                      <a:headEnd type="none" w="med" len="med"/>
+                      <a:tailEnd type="none" w="med" len="med"/>
+                    </a:lnB>
+                    <a:noFill/>
+                  </a:tcPr>
+                </a:tc>
+                <a:tc>
+                  <a:txBody>
+                    <a:bodyPr/>
+                    <a:lstStyle/>
+                    <a:p>
+                      <a:endParaRPr lang="en-US"/>
+                    </a:p>
+                  </a:txBody>
+                  <a:tcPr>
+                    <a:lnL w="12700" cap="flat" cmpd="sng" algn="ctr">
+                      <a:solidFill>
+                        <a:schemeClr val="tx1"/>
+                      </a:solidFill>
+                      <a:prstDash val="solid"/>
+                      <a:round/>
+                      <a:headEnd type="none" w="med" len="med"/>
+                      <a:tailEnd type="none" w="med" len="med"/>
+                    </a:lnL>
+                    <a:lnR w="12700" cap="flat" cmpd="sng" algn="ctr">
+                      <a:solidFill>
+                        <a:schemeClr val="tx1"/>
+                      </a:solidFill>
+                      <a:prstDash val="solid"/>
+                      <a:round/>
+                      <a:headEnd type="none" w="med" len="med"/>
+                      <a:tailEnd type="none" w="med" len="med"/>
+                    </a:lnR>
+                    <a:lnT w="12700" cap="flat" cmpd="sng" algn="ctr">
+                      <a:solidFill>
+                        <a:schemeClr val="tx1"/>
+                      </a:solidFill>
+                      <a:prstDash val="solid"/>
+                      <a:round/>
+                      <a:headEnd type="none" w="med" len="med"/>
+                      <a:tailEnd type="none" w="med" len="med"/>
+                    </a:lnT>
+                    <a:lnB w="12700" cap="flat" cmpd="sng" algn="ctr">
+                      <a:solidFill>
+                        <a:schemeClr val="tx1"/>
+                      </a:solidFill>
+                      <a:prstDash val="solid"/>
+                      <a:round/>
+                      <a:headEnd type="none" w="med" len="med"/>
+                      <a:tailEnd type="none" w="med" len="med"/>
+                    </a:lnB>
+                    <a:noFill/>
+                  </a:tcPr>
+                </a:tc>
+                <a:tc>
+                  <a:txBody>
+                    <a:bodyPr/>
+                    <a:lstStyle/>
+                    <a:p>
+                      <a:endParaRPr lang="en-US"/>
+                    </a:p>
+                  </a:txBody>
+                  <a:tcPr>
+                    <a:lnL w="12700" cap="flat" cmpd="sng" algn="ctr">
+                      <a:solidFill>
+                        <a:schemeClr val="tx1"/>
+                      </a:solidFill>
+                      <a:prstDash val="solid"/>
+                      <a:round/>
+                      <a:headEnd type="none" w="med" len="med"/>
+                      <a:tailEnd type="none" w="med" len="med"/>
+                    </a:lnL>
+                    <a:lnR w="12700" cap="flat" cmpd="sng" algn="ctr">
+                      <a:solidFill>
+                        <a:schemeClr val="tx1"/>
+                      </a:solidFill>
+                      <a:prstDash val="solid"/>
+                      <a:round/>
+                      <a:headEnd type="none" w="med" len="med"/>
+                      <a:tailEnd type="none" w="med" len="med"/>
+                    </a:lnR>
+                    <a:lnT w="12700" cap="flat" cmpd="sng" algn="ctr">
+                      <a:solidFill>
+                        <a:schemeClr val="tx1"/>
+                      </a:solidFill>
+                      <a:prstDash val="solid"/>
+                      <a:round/>
+                      <a:headEnd type="none" w="med" len="med"/>
+                      <a:tailEnd type="none" w="med" len="med"/>
+                    </a:lnT>
+                    <a:lnB w="12700" cap="flat" cmpd="sng" algn="ctr">
+                      <a:solidFill>
+                        <a:schemeClr val="tx1"/>
+                      </a:solidFill>
+                      <a:prstDash val="solid"/>
+                      <a:round/>
+                      <a:headEnd type="none" w="med" len="med"/>
+                      <a:tailEnd type="none" w="med" len="med"/>
+                    </a:lnB>
+                    <a:noFill/>
+                  </a:tcPr>
+                </a:tc>
+                <a:tc>
+                  <a:txBody>
+                    <a:bodyPr/>
+                    <a:lstStyle/>
+                    <a:p>
+                      <a:endParaRPr lang="en-US"/>
+                    </a:p>
+                  </a:txBody>
+                  <a:tcPr>
+                    <a:lnL w="12700" cap="flat" cmpd="sng" algn="ctr">
+                      <a:solidFill>
+                        <a:schemeClr val="tx1"/>
+                      </a:solidFill>
+                      <a:prstDash val="solid"/>
+                      <a:round/>
+                      <a:headEnd type="none" w="med" len="med"/>
+                      <a:tailEnd type="none" w="med" len="med"/>
+                    </a:lnL>
+                    <a:lnR w="12700" cap="flat" cmpd="sng" algn="ctr">
+                      <a:solidFill>
+                        <a:schemeClr val="tx1"/>
+                      </a:solidFill>
+                      <a:prstDash val="solid"/>
+                      <a:round/>
+                      <a:headEnd type="none" w="med" len="med"/>
+                      <a:tailEnd type="none" w="med" len="med"/>
+                    </a:lnR>
+                    <a:lnT w="12700" cap="flat" cmpd="sng" algn="ctr">
+                      <a:solidFill>
+                        <a:schemeClr val="tx1"/>
+                      </a:solidFill>
+                      <a:prstDash val="solid"/>
+                      <a:round/>
+                      <a:headEnd type="none" w="med" len="med"/>
+                      <a:tailEnd type="none" w="med" len="med"/>
+                    </a:lnT>
+                    <a:lnB w="12700" cap="flat" cmpd="sng" algn="ctr">
+                      <a:solidFill>
+                        <a:schemeClr val="tx1"/>
+                      </a:solidFill>
+                      <a:prstDash val="solid"/>
+                      <a:round/>
+                      <a:headEnd type="none" w="med" len="med"/>
+                      <a:tailEnd type="none" w="med" len="med"/>
+                    </a:lnB>
+                    <a:noFill/>
+                  </a:tcPr>
+                </a:tc>
+                <a:tc>
+                  <a:txBody>
+                    <a:bodyPr/>
+                    <a:lstStyle/>
+                    <a:p>
+                      <a:endParaRPr lang="en-US"/>
+                    </a:p>
+                  </a:txBody>
+                  <a:tcPr>
+                    <a:lnL w="12700" cap="flat" cmpd="sng" algn="ctr">
+                      <a:solidFill>
+                        <a:schemeClr val="tx1"/>
+                      </a:solidFill>
+                      <a:prstDash val="solid"/>
+                      <a:round/>
+                      <a:headEnd type="none" w="med" len="med"/>
+                      <a:tailEnd type="none" w="med" len="med"/>
+                    </a:lnL>
+                    <a:lnR w="12700" cap="flat" cmpd="sng" algn="ctr">
+                      <a:solidFill>
+                        <a:schemeClr val="tx1"/>
+                      </a:solidFill>
+                      <a:prstDash val="solid"/>
+                      <a:round/>
+                      <a:headEnd type="none" w="med" len="med"/>
+                      <a:tailEnd type="none" w="med" len="med"/>
+                    </a:lnR>
+                    <a:lnT w="12700" cap="flat" cmpd="sng" algn="ctr">
+                      <a:solidFill>
+                        <a:schemeClr val="tx1"/>
+                      </a:solidFill>
+                      <a:prstDash val="solid"/>
+                      <a:round/>
+                      <a:headEnd type="none" w="med" len="med"/>
+                      <a:tailEnd type="none" w="med" len="med"/>
+                    </a:lnT>
+                    <a:lnB w="12700" cap="flat" cmpd="sng" algn="ctr">
+                      <a:solidFill>
+                        <a:schemeClr val="tx1"/>
+                      </a:solidFill>
+                      <a:prstDash val="solid"/>
+                      <a:round/>
+                      <a:headEnd type="none" w="med" len="med"/>
+                      <a:tailEnd type="none" w="med" len="med"/>
+                    </a:lnB>
+                    <a:noFill/>
+                  </a:tcPr>
+                </a:tc>
+                <a:tc>
+                  <a:txBody>
+                    <a:bodyPr/>
+                    <a:lstStyle/>
+                    <a:p>
+                      <a:endParaRPr lang="en-US" dirty="0"/>
+                    </a:p>
+                  </a:txBody>
+                  <a:tcPr>
+                    <a:lnL w="12700" cap="flat" cmpd="sng" algn="ctr">
+                      <a:solidFill>
+                        <a:schemeClr val="tx1"/>
+                      </a:solidFill>
+                      <a:prstDash val="solid"/>
+                      <a:round/>
+                      <a:headEnd type="none" w="med" len="med"/>
+                      <a:tailEnd type="none" w="med" len="med"/>
+                    </a:lnL>
+                    <a:lnR w="12700" cap="flat" cmpd="sng" algn="ctr">
+                      <a:solidFill>
+                        <a:schemeClr val="tx1"/>
+                      </a:solidFill>
+                      <a:prstDash val="solid"/>
+                      <a:round/>
+                      <a:headEnd type="none" w="med" len="med"/>
+                      <a:tailEnd type="none" w="med" len="med"/>
+                    </a:lnR>
+                    <a:lnT w="12700" cap="flat" cmpd="sng" algn="ctr">
+                      <a:solidFill>
+                        <a:schemeClr val="tx1"/>
+                      </a:solidFill>
+                      <a:prstDash val="solid"/>
+                      <a:round/>
+                      <a:headEnd type="none" w="med" len="med"/>
+                      <a:tailEnd type="none" w="med" len="med"/>
+                    </a:lnT>
+                    <a:lnB w="12700" cap="flat" cmpd="sng" algn="ctr">
+                      <a:solidFill>
+                        <a:schemeClr val="tx1"/>
+                      </a:solidFill>
+                      <a:prstDash val="solid"/>
+                      <a:round/>
+                      <a:headEnd type="none" w="med" len="med"/>
+                      <a:tailEnd type="none" w="med" len="med"/>
+                    </a:lnB>
+                    <a:noFill/>
+                  </a:tcPr>
+                </a:tc>
+                <a:extLst>
+                  <a:ext uri="{0D108BD9-81ED-4DB2-BD59-A6C34878D82A}">
+                    <a16:rowId xmlns:a16="http://schemas.microsoft.com/office/drawing/2014/main" val="818175530"/>
+                  </a:ext>
+                </a:extLst>
+              </a:tr>
+            </a:tbl>
+          </a:graphicData>
+        </a:graphic>
+      </p:graphicFrame>
+      <mc:AlternateContent xmlns:mc="http://schemas.openxmlformats.org/markup-compatibility/2006">
+        <mc:Choice xmlns:a14="http://schemas.microsoft.com/office/drawing/2010/main" Requires="a14">
+          <p:sp>
+            <p:nvSpPr>
+              <p:cNvPr id="19" name="TextBox 18">
+                <a:extLst>
+                  <a:ext uri="{FF2B5EF4-FFF2-40B4-BE49-F238E27FC236}">
+                    <a16:creationId xmlns:a16="http://schemas.microsoft.com/office/drawing/2014/main" id="{81D7008D-5488-D4ED-B260-B69E98168B23}"/>
+                  </a:ext>
+                </a:extLst>
+              </p:cNvPr>
+              <p:cNvSpPr txBox="1"/>
+              <p:nvPr/>
+            </p:nvSpPr>
+            <p:spPr>
+              <a:xfrm>
+                <a:off x="217567" y="4876857"/>
+                <a:ext cx="11785438" cy="1521186"/>
+              </a:xfrm>
+              <a:prstGeom prst="rect">
+                <a:avLst/>
+              </a:prstGeom>
+              <a:noFill/>
+            </p:spPr>
+            <p:txBody>
+              <a:bodyPr wrap="square">
+                <a:spAutoFit/>
+              </a:bodyPr>
+              <a:lstStyle/>
+              <a:p>
+                <a:endParaRPr lang="en-US" dirty="0"/>
+              </a:p>
+              <a:p>
+                <a:r>
+                  <a:rPr lang="en-US" dirty="0"/>
+                  <a:t>The detection heads estimate </a:t>
+                </a:r>
+                <a:r>
+                  <a:rPr lang="en-US" b="1" dirty="0"/>
+                  <a:t>center offsets </a:t>
+                </a:r>
+                <a:r>
+                  <a:rPr lang="en-US" dirty="0"/>
+                  <a:t>(</a:t>
+                </a:r>
+                <a14:m>
+                  <m:oMath xmlns:m="http://schemas.openxmlformats.org/officeDocument/2006/math">
+                    <m:sSub>
+                      <m:sSubPr>
+                        <m:ctrlPr>
+                          <a:rPr lang="en-US" b="0" i="1" smtClean="0">
+                            <a:latin typeface="Cambria Math" panose="02040503050406030204" pitchFamily="18" charset="0"/>
+                          </a:rPr>
+                        </m:ctrlPr>
+                      </m:sSubPr>
+                      <m:e>
+                        <m:r>
+                          <a:rPr lang="en-US" b="0" i="1" smtClean="0">
+                            <a:latin typeface="Cambria Math" panose="02040503050406030204" pitchFamily="18" charset="0"/>
+                          </a:rPr>
+                          <m:t>𝛿</m:t>
+                        </m:r>
+                      </m:e>
+                      <m:sub>
+                        <m:r>
+                          <a:rPr lang="en-US" b="0" i="1" smtClean="0">
+                            <a:latin typeface="Cambria Math" panose="02040503050406030204" pitchFamily="18" charset="0"/>
+                          </a:rPr>
+                          <m:t>𝑥</m:t>
+                        </m:r>
+                      </m:sub>
+                    </m:sSub>
+                    <m:r>
+                      <a:rPr lang="en-US" b="0" i="1" smtClean="0">
+                        <a:latin typeface="Cambria Math" panose="02040503050406030204" pitchFamily="18" charset="0"/>
+                      </a:rPr>
+                      <m:t>, </m:t>
+                    </m:r>
+                    <m:sSub>
+                      <m:sSubPr>
+                        <m:ctrlPr>
+                          <a:rPr lang="en-US" b="0" i="1" smtClean="0">
+                            <a:latin typeface="Cambria Math" panose="02040503050406030204" pitchFamily="18" charset="0"/>
+                          </a:rPr>
+                        </m:ctrlPr>
+                      </m:sSubPr>
+                      <m:e>
+                        <m:r>
+                          <a:rPr lang="en-US" b="0" i="1" smtClean="0">
+                            <a:latin typeface="Cambria Math" panose="02040503050406030204" pitchFamily="18" charset="0"/>
+                          </a:rPr>
+                          <m:t>𝛿</m:t>
+                        </m:r>
+                      </m:e>
+                      <m:sub>
+                        <m:r>
+                          <a:rPr lang="en-US" b="0" i="1" smtClean="0">
+                            <a:latin typeface="Cambria Math" panose="02040503050406030204" pitchFamily="18" charset="0"/>
+                          </a:rPr>
+                          <m:t>𝑦</m:t>
+                        </m:r>
+                      </m:sub>
+                    </m:sSub>
+                  </m:oMath>
+                </a14:m>
+                <a:r>
+                  <a:rPr lang="en-US" dirty="0"/>
+                  <a:t>) and </a:t>
+                </a:r>
+                <a:r>
+                  <a:rPr lang="en-US" b="1" dirty="0"/>
+                  <a:t>width and height adjustment </a:t>
+                </a:r>
+                <a:r>
+                  <a:rPr lang="en-US" dirty="0"/>
+                  <a:t>(</a:t>
+                </a:r>
+                <a14:m>
+                  <m:oMath xmlns:m="http://schemas.openxmlformats.org/officeDocument/2006/math">
+                    <m:sSub>
+                      <m:sSubPr>
+                        <m:ctrlPr>
+                          <a:rPr lang="en-US" b="0" i="1" smtClean="0">
+                            <a:latin typeface="Cambria Math" panose="02040503050406030204" pitchFamily="18" charset="0"/>
+                          </a:rPr>
+                        </m:ctrlPr>
+                      </m:sSubPr>
+                      <m:e>
+                        <m:r>
+                          <a:rPr lang="en-US" b="0" i="1" smtClean="0">
+                            <a:latin typeface="Cambria Math" panose="02040503050406030204" pitchFamily="18" charset="0"/>
+                          </a:rPr>
+                          <m:t>𝛿</m:t>
+                        </m:r>
+                      </m:e>
+                      <m:sub>
+                        <m:r>
+                          <a:rPr lang="en-US" b="0" i="1" smtClean="0">
+                            <a:latin typeface="Cambria Math" panose="02040503050406030204" pitchFamily="18" charset="0"/>
+                          </a:rPr>
+                          <m:t>𝑤</m:t>
+                        </m:r>
+                      </m:sub>
+                    </m:sSub>
+                    <m:r>
+                      <a:rPr lang="en-US" b="0" i="1" smtClean="0">
+                        <a:latin typeface="Cambria Math" panose="02040503050406030204" pitchFamily="18" charset="0"/>
+                      </a:rPr>
+                      <m:t>,</m:t>
+                    </m:r>
+                    <m:sSub>
+                      <m:sSubPr>
+                        <m:ctrlPr>
+                          <a:rPr lang="en-US" b="0" i="1" smtClean="0">
+                            <a:latin typeface="Cambria Math" panose="02040503050406030204" pitchFamily="18" charset="0"/>
+                          </a:rPr>
+                        </m:ctrlPr>
+                      </m:sSubPr>
+                      <m:e>
+                        <m:r>
+                          <a:rPr lang="en-US" b="0" i="1" smtClean="0">
+                            <a:latin typeface="Cambria Math" panose="02040503050406030204" pitchFamily="18" charset="0"/>
+                          </a:rPr>
+                          <m:t>𝛿</m:t>
+                        </m:r>
+                      </m:e>
+                      <m:sub>
+                        <m:r>
+                          <a:rPr lang="en-US" b="0" i="1" smtClean="0">
+                            <a:latin typeface="Cambria Math" panose="02040503050406030204" pitchFamily="18" charset="0"/>
+                          </a:rPr>
+                          <m:t>h</m:t>
+                        </m:r>
+                      </m:sub>
+                    </m:sSub>
+                  </m:oMath>
+                </a14:m>
+                <a:r>
+                  <a:rPr lang="en-US" dirty="0"/>
+                  <a:t>) to modify the original bounding boxes to proper ones. The head outputs tensors in the following format</a:t>
+                </a:r>
+              </a:p>
+              <a:p>
+                <a:r>
+                  <a:rPr lang="en-US" dirty="0"/>
+                  <a:t>(#anchors) x (</a:t>
+                </a:r>
+                <a14:m>
+                  <m:oMath xmlns:m="http://schemas.openxmlformats.org/officeDocument/2006/math">
+                    <m:sSub>
+                      <m:sSubPr>
+                        <m:ctrlPr>
+                          <a:rPr lang="en-US" b="0" i="1" smtClean="0">
+                            <a:latin typeface="Cambria Math" panose="02040503050406030204" pitchFamily="18" charset="0"/>
+                          </a:rPr>
+                        </m:ctrlPr>
+                      </m:sSubPr>
+                      <m:e>
+                        <m:r>
+                          <a:rPr lang="en-US" b="0" i="1" smtClean="0">
+                            <a:latin typeface="Cambria Math" panose="02040503050406030204" pitchFamily="18" charset="0"/>
+                          </a:rPr>
+                          <m:t>𝛿</m:t>
+                        </m:r>
+                      </m:e>
+                      <m:sub>
+                        <m:r>
+                          <a:rPr lang="en-US" b="0" i="1" smtClean="0">
+                            <a:latin typeface="Cambria Math" panose="02040503050406030204" pitchFamily="18" charset="0"/>
+                          </a:rPr>
+                          <m:t>𝑥</m:t>
+                        </m:r>
+                      </m:sub>
+                    </m:sSub>
+                    <m:r>
+                      <a:rPr lang="en-US" b="0" i="1" smtClean="0">
+                        <a:latin typeface="Cambria Math" panose="02040503050406030204" pitchFamily="18" charset="0"/>
+                      </a:rPr>
+                      <m:t>, </m:t>
+                    </m:r>
+                    <m:sSub>
+                      <m:sSubPr>
+                        <m:ctrlPr>
+                          <a:rPr lang="en-US" b="0" i="1" smtClean="0">
+                            <a:latin typeface="Cambria Math" panose="02040503050406030204" pitchFamily="18" charset="0"/>
+                          </a:rPr>
+                        </m:ctrlPr>
+                      </m:sSubPr>
+                      <m:e>
+                        <m:r>
+                          <a:rPr lang="en-US" b="0" i="1" smtClean="0">
+                            <a:latin typeface="Cambria Math" panose="02040503050406030204" pitchFamily="18" charset="0"/>
+                          </a:rPr>
+                          <m:t>𝛿</m:t>
+                        </m:r>
+                      </m:e>
+                      <m:sub>
+                        <m:r>
+                          <a:rPr lang="en-US" b="0" i="1" smtClean="0">
+                            <a:latin typeface="Cambria Math" panose="02040503050406030204" pitchFamily="18" charset="0"/>
+                          </a:rPr>
+                          <m:t>𝑦</m:t>
+                        </m:r>
+                      </m:sub>
+                    </m:sSub>
+                  </m:oMath>
+                </a14:m>
+                <a:r>
+                  <a:rPr lang="en-US" dirty="0"/>
+                  <a:t>, </a:t>
+                </a:r>
+                <a14:m>
+                  <m:oMath xmlns:m="http://schemas.openxmlformats.org/officeDocument/2006/math">
+                    <m:sSub>
+                      <m:sSubPr>
+                        <m:ctrlPr>
+                          <a:rPr lang="en-US" b="0" i="1" smtClean="0">
+                            <a:latin typeface="Cambria Math" panose="02040503050406030204" pitchFamily="18" charset="0"/>
+                          </a:rPr>
+                        </m:ctrlPr>
+                      </m:sSubPr>
+                      <m:e>
+                        <m:r>
+                          <a:rPr lang="en-US" b="0" i="1" smtClean="0">
+                            <a:latin typeface="Cambria Math" panose="02040503050406030204" pitchFamily="18" charset="0"/>
+                          </a:rPr>
+                          <m:t>𝛿</m:t>
+                        </m:r>
+                      </m:e>
+                      <m:sub>
+                        <m:r>
+                          <a:rPr lang="en-US" b="0" i="1" smtClean="0">
+                            <a:latin typeface="Cambria Math" panose="02040503050406030204" pitchFamily="18" charset="0"/>
+                          </a:rPr>
+                          <m:t>𝑤</m:t>
+                        </m:r>
+                      </m:sub>
+                    </m:sSub>
+                    <m:r>
+                      <a:rPr lang="en-US" b="0" i="1" smtClean="0">
+                        <a:latin typeface="Cambria Math" panose="02040503050406030204" pitchFamily="18" charset="0"/>
+                      </a:rPr>
+                      <m:t>,</m:t>
+                    </m:r>
+                    <m:sSub>
+                      <m:sSubPr>
+                        <m:ctrlPr>
+                          <a:rPr lang="en-US" b="0" i="1" smtClean="0">
+                            <a:latin typeface="Cambria Math" panose="02040503050406030204" pitchFamily="18" charset="0"/>
+                          </a:rPr>
+                        </m:ctrlPr>
+                      </m:sSubPr>
+                      <m:e>
+                        <m:r>
+                          <a:rPr lang="en-US" b="0" i="1" smtClean="0">
+                            <a:latin typeface="Cambria Math" panose="02040503050406030204" pitchFamily="18" charset="0"/>
+                          </a:rPr>
+                          <m:t>𝛿</m:t>
+                        </m:r>
+                      </m:e>
+                      <m:sub>
+                        <m:r>
+                          <a:rPr lang="en-US" b="0" i="1" smtClean="0">
+                            <a:latin typeface="Cambria Math" panose="02040503050406030204" pitchFamily="18" charset="0"/>
+                          </a:rPr>
+                          <m:t>h</m:t>
+                        </m:r>
+                      </m:sub>
+                    </m:sSub>
+                  </m:oMath>
+                </a14:m>
+                <a:r>
+                  <a:rPr lang="en-US" dirty="0"/>
+                  <a:t>, </a:t>
+                </a:r>
+                <a:r>
+                  <a:rPr lang="en-US" dirty="0" err="1"/>
+                  <a:t>objectness</a:t>
+                </a:r>
+                <a:r>
+                  <a:rPr lang="en-US" dirty="0"/>
+                  <a:t>, class</a:t>
+                </a:r>
+                <a:r>
+                  <a:rPr lang="en-US" baseline="-25000" dirty="0"/>
+                  <a:t>1</a:t>
+                </a:r>
+                <a:r>
+                  <a:rPr lang="en-US" dirty="0"/>
+                  <a:t>, class</a:t>
+                </a:r>
+                <a:r>
+                  <a:rPr lang="en-US" baseline="-25000" dirty="0"/>
+                  <a:t>2</a:t>
+                </a:r>
+                <a:r>
+                  <a:rPr lang="en-US" dirty="0"/>
+                  <a:t>, …, </a:t>
+                </a:r>
+                <a:r>
+                  <a:rPr lang="en-US" dirty="0" err="1"/>
+                  <a:t>class</a:t>
+                </a:r>
+                <a:r>
+                  <a:rPr lang="en-US" baseline="-25000" dirty="0" err="1"/>
+                  <a:t>nc</a:t>
+                </a:r>
+                <a:r>
+                  <a:rPr lang="en-US" dirty="0"/>
+                  <a:t>)</a:t>
+                </a:r>
+              </a:p>
+              <a:p>
+                <a:r>
+                  <a:rPr lang="en-US" dirty="0"/>
+                  <a:t>The output from the head first passed through the sigmoid function </a:t>
+                </a:r>
+                <a14:m>
+                  <m:oMath xmlns:m="http://schemas.openxmlformats.org/officeDocument/2006/math">
+                    <m:r>
+                      <a:rPr lang="en-US" b="0" i="1" smtClean="0">
+                        <a:latin typeface="Cambria Math" panose="02040503050406030204" pitchFamily="18" charset="0"/>
+                      </a:rPr>
+                      <m:t>𝜎</m:t>
+                    </m:r>
+                    <m:r>
+                      <a:rPr lang="en-US" b="0" i="1" smtClean="0">
+                        <a:latin typeface="Cambria Math" panose="02040503050406030204" pitchFamily="18" charset="0"/>
+                      </a:rPr>
+                      <m:t>( ∙ )</m:t>
+                    </m:r>
+                  </m:oMath>
+                </a14:m>
+                <a:r>
+                  <a:rPr lang="en-US" dirty="0"/>
+                  <a:t> so the range of each output element is [0,1].</a:t>
+                </a:r>
+              </a:p>
+            </p:txBody>
+          </p:sp>
+        </mc:Choice>
+        <mc:Fallback>
+          <p:sp>
+            <p:nvSpPr>
+              <p:cNvPr id="19" name="TextBox 18">
+                <a:extLst>
+                  <a:ext uri="{FF2B5EF4-FFF2-40B4-BE49-F238E27FC236}">
+                    <a16:creationId xmlns:a16="http://schemas.microsoft.com/office/drawing/2014/main" id="{81D7008D-5488-D4ED-B260-B69E98168B23}"/>
+                  </a:ext>
+                </a:extLst>
+              </p:cNvPr>
+              <p:cNvSpPr txBox="1">
+                <a:spLocks noRot="1" noChangeAspect="1" noMove="1" noResize="1" noEditPoints="1" noAdjustHandles="1" noChangeArrowheads="1" noChangeShapeType="1" noTextEdit="1"/>
+              </p:cNvSpPr>
+              <p:nvPr/>
+            </p:nvSpPr>
+            <p:spPr>
+              <a:xfrm>
+                <a:off x="217567" y="4876857"/>
+                <a:ext cx="11785438" cy="1521186"/>
+              </a:xfrm>
+              <a:prstGeom prst="rect">
+                <a:avLst/>
+              </a:prstGeom>
+              <a:blipFill>
+                <a:blip r:embed="rId4"/>
+                <a:stretch>
+                  <a:fillRect l="-466" b="-5600"/>
+                </a:stretch>
+              </a:blipFill>
+            </p:spPr>
+            <p:txBody>
+              <a:bodyPr/>
+              <a:lstStyle/>
+              <a:p>
+                <a:r>
+                  <a:rPr lang="en-US">
+                    <a:noFill/>
+                  </a:rPr>
+                  <a:t> </a:t>
+                </a:r>
+              </a:p>
+            </p:txBody>
+          </p:sp>
+        </mc:Fallback>
+      </mc:AlternateContent>
+      <p:sp>
+        <p:nvSpPr>
+          <p:cNvPr id="20" name="Rectangle 19">
+            <a:extLst>
+              <a:ext uri="{FF2B5EF4-FFF2-40B4-BE49-F238E27FC236}">
+                <a16:creationId xmlns:a16="http://schemas.microsoft.com/office/drawing/2014/main" id="{8228C58B-0D45-510D-E15D-F0496418E9D1}"/>
+              </a:ext>
+            </a:extLst>
+          </p:cNvPr>
+          <p:cNvSpPr/>
+          <p:nvPr/>
+        </p:nvSpPr>
+        <p:spPr>
+          <a:xfrm>
+            <a:off x="6096000" y="2737976"/>
+            <a:ext cx="366591" cy="374355"/>
+          </a:xfrm>
+          <a:prstGeom prst="rect">
+            <a:avLst/>
+          </a:prstGeom>
+          <a:noFill/>
+          <a:ln w="57150">
+            <a:solidFill>
+              <a:srgbClr val="3333CC"/>
+            </a:solidFill>
+          </a:ln>
+        </p:spPr>
+        <p:style>
+          <a:lnRef idx="2">
+            <a:schemeClr val="accent1">
+              <a:shade val="15000"/>
+            </a:schemeClr>
+          </a:lnRef>
+          <a:fillRef idx="1">
+            <a:schemeClr val="accent1"/>
+          </a:fillRef>
+          <a:effectRef idx="0">
+            <a:schemeClr val="accent1"/>
+          </a:effectRef>
+          <a:fontRef idx="minor">
+            <a:schemeClr val="lt1"/>
+          </a:fontRef>
+        </p:style>
+        <p:txBody>
+          <a:bodyPr rtlCol="0" anchor="ctr"/>
+          <a:lstStyle/>
+          <a:p>
+            <a:pPr algn="ctr"/>
+            <a:endParaRPr lang="en-US"/>
+          </a:p>
+        </p:txBody>
+      </p:sp>
+      <p:sp>
+        <p:nvSpPr>
+          <p:cNvPr id="21" name="Rectangle 20">
+            <a:extLst>
+              <a:ext uri="{FF2B5EF4-FFF2-40B4-BE49-F238E27FC236}">
+                <a16:creationId xmlns:a16="http://schemas.microsoft.com/office/drawing/2014/main" id="{3D3AEBD3-3257-0315-7698-71ECC0D97743}"/>
+              </a:ext>
+            </a:extLst>
+          </p:cNvPr>
+          <p:cNvSpPr/>
+          <p:nvPr/>
+        </p:nvSpPr>
+        <p:spPr>
+          <a:xfrm>
+            <a:off x="1720848" y="2240506"/>
+            <a:ext cx="2307142" cy="2343069"/>
+          </a:xfrm>
+          <a:prstGeom prst="rect">
+            <a:avLst/>
+          </a:prstGeom>
+          <a:noFill/>
+          <a:ln w="57150">
+            <a:solidFill>
+              <a:srgbClr val="3333CC"/>
+            </a:solidFill>
+          </a:ln>
+        </p:spPr>
+        <p:style>
+          <a:lnRef idx="2">
+            <a:schemeClr val="accent1">
+              <a:shade val="15000"/>
+            </a:schemeClr>
+          </a:lnRef>
+          <a:fillRef idx="1">
+            <a:schemeClr val="accent1"/>
+          </a:fillRef>
+          <a:effectRef idx="0">
+            <a:schemeClr val="accent1"/>
+          </a:effectRef>
+          <a:fontRef idx="minor">
+            <a:schemeClr val="lt1"/>
+          </a:fontRef>
+        </p:style>
+        <p:txBody>
+          <a:bodyPr rtlCol="0" anchor="ctr"/>
+          <a:lstStyle/>
+          <a:p>
+            <a:pPr algn="ctr"/>
+            <a:endParaRPr lang="en-US"/>
+          </a:p>
+        </p:txBody>
+      </p:sp>
+      <p:grpSp>
+        <p:nvGrpSpPr>
+          <p:cNvPr id="29" name="Group 28">
+            <a:extLst>
+              <a:ext uri="{FF2B5EF4-FFF2-40B4-BE49-F238E27FC236}">
+                <a16:creationId xmlns:a16="http://schemas.microsoft.com/office/drawing/2014/main" id="{CD6A4FF1-2F23-CD45-AF8F-32555A501E08}"/>
+              </a:ext>
+            </a:extLst>
+          </p:cNvPr>
+          <p:cNvGrpSpPr/>
+          <p:nvPr/>
+        </p:nvGrpSpPr>
+        <p:grpSpPr>
+          <a:xfrm>
+            <a:off x="1937235" y="2465195"/>
+            <a:ext cx="2843427" cy="58043"/>
+            <a:chOff x="1937235" y="2465195"/>
+            <a:chExt cx="2843427" cy="58043"/>
+          </a:xfrm>
+        </p:grpSpPr>
+        <p:sp>
+          <p:nvSpPr>
+            <p:cNvPr id="22" name="Oval 21">
+              <a:extLst>
+                <a:ext uri="{FF2B5EF4-FFF2-40B4-BE49-F238E27FC236}">
+                  <a16:creationId xmlns:a16="http://schemas.microsoft.com/office/drawing/2014/main" id="{BAD8C2D1-566D-74EF-3EA4-09C0F05FD502}"/>
+                </a:ext>
+              </a:extLst>
+            </p:cNvPr>
+            <p:cNvSpPr/>
+            <p:nvPr/>
+          </p:nvSpPr>
+          <p:spPr>
+            <a:xfrm>
+              <a:off x="1937235" y="2473493"/>
+              <a:ext cx="47625" cy="45719"/>
+            </a:xfrm>
+            <a:prstGeom prst="ellipse">
+              <a:avLst/>
+            </a:prstGeom>
+            <a:solidFill>
+              <a:schemeClr val="tx1"/>
+            </a:solidFill>
+            <a:ln>
+              <a:noFill/>
+            </a:ln>
+          </p:spPr>
+          <p:style>
+            <a:lnRef idx="2">
+              <a:schemeClr val="accent1">
+                <a:shade val="15000"/>
+              </a:schemeClr>
+            </a:lnRef>
+            <a:fillRef idx="1">
+              <a:schemeClr val="accent1"/>
+            </a:fillRef>
+            <a:effectRef idx="0">
+              <a:schemeClr val="accent1"/>
+            </a:effectRef>
+            <a:fontRef idx="minor">
+              <a:schemeClr val="lt1"/>
+            </a:fontRef>
+          </p:style>
+          <p:txBody>
+            <a:bodyPr rtlCol="0" anchor="ctr"/>
+            <a:lstStyle/>
+            <a:p>
+              <a:pPr algn="ctr"/>
+              <a:endParaRPr lang="en-US"/>
+            </a:p>
+          </p:txBody>
+        </p:sp>
+        <p:sp>
+          <p:nvSpPr>
+            <p:cNvPr id="23" name="Oval 22">
+              <a:extLst>
+                <a:ext uri="{FF2B5EF4-FFF2-40B4-BE49-F238E27FC236}">
+                  <a16:creationId xmlns:a16="http://schemas.microsoft.com/office/drawing/2014/main" id="{5F53A8E8-A5E7-94C6-A8E3-38CF0EB08F0E}"/>
+                </a:ext>
+              </a:extLst>
+            </p:cNvPr>
+            <p:cNvSpPr/>
+            <p:nvPr/>
+          </p:nvSpPr>
+          <p:spPr>
+            <a:xfrm>
+              <a:off x="2387040" y="2471654"/>
+              <a:ext cx="47625" cy="45719"/>
+            </a:xfrm>
+            <a:prstGeom prst="ellipse">
+              <a:avLst/>
+            </a:prstGeom>
+            <a:solidFill>
+              <a:schemeClr val="tx1"/>
+            </a:solidFill>
+            <a:ln>
+              <a:noFill/>
+            </a:ln>
+          </p:spPr>
+          <p:style>
+            <a:lnRef idx="2">
+              <a:schemeClr val="accent1">
+                <a:shade val="15000"/>
+              </a:schemeClr>
+            </a:lnRef>
+            <a:fillRef idx="1">
+              <a:schemeClr val="accent1"/>
+            </a:fillRef>
+            <a:effectRef idx="0">
+              <a:schemeClr val="accent1"/>
+            </a:effectRef>
+            <a:fontRef idx="minor">
+              <a:schemeClr val="lt1"/>
+            </a:fontRef>
+          </p:style>
+          <p:txBody>
+            <a:bodyPr rtlCol="0" anchor="ctr"/>
+            <a:lstStyle/>
+            <a:p>
+              <a:pPr algn="ctr"/>
+              <a:endParaRPr lang="en-US"/>
+            </a:p>
+          </p:txBody>
+        </p:sp>
+        <p:sp>
+          <p:nvSpPr>
+            <p:cNvPr id="24" name="Oval 23">
+              <a:extLst>
+                <a:ext uri="{FF2B5EF4-FFF2-40B4-BE49-F238E27FC236}">
+                  <a16:creationId xmlns:a16="http://schemas.microsoft.com/office/drawing/2014/main" id="{C5153E39-A9EB-66F5-35A2-3B14097B6C45}"/>
+                </a:ext>
+              </a:extLst>
+            </p:cNvPr>
+            <p:cNvSpPr/>
+            <p:nvPr/>
+          </p:nvSpPr>
+          <p:spPr>
+            <a:xfrm>
+              <a:off x="2873756" y="2477519"/>
+              <a:ext cx="47625" cy="45719"/>
+            </a:xfrm>
+            <a:prstGeom prst="ellipse">
+              <a:avLst/>
+            </a:prstGeom>
+            <a:solidFill>
+              <a:schemeClr val="tx1"/>
+            </a:solidFill>
+            <a:ln>
+              <a:noFill/>
+            </a:ln>
+          </p:spPr>
+          <p:style>
+            <a:lnRef idx="2">
+              <a:schemeClr val="accent1">
+                <a:shade val="15000"/>
+              </a:schemeClr>
+            </a:lnRef>
+            <a:fillRef idx="1">
+              <a:schemeClr val="accent1"/>
+            </a:fillRef>
+            <a:effectRef idx="0">
+              <a:schemeClr val="accent1"/>
+            </a:effectRef>
+            <a:fontRef idx="minor">
+              <a:schemeClr val="lt1"/>
+            </a:fontRef>
+          </p:style>
+          <p:txBody>
+            <a:bodyPr rtlCol="0" anchor="ctr"/>
+            <a:lstStyle/>
+            <a:p>
+              <a:pPr algn="ctr"/>
+              <a:endParaRPr lang="en-US"/>
+            </a:p>
+          </p:txBody>
+        </p:sp>
+        <p:sp>
+          <p:nvSpPr>
+            <p:cNvPr id="25" name="Oval 24">
+              <a:extLst>
+                <a:ext uri="{FF2B5EF4-FFF2-40B4-BE49-F238E27FC236}">
+                  <a16:creationId xmlns:a16="http://schemas.microsoft.com/office/drawing/2014/main" id="{69AC7893-6626-26EE-7AA6-892E2BB00F85}"/>
+                </a:ext>
+              </a:extLst>
+            </p:cNvPr>
+            <p:cNvSpPr/>
+            <p:nvPr/>
+          </p:nvSpPr>
+          <p:spPr>
+            <a:xfrm>
+              <a:off x="3335136" y="2471654"/>
+              <a:ext cx="47625" cy="45719"/>
+            </a:xfrm>
+            <a:prstGeom prst="ellipse">
+              <a:avLst/>
+            </a:prstGeom>
+            <a:solidFill>
+              <a:schemeClr val="tx1"/>
+            </a:solidFill>
+            <a:ln>
+              <a:noFill/>
+            </a:ln>
+          </p:spPr>
+          <p:style>
+            <a:lnRef idx="2">
+              <a:schemeClr val="accent1">
+                <a:shade val="15000"/>
+              </a:schemeClr>
+            </a:lnRef>
+            <a:fillRef idx="1">
+              <a:schemeClr val="accent1"/>
+            </a:fillRef>
+            <a:effectRef idx="0">
+              <a:schemeClr val="accent1"/>
+            </a:effectRef>
+            <a:fontRef idx="minor">
+              <a:schemeClr val="lt1"/>
+            </a:fontRef>
+          </p:style>
+          <p:txBody>
+            <a:bodyPr rtlCol="0" anchor="ctr"/>
+            <a:lstStyle/>
+            <a:p>
+              <a:pPr algn="ctr"/>
+              <a:endParaRPr lang="en-US"/>
+            </a:p>
+          </p:txBody>
+        </p:sp>
+        <p:sp>
+          <p:nvSpPr>
+            <p:cNvPr id="26" name="Oval 25">
+              <a:extLst>
+                <a:ext uri="{FF2B5EF4-FFF2-40B4-BE49-F238E27FC236}">
+                  <a16:creationId xmlns:a16="http://schemas.microsoft.com/office/drawing/2014/main" id="{7C0EA4D5-2C8E-DE9E-1C40-7FA587AF6127}"/>
+                </a:ext>
+              </a:extLst>
+            </p:cNvPr>
+            <p:cNvSpPr/>
+            <p:nvPr/>
+          </p:nvSpPr>
+          <p:spPr>
+            <a:xfrm>
+              <a:off x="3796516" y="2467034"/>
+              <a:ext cx="47625" cy="45719"/>
+            </a:xfrm>
+            <a:prstGeom prst="ellipse">
+              <a:avLst/>
+            </a:prstGeom>
+            <a:solidFill>
+              <a:schemeClr val="tx1"/>
+            </a:solidFill>
+            <a:ln>
+              <a:noFill/>
+            </a:ln>
+          </p:spPr>
+          <p:style>
+            <a:lnRef idx="2">
+              <a:schemeClr val="accent1">
+                <a:shade val="15000"/>
+              </a:schemeClr>
+            </a:lnRef>
+            <a:fillRef idx="1">
+              <a:schemeClr val="accent1"/>
+            </a:fillRef>
+            <a:effectRef idx="0">
+              <a:schemeClr val="accent1"/>
+            </a:effectRef>
+            <a:fontRef idx="minor">
+              <a:schemeClr val="lt1"/>
+            </a:fontRef>
+          </p:style>
+          <p:txBody>
+            <a:bodyPr rtlCol="0" anchor="ctr"/>
+            <a:lstStyle/>
+            <a:p>
+              <a:pPr algn="ctr"/>
+              <a:endParaRPr lang="en-US"/>
+            </a:p>
+          </p:txBody>
+        </p:sp>
+        <p:sp>
+          <p:nvSpPr>
+            <p:cNvPr id="27" name="Oval 26">
+              <a:extLst>
+                <a:ext uri="{FF2B5EF4-FFF2-40B4-BE49-F238E27FC236}">
+                  <a16:creationId xmlns:a16="http://schemas.microsoft.com/office/drawing/2014/main" id="{81218522-DFAB-C974-23FB-35CD7B3F3FA4}"/>
+                </a:ext>
+              </a:extLst>
+            </p:cNvPr>
+            <p:cNvSpPr/>
+            <p:nvPr/>
+          </p:nvSpPr>
+          <p:spPr>
+            <a:xfrm>
+              <a:off x="4246321" y="2465195"/>
+              <a:ext cx="47625" cy="45719"/>
+            </a:xfrm>
+            <a:prstGeom prst="ellipse">
+              <a:avLst/>
+            </a:prstGeom>
+            <a:solidFill>
+              <a:schemeClr val="tx1"/>
+            </a:solidFill>
+            <a:ln>
+              <a:noFill/>
+            </a:ln>
+          </p:spPr>
+          <p:style>
+            <a:lnRef idx="2">
+              <a:schemeClr val="accent1">
+                <a:shade val="15000"/>
+              </a:schemeClr>
+            </a:lnRef>
+            <a:fillRef idx="1">
+              <a:schemeClr val="accent1"/>
+            </a:fillRef>
+            <a:effectRef idx="0">
+              <a:schemeClr val="accent1"/>
+            </a:effectRef>
+            <a:fontRef idx="minor">
+              <a:schemeClr val="lt1"/>
+            </a:fontRef>
+          </p:style>
+          <p:txBody>
+            <a:bodyPr rtlCol="0" anchor="ctr"/>
+            <a:lstStyle/>
+            <a:p>
+              <a:pPr algn="ctr"/>
+              <a:endParaRPr lang="en-US"/>
+            </a:p>
+          </p:txBody>
+        </p:sp>
+        <p:sp>
+          <p:nvSpPr>
+            <p:cNvPr id="28" name="Oval 27">
+              <a:extLst>
+                <a:ext uri="{FF2B5EF4-FFF2-40B4-BE49-F238E27FC236}">
+                  <a16:creationId xmlns:a16="http://schemas.microsoft.com/office/drawing/2014/main" id="{75D15D2E-03D1-2482-1FA4-2AFBFC3A8B96}"/>
+                </a:ext>
+              </a:extLst>
+            </p:cNvPr>
+            <p:cNvSpPr/>
+            <p:nvPr/>
+          </p:nvSpPr>
+          <p:spPr>
+            <a:xfrm>
+              <a:off x="4733037" y="2471060"/>
+              <a:ext cx="47625" cy="45719"/>
+            </a:xfrm>
+            <a:prstGeom prst="ellipse">
+              <a:avLst/>
+            </a:prstGeom>
+            <a:solidFill>
+              <a:schemeClr val="tx1"/>
+            </a:solidFill>
+            <a:ln>
+              <a:noFill/>
+            </a:ln>
+          </p:spPr>
+          <p:style>
+            <a:lnRef idx="2">
+              <a:schemeClr val="accent1">
+                <a:shade val="15000"/>
+              </a:schemeClr>
+            </a:lnRef>
+            <a:fillRef idx="1">
+              <a:schemeClr val="accent1"/>
+            </a:fillRef>
+            <a:effectRef idx="0">
+              <a:schemeClr val="accent1"/>
+            </a:effectRef>
+            <a:fontRef idx="minor">
+              <a:schemeClr val="lt1"/>
+            </a:fontRef>
+          </p:style>
+          <p:txBody>
+            <a:bodyPr rtlCol="0" anchor="ctr"/>
+            <a:lstStyle/>
+            <a:p>
+              <a:pPr algn="ctr"/>
+              <a:endParaRPr lang="en-US"/>
+            </a:p>
+          </p:txBody>
+        </p:sp>
+      </p:grpSp>
+      <p:grpSp>
+        <p:nvGrpSpPr>
+          <p:cNvPr id="30" name="Group 29">
+            <a:extLst>
+              <a:ext uri="{FF2B5EF4-FFF2-40B4-BE49-F238E27FC236}">
+                <a16:creationId xmlns:a16="http://schemas.microsoft.com/office/drawing/2014/main" id="{F41E90B0-EB9A-5974-2809-FD83DCB6DEC3}"/>
+              </a:ext>
+            </a:extLst>
+          </p:cNvPr>
+          <p:cNvGrpSpPr/>
+          <p:nvPr/>
+        </p:nvGrpSpPr>
+        <p:grpSpPr>
+          <a:xfrm>
+            <a:off x="1937235" y="2920398"/>
+            <a:ext cx="2843427" cy="58043"/>
+            <a:chOff x="1937235" y="2465195"/>
+            <a:chExt cx="2843427" cy="58043"/>
+          </a:xfrm>
+        </p:grpSpPr>
+        <p:sp>
+          <p:nvSpPr>
+            <p:cNvPr id="31" name="Oval 30">
+              <a:extLst>
+                <a:ext uri="{FF2B5EF4-FFF2-40B4-BE49-F238E27FC236}">
+                  <a16:creationId xmlns:a16="http://schemas.microsoft.com/office/drawing/2014/main" id="{EF1C0E90-5677-D5E5-E9C5-AAA2DE2DA5A6}"/>
+                </a:ext>
+              </a:extLst>
+            </p:cNvPr>
+            <p:cNvSpPr/>
+            <p:nvPr/>
+          </p:nvSpPr>
+          <p:spPr>
+            <a:xfrm>
+              <a:off x="1937235" y="2473493"/>
+              <a:ext cx="47625" cy="45719"/>
+            </a:xfrm>
+            <a:prstGeom prst="ellipse">
+              <a:avLst/>
+            </a:prstGeom>
+            <a:solidFill>
+              <a:schemeClr val="tx1"/>
+            </a:solidFill>
+            <a:ln>
+              <a:noFill/>
+            </a:ln>
+          </p:spPr>
+          <p:style>
+            <a:lnRef idx="2">
+              <a:schemeClr val="accent1">
+                <a:shade val="15000"/>
+              </a:schemeClr>
+            </a:lnRef>
+            <a:fillRef idx="1">
+              <a:schemeClr val="accent1"/>
+            </a:fillRef>
+            <a:effectRef idx="0">
+              <a:schemeClr val="accent1"/>
+            </a:effectRef>
+            <a:fontRef idx="minor">
+              <a:schemeClr val="lt1"/>
+            </a:fontRef>
+          </p:style>
+          <p:txBody>
+            <a:bodyPr rtlCol="0" anchor="ctr"/>
+            <a:lstStyle/>
+            <a:p>
+              <a:pPr algn="ctr"/>
+              <a:endParaRPr lang="en-US"/>
+            </a:p>
+          </p:txBody>
+        </p:sp>
+        <p:sp>
+          <p:nvSpPr>
+            <p:cNvPr id="32" name="Oval 31">
+              <a:extLst>
+                <a:ext uri="{FF2B5EF4-FFF2-40B4-BE49-F238E27FC236}">
+                  <a16:creationId xmlns:a16="http://schemas.microsoft.com/office/drawing/2014/main" id="{3EC7F716-FC14-D730-3F79-06450B40F41E}"/>
+                </a:ext>
+              </a:extLst>
+            </p:cNvPr>
+            <p:cNvSpPr/>
+            <p:nvPr/>
+          </p:nvSpPr>
+          <p:spPr>
+            <a:xfrm>
+              <a:off x="2387040" y="2471654"/>
+              <a:ext cx="47625" cy="45719"/>
+            </a:xfrm>
+            <a:prstGeom prst="ellipse">
+              <a:avLst/>
+            </a:prstGeom>
+            <a:solidFill>
+              <a:schemeClr val="tx1"/>
+            </a:solidFill>
+            <a:ln>
+              <a:noFill/>
+            </a:ln>
+          </p:spPr>
+          <p:style>
+            <a:lnRef idx="2">
+              <a:schemeClr val="accent1">
+                <a:shade val="15000"/>
+              </a:schemeClr>
+            </a:lnRef>
+            <a:fillRef idx="1">
+              <a:schemeClr val="accent1"/>
+            </a:fillRef>
+            <a:effectRef idx="0">
+              <a:schemeClr val="accent1"/>
+            </a:effectRef>
+            <a:fontRef idx="minor">
+              <a:schemeClr val="lt1"/>
+            </a:fontRef>
+          </p:style>
+          <p:txBody>
+            <a:bodyPr rtlCol="0" anchor="ctr"/>
+            <a:lstStyle/>
+            <a:p>
+              <a:pPr algn="ctr"/>
+              <a:endParaRPr lang="en-US"/>
+            </a:p>
+          </p:txBody>
+        </p:sp>
+        <p:sp>
+          <p:nvSpPr>
+            <p:cNvPr id="33" name="Oval 32">
+              <a:extLst>
+                <a:ext uri="{FF2B5EF4-FFF2-40B4-BE49-F238E27FC236}">
+                  <a16:creationId xmlns:a16="http://schemas.microsoft.com/office/drawing/2014/main" id="{EA87C877-6835-65BE-D32E-5D338EC9E22D}"/>
+                </a:ext>
+              </a:extLst>
+            </p:cNvPr>
+            <p:cNvSpPr/>
+            <p:nvPr/>
+          </p:nvSpPr>
+          <p:spPr>
+            <a:xfrm>
+              <a:off x="2873756" y="2477519"/>
+              <a:ext cx="47625" cy="45719"/>
+            </a:xfrm>
+            <a:prstGeom prst="ellipse">
+              <a:avLst/>
+            </a:prstGeom>
+            <a:solidFill>
+              <a:schemeClr val="tx1"/>
+            </a:solidFill>
+            <a:ln>
+              <a:noFill/>
+            </a:ln>
+          </p:spPr>
+          <p:style>
+            <a:lnRef idx="2">
+              <a:schemeClr val="accent1">
+                <a:shade val="15000"/>
+              </a:schemeClr>
+            </a:lnRef>
+            <a:fillRef idx="1">
+              <a:schemeClr val="accent1"/>
+            </a:fillRef>
+            <a:effectRef idx="0">
+              <a:schemeClr val="accent1"/>
+            </a:effectRef>
+            <a:fontRef idx="minor">
+              <a:schemeClr val="lt1"/>
+            </a:fontRef>
+          </p:style>
+          <p:txBody>
+            <a:bodyPr rtlCol="0" anchor="ctr"/>
+            <a:lstStyle/>
+            <a:p>
+              <a:pPr algn="ctr"/>
+              <a:endParaRPr lang="en-US"/>
+            </a:p>
+          </p:txBody>
+        </p:sp>
+        <p:sp>
+          <p:nvSpPr>
+            <p:cNvPr id="34" name="Oval 33">
+              <a:extLst>
+                <a:ext uri="{FF2B5EF4-FFF2-40B4-BE49-F238E27FC236}">
+                  <a16:creationId xmlns:a16="http://schemas.microsoft.com/office/drawing/2014/main" id="{41796D9A-472B-76DC-C854-AFE5B067C66E}"/>
+                </a:ext>
+              </a:extLst>
+            </p:cNvPr>
+            <p:cNvSpPr/>
+            <p:nvPr/>
+          </p:nvSpPr>
+          <p:spPr>
+            <a:xfrm>
+              <a:off x="3335136" y="2471654"/>
+              <a:ext cx="47625" cy="45719"/>
+            </a:xfrm>
+            <a:prstGeom prst="ellipse">
+              <a:avLst/>
+            </a:prstGeom>
+            <a:solidFill>
+              <a:schemeClr val="tx1"/>
+            </a:solidFill>
+            <a:ln>
+              <a:noFill/>
+            </a:ln>
+          </p:spPr>
+          <p:style>
+            <a:lnRef idx="2">
+              <a:schemeClr val="accent1">
+                <a:shade val="15000"/>
+              </a:schemeClr>
+            </a:lnRef>
+            <a:fillRef idx="1">
+              <a:schemeClr val="accent1"/>
+            </a:fillRef>
+            <a:effectRef idx="0">
+              <a:schemeClr val="accent1"/>
+            </a:effectRef>
+            <a:fontRef idx="minor">
+              <a:schemeClr val="lt1"/>
+            </a:fontRef>
+          </p:style>
+          <p:txBody>
+            <a:bodyPr rtlCol="0" anchor="ctr"/>
+            <a:lstStyle/>
+            <a:p>
+              <a:pPr algn="ctr"/>
+              <a:endParaRPr lang="en-US"/>
+            </a:p>
+          </p:txBody>
+        </p:sp>
+        <p:sp>
+          <p:nvSpPr>
+            <p:cNvPr id="35" name="Oval 34">
+              <a:extLst>
+                <a:ext uri="{FF2B5EF4-FFF2-40B4-BE49-F238E27FC236}">
+                  <a16:creationId xmlns:a16="http://schemas.microsoft.com/office/drawing/2014/main" id="{0533526D-A581-F3B2-BE9E-19CA40F76EA1}"/>
+                </a:ext>
+              </a:extLst>
+            </p:cNvPr>
+            <p:cNvSpPr/>
+            <p:nvPr/>
+          </p:nvSpPr>
+          <p:spPr>
+            <a:xfrm>
+              <a:off x="3796516" y="2467034"/>
+              <a:ext cx="47625" cy="45719"/>
+            </a:xfrm>
+            <a:prstGeom prst="ellipse">
+              <a:avLst/>
+            </a:prstGeom>
+            <a:solidFill>
+              <a:schemeClr val="tx1"/>
+            </a:solidFill>
+            <a:ln>
+              <a:noFill/>
+            </a:ln>
+          </p:spPr>
+          <p:style>
+            <a:lnRef idx="2">
+              <a:schemeClr val="accent1">
+                <a:shade val="15000"/>
+              </a:schemeClr>
+            </a:lnRef>
+            <a:fillRef idx="1">
+              <a:schemeClr val="accent1"/>
+            </a:fillRef>
+            <a:effectRef idx="0">
+              <a:schemeClr val="accent1"/>
+            </a:effectRef>
+            <a:fontRef idx="minor">
+              <a:schemeClr val="lt1"/>
+            </a:fontRef>
+          </p:style>
+          <p:txBody>
+            <a:bodyPr rtlCol="0" anchor="ctr"/>
+            <a:lstStyle/>
+            <a:p>
+              <a:pPr algn="ctr"/>
+              <a:endParaRPr lang="en-US"/>
+            </a:p>
+          </p:txBody>
+        </p:sp>
+        <p:sp>
+          <p:nvSpPr>
+            <p:cNvPr id="36" name="Oval 35">
+              <a:extLst>
+                <a:ext uri="{FF2B5EF4-FFF2-40B4-BE49-F238E27FC236}">
+                  <a16:creationId xmlns:a16="http://schemas.microsoft.com/office/drawing/2014/main" id="{0F564E18-0699-94F3-A997-FAC9B65083B2}"/>
+                </a:ext>
+              </a:extLst>
+            </p:cNvPr>
+            <p:cNvSpPr/>
+            <p:nvPr/>
+          </p:nvSpPr>
+          <p:spPr>
+            <a:xfrm>
+              <a:off x="4246321" y="2465195"/>
+              <a:ext cx="47625" cy="45719"/>
+            </a:xfrm>
+            <a:prstGeom prst="ellipse">
+              <a:avLst/>
+            </a:prstGeom>
+            <a:solidFill>
+              <a:schemeClr val="tx1"/>
+            </a:solidFill>
+            <a:ln>
+              <a:noFill/>
+            </a:ln>
+          </p:spPr>
+          <p:style>
+            <a:lnRef idx="2">
+              <a:schemeClr val="accent1">
+                <a:shade val="15000"/>
+              </a:schemeClr>
+            </a:lnRef>
+            <a:fillRef idx="1">
+              <a:schemeClr val="accent1"/>
+            </a:fillRef>
+            <a:effectRef idx="0">
+              <a:schemeClr val="accent1"/>
+            </a:effectRef>
+            <a:fontRef idx="minor">
+              <a:schemeClr val="lt1"/>
+            </a:fontRef>
+          </p:style>
+          <p:txBody>
+            <a:bodyPr rtlCol="0" anchor="ctr"/>
+            <a:lstStyle/>
+            <a:p>
+              <a:pPr algn="ctr"/>
+              <a:endParaRPr lang="en-US"/>
+            </a:p>
+          </p:txBody>
+        </p:sp>
+        <p:sp>
+          <p:nvSpPr>
+            <p:cNvPr id="37" name="Oval 36">
+              <a:extLst>
+                <a:ext uri="{FF2B5EF4-FFF2-40B4-BE49-F238E27FC236}">
+                  <a16:creationId xmlns:a16="http://schemas.microsoft.com/office/drawing/2014/main" id="{2493E20A-7EC1-1FD1-FC22-B47926A7832C}"/>
+                </a:ext>
+              </a:extLst>
+            </p:cNvPr>
+            <p:cNvSpPr/>
+            <p:nvPr/>
+          </p:nvSpPr>
+          <p:spPr>
+            <a:xfrm>
+              <a:off x="4733037" y="2471060"/>
+              <a:ext cx="47625" cy="45719"/>
+            </a:xfrm>
+            <a:prstGeom prst="ellipse">
+              <a:avLst/>
+            </a:prstGeom>
+            <a:solidFill>
+              <a:schemeClr val="tx1"/>
+            </a:solidFill>
+            <a:ln>
+              <a:noFill/>
+            </a:ln>
+          </p:spPr>
+          <p:style>
+            <a:lnRef idx="2">
+              <a:schemeClr val="accent1">
+                <a:shade val="15000"/>
+              </a:schemeClr>
+            </a:lnRef>
+            <a:fillRef idx="1">
+              <a:schemeClr val="accent1"/>
+            </a:fillRef>
+            <a:effectRef idx="0">
+              <a:schemeClr val="accent1"/>
+            </a:effectRef>
+            <a:fontRef idx="minor">
+              <a:schemeClr val="lt1"/>
+            </a:fontRef>
+          </p:style>
+          <p:txBody>
+            <a:bodyPr rtlCol="0" anchor="ctr"/>
+            <a:lstStyle/>
+            <a:p>
+              <a:pPr algn="ctr"/>
+              <a:endParaRPr lang="en-US"/>
+            </a:p>
+          </p:txBody>
+        </p:sp>
+      </p:grpSp>
+      <p:grpSp>
+        <p:nvGrpSpPr>
+          <p:cNvPr id="38" name="Group 37">
+            <a:extLst>
+              <a:ext uri="{FF2B5EF4-FFF2-40B4-BE49-F238E27FC236}">
+                <a16:creationId xmlns:a16="http://schemas.microsoft.com/office/drawing/2014/main" id="{ABA85771-2943-5B3D-88BD-810B3F494557}"/>
+              </a:ext>
+            </a:extLst>
+          </p:cNvPr>
+          <p:cNvGrpSpPr/>
+          <p:nvPr/>
+        </p:nvGrpSpPr>
+        <p:grpSpPr>
+          <a:xfrm>
+            <a:off x="1913422" y="3384354"/>
+            <a:ext cx="2843427" cy="58043"/>
+            <a:chOff x="1937235" y="2465195"/>
+            <a:chExt cx="2843427" cy="58043"/>
+          </a:xfrm>
+        </p:grpSpPr>
+        <p:sp>
+          <p:nvSpPr>
+            <p:cNvPr id="39" name="Oval 38">
+              <a:extLst>
+                <a:ext uri="{FF2B5EF4-FFF2-40B4-BE49-F238E27FC236}">
+                  <a16:creationId xmlns:a16="http://schemas.microsoft.com/office/drawing/2014/main" id="{79FC1B37-79D1-1B61-67C5-C911D7CDD204}"/>
+                </a:ext>
+              </a:extLst>
+            </p:cNvPr>
+            <p:cNvSpPr/>
+            <p:nvPr/>
+          </p:nvSpPr>
+          <p:spPr>
+            <a:xfrm>
+              <a:off x="1937235" y="2473493"/>
+              <a:ext cx="47625" cy="45719"/>
+            </a:xfrm>
+            <a:prstGeom prst="ellipse">
+              <a:avLst/>
+            </a:prstGeom>
+            <a:solidFill>
+              <a:schemeClr val="tx1"/>
+            </a:solidFill>
+            <a:ln>
+              <a:noFill/>
+            </a:ln>
+          </p:spPr>
+          <p:style>
+            <a:lnRef idx="2">
+              <a:schemeClr val="accent1">
+                <a:shade val="15000"/>
+              </a:schemeClr>
+            </a:lnRef>
+            <a:fillRef idx="1">
+              <a:schemeClr val="accent1"/>
+            </a:fillRef>
+            <a:effectRef idx="0">
+              <a:schemeClr val="accent1"/>
+            </a:effectRef>
+            <a:fontRef idx="minor">
+              <a:schemeClr val="lt1"/>
+            </a:fontRef>
+          </p:style>
+          <p:txBody>
+            <a:bodyPr rtlCol="0" anchor="ctr"/>
+            <a:lstStyle/>
+            <a:p>
+              <a:pPr algn="ctr"/>
+              <a:endParaRPr lang="en-US"/>
+            </a:p>
+          </p:txBody>
+        </p:sp>
+        <p:sp>
+          <p:nvSpPr>
+            <p:cNvPr id="40" name="Oval 39">
+              <a:extLst>
+                <a:ext uri="{FF2B5EF4-FFF2-40B4-BE49-F238E27FC236}">
+                  <a16:creationId xmlns:a16="http://schemas.microsoft.com/office/drawing/2014/main" id="{7AB8DB1A-284C-C5B6-2BAA-9BD4C067A17E}"/>
+                </a:ext>
+              </a:extLst>
+            </p:cNvPr>
+            <p:cNvSpPr/>
+            <p:nvPr/>
+          </p:nvSpPr>
+          <p:spPr>
+            <a:xfrm>
+              <a:off x="2387040" y="2471654"/>
+              <a:ext cx="47625" cy="45719"/>
+            </a:xfrm>
+            <a:prstGeom prst="ellipse">
+              <a:avLst/>
+            </a:prstGeom>
+            <a:solidFill>
+              <a:schemeClr val="tx1"/>
+            </a:solidFill>
+            <a:ln>
+              <a:noFill/>
+            </a:ln>
+          </p:spPr>
+          <p:style>
+            <a:lnRef idx="2">
+              <a:schemeClr val="accent1">
+                <a:shade val="15000"/>
+              </a:schemeClr>
+            </a:lnRef>
+            <a:fillRef idx="1">
+              <a:schemeClr val="accent1"/>
+            </a:fillRef>
+            <a:effectRef idx="0">
+              <a:schemeClr val="accent1"/>
+            </a:effectRef>
+            <a:fontRef idx="minor">
+              <a:schemeClr val="lt1"/>
+            </a:fontRef>
+          </p:style>
+          <p:txBody>
+            <a:bodyPr rtlCol="0" anchor="ctr"/>
+            <a:lstStyle/>
+            <a:p>
+              <a:pPr algn="ctr"/>
+              <a:endParaRPr lang="en-US"/>
+            </a:p>
+          </p:txBody>
+        </p:sp>
+        <p:sp>
+          <p:nvSpPr>
+            <p:cNvPr id="41" name="Oval 40">
+              <a:extLst>
+                <a:ext uri="{FF2B5EF4-FFF2-40B4-BE49-F238E27FC236}">
+                  <a16:creationId xmlns:a16="http://schemas.microsoft.com/office/drawing/2014/main" id="{B51F09AF-4718-3A15-B1E6-448BB110552D}"/>
+                </a:ext>
+              </a:extLst>
+            </p:cNvPr>
+            <p:cNvSpPr/>
+            <p:nvPr/>
+          </p:nvSpPr>
+          <p:spPr>
+            <a:xfrm>
+              <a:off x="2873756" y="2477519"/>
+              <a:ext cx="47625" cy="45719"/>
+            </a:xfrm>
+            <a:prstGeom prst="ellipse">
+              <a:avLst/>
+            </a:prstGeom>
+            <a:solidFill>
+              <a:schemeClr val="tx1"/>
+            </a:solidFill>
+            <a:ln>
+              <a:noFill/>
+            </a:ln>
+          </p:spPr>
+          <p:style>
+            <a:lnRef idx="2">
+              <a:schemeClr val="accent1">
+                <a:shade val="15000"/>
+              </a:schemeClr>
+            </a:lnRef>
+            <a:fillRef idx="1">
+              <a:schemeClr val="accent1"/>
+            </a:fillRef>
+            <a:effectRef idx="0">
+              <a:schemeClr val="accent1"/>
+            </a:effectRef>
+            <a:fontRef idx="minor">
+              <a:schemeClr val="lt1"/>
+            </a:fontRef>
+          </p:style>
+          <p:txBody>
+            <a:bodyPr rtlCol="0" anchor="ctr"/>
+            <a:lstStyle/>
+            <a:p>
+              <a:pPr algn="ctr"/>
+              <a:endParaRPr lang="en-US"/>
+            </a:p>
+          </p:txBody>
+        </p:sp>
+        <p:sp>
+          <p:nvSpPr>
+            <p:cNvPr id="42" name="Oval 41">
+              <a:extLst>
+                <a:ext uri="{FF2B5EF4-FFF2-40B4-BE49-F238E27FC236}">
+                  <a16:creationId xmlns:a16="http://schemas.microsoft.com/office/drawing/2014/main" id="{58E8216F-DAEE-CE9C-31C6-25688714BFB2}"/>
+                </a:ext>
+              </a:extLst>
+            </p:cNvPr>
+            <p:cNvSpPr/>
+            <p:nvPr/>
+          </p:nvSpPr>
+          <p:spPr>
+            <a:xfrm>
+              <a:off x="3335136" y="2471654"/>
+              <a:ext cx="47625" cy="45719"/>
+            </a:xfrm>
+            <a:prstGeom prst="ellipse">
+              <a:avLst/>
+            </a:prstGeom>
+            <a:solidFill>
+              <a:schemeClr val="tx1"/>
+            </a:solidFill>
+            <a:ln>
+              <a:noFill/>
+            </a:ln>
+          </p:spPr>
+          <p:style>
+            <a:lnRef idx="2">
+              <a:schemeClr val="accent1">
+                <a:shade val="15000"/>
+              </a:schemeClr>
+            </a:lnRef>
+            <a:fillRef idx="1">
+              <a:schemeClr val="accent1"/>
+            </a:fillRef>
+            <a:effectRef idx="0">
+              <a:schemeClr val="accent1"/>
+            </a:effectRef>
+            <a:fontRef idx="minor">
+              <a:schemeClr val="lt1"/>
+            </a:fontRef>
+          </p:style>
+          <p:txBody>
+            <a:bodyPr rtlCol="0" anchor="ctr"/>
+            <a:lstStyle/>
+            <a:p>
+              <a:pPr algn="ctr"/>
+              <a:endParaRPr lang="en-US"/>
+            </a:p>
+          </p:txBody>
+        </p:sp>
+        <p:sp>
+          <p:nvSpPr>
+            <p:cNvPr id="43" name="Oval 42">
+              <a:extLst>
+                <a:ext uri="{FF2B5EF4-FFF2-40B4-BE49-F238E27FC236}">
+                  <a16:creationId xmlns:a16="http://schemas.microsoft.com/office/drawing/2014/main" id="{CE44E652-84A2-D0E5-D778-32EF43798A57}"/>
+                </a:ext>
+              </a:extLst>
+            </p:cNvPr>
+            <p:cNvSpPr/>
+            <p:nvPr/>
+          </p:nvSpPr>
+          <p:spPr>
+            <a:xfrm>
+              <a:off x="3796516" y="2467034"/>
+              <a:ext cx="47625" cy="45719"/>
+            </a:xfrm>
+            <a:prstGeom prst="ellipse">
+              <a:avLst/>
+            </a:prstGeom>
+            <a:solidFill>
+              <a:schemeClr val="tx1"/>
+            </a:solidFill>
+            <a:ln>
+              <a:noFill/>
+            </a:ln>
+          </p:spPr>
+          <p:style>
+            <a:lnRef idx="2">
+              <a:schemeClr val="accent1">
+                <a:shade val="15000"/>
+              </a:schemeClr>
+            </a:lnRef>
+            <a:fillRef idx="1">
+              <a:schemeClr val="accent1"/>
+            </a:fillRef>
+            <a:effectRef idx="0">
+              <a:schemeClr val="accent1"/>
+            </a:effectRef>
+            <a:fontRef idx="minor">
+              <a:schemeClr val="lt1"/>
+            </a:fontRef>
+          </p:style>
+          <p:txBody>
+            <a:bodyPr rtlCol="0" anchor="ctr"/>
+            <a:lstStyle/>
+            <a:p>
+              <a:pPr algn="ctr"/>
+              <a:endParaRPr lang="en-US"/>
+            </a:p>
+          </p:txBody>
+        </p:sp>
+        <p:sp>
+          <p:nvSpPr>
+            <p:cNvPr id="44" name="Oval 43">
+              <a:extLst>
+                <a:ext uri="{FF2B5EF4-FFF2-40B4-BE49-F238E27FC236}">
+                  <a16:creationId xmlns:a16="http://schemas.microsoft.com/office/drawing/2014/main" id="{453324A4-221A-5C34-152C-A6B54FD3CFEF}"/>
+                </a:ext>
+              </a:extLst>
+            </p:cNvPr>
+            <p:cNvSpPr/>
+            <p:nvPr/>
+          </p:nvSpPr>
+          <p:spPr>
+            <a:xfrm>
+              <a:off x="4246321" y="2465195"/>
+              <a:ext cx="47625" cy="45719"/>
+            </a:xfrm>
+            <a:prstGeom prst="ellipse">
+              <a:avLst/>
+            </a:prstGeom>
+            <a:solidFill>
+              <a:schemeClr val="tx1"/>
+            </a:solidFill>
+            <a:ln>
+              <a:noFill/>
+            </a:ln>
+          </p:spPr>
+          <p:style>
+            <a:lnRef idx="2">
+              <a:schemeClr val="accent1">
+                <a:shade val="15000"/>
+              </a:schemeClr>
+            </a:lnRef>
+            <a:fillRef idx="1">
+              <a:schemeClr val="accent1"/>
+            </a:fillRef>
+            <a:effectRef idx="0">
+              <a:schemeClr val="accent1"/>
+            </a:effectRef>
+            <a:fontRef idx="minor">
+              <a:schemeClr val="lt1"/>
+            </a:fontRef>
+          </p:style>
+          <p:txBody>
+            <a:bodyPr rtlCol="0" anchor="ctr"/>
+            <a:lstStyle/>
+            <a:p>
+              <a:pPr algn="ctr"/>
+              <a:endParaRPr lang="en-US"/>
+            </a:p>
+          </p:txBody>
+        </p:sp>
+        <p:sp>
+          <p:nvSpPr>
+            <p:cNvPr id="45" name="Oval 44">
+              <a:extLst>
+                <a:ext uri="{FF2B5EF4-FFF2-40B4-BE49-F238E27FC236}">
+                  <a16:creationId xmlns:a16="http://schemas.microsoft.com/office/drawing/2014/main" id="{A2DC14B4-AB51-0258-B718-C1EE94C4DF73}"/>
+                </a:ext>
+              </a:extLst>
+            </p:cNvPr>
+            <p:cNvSpPr/>
+            <p:nvPr/>
+          </p:nvSpPr>
+          <p:spPr>
+            <a:xfrm>
+              <a:off x="4733037" y="2471060"/>
+              <a:ext cx="47625" cy="45719"/>
+            </a:xfrm>
+            <a:prstGeom prst="ellipse">
+              <a:avLst/>
+            </a:prstGeom>
+            <a:solidFill>
+              <a:schemeClr val="tx1"/>
+            </a:solidFill>
+            <a:ln>
+              <a:noFill/>
+            </a:ln>
+          </p:spPr>
+          <p:style>
+            <a:lnRef idx="2">
+              <a:schemeClr val="accent1">
+                <a:shade val="15000"/>
+              </a:schemeClr>
+            </a:lnRef>
+            <a:fillRef idx="1">
+              <a:schemeClr val="accent1"/>
+            </a:fillRef>
+            <a:effectRef idx="0">
+              <a:schemeClr val="accent1"/>
+            </a:effectRef>
+            <a:fontRef idx="minor">
+              <a:schemeClr val="lt1"/>
+            </a:fontRef>
+          </p:style>
+          <p:txBody>
+            <a:bodyPr rtlCol="0" anchor="ctr"/>
+            <a:lstStyle/>
+            <a:p>
+              <a:pPr algn="ctr"/>
+              <a:endParaRPr lang="en-US"/>
+            </a:p>
+          </p:txBody>
+        </p:sp>
+      </p:grpSp>
+      <p:grpSp>
+        <p:nvGrpSpPr>
+          <p:cNvPr id="46" name="Group 45">
+            <a:extLst>
+              <a:ext uri="{FF2B5EF4-FFF2-40B4-BE49-F238E27FC236}">
+                <a16:creationId xmlns:a16="http://schemas.microsoft.com/office/drawing/2014/main" id="{D057F2A1-DD47-1A7C-620B-E3CC1C12A4D2}"/>
+              </a:ext>
+            </a:extLst>
+          </p:cNvPr>
+          <p:cNvGrpSpPr/>
+          <p:nvPr/>
+        </p:nvGrpSpPr>
+        <p:grpSpPr>
+          <a:xfrm>
+            <a:off x="1912759" y="3826885"/>
+            <a:ext cx="2843427" cy="58043"/>
+            <a:chOff x="1937235" y="2465195"/>
+            <a:chExt cx="2843427" cy="58043"/>
+          </a:xfrm>
+        </p:grpSpPr>
+        <p:sp>
+          <p:nvSpPr>
+            <p:cNvPr id="47" name="Oval 46">
+              <a:extLst>
+                <a:ext uri="{FF2B5EF4-FFF2-40B4-BE49-F238E27FC236}">
+                  <a16:creationId xmlns:a16="http://schemas.microsoft.com/office/drawing/2014/main" id="{647CAF49-7364-8E84-4DFE-40160E608070}"/>
+                </a:ext>
+              </a:extLst>
+            </p:cNvPr>
+            <p:cNvSpPr/>
+            <p:nvPr/>
+          </p:nvSpPr>
+          <p:spPr>
+            <a:xfrm>
+              <a:off x="1937235" y="2473493"/>
+              <a:ext cx="47625" cy="45719"/>
+            </a:xfrm>
+            <a:prstGeom prst="ellipse">
+              <a:avLst/>
+            </a:prstGeom>
+            <a:solidFill>
+              <a:schemeClr val="tx1"/>
+            </a:solidFill>
+            <a:ln>
+              <a:noFill/>
+            </a:ln>
+          </p:spPr>
+          <p:style>
+            <a:lnRef idx="2">
+              <a:schemeClr val="accent1">
+                <a:shade val="15000"/>
+              </a:schemeClr>
+            </a:lnRef>
+            <a:fillRef idx="1">
+              <a:schemeClr val="accent1"/>
+            </a:fillRef>
+            <a:effectRef idx="0">
+              <a:schemeClr val="accent1"/>
+            </a:effectRef>
+            <a:fontRef idx="minor">
+              <a:schemeClr val="lt1"/>
+            </a:fontRef>
+          </p:style>
+          <p:txBody>
+            <a:bodyPr rtlCol="0" anchor="ctr"/>
+            <a:lstStyle/>
+            <a:p>
+              <a:pPr algn="ctr"/>
+              <a:endParaRPr lang="en-US"/>
+            </a:p>
+          </p:txBody>
+        </p:sp>
+        <p:sp>
+          <p:nvSpPr>
+            <p:cNvPr id="48" name="Oval 47">
+              <a:extLst>
+                <a:ext uri="{FF2B5EF4-FFF2-40B4-BE49-F238E27FC236}">
+                  <a16:creationId xmlns:a16="http://schemas.microsoft.com/office/drawing/2014/main" id="{77CD178A-08C9-88E5-464F-C7855780D62C}"/>
+                </a:ext>
+              </a:extLst>
+            </p:cNvPr>
+            <p:cNvSpPr/>
+            <p:nvPr/>
+          </p:nvSpPr>
+          <p:spPr>
+            <a:xfrm>
+              <a:off x="2387040" y="2471654"/>
+              <a:ext cx="47625" cy="45719"/>
+            </a:xfrm>
+            <a:prstGeom prst="ellipse">
+              <a:avLst/>
+            </a:prstGeom>
+            <a:solidFill>
+              <a:schemeClr val="tx1"/>
+            </a:solidFill>
+            <a:ln>
+              <a:noFill/>
+            </a:ln>
+          </p:spPr>
+          <p:style>
+            <a:lnRef idx="2">
+              <a:schemeClr val="accent1">
+                <a:shade val="15000"/>
+              </a:schemeClr>
+            </a:lnRef>
+            <a:fillRef idx="1">
+              <a:schemeClr val="accent1"/>
+            </a:fillRef>
+            <a:effectRef idx="0">
+              <a:schemeClr val="accent1"/>
+            </a:effectRef>
+            <a:fontRef idx="minor">
+              <a:schemeClr val="lt1"/>
+            </a:fontRef>
+          </p:style>
+          <p:txBody>
+            <a:bodyPr rtlCol="0" anchor="ctr"/>
+            <a:lstStyle/>
+            <a:p>
+              <a:pPr algn="ctr"/>
+              <a:endParaRPr lang="en-US"/>
+            </a:p>
+          </p:txBody>
+        </p:sp>
+        <p:sp>
+          <p:nvSpPr>
+            <p:cNvPr id="49" name="Oval 48">
+              <a:extLst>
+                <a:ext uri="{FF2B5EF4-FFF2-40B4-BE49-F238E27FC236}">
+                  <a16:creationId xmlns:a16="http://schemas.microsoft.com/office/drawing/2014/main" id="{8F3CC561-3E9D-3327-50C5-484DA94A049A}"/>
+                </a:ext>
+              </a:extLst>
+            </p:cNvPr>
+            <p:cNvSpPr/>
+            <p:nvPr/>
+          </p:nvSpPr>
+          <p:spPr>
+            <a:xfrm>
+              <a:off x="2873756" y="2477519"/>
+              <a:ext cx="47625" cy="45719"/>
+            </a:xfrm>
+            <a:prstGeom prst="ellipse">
+              <a:avLst/>
+            </a:prstGeom>
+            <a:solidFill>
+              <a:schemeClr val="tx1"/>
+            </a:solidFill>
+            <a:ln>
+              <a:noFill/>
+            </a:ln>
+          </p:spPr>
+          <p:style>
+            <a:lnRef idx="2">
+              <a:schemeClr val="accent1">
+                <a:shade val="15000"/>
+              </a:schemeClr>
+            </a:lnRef>
+            <a:fillRef idx="1">
+              <a:schemeClr val="accent1"/>
+            </a:fillRef>
+            <a:effectRef idx="0">
+              <a:schemeClr val="accent1"/>
+            </a:effectRef>
+            <a:fontRef idx="minor">
+              <a:schemeClr val="lt1"/>
+            </a:fontRef>
+          </p:style>
+          <p:txBody>
+            <a:bodyPr rtlCol="0" anchor="ctr"/>
+            <a:lstStyle/>
+            <a:p>
+              <a:pPr algn="ctr"/>
+              <a:endParaRPr lang="en-US"/>
+            </a:p>
+          </p:txBody>
+        </p:sp>
+        <p:sp>
+          <p:nvSpPr>
+            <p:cNvPr id="50" name="Oval 49">
+              <a:extLst>
+                <a:ext uri="{FF2B5EF4-FFF2-40B4-BE49-F238E27FC236}">
+                  <a16:creationId xmlns:a16="http://schemas.microsoft.com/office/drawing/2014/main" id="{B363CCB5-B125-FFAD-B198-26754C112E5D}"/>
+                </a:ext>
+              </a:extLst>
+            </p:cNvPr>
+            <p:cNvSpPr/>
+            <p:nvPr/>
+          </p:nvSpPr>
+          <p:spPr>
+            <a:xfrm>
+              <a:off x="3335136" y="2471654"/>
+              <a:ext cx="47625" cy="45719"/>
+            </a:xfrm>
+            <a:prstGeom prst="ellipse">
+              <a:avLst/>
+            </a:prstGeom>
+            <a:solidFill>
+              <a:schemeClr val="tx1"/>
+            </a:solidFill>
+            <a:ln>
+              <a:noFill/>
+            </a:ln>
+          </p:spPr>
+          <p:style>
+            <a:lnRef idx="2">
+              <a:schemeClr val="accent1">
+                <a:shade val="15000"/>
+              </a:schemeClr>
+            </a:lnRef>
+            <a:fillRef idx="1">
+              <a:schemeClr val="accent1"/>
+            </a:fillRef>
+            <a:effectRef idx="0">
+              <a:schemeClr val="accent1"/>
+            </a:effectRef>
+            <a:fontRef idx="minor">
+              <a:schemeClr val="lt1"/>
+            </a:fontRef>
+          </p:style>
+          <p:txBody>
+            <a:bodyPr rtlCol="0" anchor="ctr"/>
+            <a:lstStyle/>
+            <a:p>
+              <a:pPr algn="ctr"/>
+              <a:endParaRPr lang="en-US"/>
+            </a:p>
+          </p:txBody>
+        </p:sp>
+        <p:sp>
+          <p:nvSpPr>
+            <p:cNvPr id="51" name="Oval 50">
+              <a:extLst>
+                <a:ext uri="{FF2B5EF4-FFF2-40B4-BE49-F238E27FC236}">
+                  <a16:creationId xmlns:a16="http://schemas.microsoft.com/office/drawing/2014/main" id="{3ED243C7-D6FB-1050-0953-5279920349F3}"/>
+                </a:ext>
+              </a:extLst>
+            </p:cNvPr>
+            <p:cNvSpPr/>
+            <p:nvPr/>
+          </p:nvSpPr>
+          <p:spPr>
+            <a:xfrm>
+              <a:off x="3796516" y="2467034"/>
+              <a:ext cx="47625" cy="45719"/>
+            </a:xfrm>
+            <a:prstGeom prst="ellipse">
+              <a:avLst/>
+            </a:prstGeom>
+            <a:solidFill>
+              <a:schemeClr val="tx1"/>
+            </a:solidFill>
+            <a:ln>
+              <a:noFill/>
+            </a:ln>
+          </p:spPr>
+          <p:style>
+            <a:lnRef idx="2">
+              <a:schemeClr val="accent1">
+                <a:shade val="15000"/>
+              </a:schemeClr>
+            </a:lnRef>
+            <a:fillRef idx="1">
+              <a:schemeClr val="accent1"/>
+            </a:fillRef>
+            <a:effectRef idx="0">
+              <a:schemeClr val="accent1"/>
+            </a:effectRef>
+            <a:fontRef idx="minor">
+              <a:schemeClr val="lt1"/>
+            </a:fontRef>
+          </p:style>
+          <p:txBody>
+            <a:bodyPr rtlCol="0" anchor="ctr"/>
+            <a:lstStyle/>
+            <a:p>
+              <a:pPr algn="ctr"/>
+              <a:endParaRPr lang="en-US"/>
+            </a:p>
+          </p:txBody>
+        </p:sp>
+        <p:sp>
+          <p:nvSpPr>
+            <p:cNvPr id="52" name="Oval 51">
+              <a:extLst>
+                <a:ext uri="{FF2B5EF4-FFF2-40B4-BE49-F238E27FC236}">
+                  <a16:creationId xmlns:a16="http://schemas.microsoft.com/office/drawing/2014/main" id="{1EC3BD3D-D230-07E1-0CF2-EBB4674B9A5C}"/>
+                </a:ext>
+              </a:extLst>
+            </p:cNvPr>
+            <p:cNvSpPr/>
+            <p:nvPr/>
+          </p:nvSpPr>
+          <p:spPr>
+            <a:xfrm>
+              <a:off x="4246321" y="2465195"/>
+              <a:ext cx="47625" cy="45719"/>
+            </a:xfrm>
+            <a:prstGeom prst="ellipse">
+              <a:avLst/>
+            </a:prstGeom>
+            <a:solidFill>
+              <a:schemeClr val="tx1"/>
+            </a:solidFill>
+            <a:ln>
+              <a:noFill/>
+            </a:ln>
+          </p:spPr>
+          <p:style>
+            <a:lnRef idx="2">
+              <a:schemeClr val="accent1">
+                <a:shade val="15000"/>
+              </a:schemeClr>
+            </a:lnRef>
+            <a:fillRef idx="1">
+              <a:schemeClr val="accent1"/>
+            </a:fillRef>
+            <a:effectRef idx="0">
+              <a:schemeClr val="accent1"/>
+            </a:effectRef>
+            <a:fontRef idx="minor">
+              <a:schemeClr val="lt1"/>
+            </a:fontRef>
+          </p:style>
+          <p:txBody>
+            <a:bodyPr rtlCol="0" anchor="ctr"/>
+            <a:lstStyle/>
+            <a:p>
+              <a:pPr algn="ctr"/>
+              <a:endParaRPr lang="en-US"/>
+            </a:p>
+          </p:txBody>
+        </p:sp>
+        <p:sp>
+          <p:nvSpPr>
+            <p:cNvPr id="53" name="Oval 52">
+              <a:extLst>
+                <a:ext uri="{FF2B5EF4-FFF2-40B4-BE49-F238E27FC236}">
+                  <a16:creationId xmlns:a16="http://schemas.microsoft.com/office/drawing/2014/main" id="{6B8284AC-81ED-978A-EB33-F3035C065678}"/>
+                </a:ext>
+              </a:extLst>
+            </p:cNvPr>
+            <p:cNvSpPr/>
+            <p:nvPr/>
+          </p:nvSpPr>
+          <p:spPr>
+            <a:xfrm>
+              <a:off x="4733037" y="2471060"/>
+              <a:ext cx="47625" cy="45719"/>
+            </a:xfrm>
+            <a:prstGeom prst="ellipse">
+              <a:avLst/>
+            </a:prstGeom>
+            <a:solidFill>
+              <a:schemeClr val="tx1"/>
+            </a:solidFill>
+            <a:ln>
+              <a:noFill/>
+            </a:ln>
+          </p:spPr>
+          <p:style>
+            <a:lnRef idx="2">
+              <a:schemeClr val="accent1">
+                <a:shade val="15000"/>
+              </a:schemeClr>
+            </a:lnRef>
+            <a:fillRef idx="1">
+              <a:schemeClr val="accent1"/>
+            </a:fillRef>
+            <a:effectRef idx="0">
+              <a:schemeClr val="accent1"/>
+            </a:effectRef>
+            <a:fontRef idx="minor">
+              <a:schemeClr val="lt1"/>
+            </a:fontRef>
+          </p:style>
+          <p:txBody>
+            <a:bodyPr rtlCol="0" anchor="ctr"/>
+            <a:lstStyle/>
+            <a:p>
+              <a:pPr algn="ctr"/>
+              <a:endParaRPr lang="en-US"/>
+            </a:p>
+          </p:txBody>
+        </p:sp>
+      </p:grpSp>
+      <p:grpSp>
+        <p:nvGrpSpPr>
+          <p:cNvPr id="54" name="Group 53">
+            <a:extLst>
+              <a:ext uri="{FF2B5EF4-FFF2-40B4-BE49-F238E27FC236}">
+                <a16:creationId xmlns:a16="http://schemas.microsoft.com/office/drawing/2014/main" id="{1B278C84-76FC-7BCB-3654-9410C4DD49B0}"/>
+              </a:ext>
+            </a:extLst>
+          </p:cNvPr>
+          <p:cNvGrpSpPr/>
+          <p:nvPr/>
+        </p:nvGrpSpPr>
+        <p:grpSpPr>
+          <a:xfrm>
+            <a:off x="1912758" y="4316975"/>
+            <a:ext cx="2843427" cy="58043"/>
+            <a:chOff x="1937235" y="2465195"/>
+            <a:chExt cx="2843427" cy="58043"/>
+          </a:xfrm>
+        </p:grpSpPr>
+        <p:sp>
+          <p:nvSpPr>
+            <p:cNvPr id="55" name="Oval 54">
+              <a:extLst>
+                <a:ext uri="{FF2B5EF4-FFF2-40B4-BE49-F238E27FC236}">
+                  <a16:creationId xmlns:a16="http://schemas.microsoft.com/office/drawing/2014/main" id="{AF630507-63F3-1CED-977F-48AE7DD2A77C}"/>
+                </a:ext>
+              </a:extLst>
+            </p:cNvPr>
+            <p:cNvSpPr/>
+            <p:nvPr/>
+          </p:nvSpPr>
+          <p:spPr>
+            <a:xfrm>
+              <a:off x="1937235" y="2473493"/>
+              <a:ext cx="47625" cy="45719"/>
+            </a:xfrm>
+            <a:prstGeom prst="ellipse">
+              <a:avLst/>
+            </a:prstGeom>
+            <a:solidFill>
+              <a:schemeClr val="tx1"/>
+            </a:solidFill>
+            <a:ln>
+              <a:noFill/>
+            </a:ln>
+          </p:spPr>
+          <p:style>
+            <a:lnRef idx="2">
+              <a:schemeClr val="accent1">
+                <a:shade val="15000"/>
+              </a:schemeClr>
+            </a:lnRef>
+            <a:fillRef idx="1">
+              <a:schemeClr val="accent1"/>
+            </a:fillRef>
+            <a:effectRef idx="0">
+              <a:schemeClr val="accent1"/>
+            </a:effectRef>
+            <a:fontRef idx="minor">
+              <a:schemeClr val="lt1"/>
+            </a:fontRef>
+          </p:style>
+          <p:txBody>
+            <a:bodyPr rtlCol="0" anchor="ctr"/>
+            <a:lstStyle/>
+            <a:p>
+              <a:pPr algn="ctr"/>
+              <a:endParaRPr lang="en-US"/>
+            </a:p>
+          </p:txBody>
+        </p:sp>
+        <p:sp>
+          <p:nvSpPr>
+            <p:cNvPr id="56" name="Oval 55">
+              <a:extLst>
+                <a:ext uri="{FF2B5EF4-FFF2-40B4-BE49-F238E27FC236}">
+                  <a16:creationId xmlns:a16="http://schemas.microsoft.com/office/drawing/2014/main" id="{FE05D86A-2B75-2128-2C8C-B5C0E7F31319}"/>
+                </a:ext>
+              </a:extLst>
+            </p:cNvPr>
+            <p:cNvSpPr/>
+            <p:nvPr/>
+          </p:nvSpPr>
+          <p:spPr>
+            <a:xfrm>
+              <a:off x="2387040" y="2471654"/>
+              <a:ext cx="47625" cy="45719"/>
+            </a:xfrm>
+            <a:prstGeom prst="ellipse">
+              <a:avLst/>
+            </a:prstGeom>
+            <a:solidFill>
+              <a:schemeClr val="tx1"/>
+            </a:solidFill>
+            <a:ln>
+              <a:noFill/>
+            </a:ln>
+          </p:spPr>
+          <p:style>
+            <a:lnRef idx="2">
+              <a:schemeClr val="accent1">
+                <a:shade val="15000"/>
+              </a:schemeClr>
+            </a:lnRef>
+            <a:fillRef idx="1">
+              <a:schemeClr val="accent1"/>
+            </a:fillRef>
+            <a:effectRef idx="0">
+              <a:schemeClr val="accent1"/>
+            </a:effectRef>
+            <a:fontRef idx="minor">
+              <a:schemeClr val="lt1"/>
+            </a:fontRef>
+          </p:style>
+          <p:txBody>
+            <a:bodyPr rtlCol="0" anchor="ctr"/>
+            <a:lstStyle/>
+            <a:p>
+              <a:pPr algn="ctr"/>
+              <a:endParaRPr lang="en-US"/>
+            </a:p>
+          </p:txBody>
+        </p:sp>
+        <p:sp>
+          <p:nvSpPr>
+            <p:cNvPr id="57" name="Oval 56">
+              <a:extLst>
+                <a:ext uri="{FF2B5EF4-FFF2-40B4-BE49-F238E27FC236}">
+                  <a16:creationId xmlns:a16="http://schemas.microsoft.com/office/drawing/2014/main" id="{4291AEDC-1E38-5CCC-0E49-C79103D8D433}"/>
+                </a:ext>
+              </a:extLst>
+            </p:cNvPr>
+            <p:cNvSpPr/>
+            <p:nvPr/>
+          </p:nvSpPr>
+          <p:spPr>
+            <a:xfrm>
+              <a:off x="2873756" y="2477519"/>
+              <a:ext cx="47625" cy="45719"/>
+            </a:xfrm>
+            <a:prstGeom prst="ellipse">
+              <a:avLst/>
+            </a:prstGeom>
+            <a:solidFill>
+              <a:schemeClr val="tx1"/>
+            </a:solidFill>
+            <a:ln>
+              <a:noFill/>
+            </a:ln>
+          </p:spPr>
+          <p:style>
+            <a:lnRef idx="2">
+              <a:schemeClr val="accent1">
+                <a:shade val="15000"/>
+              </a:schemeClr>
+            </a:lnRef>
+            <a:fillRef idx="1">
+              <a:schemeClr val="accent1"/>
+            </a:fillRef>
+            <a:effectRef idx="0">
+              <a:schemeClr val="accent1"/>
+            </a:effectRef>
+            <a:fontRef idx="minor">
+              <a:schemeClr val="lt1"/>
+            </a:fontRef>
+          </p:style>
+          <p:txBody>
+            <a:bodyPr rtlCol="0" anchor="ctr"/>
+            <a:lstStyle/>
+            <a:p>
+              <a:pPr algn="ctr"/>
+              <a:endParaRPr lang="en-US"/>
+            </a:p>
+          </p:txBody>
+        </p:sp>
+        <p:sp>
+          <p:nvSpPr>
+            <p:cNvPr id="58" name="Oval 57">
+              <a:extLst>
+                <a:ext uri="{FF2B5EF4-FFF2-40B4-BE49-F238E27FC236}">
+                  <a16:creationId xmlns:a16="http://schemas.microsoft.com/office/drawing/2014/main" id="{9EC0E859-6273-A02E-6FAE-B998DB9428AF}"/>
+                </a:ext>
+              </a:extLst>
+            </p:cNvPr>
+            <p:cNvSpPr/>
+            <p:nvPr/>
+          </p:nvSpPr>
+          <p:spPr>
+            <a:xfrm>
+              <a:off x="3335136" y="2471654"/>
+              <a:ext cx="47625" cy="45719"/>
+            </a:xfrm>
+            <a:prstGeom prst="ellipse">
+              <a:avLst/>
+            </a:prstGeom>
+            <a:solidFill>
+              <a:schemeClr val="tx1"/>
+            </a:solidFill>
+            <a:ln>
+              <a:noFill/>
+            </a:ln>
+          </p:spPr>
+          <p:style>
+            <a:lnRef idx="2">
+              <a:schemeClr val="accent1">
+                <a:shade val="15000"/>
+              </a:schemeClr>
+            </a:lnRef>
+            <a:fillRef idx="1">
+              <a:schemeClr val="accent1"/>
+            </a:fillRef>
+            <a:effectRef idx="0">
+              <a:schemeClr val="accent1"/>
+            </a:effectRef>
+            <a:fontRef idx="minor">
+              <a:schemeClr val="lt1"/>
+            </a:fontRef>
+          </p:style>
+          <p:txBody>
+            <a:bodyPr rtlCol="0" anchor="ctr"/>
+            <a:lstStyle/>
+            <a:p>
+              <a:pPr algn="ctr"/>
+              <a:endParaRPr lang="en-US"/>
+            </a:p>
+          </p:txBody>
+        </p:sp>
+        <p:sp>
+          <p:nvSpPr>
+            <p:cNvPr id="59" name="Oval 58">
+              <a:extLst>
+                <a:ext uri="{FF2B5EF4-FFF2-40B4-BE49-F238E27FC236}">
+                  <a16:creationId xmlns:a16="http://schemas.microsoft.com/office/drawing/2014/main" id="{A8CA1D62-97A0-750A-54A3-83D845762020}"/>
+                </a:ext>
+              </a:extLst>
+            </p:cNvPr>
+            <p:cNvSpPr/>
+            <p:nvPr/>
+          </p:nvSpPr>
+          <p:spPr>
+            <a:xfrm>
+              <a:off x="3796516" y="2467034"/>
+              <a:ext cx="47625" cy="45719"/>
+            </a:xfrm>
+            <a:prstGeom prst="ellipse">
+              <a:avLst/>
+            </a:prstGeom>
+            <a:solidFill>
+              <a:schemeClr val="tx1"/>
+            </a:solidFill>
+            <a:ln>
+              <a:noFill/>
+            </a:ln>
+          </p:spPr>
+          <p:style>
+            <a:lnRef idx="2">
+              <a:schemeClr val="accent1">
+                <a:shade val="15000"/>
+              </a:schemeClr>
+            </a:lnRef>
+            <a:fillRef idx="1">
+              <a:schemeClr val="accent1"/>
+            </a:fillRef>
+            <a:effectRef idx="0">
+              <a:schemeClr val="accent1"/>
+            </a:effectRef>
+            <a:fontRef idx="minor">
+              <a:schemeClr val="lt1"/>
+            </a:fontRef>
+          </p:style>
+          <p:txBody>
+            <a:bodyPr rtlCol="0" anchor="ctr"/>
+            <a:lstStyle/>
+            <a:p>
+              <a:pPr algn="ctr"/>
+              <a:endParaRPr lang="en-US"/>
+            </a:p>
+          </p:txBody>
+        </p:sp>
+        <p:sp>
+          <p:nvSpPr>
+            <p:cNvPr id="60" name="Oval 59">
+              <a:extLst>
+                <a:ext uri="{FF2B5EF4-FFF2-40B4-BE49-F238E27FC236}">
+                  <a16:creationId xmlns:a16="http://schemas.microsoft.com/office/drawing/2014/main" id="{13C1BDCF-5B12-90DB-09BF-DDAF97AD9394}"/>
+                </a:ext>
+              </a:extLst>
+            </p:cNvPr>
+            <p:cNvSpPr/>
+            <p:nvPr/>
+          </p:nvSpPr>
+          <p:spPr>
+            <a:xfrm>
+              <a:off x="4246321" y="2465195"/>
+              <a:ext cx="47625" cy="45719"/>
+            </a:xfrm>
+            <a:prstGeom prst="ellipse">
+              <a:avLst/>
+            </a:prstGeom>
+            <a:solidFill>
+              <a:schemeClr val="tx1"/>
+            </a:solidFill>
+            <a:ln>
+              <a:noFill/>
+            </a:ln>
+          </p:spPr>
+          <p:style>
+            <a:lnRef idx="2">
+              <a:schemeClr val="accent1">
+                <a:shade val="15000"/>
+              </a:schemeClr>
+            </a:lnRef>
+            <a:fillRef idx="1">
+              <a:schemeClr val="accent1"/>
+            </a:fillRef>
+            <a:effectRef idx="0">
+              <a:schemeClr val="accent1"/>
+            </a:effectRef>
+            <a:fontRef idx="minor">
+              <a:schemeClr val="lt1"/>
+            </a:fontRef>
+          </p:style>
+          <p:txBody>
+            <a:bodyPr rtlCol="0" anchor="ctr"/>
+            <a:lstStyle/>
+            <a:p>
+              <a:pPr algn="ctr"/>
+              <a:endParaRPr lang="en-US"/>
+            </a:p>
+          </p:txBody>
+        </p:sp>
+        <p:sp>
+          <p:nvSpPr>
+            <p:cNvPr id="61" name="Oval 60">
+              <a:extLst>
+                <a:ext uri="{FF2B5EF4-FFF2-40B4-BE49-F238E27FC236}">
+                  <a16:creationId xmlns:a16="http://schemas.microsoft.com/office/drawing/2014/main" id="{D3B572B1-9740-99E3-EB49-ED011A55B8E0}"/>
+                </a:ext>
+              </a:extLst>
+            </p:cNvPr>
+            <p:cNvSpPr/>
+            <p:nvPr/>
+          </p:nvSpPr>
+          <p:spPr>
+            <a:xfrm>
+              <a:off x="4733037" y="2471060"/>
+              <a:ext cx="47625" cy="45719"/>
+            </a:xfrm>
+            <a:prstGeom prst="ellipse">
+              <a:avLst/>
+            </a:prstGeom>
+            <a:solidFill>
+              <a:schemeClr val="tx1"/>
+            </a:solidFill>
+            <a:ln>
+              <a:noFill/>
+            </a:ln>
+          </p:spPr>
+          <p:style>
+            <a:lnRef idx="2">
+              <a:schemeClr val="accent1">
+                <a:shade val="15000"/>
+              </a:schemeClr>
+            </a:lnRef>
+            <a:fillRef idx="1">
+              <a:schemeClr val="accent1"/>
+            </a:fillRef>
+            <a:effectRef idx="0">
+              <a:schemeClr val="accent1"/>
+            </a:effectRef>
+            <a:fontRef idx="minor">
+              <a:schemeClr val="lt1"/>
+            </a:fontRef>
+          </p:style>
+          <p:txBody>
+            <a:bodyPr rtlCol="0" anchor="ctr"/>
+            <a:lstStyle/>
+            <a:p>
+              <a:pPr algn="ctr"/>
+              <a:endParaRPr lang="en-US"/>
+            </a:p>
+          </p:txBody>
+        </p:sp>
+      </p:grpSp>
+      <p:grpSp>
+        <p:nvGrpSpPr>
+          <p:cNvPr id="62" name="Group 61">
+            <a:extLst>
+              <a:ext uri="{FF2B5EF4-FFF2-40B4-BE49-F238E27FC236}">
+                <a16:creationId xmlns:a16="http://schemas.microsoft.com/office/drawing/2014/main" id="{B1E0A228-B29E-F3B9-13F1-AEB04D63FD0A}"/>
+              </a:ext>
+            </a:extLst>
+          </p:cNvPr>
+          <p:cNvGrpSpPr/>
+          <p:nvPr/>
+        </p:nvGrpSpPr>
+        <p:grpSpPr>
+          <a:xfrm>
+            <a:off x="1912757" y="4770444"/>
+            <a:ext cx="2843427" cy="58043"/>
+            <a:chOff x="1937235" y="2465195"/>
+            <a:chExt cx="2843427" cy="58043"/>
+          </a:xfrm>
+        </p:grpSpPr>
+        <p:sp>
+          <p:nvSpPr>
+            <p:cNvPr id="63" name="Oval 62">
+              <a:extLst>
+                <a:ext uri="{FF2B5EF4-FFF2-40B4-BE49-F238E27FC236}">
+                  <a16:creationId xmlns:a16="http://schemas.microsoft.com/office/drawing/2014/main" id="{CCD204AA-52E2-4DC9-834C-2D94B65F387C}"/>
+                </a:ext>
+              </a:extLst>
+            </p:cNvPr>
+            <p:cNvSpPr/>
+            <p:nvPr/>
+          </p:nvSpPr>
+          <p:spPr>
+            <a:xfrm>
+              <a:off x="1937235" y="2473493"/>
+              <a:ext cx="47625" cy="45719"/>
+            </a:xfrm>
+            <a:prstGeom prst="ellipse">
+              <a:avLst/>
+            </a:prstGeom>
+            <a:solidFill>
+              <a:schemeClr val="tx1"/>
+            </a:solidFill>
+            <a:ln>
+              <a:noFill/>
+            </a:ln>
+          </p:spPr>
+          <p:style>
+            <a:lnRef idx="2">
+              <a:schemeClr val="accent1">
+                <a:shade val="15000"/>
+              </a:schemeClr>
+            </a:lnRef>
+            <a:fillRef idx="1">
+              <a:schemeClr val="accent1"/>
+            </a:fillRef>
+            <a:effectRef idx="0">
+              <a:schemeClr val="accent1"/>
+            </a:effectRef>
+            <a:fontRef idx="minor">
+              <a:schemeClr val="lt1"/>
+            </a:fontRef>
+          </p:style>
+          <p:txBody>
+            <a:bodyPr rtlCol="0" anchor="ctr"/>
+            <a:lstStyle/>
+            <a:p>
+              <a:pPr algn="ctr"/>
+              <a:endParaRPr lang="en-US"/>
+            </a:p>
+          </p:txBody>
+        </p:sp>
+        <p:sp>
+          <p:nvSpPr>
+            <p:cNvPr id="64" name="Oval 63">
+              <a:extLst>
+                <a:ext uri="{FF2B5EF4-FFF2-40B4-BE49-F238E27FC236}">
+                  <a16:creationId xmlns:a16="http://schemas.microsoft.com/office/drawing/2014/main" id="{62E39CA3-529F-319C-6938-3C0E73D6D0CA}"/>
+                </a:ext>
+              </a:extLst>
+            </p:cNvPr>
+            <p:cNvSpPr/>
+            <p:nvPr/>
+          </p:nvSpPr>
+          <p:spPr>
+            <a:xfrm>
+              <a:off x="2387040" y="2471654"/>
+              <a:ext cx="47625" cy="45719"/>
+            </a:xfrm>
+            <a:prstGeom prst="ellipse">
+              <a:avLst/>
+            </a:prstGeom>
+            <a:solidFill>
+              <a:schemeClr val="tx1"/>
+            </a:solidFill>
+            <a:ln>
+              <a:noFill/>
+            </a:ln>
+          </p:spPr>
+          <p:style>
+            <a:lnRef idx="2">
+              <a:schemeClr val="accent1">
+                <a:shade val="15000"/>
+              </a:schemeClr>
+            </a:lnRef>
+            <a:fillRef idx="1">
+              <a:schemeClr val="accent1"/>
+            </a:fillRef>
+            <a:effectRef idx="0">
+              <a:schemeClr val="accent1"/>
+            </a:effectRef>
+            <a:fontRef idx="minor">
+              <a:schemeClr val="lt1"/>
+            </a:fontRef>
+          </p:style>
+          <p:txBody>
+            <a:bodyPr rtlCol="0" anchor="ctr"/>
+            <a:lstStyle/>
+            <a:p>
+              <a:pPr algn="ctr"/>
+              <a:endParaRPr lang="en-US"/>
+            </a:p>
+          </p:txBody>
+        </p:sp>
+        <p:sp>
+          <p:nvSpPr>
+            <p:cNvPr id="65" name="Oval 64">
+              <a:extLst>
+                <a:ext uri="{FF2B5EF4-FFF2-40B4-BE49-F238E27FC236}">
+                  <a16:creationId xmlns:a16="http://schemas.microsoft.com/office/drawing/2014/main" id="{859591D6-E9DA-53B0-305B-7B30D68004CA}"/>
+                </a:ext>
+              </a:extLst>
+            </p:cNvPr>
+            <p:cNvSpPr/>
+            <p:nvPr/>
+          </p:nvSpPr>
+          <p:spPr>
+            <a:xfrm>
+              <a:off x="2873756" y="2477519"/>
+              <a:ext cx="47625" cy="45719"/>
+            </a:xfrm>
+            <a:prstGeom prst="ellipse">
+              <a:avLst/>
+            </a:prstGeom>
+            <a:solidFill>
+              <a:schemeClr val="tx1"/>
+            </a:solidFill>
+            <a:ln>
+              <a:noFill/>
+            </a:ln>
+          </p:spPr>
+          <p:style>
+            <a:lnRef idx="2">
+              <a:schemeClr val="accent1">
+                <a:shade val="15000"/>
+              </a:schemeClr>
+            </a:lnRef>
+            <a:fillRef idx="1">
+              <a:schemeClr val="accent1"/>
+            </a:fillRef>
+            <a:effectRef idx="0">
+              <a:schemeClr val="accent1"/>
+            </a:effectRef>
+            <a:fontRef idx="minor">
+              <a:schemeClr val="lt1"/>
+            </a:fontRef>
+          </p:style>
+          <p:txBody>
+            <a:bodyPr rtlCol="0" anchor="ctr"/>
+            <a:lstStyle/>
+            <a:p>
+              <a:pPr algn="ctr"/>
+              <a:endParaRPr lang="en-US"/>
+            </a:p>
+          </p:txBody>
+        </p:sp>
+        <p:sp>
+          <p:nvSpPr>
+            <p:cNvPr id="66" name="Oval 65">
+              <a:extLst>
+                <a:ext uri="{FF2B5EF4-FFF2-40B4-BE49-F238E27FC236}">
+                  <a16:creationId xmlns:a16="http://schemas.microsoft.com/office/drawing/2014/main" id="{BC8BAF34-42E2-8E8B-5AC4-05F9EE4713C2}"/>
+                </a:ext>
+              </a:extLst>
+            </p:cNvPr>
+            <p:cNvSpPr/>
+            <p:nvPr/>
+          </p:nvSpPr>
+          <p:spPr>
+            <a:xfrm>
+              <a:off x="3335136" y="2471654"/>
+              <a:ext cx="47625" cy="45719"/>
+            </a:xfrm>
+            <a:prstGeom prst="ellipse">
+              <a:avLst/>
+            </a:prstGeom>
+            <a:solidFill>
+              <a:schemeClr val="tx1"/>
+            </a:solidFill>
+            <a:ln>
+              <a:noFill/>
+            </a:ln>
+          </p:spPr>
+          <p:style>
+            <a:lnRef idx="2">
+              <a:schemeClr val="accent1">
+                <a:shade val="15000"/>
+              </a:schemeClr>
+            </a:lnRef>
+            <a:fillRef idx="1">
+              <a:schemeClr val="accent1"/>
+            </a:fillRef>
+            <a:effectRef idx="0">
+              <a:schemeClr val="accent1"/>
+            </a:effectRef>
+            <a:fontRef idx="minor">
+              <a:schemeClr val="lt1"/>
+            </a:fontRef>
+          </p:style>
+          <p:txBody>
+            <a:bodyPr rtlCol="0" anchor="ctr"/>
+            <a:lstStyle/>
+            <a:p>
+              <a:pPr algn="ctr"/>
+              <a:endParaRPr lang="en-US"/>
+            </a:p>
+          </p:txBody>
+        </p:sp>
+        <p:sp>
+          <p:nvSpPr>
+            <p:cNvPr id="67" name="Oval 66">
+              <a:extLst>
+                <a:ext uri="{FF2B5EF4-FFF2-40B4-BE49-F238E27FC236}">
+                  <a16:creationId xmlns:a16="http://schemas.microsoft.com/office/drawing/2014/main" id="{14B84A7E-1B45-1C39-9CA4-6632E7E8EEB3}"/>
+                </a:ext>
+              </a:extLst>
+            </p:cNvPr>
+            <p:cNvSpPr/>
+            <p:nvPr/>
+          </p:nvSpPr>
+          <p:spPr>
+            <a:xfrm>
+              <a:off x="3796516" y="2467034"/>
+              <a:ext cx="47625" cy="45719"/>
+            </a:xfrm>
+            <a:prstGeom prst="ellipse">
+              <a:avLst/>
+            </a:prstGeom>
+            <a:solidFill>
+              <a:schemeClr val="tx1"/>
+            </a:solidFill>
+            <a:ln>
+              <a:noFill/>
+            </a:ln>
+          </p:spPr>
+          <p:style>
+            <a:lnRef idx="2">
+              <a:schemeClr val="accent1">
+                <a:shade val="15000"/>
+              </a:schemeClr>
+            </a:lnRef>
+            <a:fillRef idx="1">
+              <a:schemeClr val="accent1"/>
+            </a:fillRef>
+            <a:effectRef idx="0">
+              <a:schemeClr val="accent1"/>
+            </a:effectRef>
+            <a:fontRef idx="minor">
+              <a:schemeClr val="lt1"/>
+            </a:fontRef>
+          </p:style>
+          <p:txBody>
+            <a:bodyPr rtlCol="0" anchor="ctr"/>
+            <a:lstStyle/>
+            <a:p>
+              <a:pPr algn="ctr"/>
+              <a:endParaRPr lang="en-US"/>
+            </a:p>
+          </p:txBody>
+        </p:sp>
+        <p:sp>
+          <p:nvSpPr>
+            <p:cNvPr id="68" name="Oval 67">
+              <a:extLst>
+                <a:ext uri="{FF2B5EF4-FFF2-40B4-BE49-F238E27FC236}">
+                  <a16:creationId xmlns:a16="http://schemas.microsoft.com/office/drawing/2014/main" id="{98769386-DCEA-FAC3-56DA-E9D429050707}"/>
+                </a:ext>
+              </a:extLst>
+            </p:cNvPr>
+            <p:cNvSpPr/>
+            <p:nvPr/>
+          </p:nvSpPr>
+          <p:spPr>
+            <a:xfrm>
+              <a:off x="4246321" y="2465195"/>
+              <a:ext cx="47625" cy="45719"/>
+            </a:xfrm>
+            <a:prstGeom prst="ellipse">
+              <a:avLst/>
+            </a:prstGeom>
+            <a:solidFill>
+              <a:schemeClr val="tx1"/>
+            </a:solidFill>
+            <a:ln>
+              <a:noFill/>
+            </a:ln>
+          </p:spPr>
+          <p:style>
+            <a:lnRef idx="2">
+              <a:schemeClr val="accent1">
+                <a:shade val="15000"/>
+              </a:schemeClr>
+            </a:lnRef>
+            <a:fillRef idx="1">
+              <a:schemeClr val="accent1"/>
+            </a:fillRef>
+            <a:effectRef idx="0">
+              <a:schemeClr val="accent1"/>
+            </a:effectRef>
+            <a:fontRef idx="minor">
+              <a:schemeClr val="lt1"/>
+            </a:fontRef>
+          </p:style>
+          <p:txBody>
+            <a:bodyPr rtlCol="0" anchor="ctr"/>
+            <a:lstStyle/>
+            <a:p>
+              <a:pPr algn="ctr"/>
+              <a:endParaRPr lang="en-US"/>
+            </a:p>
+          </p:txBody>
+        </p:sp>
+        <p:sp>
+          <p:nvSpPr>
+            <p:cNvPr id="69" name="Oval 68">
+              <a:extLst>
+                <a:ext uri="{FF2B5EF4-FFF2-40B4-BE49-F238E27FC236}">
+                  <a16:creationId xmlns:a16="http://schemas.microsoft.com/office/drawing/2014/main" id="{78E2E327-F568-02BC-55B2-7B8799E61EA5}"/>
+                </a:ext>
+              </a:extLst>
+            </p:cNvPr>
+            <p:cNvSpPr/>
+            <p:nvPr/>
+          </p:nvSpPr>
+          <p:spPr>
+            <a:xfrm>
+              <a:off x="4733037" y="2471060"/>
+              <a:ext cx="47625" cy="45719"/>
+            </a:xfrm>
+            <a:prstGeom prst="ellipse">
+              <a:avLst/>
+            </a:prstGeom>
+            <a:solidFill>
+              <a:schemeClr val="tx1"/>
+            </a:solidFill>
+            <a:ln>
+              <a:noFill/>
+            </a:ln>
+          </p:spPr>
+          <p:style>
+            <a:lnRef idx="2">
+              <a:schemeClr val="accent1">
+                <a:shade val="15000"/>
+              </a:schemeClr>
+            </a:lnRef>
+            <a:fillRef idx="1">
+              <a:schemeClr val="accent1"/>
+            </a:fillRef>
+            <a:effectRef idx="0">
+              <a:schemeClr val="accent1"/>
+            </a:effectRef>
+            <a:fontRef idx="minor">
+              <a:schemeClr val="lt1"/>
+            </a:fontRef>
+          </p:style>
+          <p:txBody>
+            <a:bodyPr rtlCol="0" anchor="ctr"/>
+            <a:lstStyle/>
+            <a:p>
+              <a:pPr algn="ctr"/>
+              <a:endParaRPr lang="en-US"/>
+            </a:p>
+          </p:txBody>
+        </p:sp>
+      </p:grpSp>
+      <mc:AlternateContent xmlns:mc="http://schemas.openxmlformats.org/markup-compatibility/2006">
+        <mc:Choice xmlns:a14="http://schemas.microsoft.com/office/drawing/2010/main" Requires="a14">
+          <p:sp>
+            <p:nvSpPr>
+              <p:cNvPr id="70" name="TextBox 69">
+                <a:extLst>
+                  <a:ext uri="{FF2B5EF4-FFF2-40B4-BE49-F238E27FC236}">
+                    <a16:creationId xmlns:a16="http://schemas.microsoft.com/office/drawing/2014/main" id="{90B12958-C328-7971-6449-C77FBDAECC83}"/>
+                  </a:ext>
+                </a:extLst>
+              </p:cNvPr>
+              <p:cNvSpPr txBox="1"/>
+              <p:nvPr/>
+            </p:nvSpPr>
+            <p:spPr>
+              <a:xfrm>
+                <a:off x="124177" y="3127429"/>
+                <a:ext cx="1860683" cy="646331"/>
+              </a:xfrm>
+              <a:prstGeom prst="rect">
+                <a:avLst/>
+              </a:prstGeom>
+              <a:noFill/>
+            </p:spPr>
+            <p:txBody>
+              <a:bodyPr wrap="square" rtlCol="0">
+                <a:spAutoFit/>
+              </a:bodyPr>
+              <a:lstStyle/>
+              <a:p>
+                <a14:m>
+                  <m:oMathPara xmlns:m="http://schemas.openxmlformats.org/officeDocument/2006/math">
+                    <m:oMathParaPr>
+                      <m:jc m:val="centerGroup"/>
+                    </m:oMathParaPr>
+                    <m:oMath xmlns:m="http://schemas.openxmlformats.org/officeDocument/2006/math">
+                      <m:r>
+                        <a:rPr lang="en-US" i="1" dirty="0" smtClean="0">
+                          <a:solidFill>
+                            <a:srgbClr val="3333CC"/>
+                          </a:solidFill>
+                          <a:latin typeface="Cambria Math" panose="02040503050406030204" pitchFamily="18" charset="0"/>
+                        </a:rPr>
+                        <m:t>(</m:t>
+                      </m:r>
+                      <m:r>
+                        <a:rPr lang="en-US" i="1" dirty="0" err="1">
+                          <a:solidFill>
+                            <a:srgbClr val="3333CC"/>
+                          </a:solidFill>
+                          <a:latin typeface="Cambria Math" panose="02040503050406030204" pitchFamily="18" charset="0"/>
+                        </a:rPr>
+                        <m:t>𝑖</m:t>
+                      </m:r>
+                      <m:r>
+                        <a:rPr lang="en-US" b="0" i="1" dirty="0" smtClean="0">
+                          <a:solidFill>
+                            <a:srgbClr val="3333CC"/>
+                          </a:solidFill>
+                          <a:latin typeface="Cambria Math" panose="02040503050406030204" pitchFamily="18" charset="0"/>
+                        </a:rPr>
+                        <m:t>×</m:t>
+                      </m:r>
+                      <m:r>
+                        <m:rPr>
+                          <m:sty m:val="p"/>
+                        </m:rPr>
+                        <a:rPr lang="en-US" b="0" i="0" dirty="0" smtClean="0">
+                          <a:solidFill>
+                            <a:srgbClr val="3333CC"/>
+                          </a:solidFill>
+                          <a:latin typeface="Cambria Math" panose="02040503050406030204" pitchFamily="18" charset="0"/>
+                        </a:rPr>
+                        <m:t>stride</m:t>
+                      </m:r>
+                      <m:r>
+                        <a:rPr lang="en-US" i="1" dirty="0" err="1" smtClean="0">
+                          <a:solidFill>
+                            <a:srgbClr val="3333CC"/>
+                          </a:solidFill>
+                          <a:latin typeface="Cambria Math" panose="02040503050406030204" pitchFamily="18" charset="0"/>
+                        </a:rPr>
+                        <m:t>,</m:t>
+                      </m:r>
+                    </m:oMath>
+                  </m:oMathPara>
+                </a14:m>
+                <a:endParaRPr lang="en-US" i="1" dirty="0">
+                  <a:solidFill>
+                    <a:srgbClr val="3333CC"/>
+                  </a:solidFill>
+                  <a:latin typeface="Cambria Math" panose="02040503050406030204" pitchFamily="18" charset="0"/>
+                </a:endParaRPr>
+              </a:p>
+              <a:p>
+                <a14:m>
+                  <m:oMathPara xmlns:m="http://schemas.openxmlformats.org/officeDocument/2006/math">
+                    <m:oMathParaPr>
+                      <m:jc m:val="centerGroup"/>
+                    </m:oMathParaPr>
+                    <m:oMath xmlns:m="http://schemas.openxmlformats.org/officeDocument/2006/math">
+                      <m:r>
+                        <a:rPr lang="en-US" i="1" dirty="0" err="1" smtClean="0">
+                          <a:solidFill>
+                            <a:srgbClr val="3333CC"/>
+                          </a:solidFill>
+                          <a:latin typeface="Cambria Math" panose="02040503050406030204" pitchFamily="18" charset="0"/>
+                        </a:rPr>
+                        <m:t>𝑗</m:t>
+                      </m:r>
+                      <m:r>
+                        <a:rPr lang="en-US" b="0" i="1" dirty="0" smtClean="0">
+                          <a:solidFill>
+                            <a:srgbClr val="3333CC"/>
+                          </a:solidFill>
+                          <a:latin typeface="Cambria Math" panose="02040503050406030204" pitchFamily="18" charset="0"/>
+                        </a:rPr>
+                        <m:t>×</m:t>
+                      </m:r>
+                      <m:r>
+                        <m:rPr>
+                          <m:sty m:val="p"/>
+                        </m:rPr>
+                        <a:rPr lang="en-US" b="0" i="0" dirty="0" smtClean="0">
+                          <a:solidFill>
+                            <a:srgbClr val="3333CC"/>
+                          </a:solidFill>
+                          <a:latin typeface="Cambria Math" panose="02040503050406030204" pitchFamily="18" charset="0"/>
+                        </a:rPr>
+                        <m:t>stride</m:t>
+                      </m:r>
+                      <m:r>
+                        <a:rPr lang="en-US" i="1" dirty="0" smtClean="0">
+                          <a:solidFill>
+                            <a:srgbClr val="3333CC"/>
+                          </a:solidFill>
+                          <a:latin typeface="Cambria Math" panose="02040503050406030204" pitchFamily="18" charset="0"/>
+                        </a:rPr>
+                        <m:t>)</m:t>
+                      </m:r>
+                    </m:oMath>
+                  </m:oMathPara>
+                </a14:m>
+                <a:endParaRPr lang="en-US" sz="2400" dirty="0">
+                  <a:solidFill>
+                    <a:srgbClr val="3333CC"/>
+                  </a:solidFill>
+                </a:endParaRPr>
+              </a:p>
+            </p:txBody>
+          </p:sp>
+        </mc:Choice>
+        <mc:Fallback>
+          <p:sp>
+            <p:nvSpPr>
+              <p:cNvPr id="70" name="TextBox 69">
+                <a:extLst>
+                  <a:ext uri="{FF2B5EF4-FFF2-40B4-BE49-F238E27FC236}">
+                    <a16:creationId xmlns:a16="http://schemas.microsoft.com/office/drawing/2014/main" id="{90B12958-C328-7971-6449-C77FBDAECC83}"/>
+                  </a:ext>
+                </a:extLst>
+              </p:cNvPr>
+              <p:cNvSpPr txBox="1">
+                <a:spLocks noRot="1" noChangeAspect="1" noMove="1" noResize="1" noEditPoints="1" noAdjustHandles="1" noChangeArrowheads="1" noChangeShapeType="1" noTextEdit="1"/>
+              </p:cNvSpPr>
+              <p:nvPr/>
+            </p:nvSpPr>
+            <p:spPr>
+              <a:xfrm>
+                <a:off x="124177" y="3127429"/>
+                <a:ext cx="1860683" cy="646331"/>
+              </a:xfrm>
+              <a:prstGeom prst="rect">
+                <a:avLst/>
+              </a:prstGeom>
+              <a:blipFill>
+                <a:blip r:embed="rId5"/>
+                <a:stretch>
+                  <a:fillRect b="-7547"/>
+                </a:stretch>
+              </a:blipFill>
+            </p:spPr>
+            <p:txBody>
+              <a:bodyPr/>
+              <a:lstStyle/>
+              <a:p>
+                <a:r>
+                  <a:rPr lang="en-US">
+                    <a:noFill/>
+                  </a:rPr>
+                  <a:t> </a:t>
+                </a:r>
+              </a:p>
+            </p:txBody>
+          </p:sp>
+        </mc:Fallback>
+      </mc:AlternateContent>
+      <p:cxnSp>
+        <p:nvCxnSpPr>
+          <p:cNvPr id="72" name="Straight Arrow Connector 71">
+            <a:extLst>
+              <a:ext uri="{FF2B5EF4-FFF2-40B4-BE49-F238E27FC236}">
+                <a16:creationId xmlns:a16="http://schemas.microsoft.com/office/drawing/2014/main" id="{C62F00DE-9E3F-45DC-F28B-2DF808E367E8}"/>
+              </a:ext>
+            </a:extLst>
+          </p:cNvPr>
+          <p:cNvCxnSpPr>
+            <a:endCxn id="41" idx="0"/>
+          </p:cNvCxnSpPr>
+          <p:nvPr/>
+        </p:nvCxnSpPr>
+        <p:spPr>
+          <a:xfrm flipV="1">
+            <a:off x="1539433" y="3396678"/>
+            <a:ext cx="1334323" cy="45719"/>
+          </a:xfrm>
+          <a:prstGeom prst="straightConnector1">
+            <a:avLst/>
+          </a:prstGeom>
+          <a:ln>
+            <a:solidFill>
+              <a:srgbClr val="3333CC"/>
+            </a:solidFill>
+            <a:tailEnd type="triangle" w="lg" len="lg"/>
+          </a:ln>
+        </p:spPr>
+        <p:style>
+          <a:lnRef idx="2">
+            <a:schemeClr val="accent1"/>
+          </a:lnRef>
+          <a:fillRef idx="0">
+            <a:schemeClr val="accent1"/>
+          </a:fillRef>
+          <a:effectRef idx="1">
+            <a:schemeClr val="accent1"/>
+          </a:effectRef>
+          <a:fontRef idx="minor">
+            <a:schemeClr val="tx1"/>
+          </a:fontRef>
+        </p:style>
+      </p:cxnSp>
+      <p:sp>
+        <p:nvSpPr>
+          <p:cNvPr id="73" name="TextBox 72">
+            <a:extLst>
+              <a:ext uri="{FF2B5EF4-FFF2-40B4-BE49-F238E27FC236}">
+                <a16:creationId xmlns:a16="http://schemas.microsoft.com/office/drawing/2014/main" id="{F1F59E34-6C89-A1EC-DDCB-5A04FED8BD79}"/>
+              </a:ext>
+            </a:extLst>
+          </p:cNvPr>
+          <p:cNvSpPr txBox="1"/>
+          <p:nvPr/>
+        </p:nvSpPr>
+        <p:spPr>
+          <a:xfrm>
+            <a:off x="8141555" y="2160903"/>
+            <a:ext cx="3254377" cy="2308324"/>
+          </a:xfrm>
+          <a:prstGeom prst="rect">
+            <a:avLst/>
+          </a:prstGeom>
+          <a:noFill/>
+        </p:spPr>
+        <p:txBody>
+          <a:bodyPr wrap="square" rtlCol="0">
+            <a:spAutoFit/>
+          </a:bodyPr>
+          <a:lstStyle/>
+          <a:p>
+            <a:r>
+              <a:rPr lang="en-US" b="1" dirty="0" err="1"/>
+              <a:t>Pytorch</a:t>
+            </a:r>
+            <a:r>
+              <a:rPr lang="en-US" dirty="0"/>
+              <a:t> (like OpenCV) the pixel locations of images and feature maps are defined at the </a:t>
+            </a:r>
+            <a:r>
+              <a:rPr lang="en-US" b="1" dirty="0"/>
+              <a:t>center of pixels</a:t>
+            </a:r>
+            <a:r>
+              <a:rPr lang="en-US" dirty="0"/>
+              <a:t>. So the first pixel (at the top-left corner) is at coordinate (0,0) and spanning from [-0.5, 0.5] in x and y direction.  </a:t>
+            </a:r>
+          </a:p>
+        </p:txBody>
+      </p:sp>
+      <p:sp>
+        <p:nvSpPr>
+          <p:cNvPr id="74" name="TextBox 73">
+            <a:extLst>
+              <a:ext uri="{FF2B5EF4-FFF2-40B4-BE49-F238E27FC236}">
+                <a16:creationId xmlns:a16="http://schemas.microsoft.com/office/drawing/2014/main" id="{AC48F980-D3FB-D65E-C800-E9D51550F334}"/>
+              </a:ext>
+            </a:extLst>
+          </p:cNvPr>
+          <p:cNvSpPr txBox="1"/>
+          <p:nvPr/>
+        </p:nvSpPr>
+        <p:spPr>
+          <a:xfrm>
+            <a:off x="1661164" y="2252745"/>
+            <a:ext cx="944103" cy="338554"/>
+          </a:xfrm>
+          <a:prstGeom prst="rect">
+            <a:avLst/>
+          </a:prstGeom>
+          <a:noFill/>
+        </p:spPr>
+        <p:txBody>
+          <a:bodyPr wrap="square" rtlCol="0">
+            <a:spAutoFit/>
+          </a:bodyPr>
+          <a:lstStyle/>
+          <a:p>
+            <a:r>
+              <a:rPr lang="en-US" sz="1600" dirty="0"/>
+              <a:t>(0,0)</a:t>
+            </a:r>
+          </a:p>
+        </p:txBody>
+      </p:sp>
+    </p:spTree>
+    <p:extLst>
+      <p:ext uri="{BB962C8B-B14F-4D97-AF65-F5344CB8AC3E}">
+        <p14:creationId xmlns:p14="http://schemas.microsoft.com/office/powerpoint/2010/main" val="261390022"/>
+      </p:ext>
+    </p:extLst>
+  </p:cSld>
+  <p:clrMapOvr>
+    <a:masterClrMapping/>
+  </p:clrMapOvr>
+</p:sld>
+</file>
+
+<file path=ppt/slides/slide13.xml><?xml version="1.0" encoding="utf-8"?>
+<p:sld xmlns:a="http://schemas.openxmlformats.org/drawingml/2006/main" xmlns:r="http://schemas.openxmlformats.org/officeDocument/2006/relationships" xmlns:p="http://schemas.openxmlformats.org/presentationml/2006/main">
+  <p:cSld>
+    <p:spTree>
+      <p:nvGrpSpPr>
+        <p:cNvPr id="1" name="">
+          <a:extLst>
+            <a:ext uri="{FF2B5EF4-FFF2-40B4-BE49-F238E27FC236}">
+              <a16:creationId xmlns:a16="http://schemas.microsoft.com/office/drawing/2014/main" id="{501C95A5-91B1-7A24-58DB-1215425D9B2D}"/>
+            </a:ext>
+          </a:extLst>
+        </p:cNvPr>
+        <p:cNvGrpSpPr/>
+        <p:nvPr/>
+      </p:nvGrpSpPr>
+      <p:grpSpPr>
+        <a:xfrm>
+          <a:off x="0" y="0"/>
+          <a:ext cx="0" cy="0"/>
+          <a:chOff x="0" y="0"/>
+          <a:chExt cx="0" cy="0"/>
+        </a:xfrm>
+      </p:grpSpPr>
+      <p:sp>
+        <p:nvSpPr>
+          <p:cNvPr id="4" name="TextBox 3">
+            <a:extLst>
+              <a:ext uri="{FF2B5EF4-FFF2-40B4-BE49-F238E27FC236}">
+                <a16:creationId xmlns:a16="http://schemas.microsoft.com/office/drawing/2014/main" id="{E281D2EF-F69D-3B55-E9F6-2F1E6991B6B9}"/>
+              </a:ext>
+            </a:extLst>
+          </p:cNvPr>
+          <p:cNvSpPr txBox="1"/>
+          <p:nvPr/>
+        </p:nvSpPr>
+        <p:spPr>
+          <a:xfrm>
+            <a:off x="352425" y="447675"/>
+            <a:ext cx="5991225" cy="461665"/>
+          </a:xfrm>
+          <a:prstGeom prst="rect">
+            <a:avLst/>
+          </a:prstGeom>
+          <a:noFill/>
+        </p:spPr>
+        <p:txBody>
+          <a:bodyPr wrap="square" rtlCol="0">
+            <a:spAutoFit/>
+          </a:bodyPr>
+          <a:lstStyle/>
+          <a:p>
+            <a:r>
+              <a:rPr lang="en-US" sz="2400" b="1" dirty="0"/>
+              <a:t>Bounding box estimation</a:t>
+            </a:r>
+          </a:p>
+        </p:txBody>
+      </p:sp>
+      <mc:AlternateContent xmlns:mc="http://schemas.openxmlformats.org/markup-compatibility/2006">
+        <mc:Choice xmlns:a14="http://schemas.microsoft.com/office/drawing/2010/main" Requires="a14">
+          <p:sp>
+            <p:nvSpPr>
+              <p:cNvPr id="5" name="TextBox 4">
+                <a:extLst>
+                  <a:ext uri="{FF2B5EF4-FFF2-40B4-BE49-F238E27FC236}">
+                    <a16:creationId xmlns:a16="http://schemas.microsoft.com/office/drawing/2014/main" id="{7C80DC1F-C050-F55E-2975-7E8DCE120BEF}"/>
+                  </a:ext>
+                </a:extLst>
+              </p:cNvPr>
+              <p:cNvSpPr txBox="1"/>
+              <p:nvPr/>
+            </p:nvSpPr>
+            <p:spPr>
+              <a:xfrm>
+                <a:off x="352424" y="1118116"/>
+                <a:ext cx="11515725" cy="5167568"/>
+              </a:xfrm>
+              <a:prstGeom prst="rect">
+                <a:avLst/>
+              </a:prstGeom>
+              <a:noFill/>
+            </p:spPr>
+            <p:txBody>
+              <a:bodyPr wrap="square" rtlCol="0">
+                <a:spAutoFit/>
+              </a:bodyPr>
+              <a:lstStyle/>
+              <a:p>
+                <a:pPr>
+                  <a:lnSpc>
+                    <a:spcPct val="120000"/>
+                  </a:lnSpc>
+                </a:pPr>
+                <a:endParaRPr lang="en-US" dirty="0"/>
+              </a:p>
+              <a:p>
+                <a:pPr>
+                  <a:lnSpc>
+                    <a:spcPct val="120000"/>
+                  </a:lnSpc>
+                </a:pPr>
+                <a:r>
+                  <a:rPr lang="en-US" dirty="0"/>
+                  <a:t>1. Decoding bounding box center</a:t>
+                </a:r>
+              </a:p>
+              <a:p>
+                <a:pPr>
+                  <a:lnSpc>
+                    <a:spcPct val="120000"/>
+                  </a:lnSpc>
+                </a:pPr>
+                <a14:m>
+                  <m:oMathPara xmlns:m="http://schemas.openxmlformats.org/officeDocument/2006/math">
+                    <m:oMathParaPr>
+                      <m:jc m:val="centerGroup"/>
+                    </m:oMathParaPr>
+                    <m:oMath xmlns:m="http://schemas.openxmlformats.org/officeDocument/2006/math">
+                      <m:r>
+                        <a:rPr lang="en-US" b="0" i="1" smtClean="0">
+                          <a:latin typeface="Cambria Math" panose="02040503050406030204" pitchFamily="18" charset="0"/>
+                        </a:rPr>
+                        <m:t>𝑥</m:t>
+                      </m:r>
+                      <m:r>
+                        <a:rPr lang="en-US" b="0" i="1" smtClean="0">
+                          <a:latin typeface="Cambria Math" panose="02040503050406030204" pitchFamily="18" charset="0"/>
+                        </a:rPr>
+                        <m:t>=</m:t>
+                      </m:r>
+                      <m:d>
+                        <m:dPr>
+                          <m:ctrlPr>
+                            <a:rPr lang="en-US" b="0" i="1" smtClean="0">
+                              <a:latin typeface="Cambria Math" panose="02040503050406030204" pitchFamily="18" charset="0"/>
+                            </a:rPr>
+                          </m:ctrlPr>
+                        </m:dPr>
+                        <m:e>
+                          <m:r>
+                            <a:rPr lang="en-US" b="0" i="1" smtClean="0">
+                              <a:latin typeface="Cambria Math" panose="02040503050406030204" pitchFamily="18" charset="0"/>
+                            </a:rPr>
+                            <m:t>2</m:t>
+                          </m:r>
+                          <m:r>
+                            <a:rPr lang="en-US" b="0" i="1" smtClean="0">
+                              <a:latin typeface="Cambria Math" panose="02040503050406030204" pitchFamily="18" charset="0"/>
+                            </a:rPr>
+                            <m:t>𝜎</m:t>
+                          </m:r>
+                          <m:d>
+                            <m:dPr>
+                              <m:ctrlPr>
+                                <a:rPr lang="en-US" b="0" i="1" smtClean="0">
+                                  <a:latin typeface="Cambria Math" panose="02040503050406030204" pitchFamily="18" charset="0"/>
+                                </a:rPr>
+                              </m:ctrlPr>
+                            </m:dPr>
+                            <m:e>
+                              <m:sSub>
+                                <m:sSubPr>
+                                  <m:ctrlPr>
+                                    <a:rPr lang="en-US" b="0" i="1" smtClean="0">
+                                      <a:latin typeface="Cambria Math" panose="02040503050406030204" pitchFamily="18" charset="0"/>
+                                    </a:rPr>
+                                  </m:ctrlPr>
+                                </m:sSubPr>
+                                <m:e>
+                                  <m:r>
+                                    <a:rPr lang="en-US" b="0" i="1" smtClean="0">
+                                      <a:latin typeface="Cambria Math" panose="02040503050406030204" pitchFamily="18" charset="0"/>
+                                    </a:rPr>
+                                    <m:t>𝛿</m:t>
+                                  </m:r>
+                                </m:e>
+                                <m:sub>
+                                  <m:r>
+                                    <a:rPr lang="en-US" b="0" i="1" smtClean="0">
+                                      <a:latin typeface="Cambria Math" panose="02040503050406030204" pitchFamily="18" charset="0"/>
+                                    </a:rPr>
+                                    <m:t>𝑥</m:t>
+                                  </m:r>
+                                </m:sub>
+                              </m:sSub>
+                            </m:e>
+                          </m:d>
+                          <m:r>
+                            <a:rPr lang="en-US" b="0" i="1" smtClean="0">
+                              <a:latin typeface="Cambria Math" panose="02040503050406030204" pitchFamily="18" charset="0"/>
+                            </a:rPr>
+                            <m:t>−0.5+</m:t>
+                          </m:r>
+                          <m:r>
+                            <m:rPr>
+                              <m:sty m:val="p"/>
+                            </m:rPr>
+                            <a:rPr lang="en-US" b="0" i="0" smtClean="0">
+                              <a:latin typeface="Cambria Math" panose="02040503050406030204" pitchFamily="18" charset="0"/>
+                            </a:rPr>
+                            <m:t>grid</m:t>
+                          </m:r>
+                        </m:e>
+                      </m:d>
+                      <m:r>
+                        <a:rPr lang="en-US" b="0" i="1" smtClean="0">
+                          <a:latin typeface="Cambria Math" panose="02040503050406030204" pitchFamily="18" charset="0"/>
+                        </a:rPr>
+                        <m:t>×</m:t>
+                      </m:r>
+                      <m:r>
+                        <m:rPr>
+                          <m:sty m:val="p"/>
+                        </m:rPr>
+                        <a:rPr lang="en-US" b="0" i="0" smtClean="0">
+                          <a:latin typeface="Cambria Math" panose="02040503050406030204" pitchFamily="18" charset="0"/>
+                        </a:rPr>
+                        <m:t>stride</m:t>
+                      </m:r>
+                    </m:oMath>
+                  </m:oMathPara>
+                </a14:m>
+                <a:endParaRPr lang="en-US" dirty="0"/>
+              </a:p>
+              <a:p>
+                <a:pPr>
+                  <a:lnSpc>
+                    <a:spcPct val="120000"/>
+                  </a:lnSpc>
+                </a:pPr>
+                <a:r>
+                  <a:rPr lang="en-US" dirty="0"/>
+                  <a:t>where </a:t>
+                </a:r>
+                <a14:m>
+                  <m:oMath xmlns:m="http://schemas.openxmlformats.org/officeDocument/2006/math">
+                    <m:r>
+                      <m:rPr>
+                        <m:sty m:val="p"/>
+                      </m:rPr>
+                      <a:rPr lang="en-US" b="0" i="0" smtClean="0">
+                        <a:latin typeface="Cambria Math" panose="02040503050406030204" pitchFamily="18" charset="0"/>
+                      </a:rPr>
+                      <m:t>grid</m:t>
+                    </m:r>
+                  </m:oMath>
+                </a14:m>
+                <a:r>
+                  <a:rPr lang="en-US" dirty="0"/>
+                  <a:t> is the feature map grid coordinates (each defined at the center of feature grid cell). </a:t>
+                </a:r>
+                <a14:m>
+                  <m:oMath xmlns:m="http://schemas.openxmlformats.org/officeDocument/2006/math">
+                    <m:r>
+                      <a:rPr lang="en-US" b="0" i="0" smtClean="0">
+                        <a:latin typeface="Cambria Math" panose="02040503050406030204" pitchFamily="18" charset="0"/>
+                      </a:rPr>
+                      <m:t>0≤</m:t>
+                    </m:r>
+                    <m:r>
+                      <a:rPr lang="en-US" b="0" i="1" smtClean="0">
+                        <a:latin typeface="Cambria Math" panose="02040503050406030204" pitchFamily="18" charset="0"/>
+                      </a:rPr>
+                      <m:t>𝜎</m:t>
+                    </m:r>
+                    <m:d>
+                      <m:dPr>
+                        <m:ctrlPr>
+                          <a:rPr lang="en-US" b="0" i="1" smtClean="0">
+                            <a:latin typeface="Cambria Math" panose="02040503050406030204" pitchFamily="18" charset="0"/>
+                          </a:rPr>
+                        </m:ctrlPr>
+                      </m:dPr>
+                      <m:e>
+                        <m:sSub>
+                          <m:sSubPr>
+                            <m:ctrlPr>
+                              <a:rPr lang="en-US" b="0" i="1" smtClean="0">
+                                <a:latin typeface="Cambria Math" panose="02040503050406030204" pitchFamily="18" charset="0"/>
+                              </a:rPr>
+                            </m:ctrlPr>
+                          </m:sSubPr>
+                          <m:e>
+                            <m:r>
+                              <a:rPr lang="en-US" b="0" i="1" smtClean="0">
+                                <a:latin typeface="Cambria Math" panose="02040503050406030204" pitchFamily="18" charset="0"/>
+                              </a:rPr>
+                              <m:t>𝛿</m:t>
+                            </m:r>
+                          </m:e>
+                          <m:sub>
+                            <m:r>
+                              <a:rPr lang="en-US" b="0" i="1" smtClean="0">
+                                <a:latin typeface="Cambria Math" panose="02040503050406030204" pitchFamily="18" charset="0"/>
+                              </a:rPr>
+                              <m:t>𝑥</m:t>
+                            </m:r>
+                          </m:sub>
+                        </m:sSub>
+                      </m:e>
+                    </m:d>
+                    <m:r>
+                      <a:rPr lang="en-US" b="0" i="1" smtClean="0">
+                        <a:latin typeface="Cambria Math" panose="02040503050406030204" pitchFamily="18" charset="0"/>
+                      </a:rPr>
+                      <m:t>≤1</m:t>
+                    </m:r>
+                  </m:oMath>
+                </a14:m>
+                <a:r>
+                  <a:rPr lang="en-US" dirty="0"/>
+                  <a:t> is estimated gird location offsets. We allow off grid offsets by </a:t>
+                </a:r>
+                <a14:m>
+                  <m:oMath xmlns:m="http://schemas.openxmlformats.org/officeDocument/2006/math">
+                    <m:r>
+                      <a:rPr lang="en-US" b="0" i="0" smtClean="0">
+                        <a:latin typeface="Cambria Math" panose="02040503050406030204" pitchFamily="18" charset="0"/>
+                      </a:rPr>
+                      <m:t>−0.5≤</m:t>
+                    </m:r>
+                    <m:r>
+                      <a:rPr lang="en-US" b="0" i="1" smtClean="0">
+                        <a:latin typeface="Cambria Math" panose="02040503050406030204" pitchFamily="18" charset="0"/>
+                      </a:rPr>
+                      <m:t>2</m:t>
+                    </m:r>
+                    <m:r>
+                      <a:rPr lang="en-US" b="0" i="1" smtClean="0">
+                        <a:latin typeface="Cambria Math" panose="02040503050406030204" pitchFamily="18" charset="0"/>
+                      </a:rPr>
+                      <m:t>𝜎</m:t>
+                    </m:r>
+                    <m:d>
+                      <m:dPr>
+                        <m:ctrlPr>
+                          <a:rPr lang="en-US" b="0" i="1" smtClean="0">
+                            <a:latin typeface="Cambria Math" panose="02040503050406030204" pitchFamily="18" charset="0"/>
+                          </a:rPr>
+                        </m:ctrlPr>
+                      </m:dPr>
+                      <m:e>
+                        <m:sSub>
+                          <m:sSubPr>
+                            <m:ctrlPr>
+                              <a:rPr lang="en-US" b="0" i="1" smtClean="0">
+                                <a:latin typeface="Cambria Math" panose="02040503050406030204" pitchFamily="18" charset="0"/>
+                              </a:rPr>
+                            </m:ctrlPr>
+                          </m:sSubPr>
+                          <m:e>
+                            <m:r>
+                              <a:rPr lang="en-US" b="0" i="1" smtClean="0">
+                                <a:latin typeface="Cambria Math" panose="02040503050406030204" pitchFamily="18" charset="0"/>
+                              </a:rPr>
+                              <m:t>𝛿</m:t>
+                            </m:r>
+                          </m:e>
+                          <m:sub>
+                            <m:r>
+                              <a:rPr lang="en-US" b="0" i="1" smtClean="0">
+                                <a:latin typeface="Cambria Math" panose="02040503050406030204" pitchFamily="18" charset="0"/>
+                              </a:rPr>
+                              <m:t>𝑥</m:t>
+                            </m:r>
+                          </m:sub>
+                        </m:sSub>
+                      </m:e>
+                    </m:d>
+                    <m:r>
+                      <a:rPr lang="en-US" b="0" i="1" smtClean="0">
+                        <a:latin typeface="Cambria Math" panose="02040503050406030204" pitchFamily="18" charset="0"/>
+                      </a:rPr>
+                      <m:t>−0.5</m:t>
+                    </m:r>
+                    <m:r>
+                      <a:rPr lang="en-US" b="0" i="1" smtClean="0">
+                        <a:latin typeface="Cambria Math" panose="02040503050406030204" pitchFamily="18" charset="0"/>
+                      </a:rPr>
+                      <m:t>≤</m:t>
+                    </m:r>
+                    <m:r>
+                      <a:rPr lang="en-US" b="0" i="1" smtClean="0">
+                        <a:latin typeface="Cambria Math" panose="02040503050406030204" pitchFamily="18" charset="0"/>
+                      </a:rPr>
+                      <m:t>1.5</m:t>
+                    </m:r>
+                  </m:oMath>
+                </a14:m>
+                <a:r>
+                  <a:rPr lang="en-US" dirty="0"/>
+                  <a:t>. Then we add the offsets to grid locations </a:t>
+                </a:r>
+                <a14:m>
+                  <m:oMath xmlns:m="http://schemas.openxmlformats.org/officeDocument/2006/math">
+                    <m:r>
+                      <a:rPr lang="en-US" b="0" i="1" smtClean="0">
+                        <a:latin typeface="Cambria Math" panose="02040503050406030204" pitchFamily="18" charset="0"/>
+                      </a:rPr>
+                      <m:t>2</m:t>
+                    </m:r>
+                    <m:r>
+                      <a:rPr lang="en-US" b="0" i="1" smtClean="0">
+                        <a:latin typeface="Cambria Math" panose="02040503050406030204" pitchFamily="18" charset="0"/>
+                      </a:rPr>
+                      <m:t>𝜎</m:t>
+                    </m:r>
+                    <m:d>
+                      <m:dPr>
+                        <m:ctrlPr>
+                          <a:rPr lang="en-US" b="0" i="1" smtClean="0">
+                            <a:latin typeface="Cambria Math" panose="02040503050406030204" pitchFamily="18" charset="0"/>
+                          </a:rPr>
+                        </m:ctrlPr>
+                      </m:dPr>
+                      <m:e>
+                        <m:sSub>
+                          <m:sSubPr>
+                            <m:ctrlPr>
+                              <a:rPr lang="en-US" b="0" i="1" smtClean="0">
+                                <a:latin typeface="Cambria Math" panose="02040503050406030204" pitchFamily="18" charset="0"/>
+                              </a:rPr>
+                            </m:ctrlPr>
+                          </m:sSubPr>
+                          <m:e>
+                            <m:r>
+                              <a:rPr lang="en-US" b="0" i="1" smtClean="0">
+                                <a:latin typeface="Cambria Math" panose="02040503050406030204" pitchFamily="18" charset="0"/>
+                              </a:rPr>
+                              <m:t>𝛿</m:t>
+                            </m:r>
+                          </m:e>
+                          <m:sub>
+                            <m:r>
+                              <a:rPr lang="en-US" b="0" i="1" smtClean="0">
+                                <a:latin typeface="Cambria Math" panose="02040503050406030204" pitchFamily="18" charset="0"/>
+                              </a:rPr>
+                              <m:t>𝑥</m:t>
+                            </m:r>
+                          </m:sub>
+                        </m:sSub>
+                      </m:e>
+                    </m:d>
+                    <m:r>
+                      <a:rPr lang="en-US" b="0" i="1" smtClean="0">
+                        <a:latin typeface="Cambria Math" panose="02040503050406030204" pitchFamily="18" charset="0"/>
+                      </a:rPr>
+                      <m:t>−0.5+</m:t>
+                    </m:r>
+                    <m:r>
+                      <m:rPr>
+                        <m:sty m:val="p"/>
+                      </m:rPr>
+                      <a:rPr lang="en-US" b="0" i="0" smtClean="0">
+                        <a:latin typeface="Cambria Math" panose="02040503050406030204" pitchFamily="18" charset="0"/>
+                      </a:rPr>
+                      <m:t>grid</m:t>
+                    </m:r>
+                  </m:oMath>
+                </a14:m>
+                <a:r>
+                  <a:rPr lang="en-US" dirty="0"/>
+                  <a:t> and we turn the grid locations to the image pixel space by × stride. </a:t>
+                </a:r>
+                <a14:m>
+                  <m:oMath xmlns:m="http://schemas.openxmlformats.org/officeDocument/2006/math">
+                    <m:r>
+                      <a:rPr lang="en-US" b="0" i="1" smtClean="0">
+                        <a:latin typeface="Cambria Math" panose="02040503050406030204" pitchFamily="18" charset="0"/>
+                      </a:rPr>
+                      <m:t>𝑦</m:t>
+                    </m:r>
+                  </m:oMath>
+                </a14:m>
+                <a:r>
+                  <a:rPr lang="en-US" dirty="0"/>
+                  <a:t> calculated the same way.</a:t>
+                </a:r>
+              </a:p>
+              <a:p>
+                <a:pPr>
+                  <a:lnSpc>
+                    <a:spcPct val="120000"/>
+                  </a:lnSpc>
+                </a:pPr>
+                <a:endParaRPr lang="en-US" dirty="0"/>
+              </a:p>
+              <a:p>
+                <a:pPr>
+                  <a:lnSpc>
+                    <a:spcPct val="120000"/>
+                  </a:lnSpc>
+                </a:pPr>
+                <a:r>
+                  <a:rPr lang="en-US" dirty="0"/>
+                  <a:t>2. Decoding bounding box width and height</a:t>
+                </a:r>
+              </a:p>
+              <a:p>
+                <a:pPr>
+                  <a:lnSpc>
+                    <a:spcPct val="120000"/>
+                  </a:lnSpc>
+                </a:pPr>
+                <a14:m>
+                  <m:oMathPara xmlns:m="http://schemas.openxmlformats.org/officeDocument/2006/math">
+                    <m:oMathParaPr>
+                      <m:jc m:val="centerGroup"/>
+                    </m:oMathParaPr>
+                    <m:oMath xmlns:m="http://schemas.openxmlformats.org/officeDocument/2006/math">
+                      <m:r>
+                        <a:rPr lang="en-US" b="0" i="1" smtClean="0">
+                          <a:latin typeface="Cambria Math" panose="02040503050406030204" pitchFamily="18" charset="0"/>
+                        </a:rPr>
+                        <m:t>𝑤</m:t>
+                      </m:r>
+                      <m:r>
+                        <a:rPr lang="en-US" b="0" i="1" smtClean="0">
+                          <a:latin typeface="Cambria Math" panose="02040503050406030204" pitchFamily="18" charset="0"/>
+                        </a:rPr>
+                        <m:t>=</m:t>
+                      </m:r>
+                      <m:sSup>
+                        <m:sSupPr>
+                          <m:ctrlPr>
+                            <a:rPr lang="en-US" b="0" i="1" smtClean="0">
+                              <a:latin typeface="Cambria Math" panose="02040503050406030204" pitchFamily="18" charset="0"/>
+                            </a:rPr>
+                          </m:ctrlPr>
+                        </m:sSupPr>
+                        <m:e>
+                          <m:d>
+                            <m:dPr>
+                              <m:ctrlPr>
+                                <a:rPr lang="en-US" b="0" i="1" smtClean="0">
+                                  <a:latin typeface="Cambria Math" panose="02040503050406030204" pitchFamily="18" charset="0"/>
+                                </a:rPr>
+                              </m:ctrlPr>
+                            </m:dPr>
+                            <m:e>
+                              <m:r>
+                                <a:rPr lang="en-US" b="0" i="1" smtClean="0">
+                                  <a:latin typeface="Cambria Math" panose="02040503050406030204" pitchFamily="18" charset="0"/>
+                                </a:rPr>
+                                <m:t>2</m:t>
+                              </m:r>
+                              <m:r>
+                                <a:rPr lang="en-US" b="0" i="1" smtClean="0">
+                                  <a:latin typeface="Cambria Math" panose="02040503050406030204" pitchFamily="18" charset="0"/>
+                                </a:rPr>
+                                <m:t>𝜎</m:t>
+                              </m:r>
+                              <m:d>
+                                <m:dPr>
+                                  <m:ctrlPr>
+                                    <a:rPr lang="en-US" b="0" i="1" smtClean="0">
+                                      <a:latin typeface="Cambria Math" panose="02040503050406030204" pitchFamily="18" charset="0"/>
+                                    </a:rPr>
+                                  </m:ctrlPr>
+                                </m:dPr>
+                                <m:e>
+                                  <m:sSub>
+                                    <m:sSubPr>
+                                      <m:ctrlPr>
+                                        <a:rPr lang="en-US" b="0" i="1" smtClean="0">
+                                          <a:latin typeface="Cambria Math" panose="02040503050406030204" pitchFamily="18" charset="0"/>
+                                        </a:rPr>
+                                      </m:ctrlPr>
+                                    </m:sSubPr>
+                                    <m:e>
+                                      <m:r>
+                                        <a:rPr lang="en-US" b="0" i="1" smtClean="0">
+                                          <a:latin typeface="Cambria Math" panose="02040503050406030204" pitchFamily="18" charset="0"/>
+                                        </a:rPr>
+                                        <m:t>𝛿</m:t>
+                                      </m:r>
+                                    </m:e>
+                                    <m:sub>
+                                      <m:r>
+                                        <a:rPr lang="en-US" b="0" i="1" smtClean="0">
+                                          <a:latin typeface="Cambria Math" panose="02040503050406030204" pitchFamily="18" charset="0"/>
+                                        </a:rPr>
+                                        <m:t>𝑤</m:t>
+                                      </m:r>
+                                    </m:sub>
+                                  </m:sSub>
+                                </m:e>
+                              </m:d>
+                            </m:e>
+                          </m:d>
+                        </m:e>
+                        <m:sup>
+                          <m:r>
+                            <a:rPr lang="en-US" b="0" i="1" smtClean="0">
+                              <a:latin typeface="Cambria Math" panose="02040503050406030204" pitchFamily="18" charset="0"/>
+                            </a:rPr>
+                            <m:t>2</m:t>
+                          </m:r>
+                        </m:sup>
+                      </m:sSup>
+                      <m:r>
+                        <a:rPr lang="en-US" b="0" i="1" smtClean="0">
+                          <a:latin typeface="Cambria Math" panose="02040503050406030204" pitchFamily="18" charset="0"/>
+                        </a:rPr>
+                        <m:t>×</m:t>
+                      </m:r>
+                      <m:r>
+                        <m:rPr>
+                          <m:sty m:val="p"/>
+                        </m:rPr>
+                        <a:rPr lang="en-US" b="0" i="0" smtClean="0">
+                          <a:latin typeface="Cambria Math" panose="02040503050406030204" pitchFamily="18" charset="0"/>
+                        </a:rPr>
+                        <m:t>anchors</m:t>
+                      </m:r>
+                    </m:oMath>
+                  </m:oMathPara>
+                </a14:m>
+                <a:endParaRPr lang="en-US" dirty="0"/>
+              </a:p>
+              <a:p>
+                <a:pPr>
+                  <a:lnSpc>
+                    <a:spcPct val="120000"/>
+                  </a:lnSpc>
+                </a:pPr>
+                <a:r>
+                  <a:rPr lang="en-US" dirty="0"/>
+                  <a:t>where anchors is inputted by users and defined in order of width and height (</a:t>
+                </a:r>
+                <a:r>
+                  <a:rPr lang="en-US" dirty="0">
+                    <a:solidFill>
+                      <a:srgbClr val="3333CC"/>
+                    </a:solidFill>
+                  </a:rPr>
+                  <a:t>different than definition of a tuple of stride which is the order of height and width</a:t>
+                </a:r>
+                <a:r>
+                  <a:rPr lang="en-US" dirty="0"/>
+                  <a:t>). </a:t>
+                </a:r>
+                <a14:m>
+                  <m:oMath xmlns:m="http://schemas.openxmlformats.org/officeDocument/2006/math">
+                    <m:r>
+                      <a:rPr lang="en-US" b="0" i="0" smtClean="0">
+                        <a:latin typeface="Cambria Math" panose="02040503050406030204" pitchFamily="18" charset="0"/>
+                      </a:rPr>
+                      <m:t>0≤</m:t>
+                    </m:r>
+                    <m:r>
+                      <a:rPr lang="en-US" b="0" i="1" smtClean="0">
+                        <a:latin typeface="Cambria Math" panose="02040503050406030204" pitchFamily="18" charset="0"/>
+                      </a:rPr>
+                      <m:t>𝜎</m:t>
+                    </m:r>
+                    <m:d>
+                      <m:dPr>
+                        <m:ctrlPr>
+                          <a:rPr lang="en-US" b="0" i="1" smtClean="0">
+                            <a:latin typeface="Cambria Math" panose="02040503050406030204" pitchFamily="18" charset="0"/>
+                          </a:rPr>
+                        </m:ctrlPr>
+                      </m:dPr>
+                      <m:e>
+                        <m:sSub>
+                          <m:sSubPr>
+                            <m:ctrlPr>
+                              <a:rPr lang="en-US" b="0" i="1" smtClean="0">
+                                <a:latin typeface="Cambria Math" panose="02040503050406030204" pitchFamily="18" charset="0"/>
+                              </a:rPr>
+                            </m:ctrlPr>
+                          </m:sSubPr>
+                          <m:e>
+                            <m:r>
+                              <a:rPr lang="en-US" b="0" i="1" smtClean="0">
+                                <a:latin typeface="Cambria Math" panose="02040503050406030204" pitchFamily="18" charset="0"/>
+                              </a:rPr>
+                              <m:t>𝛿</m:t>
+                            </m:r>
+                          </m:e>
+                          <m:sub>
+                            <m:r>
+                              <a:rPr lang="en-US" b="0" i="1" smtClean="0">
+                                <a:latin typeface="Cambria Math" panose="02040503050406030204" pitchFamily="18" charset="0"/>
+                              </a:rPr>
+                              <m:t>𝑤</m:t>
+                            </m:r>
+                          </m:sub>
+                        </m:sSub>
+                      </m:e>
+                    </m:d>
+                    <m:r>
+                      <a:rPr lang="en-US" b="0" i="1" smtClean="0">
+                        <a:latin typeface="Cambria Math" panose="02040503050406030204" pitchFamily="18" charset="0"/>
+                      </a:rPr>
+                      <m:t>≤1</m:t>
+                    </m:r>
+                  </m:oMath>
+                </a14:m>
+                <a:r>
+                  <a:rPr lang="en-US" dirty="0"/>
+                  <a:t> is multiplied by 2 to increase the dynamic range of the width adjustment values as well as the gradients (preventing gradient vanishing and improving learning speed). The power of 2 allows the box size to grow quadratically (allowing capturing a wide range of object size). The adjustment is then applied to the provided prior anchor size.</a:t>
+                </a:r>
+              </a:p>
+            </p:txBody>
+          </p:sp>
+        </mc:Choice>
+        <mc:Fallback>
+          <p:sp>
+            <p:nvSpPr>
+              <p:cNvPr id="5" name="TextBox 4">
+                <a:extLst>
+                  <a:ext uri="{FF2B5EF4-FFF2-40B4-BE49-F238E27FC236}">
+                    <a16:creationId xmlns:a16="http://schemas.microsoft.com/office/drawing/2014/main" id="{7C80DC1F-C050-F55E-2975-7E8DCE120BEF}"/>
+                  </a:ext>
+                </a:extLst>
+              </p:cNvPr>
+              <p:cNvSpPr txBox="1">
+                <a:spLocks noRot="1" noChangeAspect="1" noMove="1" noResize="1" noEditPoints="1" noAdjustHandles="1" noChangeArrowheads="1" noChangeShapeType="1" noTextEdit="1"/>
+              </p:cNvSpPr>
+              <p:nvPr/>
+            </p:nvSpPr>
+            <p:spPr>
+              <a:xfrm>
+                <a:off x="352424" y="1118116"/>
+                <a:ext cx="11515725" cy="5167568"/>
+              </a:xfrm>
+              <a:prstGeom prst="rect">
+                <a:avLst/>
+              </a:prstGeom>
+              <a:blipFill>
+                <a:blip r:embed="rId2"/>
+                <a:stretch>
+                  <a:fillRect l="-476" b="-943"/>
+                </a:stretch>
+              </a:blipFill>
+            </p:spPr>
+            <p:txBody>
+              <a:bodyPr/>
+              <a:lstStyle/>
+              <a:p>
+                <a:r>
+                  <a:rPr lang="en-US">
+                    <a:noFill/>
+                  </a:rPr>
+                  <a:t> </a:t>
+                </a:r>
+              </a:p>
+            </p:txBody>
+          </p:sp>
+        </mc:Fallback>
+      </mc:AlternateContent>
+    </p:spTree>
+    <p:extLst>
+      <p:ext uri="{BB962C8B-B14F-4D97-AF65-F5344CB8AC3E}">
+        <p14:creationId xmlns:p14="http://schemas.microsoft.com/office/powerpoint/2010/main" val="1374949045"/>
+      </p:ext>
+    </p:extLst>
+  </p:cSld>
+  <p:clrMapOvr>
+    <a:masterClrMapping/>
+  </p:clrMapOvr>
+</p:sld>
+</file>
+
+<file path=ppt/slides/slide14.xml><?xml version="1.0" encoding="utf-8"?>
+<p:sld xmlns:a="http://schemas.openxmlformats.org/drawingml/2006/main" xmlns:r="http://schemas.openxmlformats.org/officeDocument/2006/relationships" xmlns:p="http://schemas.openxmlformats.org/presentationml/2006/main">
+  <p:cSld>
+    <p:spTree>
+      <p:nvGrpSpPr>
+        <p:cNvPr id="1" name=""/>
+        <p:cNvGrpSpPr/>
+        <p:nvPr/>
+      </p:nvGrpSpPr>
+      <p:grpSpPr>
+        <a:xfrm>
+          <a:off x="0" y="0"/>
+          <a:ext cx="0" cy="0"/>
+          <a:chOff x="0" y="0"/>
+          <a:chExt cx="0" cy="0"/>
+        </a:xfrm>
+      </p:grpSpPr>
+      <p:sp>
+        <p:nvSpPr>
+          <p:cNvPr id="4" name="TextBox 3">
+            <a:extLst>
+              <a:ext uri="{FF2B5EF4-FFF2-40B4-BE49-F238E27FC236}">
+                <a16:creationId xmlns:a16="http://schemas.microsoft.com/office/drawing/2014/main" id="{C6E8A862-C833-7501-FB4B-834BEA24B62D}"/>
+              </a:ext>
+            </a:extLst>
+          </p:cNvPr>
+          <p:cNvSpPr txBox="1"/>
+          <p:nvPr/>
+        </p:nvSpPr>
+        <p:spPr>
+          <a:xfrm>
+            <a:off x="352425" y="447675"/>
+            <a:ext cx="5991225" cy="461665"/>
+          </a:xfrm>
+          <a:prstGeom prst="rect">
+            <a:avLst/>
+          </a:prstGeom>
+          <a:noFill/>
+        </p:spPr>
+        <p:txBody>
+          <a:bodyPr wrap="square" rtlCol="0">
+            <a:spAutoFit/>
+          </a:bodyPr>
+          <a:lstStyle/>
+          <a:p>
+            <a:r>
+              <a:rPr lang="en-US" sz="2400" b="1" dirty="0"/>
+              <a:t>Bounding box estimation: Import Note</a:t>
+            </a:r>
+          </a:p>
+        </p:txBody>
+      </p:sp>
+      <p:sp>
+        <p:nvSpPr>
+          <p:cNvPr id="5" name="TextBox 4">
+            <a:extLst>
+              <a:ext uri="{FF2B5EF4-FFF2-40B4-BE49-F238E27FC236}">
+                <a16:creationId xmlns:a16="http://schemas.microsoft.com/office/drawing/2014/main" id="{B7E8CFD4-82DF-0ECB-084F-D06B450C1D00}"/>
+              </a:ext>
+            </a:extLst>
+          </p:cNvPr>
+          <p:cNvSpPr txBox="1"/>
+          <p:nvPr/>
+        </p:nvSpPr>
+        <p:spPr>
+          <a:xfrm>
+            <a:off x="478971" y="1208315"/>
+            <a:ext cx="11386458" cy="2947025"/>
+          </a:xfrm>
+          <a:prstGeom prst="rect">
+            <a:avLst/>
+          </a:prstGeom>
+          <a:noFill/>
+        </p:spPr>
+        <p:txBody>
+          <a:bodyPr wrap="square" rtlCol="0">
+            <a:spAutoFit/>
+          </a:bodyPr>
+          <a:lstStyle/>
+          <a:p>
+            <a:pPr>
+              <a:lnSpc>
+                <a:spcPct val="130000"/>
+              </a:lnSpc>
+            </a:pPr>
+            <a:r>
+              <a:rPr lang="en-US" dirty="0"/>
+              <a:t>YOLOv7 expects anchor inputs as a pair of </a:t>
+            </a:r>
+            <a:r>
+              <a:rPr lang="en-US" b="1" dirty="0"/>
+              <a:t>width/height </a:t>
+            </a:r>
+            <a:r>
+              <a:rPr lang="en-US" dirty="0"/>
+              <a:t>for small, medium, and large boxes per level (in image pixel space). However, parameters of </a:t>
+            </a:r>
+            <a:r>
+              <a:rPr lang="en-US" dirty="0" err="1"/>
+              <a:t>Pytorch</a:t>
+            </a:r>
+            <a:r>
+              <a:rPr lang="en-US" dirty="0"/>
+              <a:t> 2D convolution (if defined as tuples) are in the order of </a:t>
+            </a:r>
+            <a:r>
+              <a:rPr lang="en-US" b="1" dirty="0"/>
+              <a:t>(height, width)</a:t>
+            </a:r>
+            <a:r>
+              <a:rPr lang="en-US" dirty="0"/>
+              <a:t>. YOLO works because it uses a single value for stride (kernel, padding, etc.). In other words, YOLO uses the same stride for both x and y directions.  If strides (and other convolution parameters) are not a single value, ordering of width and height of anchors must match that of stride since YOLO uses stride to convert the anchor image pixel unit to feature cell unit.</a:t>
+            </a:r>
+          </a:p>
+          <a:p>
+            <a:pPr>
+              <a:lnSpc>
+                <a:spcPct val="130000"/>
+              </a:lnSpc>
+            </a:pPr>
+            <a:endParaRPr lang="en-US" dirty="0"/>
+          </a:p>
+          <a:p>
+            <a:pPr>
+              <a:lnSpc>
+                <a:spcPct val="130000"/>
+              </a:lnSpc>
+            </a:pPr>
+            <a:r>
+              <a:rPr lang="en-US" dirty="0"/>
+              <a:t> </a:t>
+            </a:r>
+          </a:p>
+        </p:txBody>
+      </p:sp>
+      <p:graphicFrame>
+        <p:nvGraphicFramePr>
+          <p:cNvPr id="6" name="Table 5">
+            <a:extLst>
+              <a:ext uri="{FF2B5EF4-FFF2-40B4-BE49-F238E27FC236}">
+                <a16:creationId xmlns:a16="http://schemas.microsoft.com/office/drawing/2014/main" id="{C5C07E49-DDBC-43BC-7B1B-D5D44A4E1971}"/>
+              </a:ext>
+            </a:extLst>
+          </p:cNvPr>
+          <p:cNvGraphicFramePr>
+            <a:graphicFrameLocks noGrp="1"/>
+          </p:cNvGraphicFramePr>
+          <p:nvPr>
+            <p:extLst>
+              <p:ext uri="{D42A27DB-BD31-4B8C-83A1-F6EECF244321}">
+                <p14:modId xmlns:p14="http://schemas.microsoft.com/office/powerpoint/2010/main" val="2667693323"/>
+              </p:ext>
+            </p:extLst>
+          </p:nvPr>
+        </p:nvGraphicFramePr>
+        <p:xfrm>
+          <a:off x="660399" y="3769087"/>
+          <a:ext cx="5011060" cy="1880598"/>
+        </p:xfrm>
+        <a:graphic>
+          <a:graphicData uri="http://schemas.openxmlformats.org/drawingml/2006/table">
+            <a:tbl>
+              <a:tblPr firstRow="1" bandRow="1">
+                <a:tableStyleId>{5C22544A-7EE6-4342-B048-85BDC9FD1C3A}</a:tableStyleId>
+              </a:tblPr>
+              <a:tblGrid>
+                <a:gridCol w="1252765">
+                  <a:extLst>
+                    <a:ext uri="{9D8B030D-6E8A-4147-A177-3AD203B41FA5}">
+                      <a16:colId xmlns:a16="http://schemas.microsoft.com/office/drawing/2014/main" val="647189273"/>
+                    </a:ext>
+                  </a:extLst>
+                </a:gridCol>
+                <a:gridCol w="1252765">
+                  <a:extLst>
+                    <a:ext uri="{9D8B030D-6E8A-4147-A177-3AD203B41FA5}">
+                      <a16:colId xmlns:a16="http://schemas.microsoft.com/office/drawing/2014/main" val="4021697300"/>
+                    </a:ext>
+                  </a:extLst>
+                </a:gridCol>
+                <a:gridCol w="1252765">
+                  <a:extLst>
+                    <a:ext uri="{9D8B030D-6E8A-4147-A177-3AD203B41FA5}">
+                      <a16:colId xmlns:a16="http://schemas.microsoft.com/office/drawing/2014/main" val="468732172"/>
+                    </a:ext>
+                  </a:extLst>
+                </a:gridCol>
+                <a:gridCol w="1252765">
+                  <a:extLst>
+                    <a:ext uri="{9D8B030D-6E8A-4147-A177-3AD203B41FA5}">
+                      <a16:colId xmlns:a16="http://schemas.microsoft.com/office/drawing/2014/main" val="2997846550"/>
+                    </a:ext>
+                  </a:extLst>
+                </a:gridCol>
+              </a:tblGrid>
+              <a:tr h="661398">
+                <a:tc>
+                  <a:txBody>
+                    <a:bodyPr/>
+                    <a:lstStyle/>
+                    <a:p>
+                      <a:pPr algn="ctr"/>
+                      <a:endParaRPr lang="en-US" sz="1400" b="0" dirty="0">
+                        <a:solidFill>
+                          <a:schemeClr val="tx1"/>
+                        </a:solidFill>
+                      </a:endParaRPr>
+                    </a:p>
+                  </a:txBody>
+                  <a:tcPr anchor="ctr">
+                    <a:lnL w="12700" cap="flat" cmpd="sng" algn="ctr">
+                      <a:noFill/>
+                      <a:prstDash val="solid"/>
+                      <a:round/>
+                      <a:headEnd type="none" w="med" len="med"/>
+                      <a:tailEnd type="none" w="med" len="med"/>
+                    </a:lnL>
+                    <a:lnR w="12700" cap="flat" cmpd="sng" algn="ctr">
+                      <a:noFill/>
+                      <a:prstDash val="solid"/>
+                      <a:round/>
+                      <a:headEnd type="none" w="med" len="med"/>
+                      <a:tailEnd type="none" w="med" len="med"/>
+                    </a:lnR>
+                    <a:lnT w="12700" cap="flat" cmpd="sng" algn="ctr">
+                      <a:noFill/>
+                      <a:prstDash val="solid"/>
+                      <a:round/>
+                      <a:headEnd type="none" w="med" len="med"/>
+                      <a:tailEnd type="none" w="med" len="med"/>
+                    </a:lnT>
+                    <a:lnB w="12700" cap="flat" cmpd="sng" algn="ctr">
+                      <a:noFill/>
+                      <a:prstDash val="solid"/>
+                      <a:round/>
+                      <a:headEnd type="none" w="med" len="med"/>
+                      <a:tailEnd type="none" w="med" len="med"/>
+                    </a:lnB>
+                    <a:lnTlToBr w="12700" cmpd="sng">
+                      <a:noFill/>
+                      <a:prstDash val="solid"/>
+                    </a:lnTlToBr>
+                    <a:lnBlToTr w="12700" cmpd="sng">
+                      <a:noFill/>
+                      <a:prstDash val="solid"/>
+                    </a:lnBlToTr>
+                    <a:noFill/>
+                  </a:tcPr>
+                </a:tc>
+                <a:tc>
+                  <a:txBody>
+                    <a:bodyPr/>
+                    <a:lstStyle/>
+                    <a:p>
+                      <a:pPr algn="ctr"/>
+                      <a:r>
+                        <a:rPr lang="en-US" sz="1400" b="0" dirty="0">
+                          <a:solidFill>
+                            <a:schemeClr val="tx1"/>
+                          </a:solidFill>
+                        </a:rPr>
+                        <a:t>Small</a:t>
+                      </a:r>
+                    </a:p>
+                    <a:p>
+                      <a:pPr algn="ctr"/>
+                      <a:r>
+                        <a:rPr lang="en-US" sz="1400" b="0" dirty="0">
+                          <a:solidFill>
+                            <a:schemeClr val="tx1"/>
+                          </a:solidFill>
+                        </a:rPr>
+                        <a:t>(</a:t>
+                      </a:r>
+                      <a:r>
+                        <a:rPr lang="en-US" sz="1400" b="0" dirty="0" err="1">
+                          <a:solidFill>
+                            <a:schemeClr val="tx1"/>
+                          </a:solidFill>
+                        </a:rPr>
+                        <a:t>width,height</a:t>
+                      </a:r>
+                      <a:r>
+                        <a:rPr lang="en-US" sz="1400" b="0" dirty="0">
+                          <a:solidFill>
+                            <a:schemeClr val="tx1"/>
+                          </a:solidFill>
+                        </a:rPr>
+                        <a:t>)</a:t>
+                      </a:r>
+                    </a:p>
+                  </a:txBody>
+                  <a:tcPr anchor="ctr">
+                    <a:lnL w="12700" cap="flat" cmpd="sng" algn="ctr">
+                      <a:noFill/>
+                      <a:prstDash val="solid"/>
+                      <a:round/>
+                      <a:headEnd type="none" w="med" len="med"/>
+                      <a:tailEnd type="none" w="med" len="med"/>
+                    </a:lnL>
+                    <a:lnR w="12700" cap="flat" cmpd="sng" algn="ctr">
+                      <a:noFill/>
+                      <a:prstDash val="solid"/>
+                      <a:round/>
+                      <a:headEnd type="none" w="med" len="med"/>
+                      <a:tailEnd type="none" w="med" len="med"/>
+                    </a:lnR>
+                    <a:lnT w="12700" cap="flat" cmpd="sng" algn="ctr">
+                      <a:noFill/>
+                      <a:prstDash val="solid"/>
+                      <a:round/>
+                      <a:headEnd type="none" w="med" len="med"/>
+                      <a:tailEnd type="none" w="med" len="med"/>
+                    </a:lnT>
+                    <a:lnB w="12700" cap="flat" cmpd="sng" algn="ctr">
+                      <a:noFill/>
+                      <a:prstDash val="solid"/>
+                      <a:round/>
+                      <a:headEnd type="none" w="med" len="med"/>
+                      <a:tailEnd type="none" w="med" len="med"/>
+                    </a:lnB>
+                    <a:lnTlToBr w="12700" cmpd="sng">
+                      <a:noFill/>
+                      <a:prstDash val="solid"/>
+                    </a:lnTlToBr>
+                    <a:lnBlToTr w="12700" cmpd="sng">
+                      <a:noFill/>
+                      <a:prstDash val="solid"/>
+                    </a:lnBlToTr>
+                    <a:noFill/>
+                  </a:tcPr>
+                </a:tc>
+                <a:tc>
+                  <a:txBody>
+                    <a:bodyPr/>
+                    <a:lstStyle/>
+                    <a:p>
+                      <a:pPr algn="ctr"/>
+                      <a:r>
+                        <a:rPr lang="en-US" sz="1400" b="0" dirty="0">
+                          <a:solidFill>
+                            <a:schemeClr val="tx1"/>
+                          </a:solidFill>
+                        </a:rPr>
+                        <a:t>Medium</a:t>
+                      </a:r>
+                    </a:p>
+                    <a:p>
+                      <a:pPr marL="0" marR="0" lvl="0" indent="0" algn="ctr" defTabSz="914400" rtl="0" eaLnBrk="1" fontAlgn="auto" latinLnBrk="0" hangingPunct="1">
+                        <a:lnSpc>
+                          <a:spcPct val="100000"/>
+                        </a:lnSpc>
+                        <a:spcBef>
+                          <a:spcPts val="0"/>
+                        </a:spcBef>
+                        <a:spcAft>
+                          <a:spcPts val="0"/>
+                        </a:spcAft>
+                        <a:buClrTx/>
+                        <a:buSzTx/>
+                        <a:buFontTx/>
+                        <a:buNone/>
+                        <a:tabLst/>
+                        <a:defRPr/>
+                      </a:pPr>
+                      <a:r>
+                        <a:rPr lang="en-US" sz="1400" b="0" dirty="0">
+                          <a:solidFill>
+                            <a:schemeClr val="tx1"/>
+                          </a:solidFill>
+                        </a:rPr>
+                        <a:t>(</a:t>
+                      </a:r>
+                      <a:r>
+                        <a:rPr lang="en-US" sz="1400" b="0" dirty="0" err="1">
+                          <a:solidFill>
+                            <a:schemeClr val="tx1"/>
+                          </a:solidFill>
+                        </a:rPr>
+                        <a:t>width,height</a:t>
+                      </a:r>
+                      <a:r>
+                        <a:rPr lang="en-US" sz="1400" b="0" dirty="0">
+                          <a:solidFill>
+                            <a:schemeClr val="tx1"/>
+                          </a:solidFill>
+                        </a:rPr>
+                        <a:t>)</a:t>
+                      </a:r>
+                    </a:p>
+                  </a:txBody>
+                  <a:tcPr anchor="ctr">
+                    <a:lnL w="12700" cap="flat" cmpd="sng" algn="ctr">
+                      <a:noFill/>
+                      <a:prstDash val="solid"/>
+                      <a:round/>
+                      <a:headEnd type="none" w="med" len="med"/>
+                      <a:tailEnd type="none" w="med" len="med"/>
+                    </a:lnL>
+                    <a:lnR w="12700" cap="flat" cmpd="sng" algn="ctr">
+                      <a:noFill/>
+                      <a:prstDash val="solid"/>
+                      <a:round/>
+                      <a:headEnd type="none" w="med" len="med"/>
+                      <a:tailEnd type="none" w="med" len="med"/>
+                    </a:lnR>
+                    <a:lnT w="12700" cap="flat" cmpd="sng" algn="ctr">
+                      <a:noFill/>
+                      <a:prstDash val="solid"/>
+                      <a:round/>
+                      <a:headEnd type="none" w="med" len="med"/>
+                      <a:tailEnd type="none" w="med" len="med"/>
+                    </a:lnT>
+                    <a:lnB w="12700" cap="flat" cmpd="sng" algn="ctr">
+                      <a:noFill/>
+                      <a:prstDash val="solid"/>
+                      <a:round/>
+                      <a:headEnd type="none" w="med" len="med"/>
+                      <a:tailEnd type="none" w="med" len="med"/>
+                    </a:lnB>
+                    <a:lnTlToBr w="12700" cmpd="sng">
+                      <a:noFill/>
+                      <a:prstDash val="solid"/>
+                    </a:lnTlToBr>
+                    <a:lnBlToTr w="12700" cmpd="sng">
+                      <a:noFill/>
+                      <a:prstDash val="solid"/>
+                    </a:lnBlToTr>
+                    <a:noFill/>
+                  </a:tcPr>
+                </a:tc>
+                <a:tc>
+                  <a:txBody>
+                    <a:bodyPr/>
+                    <a:lstStyle/>
+                    <a:p>
+                      <a:pPr algn="ctr"/>
+                      <a:r>
+                        <a:rPr lang="en-US" sz="1400" b="0" dirty="0">
+                          <a:solidFill>
+                            <a:schemeClr val="tx1"/>
+                          </a:solidFill>
+                        </a:rPr>
+                        <a:t>Large</a:t>
+                      </a:r>
+                    </a:p>
+                    <a:p>
+                      <a:pPr marL="0" marR="0" lvl="0" indent="0" algn="ctr" defTabSz="914400" rtl="0" eaLnBrk="1" fontAlgn="auto" latinLnBrk="0" hangingPunct="1">
+                        <a:lnSpc>
+                          <a:spcPct val="100000"/>
+                        </a:lnSpc>
+                        <a:spcBef>
+                          <a:spcPts val="0"/>
+                        </a:spcBef>
+                        <a:spcAft>
+                          <a:spcPts val="0"/>
+                        </a:spcAft>
+                        <a:buClrTx/>
+                        <a:buSzTx/>
+                        <a:buFontTx/>
+                        <a:buNone/>
+                        <a:tabLst/>
+                        <a:defRPr/>
+                      </a:pPr>
+                      <a:r>
+                        <a:rPr lang="en-US" sz="1400" b="0" dirty="0">
+                          <a:solidFill>
+                            <a:schemeClr val="tx1"/>
+                          </a:solidFill>
+                        </a:rPr>
+                        <a:t>(</a:t>
+                      </a:r>
+                      <a:r>
+                        <a:rPr lang="en-US" sz="1400" b="0" dirty="0" err="1">
+                          <a:solidFill>
+                            <a:schemeClr val="tx1"/>
+                          </a:solidFill>
+                        </a:rPr>
+                        <a:t>width,height</a:t>
+                      </a:r>
+                      <a:r>
+                        <a:rPr lang="en-US" sz="1400" b="0" dirty="0">
+                          <a:solidFill>
+                            <a:schemeClr val="tx1"/>
+                          </a:solidFill>
+                        </a:rPr>
+                        <a:t>)</a:t>
+                      </a:r>
+                    </a:p>
+                  </a:txBody>
+                  <a:tcPr anchor="ctr">
+                    <a:lnL w="12700" cap="flat" cmpd="sng" algn="ctr">
+                      <a:noFill/>
+                      <a:prstDash val="solid"/>
+                      <a:round/>
+                      <a:headEnd type="none" w="med" len="med"/>
+                      <a:tailEnd type="none" w="med" len="med"/>
+                    </a:lnL>
+                    <a:lnR w="12700" cap="flat" cmpd="sng" algn="ctr">
+                      <a:noFill/>
+                      <a:prstDash val="solid"/>
+                      <a:round/>
+                      <a:headEnd type="none" w="med" len="med"/>
+                      <a:tailEnd type="none" w="med" len="med"/>
+                    </a:lnR>
+                    <a:lnT w="12700" cap="flat" cmpd="sng" algn="ctr">
+                      <a:noFill/>
+                      <a:prstDash val="solid"/>
+                      <a:round/>
+                      <a:headEnd type="none" w="med" len="med"/>
+                      <a:tailEnd type="none" w="med" len="med"/>
+                    </a:lnT>
+                    <a:lnB w="12700" cap="flat" cmpd="sng" algn="ctr">
+                      <a:noFill/>
+                      <a:prstDash val="solid"/>
+                      <a:round/>
+                      <a:headEnd type="none" w="med" len="med"/>
+                      <a:tailEnd type="none" w="med" len="med"/>
+                    </a:lnB>
+                    <a:lnTlToBr w="12700" cmpd="sng">
+                      <a:noFill/>
+                      <a:prstDash val="solid"/>
+                    </a:lnTlToBr>
+                    <a:lnBlToTr w="12700" cmpd="sng">
+                      <a:noFill/>
+                      <a:prstDash val="solid"/>
+                    </a:lnBlToTr>
+                    <a:noFill/>
+                  </a:tcPr>
+                </a:tc>
+                <a:extLst>
+                  <a:ext uri="{0D108BD9-81ED-4DB2-BD59-A6C34878D82A}">
+                    <a16:rowId xmlns:a16="http://schemas.microsoft.com/office/drawing/2014/main" val="1558843064"/>
+                  </a:ext>
+                </a:extLst>
+              </a:tr>
+              <a:tr h="275583">
+                <a:tc>
+                  <a:txBody>
+                    <a:bodyPr/>
+                    <a:lstStyle/>
+                    <a:p>
+                      <a:pPr algn="ctr"/>
+                      <a:r>
+                        <a:rPr lang="en-US" sz="1400" b="0" dirty="0">
+                          <a:solidFill>
+                            <a:schemeClr val="tx1"/>
+                          </a:solidFill>
+                        </a:rPr>
+                        <a:t>P3 [finest]</a:t>
+                      </a:r>
+                    </a:p>
+                  </a:txBody>
+                  <a:tcPr anchor="ctr">
+                    <a:lnL w="12700" cap="flat" cmpd="sng" algn="ctr">
+                      <a:noFill/>
+                      <a:prstDash val="solid"/>
+                      <a:round/>
+                      <a:headEnd type="none" w="med" len="med"/>
+                      <a:tailEnd type="none" w="med" len="med"/>
+                    </a:lnL>
+                    <a:lnR w="12700" cap="flat" cmpd="sng" algn="ctr">
+                      <a:noFill/>
+                      <a:prstDash val="solid"/>
+                      <a:round/>
+                      <a:headEnd type="none" w="med" len="med"/>
+                      <a:tailEnd type="none" w="med" len="med"/>
+                    </a:lnR>
+                    <a:lnT w="12700" cap="flat" cmpd="sng" algn="ctr">
+                      <a:noFill/>
+                      <a:prstDash val="solid"/>
+                      <a:round/>
+                      <a:headEnd type="none" w="med" len="med"/>
+                      <a:tailEnd type="none" w="med" len="med"/>
+                    </a:lnT>
+                    <a:lnB w="12700" cap="flat" cmpd="sng" algn="ctr">
+                      <a:noFill/>
+                      <a:prstDash val="solid"/>
+                      <a:round/>
+                      <a:headEnd type="none" w="med" len="med"/>
+                      <a:tailEnd type="none" w="med" len="med"/>
+                    </a:lnB>
+                    <a:lnTlToBr w="12700" cmpd="sng">
+                      <a:noFill/>
+                      <a:prstDash val="solid"/>
+                    </a:lnTlToBr>
+                    <a:lnBlToTr w="12700" cmpd="sng">
+                      <a:noFill/>
+                      <a:prstDash val="solid"/>
+                    </a:lnBlToTr>
+                    <a:noFill/>
+                  </a:tcPr>
+                </a:tc>
+                <a:tc>
+                  <a:txBody>
+                    <a:bodyPr/>
+                    <a:lstStyle/>
+                    <a:p>
+                      <a:pPr algn="ctr"/>
+                      <a:r>
+                        <a:rPr lang="en-US" sz="1400" b="0" dirty="0">
+                          <a:solidFill>
+                            <a:schemeClr val="tx1"/>
+                          </a:solidFill>
+                        </a:rPr>
+                        <a:t>19,27</a:t>
+                      </a:r>
+                    </a:p>
+                  </a:txBody>
+                  <a:tcPr anchor="ctr">
+                    <a:lnL w="12700" cap="flat" cmpd="sng" algn="ctr">
+                      <a:noFill/>
+                      <a:prstDash val="solid"/>
+                      <a:round/>
+                      <a:headEnd type="none" w="med" len="med"/>
+                      <a:tailEnd type="none" w="med" len="med"/>
+                    </a:lnL>
+                    <a:lnR w="12700" cap="flat" cmpd="sng" algn="ctr">
+                      <a:noFill/>
+                      <a:prstDash val="solid"/>
+                      <a:round/>
+                      <a:headEnd type="none" w="med" len="med"/>
+                      <a:tailEnd type="none" w="med" len="med"/>
+                    </a:lnR>
+                    <a:lnT w="12700" cap="flat" cmpd="sng" algn="ctr">
+                      <a:noFill/>
+                      <a:prstDash val="solid"/>
+                      <a:round/>
+                      <a:headEnd type="none" w="med" len="med"/>
+                      <a:tailEnd type="none" w="med" len="med"/>
+                    </a:lnT>
+                    <a:lnB w="12700" cap="flat" cmpd="sng" algn="ctr">
+                      <a:noFill/>
+                      <a:prstDash val="solid"/>
+                      <a:round/>
+                      <a:headEnd type="none" w="med" len="med"/>
+                      <a:tailEnd type="none" w="med" len="med"/>
+                    </a:lnB>
+                    <a:lnTlToBr w="12700" cmpd="sng">
+                      <a:noFill/>
+                      <a:prstDash val="solid"/>
+                    </a:lnTlToBr>
+                    <a:lnBlToTr w="12700" cmpd="sng">
+                      <a:noFill/>
+                      <a:prstDash val="solid"/>
+                    </a:lnBlToTr>
+                    <a:noFill/>
+                  </a:tcPr>
+                </a:tc>
+                <a:tc>
+                  <a:txBody>
+                    <a:bodyPr/>
+                    <a:lstStyle/>
+                    <a:p>
+                      <a:pPr marL="0" marR="0" lvl="0" indent="0" algn="ctr" defTabSz="914400" rtl="0" eaLnBrk="1" fontAlgn="auto" latinLnBrk="0" hangingPunct="1">
+                        <a:lnSpc>
+                          <a:spcPct val="100000"/>
+                        </a:lnSpc>
+                        <a:spcBef>
+                          <a:spcPts val="0"/>
+                        </a:spcBef>
+                        <a:spcAft>
+                          <a:spcPts val="0"/>
+                        </a:spcAft>
+                        <a:buClrTx/>
+                        <a:buSzTx/>
+                        <a:buFontTx/>
+                        <a:buNone/>
+                        <a:tabLst/>
+                        <a:defRPr/>
+                      </a:pPr>
+                      <a:r>
+                        <a:rPr lang="en-US" sz="1400" b="0" dirty="0">
+                          <a:solidFill>
+                            <a:schemeClr val="tx1"/>
+                          </a:solidFill>
+                        </a:rPr>
+                        <a:t>44,40</a:t>
+                      </a:r>
+                    </a:p>
+                  </a:txBody>
+                  <a:tcPr anchor="ctr">
+                    <a:lnL w="12700" cap="flat" cmpd="sng" algn="ctr">
+                      <a:noFill/>
+                      <a:prstDash val="solid"/>
+                      <a:round/>
+                      <a:headEnd type="none" w="med" len="med"/>
+                      <a:tailEnd type="none" w="med" len="med"/>
+                    </a:lnL>
+                    <a:lnR w="12700" cap="flat" cmpd="sng" algn="ctr">
+                      <a:noFill/>
+                      <a:prstDash val="solid"/>
+                      <a:round/>
+                      <a:headEnd type="none" w="med" len="med"/>
+                      <a:tailEnd type="none" w="med" len="med"/>
+                    </a:lnR>
+                    <a:lnT w="12700" cap="flat" cmpd="sng" algn="ctr">
+                      <a:noFill/>
+                      <a:prstDash val="solid"/>
+                      <a:round/>
+                      <a:headEnd type="none" w="med" len="med"/>
+                      <a:tailEnd type="none" w="med" len="med"/>
+                    </a:lnT>
+                    <a:lnB w="12700" cap="flat" cmpd="sng" algn="ctr">
+                      <a:noFill/>
+                      <a:prstDash val="solid"/>
+                      <a:round/>
+                      <a:headEnd type="none" w="med" len="med"/>
+                      <a:tailEnd type="none" w="med" len="med"/>
+                    </a:lnB>
+                    <a:lnTlToBr w="12700" cmpd="sng">
+                      <a:noFill/>
+                      <a:prstDash val="solid"/>
+                    </a:lnTlToBr>
+                    <a:lnBlToTr w="12700" cmpd="sng">
+                      <a:noFill/>
+                      <a:prstDash val="solid"/>
+                    </a:lnBlToTr>
+                    <a:noFill/>
+                  </a:tcPr>
+                </a:tc>
+                <a:tc>
+                  <a:txBody>
+                    <a:bodyPr/>
+                    <a:lstStyle/>
+                    <a:p>
+                      <a:pPr marL="0" marR="0" lvl="0" indent="0" algn="ctr" defTabSz="914400" rtl="0" eaLnBrk="1" fontAlgn="auto" latinLnBrk="0" hangingPunct="1">
+                        <a:lnSpc>
+                          <a:spcPct val="100000"/>
+                        </a:lnSpc>
+                        <a:spcBef>
+                          <a:spcPts val="0"/>
+                        </a:spcBef>
+                        <a:spcAft>
+                          <a:spcPts val="0"/>
+                        </a:spcAft>
+                        <a:buClrTx/>
+                        <a:buSzTx/>
+                        <a:buFontTx/>
+                        <a:buNone/>
+                        <a:tabLst/>
+                        <a:defRPr/>
+                      </a:pPr>
+                      <a:r>
+                        <a:rPr lang="en-US" sz="1400" b="0" dirty="0">
+                          <a:solidFill>
+                            <a:schemeClr val="tx1"/>
+                          </a:solidFill>
+                        </a:rPr>
+                        <a:t>38.94</a:t>
+                      </a:r>
+                    </a:p>
+                  </a:txBody>
+                  <a:tcPr anchor="ctr">
+                    <a:lnL w="12700" cap="flat" cmpd="sng" algn="ctr">
+                      <a:noFill/>
+                      <a:prstDash val="solid"/>
+                      <a:round/>
+                      <a:headEnd type="none" w="med" len="med"/>
+                      <a:tailEnd type="none" w="med" len="med"/>
+                    </a:lnL>
+                    <a:lnR w="12700" cap="flat" cmpd="sng" algn="ctr">
+                      <a:noFill/>
+                      <a:prstDash val="solid"/>
+                      <a:round/>
+                      <a:headEnd type="none" w="med" len="med"/>
+                      <a:tailEnd type="none" w="med" len="med"/>
+                    </a:lnR>
+                    <a:lnT w="12700" cap="flat" cmpd="sng" algn="ctr">
+                      <a:noFill/>
+                      <a:prstDash val="solid"/>
+                      <a:round/>
+                      <a:headEnd type="none" w="med" len="med"/>
+                      <a:tailEnd type="none" w="med" len="med"/>
+                    </a:lnT>
+                    <a:lnB w="12700" cap="flat" cmpd="sng" algn="ctr">
+                      <a:noFill/>
+                      <a:prstDash val="solid"/>
+                      <a:round/>
+                      <a:headEnd type="none" w="med" len="med"/>
+                      <a:tailEnd type="none" w="med" len="med"/>
+                    </a:lnB>
+                    <a:lnTlToBr w="12700" cmpd="sng">
+                      <a:noFill/>
+                      <a:prstDash val="solid"/>
+                    </a:lnTlToBr>
+                    <a:lnBlToTr w="12700" cmpd="sng">
+                      <a:noFill/>
+                      <a:prstDash val="solid"/>
+                    </a:lnBlToTr>
+                    <a:noFill/>
+                  </a:tcPr>
+                </a:tc>
+                <a:extLst>
+                  <a:ext uri="{0D108BD9-81ED-4DB2-BD59-A6C34878D82A}">
+                    <a16:rowId xmlns:a16="http://schemas.microsoft.com/office/drawing/2014/main" val="1496921640"/>
+                  </a:ext>
+                </a:extLst>
+              </a:tr>
+              <a:tr h="275583">
+                <a:tc>
+                  <a:txBody>
+                    <a:bodyPr/>
+                    <a:lstStyle/>
+                    <a:p>
+                      <a:pPr algn="ctr"/>
+                      <a:r>
+                        <a:rPr lang="en-US" sz="1400" b="0" dirty="0">
+                          <a:solidFill>
+                            <a:schemeClr val="tx1"/>
+                          </a:solidFill>
+                        </a:rPr>
+                        <a:t>P4</a:t>
+                      </a:r>
+                    </a:p>
+                  </a:txBody>
+                  <a:tcPr anchor="ctr">
+                    <a:lnL w="12700" cap="flat" cmpd="sng" algn="ctr">
+                      <a:noFill/>
+                      <a:prstDash val="solid"/>
+                      <a:round/>
+                      <a:headEnd type="none" w="med" len="med"/>
+                      <a:tailEnd type="none" w="med" len="med"/>
+                    </a:lnL>
+                    <a:lnR w="12700" cap="flat" cmpd="sng" algn="ctr">
+                      <a:noFill/>
+                      <a:prstDash val="solid"/>
+                      <a:round/>
+                      <a:headEnd type="none" w="med" len="med"/>
+                      <a:tailEnd type="none" w="med" len="med"/>
+                    </a:lnR>
+                    <a:lnT w="12700" cap="flat" cmpd="sng" algn="ctr">
+                      <a:noFill/>
+                      <a:prstDash val="solid"/>
+                      <a:round/>
+                      <a:headEnd type="none" w="med" len="med"/>
+                      <a:tailEnd type="none" w="med" len="med"/>
+                    </a:lnT>
+                    <a:lnB w="12700" cap="flat" cmpd="sng" algn="ctr">
+                      <a:noFill/>
+                      <a:prstDash val="solid"/>
+                      <a:round/>
+                      <a:headEnd type="none" w="med" len="med"/>
+                      <a:tailEnd type="none" w="med" len="med"/>
+                    </a:lnB>
+                    <a:lnTlToBr w="12700" cmpd="sng">
+                      <a:noFill/>
+                      <a:prstDash val="solid"/>
+                    </a:lnTlToBr>
+                    <a:lnBlToTr w="12700" cmpd="sng">
+                      <a:noFill/>
+                      <a:prstDash val="solid"/>
+                    </a:lnBlToTr>
+                    <a:noFill/>
+                  </a:tcPr>
+                </a:tc>
+                <a:tc>
+                  <a:txBody>
+                    <a:bodyPr/>
+                    <a:lstStyle/>
+                    <a:p>
+                      <a:pPr algn="ctr"/>
+                      <a:r>
+                        <a:rPr lang="en-US" sz="1400" b="0" dirty="0">
+                          <a:solidFill>
+                            <a:schemeClr val="tx1"/>
+                          </a:solidFill>
+                        </a:rPr>
+                        <a:t>96,68</a:t>
+                      </a:r>
+                    </a:p>
+                  </a:txBody>
+                  <a:tcPr anchor="ctr">
+                    <a:lnL w="12700" cap="flat" cmpd="sng" algn="ctr">
+                      <a:noFill/>
+                      <a:prstDash val="solid"/>
+                      <a:round/>
+                      <a:headEnd type="none" w="med" len="med"/>
+                      <a:tailEnd type="none" w="med" len="med"/>
+                    </a:lnL>
+                    <a:lnR w="12700" cap="flat" cmpd="sng" algn="ctr">
+                      <a:noFill/>
+                      <a:prstDash val="solid"/>
+                      <a:round/>
+                      <a:headEnd type="none" w="med" len="med"/>
+                      <a:tailEnd type="none" w="med" len="med"/>
+                    </a:lnR>
+                    <a:lnT w="12700" cap="flat" cmpd="sng" algn="ctr">
+                      <a:noFill/>
+                      <a:prstDash val="solid"/>
+                      <a:round/>
+                      <a:headEnd type="none" w="med" len="med"/>
+                      <a:tailEnd type="none" w="med" len="med"/>
+                    </a:lnT>
+                    <a:lnB w="12700" cap="flat" cmpd="sng" algn="ctr">
+                      <a:noFill/>
+                      <a:prstDash val="solid"/>
+                      <a:round/>
+                      <a:headEnd type="none" w="med" len="med"/>
+                      <a:tailEnd type="none" w="med" len="med"/>
+                    </a:lnB>
+                    <a:lnTlToBr w="12700" cmpd="sng">
+                      <a:noFill/>
+                      <a:prstDash val="solid"/>
+                    </a:lnTlToBr>
+                    <a:lnBlToTr w="12700" cmpd="sng">
+                      <a:noFill/>
+                      <a:prstDash val="solid"/>
+                    </a:lnBlToTr>
+                    <a:noFill/>
+                  </a:tcPr>
+                </a:tc>
+                <a:tc>
+                  <a:txBody>
+                    <a:bodyPr/>
+                    <a:lstStyle/>
+                    <a:p>
+                      <a:pPr algn="ctr"/>
+                      <a:r>
+                        <a:rPr lang="en-US" sz="1400" b="0" dirty="0">
+                          <a:solidFill>
+                            <a:schemeClr val="tx1"/>
+                          </a:solidFill>
+                        </a:rPr>
+                        <a:t>86,152</a:t>
+                      </a:r>
+                    </a:p>
+                  </a:txBody>
+                  <a:tcPr anchor="ctr">
+                    <a:lnL w="12700" cap="flat" cmpd="sng" algn="ctr">
+                      <a:noFill/>
+                      <a:prstDash val="solid"/>
+                      <a:round/>
+                      <a:headEnd type="none" w="med" len="med"/>
+                      <a:tailEnd type="none" w="med" len="med"/>
+                    </a:lnL>
+                    <a:lnR w="12700" cap="flat" cmpd="sng" algn="ctr">
+                      <a:noFill/>
+                      <a:prstDash val="solid"/>
+                      <a:round/>
+                      <a:headEnd type="none" w="med" len="med"/>
+                      <a:tailEnd type="none" w="med" len="med"/>
+                    </a:lnR>
+                    <a:lnT w="12700" cap="flat" cmpd="sng" algn="ctr">
+                      <a:noFill/>
+                      <a:prstDash val="solid"/>
+                      <a:round/>
+                      <a:headEnd type="none" w="med" len="med"/>
+                      <a:tailEnd type="none" w="med" len="med"/>
+                    </a:lnT>
+                    <a:lnB w="12700" cap="flat" cmpd="sng" algn="ctr">
+                      <a:noFill/>
+                      <a:prstDash val="solid"/>
+                      <a:round/>
+                      <a:headEnd type="none" w="med" len="med"/>
+                      <a:tailEnd type="none" w="med" len="med"/>
+                    </a:lnB>
+                    <a:lnTlToBr w="12700" cmpd="sng">
+                      <a:noFill/>
+                      <a:prstDash val="solid"/>
+                    </a:lnTlToBr>
+                    <a:lnBlToTr w="12700" cmpd="sng">
+                      <a:noFill/>
+                      <a:prstDash val="solid"/>
+                    </a:lnBlToTr>
+                    <a:noFill/>
+                  </a:tcPr>
+                </a:tc>
+                <a:tc>
+                  <a:txBody>
+                    <a:bodyPr/>
+                    <a:lstStyle/>
+                    <a:p>
+                      <a:pPr algn="ctr"/>
+                      <a:r>
+                        <a:rPr lang="en-US" sz="1400" b="0" dirty="0">
+                          <a:solidFill>
+                            <a:schemeClr val="tx1"/>
+                          </a:solidFill>
+                        </a:rPr>
+                        <a:t>180,137</a:t>
+                      </a:r>
+                    </a:p>
+                  </a:txBody>
+                  <a:tcPr anchor="ctr">
+                    <a:lnL w="12700" cap="flat" cmpd="sng" algn="ctr">
+                      <a:noFill/>
+                      <a:prstDash val="solid"/>
+                      <a:round/>
+                      <a:headEnd type="none" w="med" len="med"/>
+                      <a:tailEnd type="none" w="med" len="med"/>
+                    </a:lnL>
+                    <a:lnR w="12700" cap="flat" cmpd="sng" algn="ctr">
+                      <a:noFill/>
+                      <a:prstDash val="solid"/>
+                      <a:round/>
+                      <a:headEnd type="none" w="med" len="med"/>
+                      <a:tailEnd type="none" w="med" len="med"/>
+                    </a:lnR>
+                    <a:lnT w="12700" cap="flat" cmpd="sng" algn="ctr">
+                      <a:noFill/>
+                      <a:prstDash val="solid"/>
+                      <a:round/>
+                      <a:headEnd type="none" w="med" len="med"/>
+                      <a:tailEnd type="none" w="med" len="med"/>
+                    </a:lnT>
+                    <a:lnB w="12700" cap="flat" cmpd="sng" algn="ctr">
+                      <a:noFill/>
+                      <a:prstDash val="solid"/>
+                      <a:round/>
+                      <a:headEnd type="none" w="med" len="med"/>
+                      <a:tailEnd type="none" w="med" len="med"/>
+                    </a:lnB>
+                    <a:lnTlToBr w="12700" cmpd="sng">
+                      <a:noFill/>
+                      <a:prstDash val="solid"/>
+                    </a:lnTlToBr>
+                    <a:lnBlToTr w="12700" cmpd="sng">
+                      <a:noFill/>
+                      <a:prstDash val="solid"/>
+                    </a:lnBlToTr>
+                    <a:noFill/>
+                  </a:tcPr>
+                </a:tc>
+                <a:extLst>
+                  <a:ext uri="{0D108BD9-81ED-4DB2-BD59-A6C34878D82A}">
+                    <a16:rowId xmlns:a16="http://schemas.microsoft.com/office/drawing/2014/main" val="84912624"/>
+                  </a:ext>
+                </a:extLst>
+              </a:tr>
+              <a:tr h="275583">
+                <a:tc>
+                  <a:txBody>
+                    <a:bodyPr/>
+                    <a:lstStyle/>
+                    <a:p>
+                      <a:pPr algn="ctr"/>
+                      <a:r>
+                        <a:rPr lang="en-US" sz="1400" b="0" dirty="0">
+                          <a:solidFill>
+                            <a:schemeClr val="tx1"/>
+                          </a:solidFill>
+                        </a:rPr>
+                        <a:t>P5</a:t>
+                      </a:r>
+                    </a:p>
+                  </a:txBody>
+                  <a:tcPr anchor="ctr">
+                    <a:lnL w="12700" cap="flat" cmpd="sng" algn="ctr">
+                      <a:noFill/>
+                      <a:prstDash val="solid"/>
+                      <a:round/>
+                      <a:headEnd type="none" w="med" len="med"/>
+                      <a:tailEnd type="none" w="med" len="med"/>
+                    </a:lnL>
+                    <a:lnR w="12700" cap="flat" cmpd="sng" algn="ctr">
+                      <a:noFill/>
+                      <a:prstDash val="solid"/>
+                      <a:round/>
+                      <a:headEnd type="none" w="med" len="med"/>
+                      <a:tailEnd type="none" w="med" len="med"/>
+                    </a:lnR>
+                    <a:lnT w="12700" cap="flat" cmpd="sng" algn="ctr">
+                      <a:noFill/>
+                      <a:prstDash val="solid"/>
+                      <a:round/>
+                      <a:headEnd type="none" w="med" len="med"/>
+                      <a:tailEnd type="none" w="med" len="med"/>
+                    </a:lnT>
+                    <a:lnB w="12700" cap="flat" cmpd="sng" algn="ctr">
+                      <a:noFill/>
+                      <a:prstDash val="solid"/>
+                      <a:round/>
+                      <a:headEnd type="none" w="med" len="med"/>
+                      <a:tailEnd type="none" w="med" len="med"/>
+                    </a:lnB>
+                    <a:lnTlToBr w="12700" cmpd="sng">
+                      <a:noFill/>
+                      <a:prstDash val="solid"/>
+                    </a:lnTlToBr>
+                    <a:lnBlToTr w="12700" cmpd="sng">
+                      <a:noFill/>
+                      <a:prstDash val="solid"/>
+                    </a:lnBlToTr>
+                    <a:noFill/>
+                  </a:tcPr>
+                </a:tc>
+                <a:tc>
+                  <a:txBody>
+                    <a:bodyPr/>
+                    <a:lstStyle/>
+                    <a:p>
+                      <a:pPr algn="ctr"/>
+                      <a:r>
+                        <a:rPr lang="en-US" sz="1400" b="0" dirty="0">
+                          <a:solidFill>
+                            <a:schemeClr val="tx1"/>
+                          </a:solidFill>
+                        </a:rPr>
+                        <a:t>140,301</a:t>
+                      </a:r>
+                    </a:p>
+                  </a:txBody>
+                  <a:tcPr anchor="ctr">
+                    <a:lnL w="12700" cap="flat" cmpd="sng" algn="ctr">
+                      <a:noFill/>
+                      <a:prstDash val="solid"/>
+                      <a:round/>
+                      <a:headEnd type="none" w="med" len="med"/>
+                      <a:tailEnd type="none" w="med" len="med"/>
+                    </a:lnL>
+                    <a:lnR w="12700" cap="flat" cmpd="sng" algn="ctr">
+                      <a:noFill/>
+                      <a:prstDash val="solid"/>
+                      <a:round/>
+                      <a:headEnd type="none" w="med" len="med"/>
+                      <a:tailEnd type="none" w="med" len="med"/>
+                    </a:lnR>
+                    <a:lnT w="12700" cap="flat" cmpd="sng" algn="ctr">
+                      <a:noFill/>
+                      <a:prstDash val="solid"/>
+                      <a:round/>
+                      <a:headEnd type="none" w="med" len="med"/>
+                      <a:tailEnd type="none" w="med" len="med"/>
+                    </a:lnT>
+                    <a:lnB w="12700" cap="flat" cmpd="sng" algn="ctr">
+                      <a:noFill/>
+                      <a:prstDash val="solid"/>
+                      <a:round/>
+                      <a:headEnd type="none" w="med" len="med"/>
+                      <a:tailEnd type="none" w="med" len="med"/>
+                    </a:lnB>
+                    <a:lnTlToBr w="12700" cmpd="sng">
+                      <a:noFill/>
+                      <a:prstDash val="solid"/>
+                    </a:lnTlToBr>
+                    <a:lnBlToTr w="12700" cmpd="sng">
+                      <a:noFill/>
+                      <a:prstDash val="solid"/>
+                    </a:lnBlToTr>
+                    <a:noFill/>
+                  </a:tcPr>
+                </a:tc>
+                <a:tc>
+                  <a:txBody>
+                    <a:bodyPr/>
+                    <a:lstStyle/>
+                    <a:p>
+                      <a:pPr algn="ctr"/>
+                      <a:r>
+                        <a:rPr lang="en-US" sz="1400" b="0" dirty="0">
+                          <a:solidFill>
+                            <a:schemeClr val="tx1"/>
+                          </a:solidFill>
+                        </a:rPr>
+                        <a:t>303,264</a:t>
+                      </a:r>
+                    </a:p>
+                  </a:txBody>
+                  <a:tcPr anchor="ctr">
+                    <a:lnL w="12700" cap="flat" cmpd="sng" algn="ctr">
+                      <a:noFill/>
+                      <a:prstDash val="solid"/>
+                      <a:round/>
+                      <a:headEnd type="none" w="med" len="med"/>
+                      <a:tailEnd type="none" w="med" len="med"/>
+                    </a:lnL>
+                    <a:lnR w="12700" cap="flat" cmpd="sng" algn="ctr">
+                      <a:noFill/>
+                      <a:prstDash val="solid"/>
+                      <a:round/>
+                      <a:headEnd type="none" w="med" len="med"/>
+                      <a:tailEnd type="none" w="med" len="med"/>
+                    </a:lnR>
+                    <a:lnT w="12700" cap="flat" cmpd="sng" algn="ctr">
+                      <a:noFill/>
+                      <a:prstDash val="solid"/>
+                      <a:round/>
+                      <a:headEnd type="none" w="med" len="med"/>
+                      <a:tailEnd type="none" w="med" len="med"/>
+                    </a:lnT>
+                    <a:lnB w="12700" cap="flat" cmpd="sng" algn="ctr">
+                      <a:noFill/>
+                      <a:prstDash val="solid"/>
+                      <a:round/>
+                      <a:headEnd type="none" w="med" len="med"/>
+                      <a:tailEnd type="none" w="med" len="med"/>
+                    </a:lnB>
+                    <a:lnTlToBr w="12700" cmpd="sng">
+                      <a:noFill/>
+                      <a:prstDash val="solid"/>
+                    </a:lnTlToBr>
+                    <a:lnBlToTr w="12700" cmpd="sng">
+                      <a:noFill/>
+                      <a:prstDash val="solid"/>
+                    </a:lnBlToTr>
+                    <a:noFill/>
+                  </a:tcPr>
+                </a:tc>
+                <a:tc>
+                  <a:txBody>
+                    <a:bodyPr/>
+                    <a:lstStyle/>
+                    <a:p>
+                      <a:pPr algn="ctr"/>
+                      <a:r>
+                        <a:rPr lang="en-US" sz="1400" b="0" dirty="0">
+                          <a:solidFill>
+                            <a:schemeClr val="tx1"/>
+                          </a:solidFill>
+                        </a:rPr>
+                        <a:t>238,542</a:t>
+                      </a:r>
+                    </a:p>
+                  </a:txBody>
+                  <a:tcPr anchor="ctr">
+                    <a:lnL w="12700" cap="flat" cmpd="sng" algn="ctr">
+                      <a:noFill/>
+                      <a:prstDash val="solid"/>
+                      <a:round/>
+                      <a:headEnd type="none" w="med" len="med"/>
+                      <a:tailEnd type="none" w="med" len="med"/>
+                    </a:lnL>
+                    <a:lnR w="12700" cap="flat" cmpd="sng" algn="ctr">
+                      <a:noFill/>
+                      <a:prstDash val="solid"/>
+                      <a:round/>
+                      <a:headEnd type="none" w="med" len="med"/>
+                      <a:tailEnd type="none" w="med" len="med"/>
+                    </a:lnR>
+                    <a:lnT w="12700" cap="flat" cmpd="sng" algn="ctr">
+                      <a:noFill/>
+                      <a:prstDash val="solid"/>
+                      <a:round/>
+                      <a:headEnd type="none" w="med" len="med"/>
+                      <a:tailEnd type="none" w="med" len="med"/>
+                    </a:lnT>
+                    <a:lnB w="12700" cap="flat" cmpd="sng" algn="ctr">
+                      <a:noFill/>
+                      <a:prstDash val="solid"/>
+                      <a:round/>
+                      <a:headEnd type="none" w="med" len="med"/>
+                      <a:tailEnd type="none" w="med" len="med"/>
+                    </a:lnB>
+                    <a:lnTlToBr w="12700" cmpd="sng">
+                      <a:noFill/>
+                      <a:prstDash val="solid"/>
+                    </a:lnTlToBr>
+                    <a:lnBlToTr w="12700" cmpd="sng">
+                      <a:noFill/>
+                      <a:prstDash val="solid"/>
+                    </a:lnBlToTr>
+                    <a:noFill/>
+                  </a:tcPr>
+                </a:tc>
+                <a:extLst>
+                  <a:ext uri="{0D108BD9-81ED-4DB2-BD59-A6C34878D82A}">
+                    <a16:rowId xmlns:a16="http://schemas.microsoft.com/office/drawing/2014/main" val="2225138725"/>
+                  </a:ext>
+                </a:extLst>
+              </a:tr>
+              <a:tr h="275583">
+                <a:tc>
+                  <a:txBody>
+                    <a:bodyPr/>
+                    <a:lstStyle/>
+                    <a:p>
+                      <a:pPr algn="ctr"/>
+                      <a:r>
+                        <a:rPr lang="en-US" sz="1400" b="0" dirty="0">
+                          <a:solidFill>
+                            <a:schemeClr val="tx1"/>
+                          </a:solidFill>
+                        </a:rPr>
+                        <a:t>P6 [coarsest]</a:t>
+                      </a:r>
+                    </a:p>
+                  </a:txBody>
+                  <a:tcPr anchor="ctr">
+                    <a:lnL w="12700" cap="flat" cmpd="sng" algn="ctr">
+                      <a:noFill/>
+                      <a:prstDash val="solid"/>
+                      <a:round/>
+                      <a:headEnd type="none" w="med" len="med"/>
+                      <a:tailEnd type="none" w="med" len="med"/>
+                    </a:lnL>
+                    <a:lnR w="12700" cap="flat" cmpd="sng" algn="ctr">
+                      <a:noFill/>
+                      <a:prstDash val="solid"/>
+                      <a:round/>
+                      <a:headEnd type="none" w="med" len="med"/>
+                      <a:tailEnd type="none" w="med" len="med"/>
+                    </a:lnR>
+                    <a:lnT w="12700" cap="flat" cmpd="sng" algn="ctr">
+                      <a:noFill/>
+                      <a:prstDash val="solid"/>
+                      <a:round/>
+                      <a:headEnd type="none" w="med" len="med"/>
+                      <a:tailEnd type="none" w="med" len="med"/>
+                    </a:lnT>
+                    <a:lnB w="12700" cap="flat" cmpd="sng" algn="ctr">
+                      <a:noFill/>
+                      <a:prstDash val="solid"/>
+                      <a:round/>
+                      <a:headEnd type="none" w="med" len="med"/>
+                      <a:tailEnd type="none" w="med" len="med"/>
+                    </a:lnB>
+                    <a:lnTlToBr w="12700" cmpd="sng">
+                      <a:noFill/>
+                      <a:prstDash val="solid"/>
+                    </a:lnTlToBr>
+                    <a:lnBlToTr w="12700" cmpd="sng">
+                      <a:noFill/>
+                      <a:prstDash val="solid"/>
+                    </a:lnBlToTr>
+                    <a:noFill/>
+                  </a:tcPr>
+                </a:tc>
+                <a:tc>
+                  <a:txBody>
+                    <a:bodyPr/>
+                    <a:lstStyle/>
+                    <a:p>
+                      <a:pPr algn="ctr"/>
+                      <a:r>
+                        <a:rPr lang="en-US" sz="1400" b="0" dirty="0">
+                          <a:solidFill>
+                            <a:schemeClr val="tx1"/>
+                          </a:solidFill>
+                        </a:rPr>
+                        <a:t>436,615</a:t>
+                      </a:r>
+                    </a:p>
+                  </a:txBody>
+                  <a:tcPr anchor="ctr">
+                    <a:lnL w="12700" cap="flat" cmpd="sng" algn="ctr">
+                      <a:noFill/>
+                      <a:prstDash val="solid"/>
+                      <a:round/>
+                      <a:headEnd type="none" w="med" len="med"/>
+                      <a:tailEnd type="none" w="med" len="med"/>
+                    </a:lnL>
+                    <a:lnR w="12700" cap="flat" cmpd="sng" algn="ctr">
+                      <a:noFill/>
+                      <a:prstDash val="solid"/>
+                      <a:round/>
+                      <a:headEnd type="none" w="med" len="med"/>
+                      <a:tailEnd type="none" w="med" len="med"/>
+                    </a:lnR>
+                    <a:lnT w="12700" cap="flat" cmpd="sng" algn="ctr">
+                      <a:noFill/>
+                      <a:prstDash val="solid"/>
+                      <a:round/>
+                      <a:headEnd type="none" w="med" len="med"/>
+                      <a:tailEnd type="none" w="med" len="med"/>
+                    </a:lnT>
+                    <a:lnB w="12700" cap="flat" cmpd="sng" algn="ctr">
+                      <a:noFill/>
+                      <a:prstDash val="solid"/>
+                      <a:round/>
+                      <a:headEnd type="none" w="med" len="med"/>
+                      <a:tailEnd type="none" w="med" len="med"/>
+                    </a:lnB>
+                    <a:lnTlToBr w="12700" cmpd="sng">
+                      <a:noFill/>
+                      <a:prstDash val="solid"/>
+                    </a:lnTlToBr>
+                    <a:lnBlToTr w="12700" cmpd="sng">
+                      <a:noFill/>
+                      <a:prstDash val="solid"/>
+                    </a:lnBlToTr>
+                    <a:noFill/>
+                  </a:tcPr>
+                </a:tc>
+                <a:tc>
+                  <a:txBody>
+                    <a:bodyPr/>
+                    <a:lstStyle/>
+                    <a:p>
+                      <a:pPr algn="ctr"/>
+                      <a:r>
+                        <a:rPr lang="en-US" sz="1400" b="0" dirty="0">
+                          <a:solidFill>
+                            <a:schemeClr val="tx1"/>
+                          </a:solidFill>
+                        </a:rPr>
+                        <a:t>739,380</a:t>
+                      </a:r>
+                    </a:p>
+                  </a:txBody>
+                  <a:tcPr anchor="ctr">
+                    <a:lnL w="12700" cap="flat" cmpd="sng" algn="ctr">
+                      <a:noFill/>
+                      <a:prstDash val="solid"/>
+                      <a:round/>
+                      <a:headEnd type="none" w="med" len="med"/>
+                      <a:tailEnd type="none" w="med" len="med"/>
+                    </a:lnL>
+                    <a:lnR w="12700" cap="flat" cmpd="sng" algn="ctr">
+                      <a:noFill/>
+                      <a:prstDash val="solid"/>
+                      <a:round/>
+                      <a:headEnd type="none" w="med" len="med"/>
+                      <a:tailEnd type="none" w="med" len="med"/>
+                    </a:lnR>
+                    <a:lnT w="12700" cap="flat" cmpd="sng" algn="ctr">
+                      <a:noFill/>
+                      <a:prstDash val="solid"/>
+                      <a:round/>
+                      <a:headEnd type="none" w="med" len="med"/>
+                      <a:tailEnd type="none" w="med" len="med"/>
+                    </a:lnT>
+                    <a:lnB w="12700" cap="flat" cmpd="sng" algn="ctr">
+                      <a:noFill/>
+                      <a:prstDash val="solid"/>
+                      <a:round/>
+                      <a:headEnd type="none" w="med" len="med"/>
+                      <a:tailEnd type="none" w="med" len="med"/>
+                    </a:lnB>
+                    <a:lnTlToBr w="12700" cmpd="sng">
+                      <a:noFill/>
+                      <a:prstDash val="solid"/>
+                    </a:lnTlToBr>
+                    <a:lnBlToTr w="12700" cmpd="sng">
+                      <a:noFill/>
+                      <a:prstDash val="solid"/>
+                    </a:lnBlToTr>
+                    <a:noFill/>
+                  </a:tcPr>
+                </a:tc>
+                <a:tc>
+                  <a:txBody>
+                    <a:bodyPr/>
+                    <a:lstStyle/>
+                    <a:p>
+                      <a:pPr algn="ctr"/>
+                      <a:r>
+                        <a:rPr lang="en-US" sz="1400" b="0" dirty="0">
+                          <a:solidFill>
+                            <a:schemeClr val="tx1"/>
+                          </a:solidFill>
+                        </a:rPr>
+                        <a:t>925,792</a:t>
+                      </a:r>
+                    </a:p>
+                  </a:txBody>
+                  <a:tcPr anchor="ctr">
+                    <a:lnL w="12700" cap="flat" cmpd="sng" algn="ctr">
+                      <a:noFill/>
+                      <a:prstDash val="solid"/>
+                      <a:round/>
+                      <a:headEnd type="none" w="med" len="med"/>
+                      <a:tailEnd type="none" w="med" len="med"/>
+                    </a:lnL>
+                    <a:lnR w="12700" cap="flat" cmpd="sng" algn="ctr">
+                      <a:noFill/>
+                      <a:prstDash val="solid"/>
+                      <a:round/>
+                      <a:headEnd type="none" w="med" len="med"/>
+                      <a:tailEnd type="none" w="med" len="med"/>
+                    </a:lnR>
+                    <a:lnT w="12700" cap="flat" cmpd="sng" algn="ctr">
+                      <a:noFill/>
+                      <a:prstDash val="solid"/>
+                      <a:round/>
+                      <a:headEnd type="none" w="med" len="med"/>
+                      <a:tailEnd type="none" w="med" len="med"/>
+                    </a:lnT>
+                    <a:lnB w="12700" cap="flat" cmpd="sng" algn="ctr">
+                      <a:noFill/>
+                      <a:prstDash val="solid"/>
+                      <a:round/>
+                      <a:headEnd type="none" w="med" len="med"/>
+                      <a:tailEnd type="none" w="med" len="med"/>
+                    </a:lnB>
+                    <a:lnTlToBr w="12700" cmpd="sng">
+                      <a:noFill/>
+                      <a:prstDash val="solid"/>
+                    </a:lnTlToBr>
+                    <a:lnBlToTr w="12700" cmpd="sng">
+                      <a:noFill/>
+                      <a:prstDash val="solid"/>
+                    </a:lnBlToTr>
+                    <a:noFill/>
+                  </a:tcPr>
+                </a:tc>
+                <a:extLst>
+                  <a:ext uri="{0D108BD9-81ED-4DB2-BD59-A6C34878D82A}">
+                    <a16:rowId xmlns:a16="http://schemas.microsoft.com/office/drawing/2014/main" val="1024586868"/>
+                  </a:ext>
+                </a:extLst>
+              </a:tr>
+            </a:tbl>
+          </a:graphicData>
+        </a:graphic>
+      </p:graphicFrame>
+      <p:pic>
+        <p:nvPicPr>
+          <p:cNvPr id="8" name="Picture 7">
+            <a:extLst>
+              <a:ext uri="{FF2B5EF4-FFF2-40B4-BE49-F238E27FC236}">
+                <a16:creationId xmlns:a16="http://schemas.microsoft.com/office/drawing/2014/main" id="{D12B41D7-25BB-24AE-0DE7-6BFB41338A12}"/>
+              </a:ext>
+            </a:extLst>
+          </p:cNvPr>
+          <p:cNvPicPr>
+            <a:picLocks noChangeAspect="1"/>
+          </p:cNvPicPr>
+          <p:nvPr/>
+        </p:nvPicPr>
+        <p:blipFill>
+          <a:blip r:embed="rId2"/>
+          <a:stretch>
+            <a:fillRect/>
+          </a:stretch>
+        </p:blipFill>
+        <p:spPr>
+          <a:xfrm>
+            <a:off x="6343650" y="3538762"/>
+            <a:ext cx="4381880" cy="2110923"/>
+          </a:xfrm>
+          <a:prstGeom prst="rect">
+            <a:avLst/>
+          </a:prstGeom>
+        </p:spPr>
+      </p:pic>
+    </p:spTree>
+    <p:extLst>
+      <p:ext uri="{BB962C8B-B14F-4D97-AF65-F5344CB8AC3E}">
+        <p14:creationId xmlns:p14="http://schemas.microsoft.com/office/powerpoint/2010/main" val="320758591"/>
       </p:ext>
     </p:extLst>
   </p:cSld>

--- a/yolov7/doc/networks.pptx
+++ b/yolov7/doc/networks.pptx
@@ -19,6 +19,8 @@
     <p:sldId id="268" r:id="rId13"/>
     <p:sldId id="269" r:id="rId14"/>
     <p:sldId id="270" r:id="rId15"/>
+    <p:sldId id="271" r:id="rId16"/>
+    <p:sldId id="272" r:id="rId17"/>
   </p:sldIdLst>
   <p:sldSz cx="12192000" cy="6858000"/>
   <p:notesSz cx="6858000" cy="9144000"/>
@@ -117,6 +119,11 @@
       </a:defRPr>
     </a:lvl9pPr>
   </p:defaultTextStyle>
+  <p:extLst>
+    <p:ext uri="{EFAFB233-063F-42B5-8137-9DF3F51BA10A}">
+      <p15:sldGuideLst xmlns:p15="http://schemas.microsoft.com/office/powerpoint/2012/main"/>
+    </p:ext>
+  </p:extLst>
 </p:presentation>
 </file>
 
@@ -267,7 +274,7 @@
           <a:p>
             <a:fld id="{D8F2F205-24F8-4489-8B05-D7769DC60EDD}" type="datetimeFigureOut">
               <a:rPr lang="en-US" smtClean="0"/>
-              <a:t>9/10/2025</a:t>
+              <a:t>9/17/2025</a:t>
             </a:fld>
             <a:endParaRPr lang="en-US"/>
           </a:p>
@@ -465,7 +472,7 @@
           <a:p>
             <a:fld id="{D8F2F205-24F8-4489-8B05-D7769DC60EDD}" type="datetimeFigureOut">
               <a:rPr lang="en-US" smtClean="0"/>
-              <a:t>9/10/2025</a:t>
+              <a:t>9/17/2025</a:t>
             </a:fld>
             <a:endParaRPr lang="en-US"/>
           </a:p>
@@ -673,7 +680,7 @@
           <a:p>
             <a:fld id="{D8F2F205-24F8-4489-8B05-D7769DC60EDD}" type="datetimeFigureOut">
               <a:rPr lang="en-US" smtClean="0"/>
-              <a:t>9/10/2025</a:t>
+              <a:t>9/17/2025</a:t>
             </a:fld>
             <a:endParaRPr lang="en-US"/>
           </a:p>
@@ -871,7 +878,7 @@
           <a:p>
             <a:fld id="{D8F2F205-24F8-4489-8B05-D7769DC60EDD}" type="datetimeFigureOut">
               <a:rPr lang="en-US" smtClean="0"/>
-              <a:t>9/10/2025</a:t>
+              <a:t>9/17/2025</a:t>
             </a:fld>
             <a:endParaRPr lang="en-US"/>
           </a:p>
@@ -1146,7 +1153,7 @@
           <a:p>
             <a:fld id="{D8F2F205-24F8-4489-8B05-D7769DC60EDD}" type="datetimeFigureOut">
               <a:rPr lang="en-US" smtClean="0"/>
-              <a:t>9/10/2025</a:t>
+              <a:t>9/17/2025</a:t>
             </a:fld>
             <a:endParaRPr lang="en-US"/>
           </a:p>
@@ -1411,7 +1418,7 @@
           <a:p>
             <a:fld id="{D8F2F205-24F8-4489-8B05-D7769DC60EDD}" type="datetimeFigureOut">
               <a:rPr lang="en-US" smtClean="0"/>
-              <a:t>9/10/2025</a:t>
+              <a:t>9/17/2025</a:t>
             </a:fld>
             <a:endParaRPr lang="en-US"/>
           </a:p>
@@ -1823,7 +1830,7 @@
           <a:p>
             <a:fld id="{D8F2F205-24F8-4489-8B05-D7769DC60EDD}" type="datetimeFigureOut">
               <a:rPr lang="en-US" smtClean="0"/>
-              <a:t>9/10/2025</a:t>
+              <a:t>9/17/2025</a:t>
             </a:fld>
             <a:endParaRPr lang="en-US"/>
           </a:p>
@@ -1964,7 +1971,7 @@
           <a:p>
             <a:fld id="{D8F2F205-24F8-4489-8B05-D7769DC60EDD}" type="datetimeFigureOut">
               <a:rPr lang="en-US" smtClean="0"/>
-              <a:t>9/10/2025</a:t>
+              <a:t>9/17/2025</a:t>
             </a:fld>
             <a:endParaRPr lang="en-US"/>
           </a:p>
@@ -2077,7 +2084,7 @@
           <a:p>
             <a:fld id="{D8F2F205-24F8-4489-8B05-D7769DC60EDD}" type="datetimeFigureOut">
               <a:rPr lang="en-US" smtClean="0"/>
-              <a:t>9/10/2025</a:t>
+              <a:t>9/17/2025</a:t>
             </a:fld>
             <a:endParaRPr lang="en-US"/>
           </a:p>
@@ -2388,7 +2395,7 @@
           <a:p>
             <a:fld id="{D8F2F205-24F8-4489-8B05-D7769DC60EDD}" type="datetimeFigureOut">
               <a:rPr lang="en-US" smtClean="0"/>
-              <a:t>9/10/2025</a:t>
+              <a:t>9/17/2025</a:t>
             </a:fld>
             <a:endParaRPr lang="en-US"/>
           </a:p>
@@ -2676,7 +2683,7 @@
           <a:p>
             <a:fld id="{D8F2F205-24F8-4489-8B05-D7769DC60EDD}" type="datetimeFigureOut">
               <a:rPr lang="en-US" smtClean="0"/>
-              <a:t>9/10/2025</a:t>
+              <a:t>9/17/2025</a:t>
             </a:fld>
             <a:endParaRPr lang="en-US"/>
           </a:p>
@@ -2917,7 +2924,7 @@
           <a:p>
             <a:fld id="{D8F2F205-24F8-4489-8B05-D7769DC60EDD}" type="datetimeFigureOut">
               <a:rPr lang="en-US" smtClean="0"/>
-              <a:t>9/10/2025</a:t>
+              <a:t>9/17/2025</a:t>
             </a:fld>
             <a:endParaRPr lang="en-US"/>
           </a:p>
@@ -3445,8 +3452,8 @@
           </a:p>
         </p:txBody>
       </p:sp>
-      <mc:AlternateContent xmlns:mc="http://schemas.openxmlformats.org/markup-compatibility/2006">
-        <mc:Choice xmlns:a14="http://schemas.microsoft.com/office/drawing/2010/main" Requires="a14">
+      <mc:AlternateContent xmlns:mc="http://schemas.openxmlformats.org/markup-compatibility/2006" xmlns:a14="http://schemas.microsoft.com/office/drawing/2010/main">
+        <mc:Choice Requires="a14">
           <p:sp>
             <p:nvSpPr>
               <p:cNvPr id="5" name="TextBox 4">
@@ -4250,7 +4257,7 @@
             </p:txBody>
           </p:sp>
         </mc:Choice>
-        <mc:Fallback>
+        <mc:Fallback xmlns="">
           <p:sp>
             <p:nvSpPr>
               <p:cNvPr id="5" name="TextBox 4">
@@ -5574,8 +5581,8 @@
           </a:p>
         </p:txBody>
       </p:sp>
-      <mc:AlternateContent xmlns:mc="http://schemas.openxmlformats.org/markup-compatibility/2006">
-        <mc:Choice xmlns:a14="http://schemas.microsoft.com/office/drawing/2010/main" Requires="a14">
+      <mc:AlternateContent xmlns:mc="http://schemas.openxmlformats.org/markup-compatibility/2006" xmlns:a14="http://schemas.microsoft.com/office/drawing/2010/main">
+        <mc:Choice Requires="a14">
           <p:sp>
             <p:nvSpPr>
               <p:cNvPr id="5" name="TextBox 4">
@@ -5786,7 +5793,7 @@
             </p:txBody>
           </p:sp>
         </mc:Choice>
-        <mc:Fallback>
+        <mc:Fallback xmlns="">
           <p:sp>
             <p:nvSpPr>
               <p:cNvPr id="5" name="TextBox 4">
@@ -6341,8 +6348,8 @@
           </a:graphicData>
         </a:graphic>
       </p:graphicFrame>
-      <mc:AlternateContent xmlns:mc="http://schemas.openxmlformats.org/markup-compatibility/2006">
-        <mc:Choice xmlns:a14="http://schemas.microsoft.com/office/drawing/2010/main" Requires="a14">
+      <mc:AlternateContent xmlns:mc="http://schemas.openxmlformats.org/markup-compatibility/2006" xmlns:a14="http://schemas.microsoft.com/office/drawing/2010/main">
+        <mc:Choice Requires="a14">
           <p:sp>
             <p:nvSpPr>
               <p:cNvPr id="7" name="TextBox 6">
@@ -6371,6 +6378,7 @@
               </a:bodyPr>
               <a:lstStyle/>
               <a:p>
+                <a:pPr/>
                 <a14:m>
                   <m:oMathPara xmlns:m="http://schemas.openxmlformats.org/officeDocument/2006/math">
                     <m:oMathParaPr>
@@ -6434,7 +6442,7 @@
             </p:txBody>
           </p:sp>
         </mc:Choice>
-        <mc:Fallback>
+        <mc:Fallback xmlns="">
           <p:sp>
             <p:nvSpPr>
               <p:cNvPr id="7" name="TextBox 6">
@@ -9038,8 +9046,8 @@
           </a:graphicData>
         </a:graphic>
       </p:graphicFrame>
-      <mc:AlternateContent xmlns:mc="http://schemas.openxmlformats.org/markup-compatibility/2006">
-        <mc:Choice xmlns:a14="http://schemas.microsoft.com/office/drawing/2010/main" Requires="a14">
+      <mc:AlternateContent xmlns:mc="http://schemas.openxmlformats.org/markup-compatibility/2006" xmlns:a14="http://schemas.microsoft.com/office/drawing/2010/main">
+        <mc:Choice Requires="a14">
           <p:sp>
             <p:nvSpPr>
               <p:cNvPr id="19" name="TextBox 18">
@@ -9419,7 +9427,7 @@
             </p:txBody>
           </p:sp>
         </mc:Choice>
-        <mc:Fallback>
+        <mc:Fallback xmlns="">
           <p:sp>
             <p:nvSpPr>
               <p:cNvPr id="19" name="TextBox 18">
@@ -11878,8 +11886,8 @@
           </p:txBody>
         </p:sp>
       </p:grpSp>
-      <mc:AlternateContent xmlns:mc="http://schemas.openxmlformats.org/markup-compatibility/2006">
-        <mc:Choice xmlns:a14="http://schemas.microsoft.com/office/drawing/2010/main" Requires="a14">
+      <mc:AlternateContent xmlns:mc="http://schemas.openxmlformats.org/markup-compatibility/2006" xmlns:a14="http://schemas.microsoft.com/office/drawing/2010/main">
+        <mc:Choice Requires="a14">
           <p:sp>
             <p:nvSpPr>
               <p:cNvPr id="70" name="TextBox 69">
@@ -11908,6 +11916,7 @@
               </a:bodyPr>
               <a:lstStyle/>
               <a:p>
+                <a:pPr/>
                 <a14:m>
                   <m:oMathPara xmlns:m="http://schemas.openxmlformats.org/officeDocument/2006/math">
                     <m:oMathParaPr>
@@ -11973,6 +11982,7 @@
                 </a:endParaRPr>
               </a:p>
               <a:p>
+                <a:pPr/>
                 <a14:m>
                   <m:oMathPara xmlns:m="http://schemas.openxmlformats.org/officeDocument/2006/math">
                     <m:oMathParaPr>
@@ -12030,7 +12040,7 @@
             </p:txBody>
           </p:sp>
         </mc:Choice>
-        <mc:Fallback>
+        <mc:Fallback xmlns="">
           <p:sp>
             <p:nvSpPr>
               <p:cNvPr id="70" name="TextBox 69">
@@ -12272,8 +12282,8 @@
           </a:p>
         </p:txBody>
       </p:sp>
-      <mc:AlternateContent xmlns:mc="http://schemas.openxmlformats.org/markup-compatibility/2006">
-        <mc:Choice xmlns:a14="http://schemas.microsoft.com/office/drawing/2010/main" Requires="a14">
+      <mc:AlternateContent xmlns:mc="http://schemas.openxmlformats.org/markup-compatibility/2006" xmlns:a14="http://schemas.microsoft.com/office/drawing/2010/main">
+        <mc:Choice Requires="a14">
           <p:sp>
             <p:nvSpPr>
               <p:cNvPr id="5" name="TextBox 4">
@@ -12587,19 +12597,7 @@
                       <a:rPr lang="en-US" b="0" i="1" smtClean="0">
                         <a:latin typeface="Cambria Math" panose="02040503050406030204" pitchFamily="18" charset="0"/>
                       </a:rPr>
-                      <m:t>−0.5</m:t>
-                    </m:r>
-                    <m:r>
-                      <a:rPr lang="en-US" b="0" i="1" smtClean="0">
-                        <a:latin typeface="Cambria Math" panose="02040503050406030204" pitchFamily="18" charset="0"/>
-                      </a:rPr>
-                      <m:t>≤</m:t>
-                    </m:r>
-                    <m:r>
-                      <a:rPr lang="en-US" b="0" i="1" smtClean="0">
-                        <a:latin typeface="Cambria Math" panose="02040503050406030204" pitchFamily="18" charset="0"/>
-                      </a:rPr>
-                      <m:t>1.5</m:t>
+                      <m:t>−0.5≤1.5</m:t>
                     </m:r>
                   </m:oMath>
                 </a14:m>
@@ -12922,7 +12920,7 @@
             </p:txBody>
           </p:sp>
         </mc:Choice>
-        <mc:Fallback>
+        <mc:Fallback xmlns="">
           <p:sp>
             <p:nvSpPr>
               <p:cNvPr id="5" name="TextBox 4">
@@ -14519,6 +14517,1260 @@
 </p:sld>
 </file>
 
+<file path=ppt/slides/slide15.xml><?xml version="1.0" encoding="utf-8"?>
+<p:sld xmlns:a="http://schemas.openxmlformats.org/drawingml/2006/main" xmlns:r="http://schemas.openxmlformats.org/officeDocument/2006/relationships" xmlns:p="http://schemas.openxmlformats.org/presentationml/2006/main">
+  <p:cSld>
+    <p:spTree>
+      <p:nvGrpSpPr>
+        <p:cNvPr id="1" name=""/>
+        <p:cNvGrpSpPr/>
+        <p:nvPr/>
+      </p:nvGrpSpPr>
+      <p:grpSpPr>
+        <a:xfrm>
+          <a:off x="0" y="0"/>
+          <a:ext cx="0" cy="0"/>
+          <a:chOff x="0" y="0"/>
+          <a:chExt cx="0" cy="0"/>
+        </a:xfrm>
+      </p:grpSpPr>
+      <p:sp>
+        <p:nvSpPr>
+          <p:cNvPr id="4" name="TextBox 3">
+            <a:extLst>
+              <a:ext uri="{FF2B5EF4-FFF2-40B4-BE49-F238E27FC236}">
+                <a16:creationId xmlns:a16="http://schemas.microsoft.com/office/drawing/2014/main" id="{5CFD2B9C-DEAE-6A98-060E-A77A9E1CD48C}"/>
+              </a:ext>
+            </a:extLst>
+          </p:cNvPr>
+          <p:cNvSpPr txBox="1"/>
+          <p:nvPr/>
+        </p:nvSpPr>
+        <p:spPr>
+          <a:xfrm>
+            <a:off x="508000" y="462103"/>
+            <a:ext cx="9613900" cy="523220"/>
+          </a:xfrm>
+          <a:prstGeom prst="rect">
+            <a:avLst/>
+          </a:prstGeom>
+          <a:noFill/>
+        </p:spPr>
+        <p:txBody>
+          <a:bodyPr wrap="square" rtlCol="0">
+            <a:spAutoFit/>
+          </a:bodyPr>
+          <a:lstStyle/>
+          <a:p>
+            <a:r>
+              <a:rPr lang="en-US" sz="2800" b="1" dirty="0"/>
+              <a:t>Input</a:t>
+            </a:r>
+          </a:p>
+        </p:txBody>
+      </p:sp>
+      <p:sp>
+        <p:nvSpPr>
+          <p:cNvPr id="5" name="TextBox 4">
+            <a:extLst>
+              <a:ext uri="{FF2B5EF4-FFF2-40B4-BE49-F238E27FC236}">
+                <a16:creationId xmlns:a16="http://schemas.microsoft.com/office/drawing/2014/main" id="{98D0150E-8941-AC99-5C64-38AA7F5F67A9}"/>
+              </a:ext>
+            </a:extLst>
+          </p:cNvPr>
+          <p:cNvSpPr txBox="1"/>
+          <p:nvPr/>
+        </p:nvSpPr>
+        <p:spPr>
+          <a:xfrm>
+            <a:off x="508000" y="985323"/>
+            <a:ext cx="10922000" cy="5184561"/>
+          </a:xfrm>
+          <a:prstGeom prst="rect">
+            <a:avLst/>
+          </a:prstGeom>
+          <a:noFill/>
+        </p:spPr>
+        <p:txBody>
+          <a:bodyPr wrap="square" rtlCol="0">
+            <a:spAutoFit/>
+          </a:bodyPr>
+          <a:lstStyle/>
+          <a:p>
+            <a:pPr>
+              <a:lnSpc>
+                <a:spcPct val="130000"/>
+              </a:lnSpc>
+            </a:pPr>
+            <a:r>
+              <a:rPr lang="en-US" dirty="0">
+                <a:latin typeface="Courier New" panose="02070309020205020404" pitchFamily="49" charset="0"/>
+                <a:cs typeface="Courier New" panose="02070309020205020404" pitchFamily="49" charset="0"/>
+              </a:rPr>
+              <a:t>image</a:t>
+            </a:r>
+            <a:r>
+              <a:rPr lang="en-US" dirty="0"/>
+              <a:t> is </a:t>
+            </a:r>
+            <a:r>
+              <a:rPr lang="en-US" dirty="0" err="1"/>
+              <a:t>BxCxHxW</a:t>
+            </a:r>
+            <a:r>
+              <a:rPr lang="en-US" dirty="0"/>
+              <a:t> uint8 tensor and normalized by /255 before passing to model</a:t>
+            </a:r>
+          </a:p>
+          <a:p>
+            <a:pPr>
+              <a:lnSpc>
+                <a:spcPct val="130000"/>
+              </a:lnSpc>
+            </a:pPr>
+            <a:r>
+              <a:rPr lang="en-US" dirty="0">
+                <a:latin typeface="Courier New" panose="02070309020205020404" pitchFamily="49" charset="0"/>
+                <a:cs typeface="Courier New" panose="02070309020205020404" pitchFamily="49" charset="0"/>
+              </a:rPr>
+              <a:t>target-label</a:t>
+            </a:r>
+            <a:r>
+              <a:rPr lang="en-US" dirty="0"/>
+              <a:t> is Bx6 where 6 is for </a:t>
+            </a:r>
+          </a:p>
+          <a:p>
+            <a:pPr algn="ctr">
+              <a:lnSpc>
+                <a:spcPct val="130000"/>
+              </a:lnSpc>
+              <a:spcBef>
+                <a:spcPts val="300"/>
+              </a:spcBef>
+              <a:spcAft>
+                <a:spcPts val="300"/>
+              </a:spcAft>
+            </a:pPr>
+            <a:r>
+              <a:rPr lang="en-US" dirty="0"/>
+              <a:t>  [</a:t>
+            </a:r>
+            <a:r>
+              <a:rPr lang="en-US" dirty="0">
+                <a:latin typeface="Courier New" panose="02070309020205020404" pitchFamily="49" charset="0"/>
+                <a:cs typeface="Courier New" panose="02070309020205020404" pitchFamily="49" charset="0"/>
+              </a:rPr>
+              <a:t>image-index, class, x</a:t>
+            </a:r>
+            <a:r>
+              <a:rPr lang="en-US" baseline="-25000" dirty="0">
+                <a:latin typeface="Courier New" panose="02070309020205020404" pitchFamily="49" charset="0"/>
+                <a:cs typeface="Courier New" panose="02070309020205020404" pitchFamily="49" charset="0"/>
+              </a:rPr>
+              <a:t>c</a:t>
+            </a:r>
+            <a:r>
+              <a:rPr lang="en-US" dirty="0">
+                <a:latin typeface="Courier New" panose="02070309020205020404" pitchFamily="49" charset="0"/>
+                <a:cs typeface="Courier New" panose="02070309020205020404" pitchFamily="49" charset="0"/>
+              </a:rPr>
+              <a:t>, </a:t>
+            </a:r>
+            <a:r>
+              <a:rPr lang="en-US" dirty="0" err="1">
+                <a:latin typeface="Courier New" panose="02070309020205020404" pitchFamily="49" charset="0"/>
+                <a:cs typeface="Courier New" panose="02070309020205020404" pitchFamily="49" charset="0"/>
+              </a:rPr>
+              <a:t>y</a:t>
+            </a:r>
+            <a:r>
+              <a:rPr lang="en-US" baseline="-25000" dirty="0" err="1">
+                <a:latin typeface="Courier New" panose="02070309020205020404" pitchFamily="49" charset="0"/>
+                <a:cs typeface="Courier New" panose="02070309020205020404" pitchFamily="49" charset="0"/>
+              </a:rPr>
+              <a:t>c</a:t>
+            </a:r>
+            <a:r>
+              <a:rPr lang="en-US" dirty="0">
+                <a:latin typeface="Courier New" panose="02070309020205020404" pitchFamily="49" charset="0"/>
+                <a:cs typeface="Courier New" panose="02070309020205020404" pitchFamily="49" charset="0"/>
+              </a:rPr>
+              <a:t>, w, h</a:t>
+            </a:r>
+            <a:r>
+              <a:rPr lang="en-US" dirty="0"/>
+              <a:t>]</a:t>
+            </a:r>
+          </a:p>
+          <a:p>
+            <a:pPr>
+              <a:lnSpc>
+                <a:spcPct val="130000"/>
+              </a:lnSpc>
+            </a:pPr>
+            <a:r>
+              <a:rPr lang="en-US" dirty="0">
+                <a:latin typeface="Courier New" panose="02070309020205020404" pitchFamily="49" charset="0"/>
+                <a:cs typeface="Courier New" panose="02070309020205020404" pitchFamily="49" charset="0"/>
+              </a:rPr>
+              <a:t>image-index</a:t>
+            </a:r>
+            <a:r>
+              <a:rPr lang="en-US" dirty="0"/>
+              <a:t>: indices with values in [0, batch-size)</a:t>
+            </a:r>
+          </a:p>
+          <a:p>
+            <a:pPr>
+              <a:lnSpc>
+                <a:spcPct val="130000"/>
+              </a:lnSpc>
+            </a:pPr>
+            <a:r>
+              <a:rPr lang="en-US" dirty="0">
+                <a:latin typeface="Courier New" panose="02070309020205020404" pitchFamily="49" charset="0"/>
+                <a:cs typeface="Courier New" panose="02070309020205020404" pitchFamily="49" charset="0"/>
+              </a:rPr>
+              <a:t>class</a:t>
+            </a:r>
+            <a:r>
+              <a:rPr lang="en-US" dirty="0"/>
+              <a:t>: labels with values in [0, N</a:t>
+            </a:r>
+            <a:r>
+              <a:rPr lang="en-US" baseline="-25000" dirty="0"/>
+              <a:t>c</a:t>
+            </a:r>
+            <a:r>
+              <a:rPr lang="en-US" dirty="0"/>
+              <a:t>) where N</a:t>
+            </a:r>
+            <a:r>
+              <a:rPr lang="en-US" baseline="-25000" dirty="0"/>
+              <a:t>c</a:t>
+            </a:r>
+            <a:r>
+              <a:rPr lang="en-US" dirty="0"/>
+              <a:t> is the number of class</a:t>
+            </a:r>
+          </a:p>
+          <a:p>
+            <a:pPr>
+              <a:lnSpc>
+                <a:spcPct val="130000"/>
+              </a:lnSpc>
+            </a:pPr>
+            <a:r>
+              <a:rPr lang="en-US" dirty="0">
+                <a:latin typeface="Courier New" panose="02070309020205020404" pitchFamily="49" charset="0"/>
+                <a:cs typeface="Courier New" panose="02070309020205020404" pitchFamily="49" charset="0"/>
+              </a:rPr>
+              <a:t>x</a:t>
+            </a:r>
+            <a:r>
+              <a:rPr lang="en-US" baseline="-25000" dirty="0">
+                <a:latin typeface="Courier New" panose="02070309020205020404" pitchFamily="49" charset="0"/>
+                <a:cs typeface="Courier New" panose="02070309020205020404" pitchFamily="49" charset="0"/>
+              </a:rPr>
+              <a:t>c</a:t>
+            </a:r>
+            <a:r>
+              <a:rPr lang="en-US" dirty="0">
+                <a:latin typeface="Courier New" panose="02070309020205020404" pitchFamily="49" charset="0"/>
+                <a:cs typeface="Courier New" panose="02070309020205020404" pitchFamily="49" charset="0"/>
+              </a:rPr>
+              <a:t> </a:t>
+            </a:r>
+            <a:r>
+              <a:rPr lang="en-US" dirty="0"/>
+              <a:t>: center of bounding box normalized by image width</a:t>
+            </a:r>
+          </a:p>
+          <a:p>
+            <a:pPr>
+              <a:lnSpc>
+                <a:spcPct val="130000"/>
+              </a:lnSpc>
+            </a:pPr>
+            <a:r>
+              <a:rPr lang="en-US" dirty="0" err="1">
+                <a:latin typeface="Courier New" panose="02070309020205020404" pitchFamily="49" charset="0"/>
+                <a:cs typeface="Courier New" panose="02070309020205020404" pitchFamily="49" charset="0"/>
+              </a:rPr>
+              <a:t>y</a:t>
+            </a:r>
+            <a:r>
+              <a:rPr lang="en-US" baseline="-25000" dirty="0" err="1">
+                <a:latin typeface="Courier New" panose="02070309020205020404" pitchFamily="49" charset="0"/>
+                <a:cs typeface="Courier New" panose="02070309020205020404" pitchFamily="49" charset="0"/>
+              </a:rPr>
+              <a:t>c</a:t>
+            </a:r>
+            <a:r>
+              <a:rPr lang="en-US" dirty="0"/>
+              <a:t> : center of bounding box normalized by image width</a:t>
+            </a:r>
+          </a:p>
+          <a:p>
+            <a:pPr>
+              <a:lnSpc>
+                <a:spcPct val="130000"/>
+              </a:lnSpc>
+            </a:pPr>
+            <a:r>
+              <a:rPr lang="en-US" dirty="0">
+                <a:latin typeface="Courier New" panose="02070309020205020404" pitchFamily="49" charset="0"/>
+                <a:cs typeface="Courier New" panose="02070309020205020404" pitchFamily="49" charset="0"/>
+              </a:rPr>
+              <a:t>w</a:t>
+            </a:r>
+            <a:r>
+              <a:rPr lang="en-US" dirty="0"/>
+              <a:t>: normalized width of bounding box</a:t>
+            </a:r>
+          </a:p>
+          <a:p>
+            <a:pPr>
+              <a:lnSpc>
+                <a:spcPct val="130000"/>
+              </a:lnSpc>
+            </a:pPr>
+            <a:r>
+              <a:rPr lang="en-US" dirty="0">
+                <a:latin typeface="Courier New" panose="02070309020205020404" pitchFamily="49" charset="0"/>
+                <a:cs typeface="Courier New" panose="02070309020205020404" pitchFamily="49" charset="0"/>
+              </a:rPr>
+              <a:t>h</a:t>
+            </a:r>
+            <a:r>
+              <a:rPr lang="en-US" dirty="0"/>
+              <a:t>: normalized height of bounding box</a:t>
+            </a:r>
+          </a:p>
+          <a:p>
+            <a:pPr>
+              <a:lnSpc>
+                <a:spcPct val="130000"/>
+              </a:lnSpc>
+            </a:pPr>
+            <a:endParaRPr lang="en-US" dirty="0"/>
+          </a:p>
+          <a:p>
+            <a:pPr>
+              <a:lnSpc>
+                <a:spcPct val="130000"/>
+              </a:lnSpc>
+            </a:pPr>
+            <a:r>
+              <a:rPr lang="en-US" dirty="0"/>
+              <a:t>All coordinates are normalized, thus independent to actual image resolution</a:t>
+            </a:r>
+          </a:p>
+          <a:p>
+            <a:pPr>
+              <a:lnSpc>
+                <a:spcPct val="130000"/>
+              </a:lnSpc>
+            </a:pPr>
+            <a:endParaRPr lang="en-US" dirty="0"/>
+          </a:p>
+          <a:p>
+            <a:pPr>
+              <a:lnSpc>
+                <a:spcPct val="130000"/>
+              </a:lnSpc>
+            </a:pPr>
+            <a:r>
+              <a:rPr lang="en-US" b="1" dirty="0"/>
+              <a:t>Target</a:t>
+            </a:r>
+            <a:r>
+              <a:rPr lang="en-US" dirty="0"/>
+              <a:t> for loss calculation: [</a:t>
+            </a:r>
+            <a:r>
+              <a:rPr lang="en-US" dirty="0" err="1"/>
+              <a:t>tx,ty,tw,th</a:t>
+            </a:r>
+            <a:r>
+              <a:rPr lang="en-US" dirty="0"/>
+              <a:t>] where </a:t>
+            </a:r>
+            <a:r>
+              <a:rPr lang="en-US" dirty="0" err="1"/>
+              <a:t>tx</a:t>
+            </a:r>
+            <a:r>
+              <a:rPr lang="en-US" dirty="0"/>
+              <a:t> and ty is the offset of the object’s center inside its grid cell (i.e., from its grid cell top-left index)  and </a:t>
+            </a:r>
+            <a:r>
+              <a:rPr lang="en-US" dirty="0" err="1"/>
+              <a:t>tw</a:t>
+            </a:r>
+            <a:r>
+              <a:rPr lang="en-US" dirty="0"/>
+              <a:t> and </a:t>
+            </a:r>
+            <a:r>
+              <a:rPr lang="en-US" dirty="0" err="1"/>
+              <a:t>th</a:t>
+            </a:r>
+            <a:r>
+              <a:rPr lang="en-US" dirty="0"/>
+              <a:t> is bounding box width/height in grid cell units.  </a:t>
+            </a:r>
+          </a:p>
+        </p:txBody>
+      </p:sp>
+    </p:spTree>
+    <p:extLst>
+      <p:ext uri="{BB962C8B-B14F-4D97-AF65-F5344CB8AC3E}">
+        <p14:creationId xmlns:p14="http://schemas.microsoft.com/office/powerpoint/2010/main" val="1115603365"/>
+      </p:ext>
+    </p:extLst>
+  </p:cSld>
+  <p:clrMapOvr>
+    <a:masterClrMapping/>
+  </p:clrMapOvr>
+</p:sld>
+</file>
+
+<file path=ppt/slides/slide16.xml><?xml version="1.0" encoding="utf-8"?>
+<p:sld xmlns:a="http://schemas.openxmlformats.org/drawingml/2006/main" xmlns:r="http://schemas.openxmlformats.org/officeDocument/2006/relationships" xmlns:p="http://schemas.openxmlformats.org/presentationml/2006/main">
+  <p:cSld>
+    <p:spTree>
+      <p:nvGrpSpPr>
+        <p:cNvPr id="1" name="">
+          <a:extLst>
+            <a:ext uri="{FF2B5EF4-FFF2-40B4-BE49-F238E27FC236}">
+              <a16:creationId xmlns:a16="http://schemas.microsoft.com/office/drawing/2014/main" id="{2CA7D920-1B06-4E5C-8401-CF7A0720564B}"/>
+            </a:ext>
+          </a:extLst>
+        </p:cNvPr>
+        <p:cNvGrpSpPr/>
+        <p:nvPr/>
+      </p:nvGrpSpPr>
+      <p:grpSpPr>
+        <a:xfrm>
+          <a:off x="0" y="0"/>
+          <a:ext cx="0" cy="0"/>
+          <a:chOff x="0" y="0"/>
+          <a:chExt cx="0" cy="0"/>
+        </a:xfrm>
+      </p:grpSpPr>
+      <p:sp>
+        <p:nvSpPr>
+          <p:cNvPr id="4" name="TextBox 3">
+            <a:extLst>
+              <a:ext uri="{FF2B5EF4-FFF2-40B4-BE49-F238E27FC236}">
+                <a16:creationId xmlns:a16="http://schemas.microsoft.com/office/drawing/2014/main" id="{0B07FF55-8EA2-03B8-BF9F-5DCAF94997D5}"/>
+              </a:ext>
+            </a:extLst>
+          </p:cNvPr>
+          <p:cNvSpPr txBox="1"/>
+          <p:nvPr/>
+        </p:nvSpPr>
+        <p:spPr>
+          <a:xfrm>
+            <a:off x="508000" y="462103"/>
+            <a:ext cx="9613900" cy="523220"/>
+          </a:xfrm>
+          <a:prstGeom prst="rect">
+            <a:avLst/>
+          </a:prstGeom>
+          <a:noFill/>
+        </p:spPr>
+        <p:txBody>
+          <a:bodyPr wrap="square" rtlCol="0">
+            <a:spAutoFit/>
+          </a:bodyPr>
+          <a:lstStyle/>
+          <a:p>
+            <a:r>
+              <a:rPr lang="en-US" sz="2800" b="1" dirty="0"/>
+              <a:t>Output</a:t>
+            </a:r>
+          </a:p>
+        </p:txBody>
+      </p:sp>
+      <mc:AlternateContent xmlns:mc="http://schemas.openxmlformats.org/markup-compatibility/2006">
+        <mc:Choice xmlns:a14="http://schemas.microsoft.com/office/drawing/2010/main" Requires="a14">
+          <p:sp>
+            <p:nvSpPr>
+              <p:cNvPr id="5" name="TextBox 4">
+                <a:extLst>
+                  <a:ext uri="{FF2B5EF4-FFF2-40B4-BE49-F238E27FC236}">
+                    <a16:creationId xmlns:a16="http://schemas.microsoft.com/office/drawing/2014/main" id="{C4D9F111-FE31-C57D-5208-EE025287AA39}"/>
+                  </a:ext>
+                </a:extLst>
+              </p:cNvPr>
+              <p:cNvSpPr txBox="1"/>
+              <p:nvPr/>
+            </p:nvSpPr>
+            <p:spPr>
+              <a:xfrm>
+                <a:off x="635000" y="1201837"/>
+                <a:ext cx="10922000" cy="3160289"/>
+              </a:xfrm>
+              <a:prstGeom prst="rect">
+                <a:avLst/>
+              </a:prstGeom>
+              <a:noFill/>
+            </p:spPr>
+            <p:txBody>
+              <a:bodyPr wrap="square" rtlCol="0">
+                <a:spAutoFit/>
+              </a:bodyPr>
+              <a:lstStyle/>
+              <a:p>
+                <a:pPr>
+                  <a:lnSpc>
+                    <a:spcPct val="140000"/>
+                  </a:lnSpc>
+                </a:pPr>
+                <a:r>
+                  <a:rPr lang="en-US" dirty="0"/>
+                  <a:t>yolov7 returns </a:t>
+                </a:r>
+                <a:r>
+                  <a:rPr lang="en-US" b="1" dirty="0"/>
+                  <a:t>output per levels </a:t>
+                </a:r>
+                <a:r>
+                  <a:rPr lang="en-US" dirty="0"/>
+                  <a:t>of the </a:t>
+                </a:r>
+                <a:r>
+                  <a:rPr lang="en-US" b="1" dirty="0"/>
+                  <a:t>main head </a:t>
+                </a:r>
+                <a:r>
+                  <a:rPr lang="en-US" dirty="0"/>
+                  <a:t>and followed by the output per level of </a:t>
+                </a:r>
+                <a:r>
+                  <a:rPr lang="en-US" b="1" dirty="0"/>
+                  <a:t>axillary head</a:t>
+                </a:r>
+                <a:r>
+                  <a:rPr lang="en-US" dirty="0"/>
+                  <a:t>. Each output is of size </a:t>
+                </a:r>
+                <a:r>
+                  <a:rPr lang="en-US" dirty="0" err="1"/>
+                  <a:t>BxAxHxWxO</a:t>
+                </a:r>
+                <a:r>
+                  <a:rPr lang="en-US" dirty="0"/>
+                  <a:t> where A is the number of anchors and O is the output dimension storing </a:t>
+                </a:r>
+              </a:p>
+              <a:p>
+                <a:pPr>
+                  <a:lnSpc>
+                    <a:spcPct val="140000"/>
+                  </a:lnSpc>
+                </a:pPr>
+                <a14:m>
+                  <m:oMathPara xmlns:m="http://schemas.openxmlformats.org/officeDocument/2006/math">
+                    <m:oMathParaPr>
+                      <m:jc m:val="centerGroup"/>
+                    </m:oMathParaPr>
+                    <m:oMath xmlns:m="http://schemas.openxmlformats.org/officeDocument/2006/math">
+                      <m:sSubSup>
+                        <m:sSubSupPr>
+                          <m:ctrlPr>
+                            <a:rPr lang="en-US" b="0" i="1" smtClean="0">
+                              <a:latin typeface="Cambria Math" panose="02040503050406030204" pitchFamily="18" charset="0"/>
+                            </a:rPr>
+                          </m:ctrlPr>
+                        </m:sSubSupPr>
+                        <m:e>
+                          <m:r>
+                            <a:rPr lang="en-US" b="0" i="1" smtClean="0">
+                              <a:latin typeface="Cambria Math" panose="02040503050406030204" pitchFamily="18" charset="0"/>
+                            </a:rPr>
+                            <m:t>𝑥</m:t>
+                          </m:r>
+                        </m:e>
+                        <m:sub>
+                          <m:r>
+                            <a:rPr lang="en-US" b="0" i="1" smtClean="0">
+                              <a:latin typeface="Cambria Math" panose="02040503050406030204" pitchFamily="18" charset="0"/>
+                            </a:rPr>
+                            <m:t>𝑐</m:t>
+                          </m:r>
+                        </m:sub>
+                        <m:sup>
+                          <m:r>
+                            <a:rPr lang="en-US" b="0" i="1" smtClean="0">
+                              <a:latin typeface="Cambria Math" panose="02040503050406030204" pitchFamily="18" charset="0"/>
+                            </a:rPr>
+                            <m:t>′</m:t>
+                          </m:r>
+                        </m:sup>
+                      </m:sSubSup>
+                      <m:r>
+                        <a:rPr lang="en-US" b="0" i="1" smtClean="0">
+                          <a:latin typeface="Cambria Math" panose="02040503050406030204" pitchFamily="18" charset="0"/>
+                        </a:rPr>
+                        <m:t>, </m:t>
+                      </m:r>
+                      <m:sSubSup>
+                        <m:sSubSupPr>
+                          <m:ctrlPr>
+                            <a:rPr lang="en-US" b="0" i="1" smtClean="0">
+                              <a:latin typeface="Cambria Math" panose="02040503050406030204" pitchFamily="18" charset="0"/>
+                            </a:rPr>
+                          </m:ctrlPr>
+                        </m:sSubSupPr>
+                        <m:e>
+                          <m:r>
+                            <a:rPr lang="en-US" b="0" i="1" smtClean="0">
+                              <a:latin typeface="Cambria Math" panose="02040503050406030204" pitchFamily="18" charset="0"/>
+                            </a:rPr>
+                            <m:t>𝑦</m:t>
+                          </m:r>
+                        </m:e>
+                        <m:sub>
+                          <m:r>
+                            <a:rPr lang="en-US" b="0" i="1" smtClean="0">
+                              <a:latin typeface="Cambria Math" panose="02040503050406030204" pitchFamily="18" charset="0"/>
+                            </a:rPr>
+                            <m:t>𝑐</m:t>
+                          </m:r>
+                        </m:sub>
+                        <m:sup>
+                          <m:r>
+                            <a:rPr lang="en-US" b="0" i="1" smtClean="0">
+                              <a:latin typeface="Cambria Math" panose="02040503050406030204" pitchFamily="18" charset="0"/>
+                            </a:rPr>
+                            <m:t>′</m:t>
+                          </m:r>
+                        </m:sup>
+                      </m:sSubSup>
+                      <m:r>
+                        <a:rPr lang="en-US" b="0" i="1" smtClean="0">
+                          <a:latin typeface="Cambria Math" panose="02040503050406030204" pitchFamily="18" charset="0"/>
+                        </a:rPr>
+                        <m:t>, </m:t>
+                      </m:r>
+                      <m:sSup>
+                        <m:sSupPr>
+                          <m:ctrlPr>
+                            <a:rPr lang="en-US" b="0" i="1" smtClean="0">
+                              <a:latin typeface="Cambria Math" panose="02040503050406030204" pitchFamily="18" charset="0"/>
+                            </a:rPr>
+                          </m:ctrlPr>
+                        </m:sSupPr>
+                        <m:e>
+                          <m:r>
+                            <a:rPr lang="en-US" b="0" i="1" smtClean="0">
+                              <a:latin typeface="Cambria Math" panose="02040503050406030204" pitchFamily="18" charset="0"/>
+                            </a:rPr>
+                            <m:t>𝑤</m:t>
+                          </m:r>
+                        </m:e>
+                        <m:sup>
+                          <m:r>
+                            <a:rPr lang="en-US" b="0" i="1" smtClean="0">
+                              <a:latin typeface="Cambria Math" panose="02040503050406030204" pitchFamily="18" charset="0"/>
+                            </a:rPr>
+                            <m:t>′</m:t>
+                          </m:r>
+                        </m:sup>
+                      </m:sSup>
+                      <m:r>
+                        <a:rPr lang="en-US" b="0" i="1" smtClean="0">
+                          <a:latin typeface="Cambria Math" panose="02040503050406030204" pitchFamily="18" charset="0"/>
+                        </a:rPr>
+                        <m:t>, </m:t>
+                      </m:r>
+                      <m:sSup>
+                        <m:sSupPr>
+                          <m:ctrlPr>
+                            <a:rPr lang="en-US" b="0" i="1" smtClean="0">
+                              <a:latin typeface="Cambria Math" panose="02040503050406030204" pitchFamily="18" charset="0"/>
+                            </a:rPr>
+                          </m:ctrlPr>
+                        </m:sSupPr>
+                        <m:e>
+                          <m:r>
+                            <a:rPr lang="en-US" b="0" i="1" smtClean="0">
+                              <a:latin typeface="Cambria Math" panose="02040503050406030204" pitchFamily="18" charset="0"/>
+                            </a:rPr>
+                            <m:t>h</m:t>
+                          </m:r>
+                        </m:e>
+                        <m:sup>
+                          <m:r>
+                            <a:rPr lang="en-US" b="0" i="1" smtClean="0">
+                              <a:latin typeface="Cambria Math" panose="02040503050406030204" pitchFamily="18" charset="0"/>
+                            </a:rPr>
+                            <m:t>′</m:t>
+                          </m:r>
+                        </m:sup>
+                      </m:sSup>
+                      <m:r>
+                        <a:rPr lang="en-US" b="0" i="1" smtClean="0">
+                          <a:latin typeface="Cambria Math" panose="02040503050406030204" pitchFamily="18" charset="0"/>
+                        </a:rPr>
+                        <m:t>,</m:t>
+                      </m:r>
+                      <m:r>
+                        <a:rPr lang="en-US" b="0" i="1" smtClean="0">
+                          <a:latin typeface="Cambria Math" panose="02040503050406030204" pitchFamily="18" charset="0"/>
+                        </a:rPr>
+                        <m:t>𝑜𝑏𝑗</m:t>
+                      </m:r>
+                      <m:r>
+                        <a:rPr lang="en-US" b="0" i="1" smtClean="0">
+                          <a:latin typeface="Cambria Math" panose="02040503050406030204" pitchFamily="18" charset="0"/>
+                        </a:rPr>
+                        <m:t>′, </m:t>
+                      </m:r>
+                      <m:r>
+                        <a:rPr lang="en-US" b="0" i="1" smtClean="0">
+                          <a:latin typeface="Cambria Math" panose="02040503050406030204" pitchFamily="18" charset="0"/>
+                        </a:rPr>
+                        <m:t>𝑐𝑙𝑎𝑠</m:t>
+                      </m:r>
+                      <m:sSub>
+                        <m:sSubPr>
+                          <m:ctrlPr>
+                            <a:rPr lang="en-US" b="0" i="1" smtClean="0">
+                              <a:latin typeface="Cambria Math" panose="02040503050406030204" pitchFamily="18" charset="0"/>
+                            </a:rPr>
+                          </m:ctrlPr>
+                        </m:sSubPr>
+                        <m:e>
+                          <m:r>
+                            <a:rPr lang="en-US" b="0" i="1" smtClean="0">
+                              <a:latin typeface="Cambria Math" panose="02040503050406030204" pitchFamily="18" charset="0"/>
+                            </a:rPr>
+                            <m:t>𝑠</m:t>
+                          </m:r>
+                        </m:e>
+                        <m:sub>
+                          <m:r>
+                            <a:rPr lang="en-US" b="0" i="1" smtClean="0">
+                              <a:latin typeface="Cambria Math" panose="02040503050406030204" pitchFamily="18" charset="0"/>
+                            </a:rPr>
+                            <m:t>1</m:t>
+                          </m:r>
+                        </m:sub>
+                      </m:sSub>
+                      <m:r>
+                        <a:rPr lang="en-US" b="0" i="1" smtClean="0">
+                          <a:latin typeface="Cambria Math" panose="02040503050406030204" pitchFamily="18" charset="0"/>
+                        </a:rPr>
+                        <m:t>′, …</m:t>
+                      </m:r>
+                      <m:r>
+                        <a:rPr lang="en-US" b="0" i="1" smtClean="0">
+                          <a:latin typeface="Cambria Math" panose="02040503050406030204" pitchFamily="18" charset="0"/>
+                        </a:rPr>
+                        <m:t>𝑐𝑙𝑎𝑠</m:t>
+                      </m:r>
+                      <m:sSub>
+                        <m:sSubPr>
+                          <m:ctrlPr>
+                            <a:rPr lang="en-US" b="0" i="1" smtClean="0">
+                              <a:latin typeface="Cambria Math" panose="02040503050406030204" pitchFamily="18" charset="0"/>
+                            </a:rPr>
+                          </m:ctrlPr>
+                        </m:sSubPr>
+                        <m:e>
+                          <m:r>
+                            <a:rPr lang="en-US" b="0" i="1" smtClean="0">
+                              <a:latin typeface="Cambria Math" panose="02040503050406030204" pitchFamily="18" charset="0"/>
+                            </a:rPr>
+                            <m:t>𝑠</m:t>
+                          </m:r>
+                        </m:e>
+                        <m:sub>
+                          <m:r>
+                            <a:rPr lang="en-US" b="0" i="1" smtClean="0">
+                              <a:latin typeface="Cambria Math" panose="02040503050406030204" pitchFamily="18" charset="0"/>
+                            </a:rPr>
+                            <m:t>𝑛𝑐</m:t>
+                          </m:r>
+                        </m:sub>
+                      </m:sSub>
+                      <m:r>
+                        <a:rPr lang="en-US" b="0" i="1" smtClean="0">
+                          <a:latin typeface="Cambria Math" panose="02040503050406030204" pitchFamily="18" charset="0"/>
+                        </a:rPr>
+                        <m:t>′</m:t>
+                      </m:r>
+                    </m:oMath>
+                  </m:oMathPara>
+                </a14:m>
+                <a:endParaRPr lang="en-US" dirty="0"/>
+              </a:p>
+              <a:p>
+                <a:pPr>
+                  <a:lnSpc>
+                    <a:spcPct val="140000"/>
+                  </a:lnSpc>
+                </a:pPr>
+                <a:r>
+                  <a:rPr lang="en-US" dirty="0"/>
+                  <a:t> where </a:t>
+                </a:r>
+                <a:endParaRPr lang="en-US" b="0" i="1" dirty="0">
+                  <a:latin typeface="Cambria Math" panose="02040503050406030204" pitchFamily="18" charset="0"/>
+                </a:endParaRPr>
+              </a:p>
+              <a:p>
+                <a:pPr>
+                  <a:lnSpc>
+                    <a:spcPct val="140000"/>
+                  </a:lnSpc>
+                </a:pPr>
+                <a14:m>
+                  <m:oMath xmlns:m="http://schemas.openxmlformats.org/officeDocument/2006/math">
+                    <m:sSub>
+                      <m:sSubPr>
+                        <m:ctrlPr>
+                          <a:rPr lang="en-US" b="0" i="1" dirty="0" smtClean="0">
+                            <a:latin typeface="Cambria Math" panose="02040503050406030204" pitchFamily="18" charset="0"/>
+                          </a:rPr>
+                        </m:ctrlPr>
+                      </m:sSubPr>
+                      <m:e>
+                        <m:r>
+                          <a:rPr lang="en-US" i="1" dirty="0" smtClean="0">
+                            <a:latin typeface="Cambria Math" panose="02040503050406030204" pitchFamily="18" charset="0"/>
+                          </a:rPr>
+                          <m:t>𝑥</m:t>
+                        </m:r>
+                      </m:e>
+                      <m:sub>
+                        <m:r>
+                          <a:rPr lang="en-US" b="0" i="1" dirty="0" smtClean="0">
+                            <a:latin typeface="Cambria Math" panose="02040503050406030204" pitchFamily="18" charset="0"/>
+                          </a:rPr>
+                          <m:t>𝑐</m:t>
+                        </m:r>
+                      </m:sub>
+                    </m:sSub>
+                    <m:r>
+                      <a:rPr lang="en-US" b="0" i="1" dirty="0" smtClean="0">
+                        <a:latin typeface="Cambria Math" panose="02040503050406030204" pitchFamily="18" charset="0"/>
+                      </a:rPr>
+                      <m:t>=2</m:t>
+                    </m:r>
+                    <m:r>
+                      <m:rPr>
+                        <m:sty m:val="p"/>
+                      </m:rPr>
+                      <a:rPr lang="en-US" b="0" i="0" dirty="0" smtClean="0">
+                        <a:latin typeface="Cambria Math" panose="02040503050406030204" pitchFamily="18" charset="0"/>
+                      </a:rPr>
+                      <m:t>sigmoid</m:t>
+                    </m:r>
+                    <m:d>
+                      <m:dPr>
+                        <m:ctrlPr>
+                          <a:rPr lang="en-US" b="0" i="1" dirty="0" smtClean="0">
+                            <a:latin typeface="Cambria Math" panose="02040503050406030204" pitchFamily="18" charset="0"/>
+                          </a:rPr>
+                        </m:ctrlPr>
+                      </m:dPr>
+                      <m:e>
+                        <m:sSubSup>
+                          <m:sSubSupPr>
+                            <m:ctrlPr>
+                              <a:rPr lang="en-US" i="1">
+                                <a:latin typeface="Cambria Math" panose="02040503050406030204" pitchFamily="18" charset="0"/>
+                              </a:rPr>
+                            </m:ctrlPr>
+                          </m:sSubSupPr>
+                          <m:e>
+                            <m:r>
+                              <a:rPr lang="en-US" i="1">
+                                <a:latin typeface="Cambria Math" panose="02040503050406030204" pitchFamily="18" charset="0"/>
+                              </a:rPr>
+                              <m:t>𝑥</m:t>
+                            </m:r>
+                          </m:e>
+                          <m:sub>
+                            <m:r>
+                              <a:rPr lang="en-US" i="1">
+                                <a:latin typeface="Cambria Math" panose="02040503050406030204" pitchFamily="18" charset="0"/>
+                              </a:rPr>
+                              <m:t>𝑐</m:t>
+                            </m:r>
+                          </m:sub>
+                          <m:sup>
+                            <m:r>
+                              <a:rPr lang="en-US" i="1">
+                                <a:latin typeface="Cambria Math" panose="02040503050406030204" pitchFamily="18" charset="0"/>
+                              </a:rPr>
+                              <m:t>′</m:t>
+                            </m:r>
+                          </m:sup>
+                        </m:sSubSup>
+                      </m:e>
+                    </m:d>
+                    <m:r>
+                      <a:rPr lang="en-US" b="0" i="1" smtClean="0">
+                        <a:latin typeface="Cambria Math" panose="02040503050406030204" pitchFamily="18" charset="0"/>
+                      </a:rPr>
+                      <m:t>−0.5</m:t>
+                    </m:r>
+                  </m:oMath>
+                </a14:m>
+                <a:r>
+                  <a:rPr lang="en-US" dirty="0"/>
+                  <a:t> is the offset from the grid center in feature-grid cell unit</a:t>
+                </a:r>
+              </a:p>
+              <a:p>
+                <a:pPr>
+                  <a:lnSpc>
+                    <a:spcPct val="140000"/>
+                  </a:lnSpc>
+                </a:pPr>
+                <a:r>
+                  <a:rPr lang="en-US" dirty="0"/>
+                  <a:t> </a:t>
+                </a:r>
+                <a14:m>
+                  <m:oMath xmlns:m="http://schemas.openxmlformats.org/officeDocument/2006/math">
+                    <m:sSub>
+                      <m:sSubPr>
+                        <m:ctrlPr>
+                          <a:rPr lang="en-US" i="1" dirty="0">
+                            <a:latin typeface="Cambria Math" panose="02040503050406030204" pitchFamily="18" charset="0"/>
+                          </a:rPr>
+                        </m:ctrlPr>
+                      </m:sSubPr>
+                      <m:e>
+                        <m:r>
+                          <a:rPr lang="en-US" b="0" i="1" dirty="0" smtClean="0">
+                            <a:latin typeface="Cambria Math" panose="02040503050406030204" pitchFamily="18" charset="0"/>
+                          </a:rPr>
+                          <m:t>𝑦</m:t>
+                        </m:r>
+                      </m:e>
+                      <m:sub>
+                        <m:r>
+                          <a:rPr lang="en-US" i="1" dirty="0">
+                            <a:latin typeface="Cambria Math" panose="02040503050406030204" pitchFamily="18" charset="0"/>
+                          </a:rPr>
+                          <m:t>𝑐</m:t>
+                        </m:r>
+                      </m:sub>
+                    </m:sSub>
+                    <m:r>
+                      <a:rPr lang="en-US" i="1" dirty="0">
+                        <a:latin typeface="Cambria Math" panose="02040503050406030204" pitchFamily="18" charset="0"/>
+                      </a:rPr>
+                      <m:t>=2</m:t>
+                    </m:r>
+                    <m:r>
+                      <m:rPr>
+                        <m:sty m:val="p"/>
+                      </m:rPr>
+                      <a:rPr lang="en-US" dirty="0">
+                        <a:latin typeface="Cambria Math" panose="02040503050406030204" pitchFamily="18" charset="0"/>
+                      </a:rPr>
+                      <m:t>sigmoid</m:t>
+                    </m:r>
+                    <m:d>
+                      <m:dPr>
+                        <m:ctrlPr>
+                          <a:rPr lang="en-US" i="1" dirty="0">
+                            <a:latin typeface="Cambria Math" panose="02040503050406030204" pitchFamily="18" charset="0"/>
+                          </a:rPr>
+                        </m:ctrlPr>
+                      </m:dPr>
+                      <m:e>
+                        <m:sSubSup>
+                          <m:sSubSupPr>
+                            <m:ctrlPr>
+                              <a:rPr lang="en-US" i="1">
+                                <a:latin typeface="Cambria Math" panose="02040503050406030204" pitchFamily="18" charset="0"/>
+                              </a:rPr>
+                            </m:ctrlPr>
+                          </m:sSubSupPr>
+                          <m:e>
+                            <m:r>
+                              <a:rPr lang="en-US" b="0" i="1" smtClean="0">
+                                <a:latin typeface="Cambria Math" panose="02040503050406030204" pitchFamily="18" charset="0"/>
+                              </a:rPr>
+                              <m:t>𝑦</m:t>
+                            </m:r>
+                          </m:e>
+                          <m:sub>
+                            <m:r>
+                              <a:rPr lang="en-US" i="1">
+                                <a:latin typeface="Cambria Math" panose="02040503050406030204" pitchFamily="18" charset="0"/>
+                              </a:rPr>
+                              <m:t>𝑐</m:t>
+                            </m:r>
+                          </m:sub>
+                          <m:sup>
+                            <m:r>
+                              <a:rPr lang="en-US" i="1">
+                                <a:latin typeface="Cambria Math" panose="02040503050406030204" pitchFamily="18" charset="0"/>
+                              </a:rPr>
+                              <m:t>′</m:t>
+                            </m:r>
+                          </m:sup>
+                        </m:sSubSup>
+                      </m:e>
+                    </m:d>
+                    <m:r>
+                      <a:rPr lang="en-US" i="1">
+                        <a:latin typeface="Cambria Math" panose="02040503050406030204" pitchFamily="18" charset="0"/>
+                      </a:rPr>
+                      <m:t>−0.5</m:t>
+                    </m:r>
+                  </m:oMath>
+                </a14:m>
+                <a:r>
+                  <a:rPr lang="en-US" dirty="0"/>
+                  <a:t> is the offset from the grid center in feature-grid cell unit.</a:t>
+                </a:r>
+              </a:p>
+              <a:p>
+                <a:pPr>
+                  <a:lnSpc>
+                    <a:spcPct val="140000"/>
+                  </a:lnSpc>
+                </a:pPr>
+                <a14:m>
+                  <m:oMath xmlns:m="http://schemas.openxmlformats.org/officeDocument/2006/math">
+                    <m:r>
+                      <a:rPr lang="en-US" i="1">
+                        <a:latin typeface="Cambria Math" panose="02040503050406030204" pitchFamily="18" charset="0"/>
+                      </a:rPr>
+                      <m:t>𝑜𝑏𝑗</m:t>
+                    </m:r>
+                    <m:r>
+                      <a:rPr lang="en-US" b="0" i="1" smtClean="0">
+                        <a:latin typeface="Cambria Math" panose="02040503050406030204" pitchFamily="18" charset="0"/>
+                      </a:rPr>
+                      <m:t>=</m:t>
+                    </m:r>
+                    <m:r>
+                      <m:rPr>
+                        <m:sty m:val="p"/>
+                      </m:rPr>
+                      <a:rPr lang="en-US" b="0" i="0" smtClean="0">
+                        <a:latin typeface="Cambria Math" panose="02040503050406030204" pitchFamily="18" charset="0"/>
+                      </a:rPr>
+                      <m:t>sigmoid</m:t>
+                    </m:r>
+                    <m:r>
+                      <a:rPr lang="en-US" b="0" i="1" smtClean="0">
+                        <a:latin typeface="Cambria Math" panose="02040503050406030204" pitchFamily="18" charset="0"/>
+                      </a:rPr>
+                      <m:t>(</m:t>
+                    </m:r>
+                    <m:r>
+                      <a:rPr lang="en-US" i="1">
+                        <a:latin typeface="Cambria Math" panose="02040503050406030204" pitchFamily="18" charset="0"/>
+                      </a:rPr>
+                      <m:t>𝑜𝑏𝑗</m:t>
+                    </m:r>
+                    <m:r>
+                      <a:rPr lang="en-US" b="0" i="1" smtClean="0">
+                        <a:latin typeface="Cambria Math" panose="02040503050406030204" pitchFamily="18" charset="0"/>
+                      </a:rPr>
+                      <m:t>)</m:t>
+                    </m:r>
+                  </m:oMath>
+                </a14:m>
+                <a:r>
+                  <a:rPr lang="en-US" dirty="0"/>
+                  <a:t> is </a:t>
+                </a:r>
+                <a:r>
+                  <a:rPr lang="en-US" dirty="0" err="1"/>
+                  <a:t>objectness</a:t>
+                </a:r>
+                <a:r>
+                  <a:rPr lang="en-US" dirty="0"/>
+                  <a:t> probability</a:t>
+                </a:r>
+              </a:p>
+              <a:p>
+                <a:pPr>
+                  <a:lnSpc>
+                    <a:spcPct val="140000"/>
+                  </a:lnSpc>
+                </a:pPr>
+                <a14:m>
+                  <m:oMath xmlns:m="http://schemas.openxmlformats.org/officeDocument/2006/math">
+                    <m:r>
+                      <a:rPr lang="en-US" i="1">
+                        <a:latin typeface="Cambria Math" panose="02040503050406030204" pitchFamily="18" charset="0"/>
+                      </a:rPr>
+                      <m:t>𝑐𝑙𝑎𝑠</m:t>
+                    </m:r>
+                    <m:sSub>
+                      <m:sSubPr>
+                        <m:ctrlPr>
+                          <a:rPr lang="en-US" i="1">
+                            <a:latin typeface="Cambria Math" panose="02040503050406030204" pitchFamily="18" charset="0"/>
+                          </a:rPr>
+                        </m:ctrlPr>
+                      </m:sSubPr>
+                      <m:e>
+                        <m:r>
+                          <a:rPr lang="en-US" i="1">
+                            <a:latin typeface="Cambria Math" panose="02040503050406030204" pitchFamily="18" charset="0"/>
+                          </a:rPr>
+                          <m:t>𝑠</m:t>
+                        </m:r>
+                      </m:e>
+                      <m:sub>
+                        <m:r>
+                          <a:rPr lang="en-US" b="0" i="1" smtClean="0">
+                            <a:latin typeface="Cambria Math" panose="02040503050406030204" pitchFamily="18" charset="0"/>
+                          </a:rPr>
+                          <m:t>𝑖</m:t>
+                        </m:r>
+                      </m:sub>
+                    </m:sSub>
+                    <m:r>
+                      <a:rPr lang="en-US" b="0" i="1" smtClean="0">
+                        <a:latin typeface="Cambria Math" panose="02040503050406030204" pitchFamily="18" charset="0"/>
+                      </a:rPr>
+                      <m:t>=</m:t>
+                    </m:r>
+                    <m:r>
+                      <m:rPr>
+                        <m:sty m:val="p"/>
+                      </m:rPr>
+                      <a:rPr lang="en-US" b="0" i="0" smtClean="0">
+                        <a:latin typeface="Cambria Math" panose="02040503050406030204" pitchFamily="18" charset="0"/>
+                      </a:rPr>
+                      <m:t>sigmoid</m:t>
+                    </m:r>
+                    <m:r>
+                      <a:rPr lang="en-US" b="0" i="1" smtClean="0">
+                        <a:latin typeface="Cambria Math" panose="02040503050406030204" pitchFamily="18" charset="0"/>
+                      </a:rPr>
+                      <m:t>(</m:t>
+                    </m:r>
+                    <m:r>
+                      <a:rPr lang="en-US" i="1">
+                        <a:latin typeface="Cambria Math" panose="02040503050406030204" pitchFamily="18" charset="0"/>
+                      </a:rPr>
+                      <m:t>𝑐𝑙𝑎𝑠</m:t>
+                    </m:r>
+                    <m:sSub>
+                      <m:sSubPr>
+                        <m:ctrlPr>
+                          <a:rPr lang="en-US" i="1">
+                            <a:latin typeface="Cambria Math" panose="02040503050406030204" pitchFamily="18" charset="0"/>
+                          </a:rPr>
+                        </m:ctrlPr>
+                      </m:sSubPr>
+                      <m:e>
+                        <m:r>
+                          <a:rPr lang="en-US" i="1">
+                            <a:latin typeface="Cambria Math" panose="02040503050406030204" pitchFamily="18" charset="0"/>
+                          </a:rPr>
+                          <m:t>𝑠</m:t>
+                        </m:r>
+                      </m:e>
+                      <m:sub>
+                        <m:r>
+                          <a:rPr lang="en-US" b="0" i="1" smtClean="0">
+                            <a:latin typeface="Cambria Math" panose="02040503050406030204" pitchFamily="18" charset="0"/>
+                          </a:rPr>
+                          <m:t>𝑖</m:t>
+                        </m:r>
+                      </m:sub>
+                    </m:sSub>
+                    <m:r>
+                      <a:rPr lang="en-US" i="1">
+                        <a:latin typeface="Cambria Math" panose="02040503050406030204" pitchFamily="18" charset="0"/>
+                      </a:rPr>
+                      <m:t>′</m:t>
+                    </m:r>
+                    <m:r>
+                      <a:rPr lang="en-US" b="0" i="1" smtClean="0">
+                        <a:latin typeface="Cambria Math" panose="02040503050406030204" pitchFamily="18" charset="0"/>
+                      </a:rPr>
+                      <m:t>)</m:t>
+                    </m:r>
+                  </m:oMath>
+                </a14:m>
+                <a:r>
+                  <a:rPr lang="en-US" dirty="0"/>
+                  <a:t> is class probability.</a:t>
+                </a:r>
+              </a:p>
+            </p:txBody>
+          </p:sp>
+        </mc:Choice>
+        <mc:Fallback>
+          <p:sp>
+            <p:nvSpPr>
+              <p:cNvPr id="5" name="TextBox 4">
+                <a:extLst>
+                  <a:ext uri="{FF2B5EF4-FFF2-40B4-BE49-F238E27FC236}">
+                    <a16:creationId xmlns:a16="http://schemas.microsoft.com/office/drawing/2014/main" id="{C4D9F111-FE31-C57D-5208-EE025287AA39}"/>
+                  </a:ext>
+                </a:extLst>
+              </p:cNvPr>
+              <p:cNvSpPr txBox="1">
+                <a:spLocks noRot="1" noChangeAspect="1" noMove="1" noResize="1" noEditPoints="1" noAdjustHandles="1" noChangeArrowheads="1" noChangeShapeType="1" noTextEdit="1"/>
+              </p:cNvSpPr>
+              <p:nvPr/>
+            </p:nvSpPr>
+            <p:spPr>
+              <a:xfrm>
+                <a:off x="635000" y="1201837"/>
+                <a:ext cx="10922000" cy="3160289"/>
+              </a:xfrm>
+              <a:prstGeom prst="rect">
+                <a:avLst/>
+              </a:prstGeom>
+              <a:blipFill>
+                <a:blip r:embed="rId2"/>
+                <a:stretch>
+                  <a:fillRect l="-446" r="-279" b="-2119"/>
+                </a:stretch>
+              </a:blipFill>
+            </p:spPr>
+            <p:txBody>
+              <a:bodyPr/>
+              <a:lstStyle/>
+              <a:p>
+                <a:r>
+                  <a:rPr lang="en-US">
+                    <a:noFill/>
+                  </a:rPr>
+                  <a:t> </a:t>
+                </a:r>
+              </a:p>
+            </p:txBody>
+          </p:sp>
+        </mc:Fallback>
+      </mc:AlternateContent>
+    </p:spTree>
+    <p:extLst>
+      <p:ext uri="{BB962C8B-B14F-4D97-AF65-F5344CB8AC3E}">
+        <p14:creationId xmlns:p14="http://schemas.microsoft.com/office/powerpoint/2010/main" val="826961998"/>
+      </p:ext>
+    </p:extLst>
+  </p:cSld>
+  <p:clrMapOvr>
+    <a:masterClrMapping/>
+  </p:clrMapOvr>
+</p:sld>
+</file>
+
 <file path=ppt/slides/slide2.xml><?xml version="1.0" encoding="utf-8"?>
 <p:sld xmlns:a="http://schemas.openxmlformats.org/drawingml/2006/main" xmlns:r="http://schemas.openxmlformats.org/officeDocument/2006/relationships" xmlns:p="http://schemas.openxmlformats.org/presentationml/2006/main">
   <p:cSld>
@@ -24112,8 +25364,8 @@
           </a:p>
         </p:txBody>
       </p:sp>
-      <mc:AlternateContent xmlns:mc="http://schemas.openxmlformats.org/markup-compatibility/2006">
-        <mc:Choice xmlns:a14="http://schemas.microsoft.com/office/drawing/2010/main" Requires="a14">
+      <mc:AlternateContent xmlns:mc="http://schemas.openxmlformats.org/markup-compatibility/2006" xmlns:a14="http://schemas.microsoft.com/office/drawing/2010/main">
+        <mc:Choice Requires="a14">
           <p:sp>
             <p:nvSpPr>
               <p:cNvPr id="7" name="TextBox 6">
@@ -24332,13 +25584,7 @@
                       <a:rPr lang="en-US" b="0" i="1" smtClean="0">
                         <a:latin typeface="Cambria Math" panose="02040503050406030204" pitchFamily="18" charset="0"/>
                       </a:rPr>
-                      <m:t>+</m:t>
-                    </m:r>
-                    <m:r>
-                      <a:rPr lang="en-US" b="0" i="1" smtClean="0">
-                        <a:latin typeface="Cambria Math" panose="02040503050406030204" pitchFamily="18" charset="0"/>
-                      </a:rPr>
-                      <m:t>=</m:t>
+                      <m:t>+=</m:t>
                     </m:r>
                     <m:func>
                       <m:funcPr>
@@ -24713,7 +25959,7 @@
             </p:txBody>
           </p:sp>
         </mc:Choice>
-        <mc:Fallback>
+        <mc:Fallback xmlns="">
           <p:sp>
             <p:nvSpPr>
               <p:cNvPr id="7" name="TextBox 6">

--- a/yolov7/doc/networks.pptx
+++ b/yolov7/doc/networks.pptx
@@ -274,7 +274,7 @@
           <a:p>
             <a:fld id="{D8F2F205-24F8-4489-8B05-D7769DC60EDD}" type="datetimeFigureOut">
               <a:rPr lang="en-US" smtClean="0"/>
-              <a:t>9/17/2025</a:t>
+              <a:t>9/18/2025</a:t>
             </a:fld>
             <a:endParaRPr lang="en-US"/>
           </a:p>
@@ -472,7 +472,7 @@
           <a:p>
             <a:fld id="{D8F2F205-24F8-4489-8B05-D7769DC60EDD}" type="datetimeFigureOut">
               <a:rPr lang="en-US" smtClean="0"/>
-              <a:t>9/17/2025</a:t>
+              <a:t>9/18/2025</a:t>
             </a:fld>
             <a:endParaRPr lang="en-US"/>
           </a:p>
@@ -680,7 +680,7 @@
           <a:p>
             <a:fld id="{D8F2F205-24F8-4489-8B05-D7769DC60EDD}" type="datetimeFigureOut">
               <a:rPr lang="en-US" smtClean="0"/>
-              <a:t>9/17/2025</a:t>
+              <a:t>9/18/2025</a:t>
             </a:fld>
             <a:endParaRPr lang="en-US"/>
           </a:p>
@@ -878,7 +878,7 @@
           <a:p>
             <a:fld id="{D8F2F205-24F8-4489-8B05-D7769DC60EDD}" type="datetimeFigureOut">
               <a:rPr lang="en-US" smtClean="0"/>
-              <a:t>9/17/2025</a:t>
+              <a:t>9/18/2025</a:t>
             </a:fld>
             <a:endParaRPr lang="en-US"/>
           </a:p>
@@ -1153,7 +1153,7 @@
           <a:p>
             <a:fld id="{D8F2F205-24F8-4489-8B05-D7769DC60EDD}" type="datetimeFigureOut">
               <a:rPr lang="en-US" smtClean="0"/>
-              <a:t>9/17/2025</a:t>
+              <a:t>9/18/2025</a:t>
             </a:fld>
             <a:endParaRPr lang="en-US"/>
           </a:p>
@@ -1418,7 +1418,7 @@
           <a:p>
             <a:fld id="{D8F2F205-24F8-4489-8B05-D7769DC60EDD}" type="datetimeFigureOut">
               <a:rPr lang="en-US" smtClean="0"/>
-              <a:t>9/17/2025</a:t>
+              <a:t>9/18/2025</a:t>
             </a:fld>
             <a:endParaRPr lang="en-US"/>
           </a:p>
@@ -1830,7 +1830,7 @@
           <a:p>
             <a:fld id="{D8F2F205-24F8-4489-8B05-D7769DC60EDD}" type="datetimeFigureOut">
               <a:rPr lang="en-US" smtClean="0"/>
-              <a:t>9/17/2025</a:t>
+              <a:t>9/18/2025</a:t>
             </a:fld>
             <a:endParaRPr lang="en-US"/>
           </a:p>
@@ -1971,7 +1971,7 @@
           <a:p>
             <a:fld id="{D8F2F205-24F8-4489-8B05-D7769DC60EDD}" type="datetimeFigureOut">
               <a:rPr lang="en-US" smtClean="0"/>
-              <a:t>9/17/2025</a:t>
+              <a:t>9/18/2025</a:t>
             </a:fld>
             <a:endParaRPr lang="en-US"/>
           </a:p>
@@ -2084,7 +2084,7 @@
           <a:p>
             <a:fld id="{D8F2F205-24F8-4489-8B05-D7769DC60EDD}" type="datetimeFigureOut">
               <a:rPr lang="en-US" smtClean="0"/>
-              <a:t>9/17/2025</a:t>
+              <a:t>9/18/2025</a:t>
             </a:fld>
             <a:endParaRPr lang="en-US"/>
           </a:p>
@@ -2395,7 +2395,7 @@
           <a:p>
             <a:fld id="{D8F2F205-24F8-4489-8B05-D7769DC60EDD}" type="datetimeFigureOut">
               <a:rPr lang="en-US" smtClean="0"/>
-              <a:t>9/17/2025</a:t>
+              <a:t>9/18/2025</a:t>
             </a:fld>
             <a:endParaRPr lang="en-US"/>
           </a:p>
@@ -2683,7 +2683,7 @@
           <a:p>
             <a:fld id="{D8F2F205-24F8-4489-8B05-D7769DC60EDD}" type="datetimeFigureOut">
               <a:rPr lang="en-US" smtClean="0"/>
-              <a:t>9/17/2025</a:t>
+              <a:t>9/18/2025</a:t>
             </a:fld>
             <a:endParaRPr lang="en-US"/>
           </a:p>
@@ -2924,7 +2924,7 @@
           <a:p>
             <a:fld id="{D8F2F205-24F8-4489-8B05-D7769DC60EDD}" type="datetimeFigureOut">
               <a:rPr lang="en-US" smtClean="0"/>
-              <a:t>9/17/2025</a:t>
+              <a:t>9/18/2025</a:t>
             </a:fld>
             <a:endParaRPr lang="en-US"/>
           </a:p>
@@ -15012,7 +15012,7 @@
             <p:spPr>
               <a:xfrm>
                 <a:off x="635000" y="1201837"/>
-                <a:ext cx="10922000" cy="3160289"/>
+                <a:ext cx="10922000" cy="5100692"/>
               </a:xfrm>
               <a:prstGeom prst="rect">
                 <a:avLst/>
@@ -15597,7 +15597,7 @@
                 </a:r>
                 <a:r>
                   <a:rPr lang="en-US" dirty="0"/>
-                  <a:t> probability</a:t>
+                  <a:t> probability, i.e., whether there is any object in the grid cell, independent of classes</a:t>
                 </a:r>
               </a:p>
               <a:p>
@@ -15707,7 +15707,38 @@
                 </a14:m>
                 <a:r>
                   <a:rPr lang="en-US" dirty="0"/>
-                  <a:t> is class probability.</a:t>
+                  <a:t> is class probability, predicting which classes the object belongs to, conditioned on there being an object.</a:t>
+                </a:r>
+              </a:p>
+              <a:p>
+                <a:pPr>
+                  <a:lnSpc>
+                    <a:spcPct val="140000"/>
+                  </a:lnSpc>
+                </a:pPr>
+                <a:r>
+                  <a:rPr lang="en-US" dirty="0" err="1"/>
+                  <a:t>Objectness</a:t>
+                </a:r>
+                <a:r>
+                  <a:rPr lang="en-US" dirty="0"/>
+                  <a:t> and classification are trained independently. In other words, </a:t>
+                </a:r>
+                <a:r>
+                  <a:rPr lang="en-US" dirty="0" err="1"/>
+                  <a:t>objectness</a:t>
+                </a:r>
+                <a:r>
+                  <a:rPr lang="en-US" dirty="0"/>
+                  <a:t> probability is not used in computing classification loss. Classification loss is computed on only positive samples (objects exist) while </a:t>
+                </a:r>
+                <a:r>
+                  <a:rPr lang="en-US" dirty="0" err="1"/>
+                  <a:t>objectness</a:t>
+                </a:r>
+                <a:r>
+                  <a:rPr lang="en-US" dirty="0"/>
+                  <a:t> loss is computed on both positive and negative samples (all anchors)</a:t>
                 </a:r>
               </a:p>
             </p:txBody>
@@ -15731,7 +15762,7 @@
             <p:spPr>
               <a:xfrm>
                 <a:off x="635000" y="1201837"/>
-                <a:ext cx="10922000" cy="3160289"/>
+                <a:ext cx="10922000" cy="5100692"/>
               </a:xfrm>
               <a:prstGeom prst="rect">
                 <a:avLst/>
@@ -15739,7 +15770,7 @@
               <a:blipFill>
                 <a:blip r:embed="rId2"/>
                 <a:stretch>
-                  <a:fillRect l="-446" r="-279" b="-2119"/>
+                  <a:fillRect l="-446" r="-279" b="-956"/>
                 </a:stretch>
               </a:blipFill>
             </p:spPr>
